--- a/ML-Laue.pptx
+++ b/ML-Laue.pptx
@@ -6,11 +6,14 @@
   </p:sldMasterIdLst>
   <p:sldIdLst>
     <p:sldId id="256" r:id="rId2"/>
-    <p:sldId id="257" r:id="rId3"/>
-    <p:sldId id="258" r:id="rId4"/>
-    <p:sldId id="259" r:id="rId5"/>
-    <p:sldId id="260" r:id="rId6"/>
-    <p:sldId id="261" r:id="rId7"/>
+    <p:sldId id="263" r:id="rId3"/>
+    <p:sldId id="264" r:id="rId4"/>
+    <p:sldId id="262" r:id="rId5"/>
+    <p:sldId id="257" r:id="rId6"/>
+    <p:sldId id="258" r:id="rId7"/>
+    <p:sldId id="260" r:id="rId8"/>
+    <p:sldId id="259" r:id="rId9"/>
+    <p:sldId id="261" r:id="rId10"/>
   </p:sldIdLst>
   <p:sldSz cx="12192000" cy="6858000"/>
   <p:notesSz cx="6858000" cy="9144000"/>
@@ -117,6 +120,6589 @@
 </p:presentation>
 </file>
 
+<file path=ppt/diagrams/colors1.xml><?xml version="1.0" encoding="utf-8"?>
+<dgm:colorsDef xmlns:dgm="http://schemas.openxmlformats.org/drawingml/2006/diagram" xmlns:a="http://schemas.openxmlformats.org/drawingml/2006/main" uniqueId="urn:microsoft.com/office/officeart/2005/8/colors/accent1_2">
+  <dgm:title val=""/>
+  <dgm:desc val=""/>
+  <dgm:catLst>
+    <dgm:cat type="accent1" pri="11200"/>
+  </dgm:catLst>
+  <dgm:styleLbl name="node0">
+    <dgm:fillClrLst meth="repeat">
+      <a:schemeClr val="accent1"/>
+    </dgm:fillClrLst>
+    <dgm:linClrLst meth="repeat">
+      <a:schemeClr val="lt1"/>
+    </dgm:linClrLst>
+    <dgm:effectClrLst/>
+    <dgm:txLinClrLst/>
+    <dgm:txFillClrLst/>
+    <dgm:txEffectClrLst/>
+  </dgm:styleLbl>
+  <dgm:styleLbl name="alignNode1">
+    <dgm:fillClrLst meth="repeat">
+      <a:schemeClr val="accent1"/>
+    </dgm:fillClrLst>
+    <dgm:linClrLst meth="repeat">
+      <a:schemeClr val="accent1"/>
+    </dgm:linClrLst>
+    <dgm:effectClrLst/>
+    <dgm:txLinClrLst/>
+    <dgm:txFillClrLst/>
+    <dgm:txEffectClrLst/>
+  </dgm:styleLbl>
+  <dgm:styleLbl name="node1">
+    <dgm:fillClrLst meth="repeat">
+      <a:schemeClr val="accent1"/>
+    </dgm:fillClrLst>
+    <dgm:linClrLst meth="repeat">
+      <a:schemeClr val="lt1"/>
+    </dgm:linClrLst>
+    <dgm:effectClrLst/>
+    <dgm:txLinClrLst/>
+    <dgm:txFillClrLst/>
+    <dgm:txEffectClrLst/>
+  </dgm:styleLbl>
+  <dgm:styleLbl name="lnNode1">
+    <dgm:fillClrLst meth="repeat">
+      <a:schemeClr val="accent1"/>
+    </dgm:fillClrLst>
+    <dgm:linClrLst meth="repeat">
+      <a:schemeClr val="lt1"/>
+    </dgm:linClrLst>
+    <dgm:effectClrLst/>
+    <dgm:txLinClrLst/>
+    <dgm:txFillClrLst/>
+    <dgm:txEffectClrLst/>
+  </dgm:styleLbl>
+  <dgm:styleLbl name="vennNode1">
+    <dgm:fillClrLst meth="repeat">
+      <a:schemeClr val="accent1">
+        <a:alpha val="50000"/>
+      </a:schemeClr>
+    </dgm:fillClrLst>
+    <dgm:linClrLst meth="repeat">
+      <a:schemeClr val="lt1"/>
+    </dgm:linClrLst>
+    <dgm:effectClrLst/>
+    <dgm:txLinClrLst/>
+    <dgm:txFillClrLst/>
+    <dgm:txEffectClrLst/>
+  </dgm:styleLbl>
+  <dgm:styleLbl name="node2">
+    <dgm:fillClrLst meth="repeat">
+      <a:schemeClr val="accent1"/>
+    </dgm:fillClrLst>
+    <dgm:linClrLst meth="repeat">
+      <a:schemeClr val="lt1"/>
+    </dgm:linClrLst>
+    <dgm:effectClrLst/>
+    <dgm:txLinClrLst/>
+    <dgm:txFillClrLst/>
+    <dgm:txEffectClrLst/>
+  </dgm:styleLbl>
+  <dgm:styleLbl name="node3">
+    <dgm:fillClrLst meth="repeat">
+      <a:schemeClr val="accent1"/>
+    </dgm:fillClrLst>
+    <dgm:linClrLst meth="repeat">
+      <a:schemeClr val="lt1"/>
+    </dgm:linClrLst>
+    <dgm:effectClrLst/>
+    <dgm:txLinClrLst/>
+    <dgm:txFillClrLst/>
+    <dgm:txEffectClrLst/>
+  </dgm:styleLbl>
+  <dgm:styleLbl name="node4">
+    <dgm:fillClrLst meth="repeat">
+      <a:schemeClr val="accent1"/>
+    </dgm:fillClrLst>
+    <dgm:linClrLst meth="repeat">
+      <a:schemeClr val="lt1"/>
+    </dgm:linClrLst>
+    <dgm:effectClrLst/>
+    <dgm:txLinClrLst/>
+    <dgm:txFillClrLst/>
+    <dgm:txEffectClrLst/>
+  </dgm:styleLbl>
+  <dgm:styleLbl name="fgImgPlace1">
+    <dgm:fillClrLst meth="repeat">
+      <a:schemeClr val="accent1">
+        <a:tint val="50000"/>
+      </a:schemeClr>
+    </dgm:fillClrLst>
+    <dgm:linClrLst meth="repeat">
+      <a:schemeClr val="lt1"/>
+    </dgm:linClrLst>
+    <dgm:effectClrLst/>
+    <dgm:txLinClrLst/>
+    <dgm:txFillClrLst meth="repeat">
+      <a:schemeClr val="lt1"/>
+    </dgm:txFillClrLst>
+    <dgm:txEffectClrLst/>
+  </dgm:styleLbl>
+  <dgm:styleLbl name="alignImgPlace1">
+    <dgm:fillClrLst meth="repeat">
+      <a:schemeClr val="accent1">
+        <a:tint val="50000"/>
+      </a:schemeClr>
+    </dgm:fillClrLst>
+    <dgm:linClrLst meth="repeat">
+      <a:schemeClr val="lt1"/>
+    </dgm:linClrLst>
+    <dgm:effectClrLst/>
+    <dgm:txLinClrLst/>
+    <dgm:txFillClrLst meth="repeat">
+      <a:schemeClr val="lt1"/>
+    </dgm:txFillClrLst>
+    <dgm:txEffectClrLst/>
+  </dgm:styleLbl>
+  <dgm:styleLbl name="bgImgPlace1">
+    <dgm:fillClrLst meth="repeat">
+      <a:schemeClr val="accent1">
+        <a:tint val="50000"/>
+      </a:schemeClr>
+    </dgm:fillClrLst>
+    <dgm:linClrLst meth="repeat">
+      <a:schemeClr val="lt1"/>
+    </dgm:linClrLst>
+    <dgm:effectClrLst/>
+    <dgm:txLinClrLst/>
+    <dgm:txFillClrLst meth="repeat">
+      <a:schemeClr val="lt1"/>
+    </dgm:txFillClrLst>
+    <dgm:txEffectClrLst/>
+  </dgm:styleLbl>
+  <dgm:styleLbl name="sibTrans2D1">
+    <dgm:fillClrLst meth="repeat">
+      <a:schemeClr val="accent1">
+        <a:tint val="60000"/>
+      </a:schemeClr>
+    </dgm:fillClrLst>
+    <dgm:linClrLst meth="repeat">
+      <a:schemeClr val="accent1">
+        <a:tint val="60000"/>
+      </a:schemeClr>
+    </dgm:linClrLst>
+    <dgm:effectClrLst/>
+    <dgm:txLinClrLst/>
+    <dgm:txFillClrLst/>
+    <dgm:txEffectClrLst/>
+  </dgm:styleLbl>
+  <dgm:styleLbl name="fgSibTrans2D1">
+    <dgm:fillClrLst meth="repeat">
+      <a:schemeClr val="accent1">
+        <a:tint val="60000"/>
+      </a:schemeClr>
+    </dgm:fillClrLst>
+    <dgm:linClrLst meth="repeat">
+      <a:schemeClr val="accent1">
+        <a:tint val="60000"/>
+      </a:schemeClr>
+    </dgm:linClrLst>
+    <dgm:effectClrLst/>
+    <dgm:txLinClrLst/>
+    <dgm:txFillClrLst/>
+    <dgm:txEffectClrLst/>
+  </dgm:styleLbl>
+  <dgm:styleLbl name="bgSibTrans2D1">
+    <dgm:fillClrLst meth="repeat">
+      <a:schemeClr val="accent1">
+        <a:tint val="60000"/>
+      </a:schemeClr>
+    </dgm:fillClrLst>
+    <dgm:linClrLst meth="repeat">
+      <a:schemeClr val="accent1">
+        <a:tint val="60000"/>
+      </a:schemeClr>
+    </dgm:linClrLst>
+    <dgm:effectClrLst/>
+    <dgm:txLinClrLst/>
+    <dgm:txFillClrLst/>
+    <dgm:txEffectClrLst/>
+  </dgm:styleLbl>
+  <dgm:styleLbl name="sibTrans1D1">
+    <dgm:fillClrLst meth="repeat">
+      <a:schemeClr val="accent1"/>
+    </dgm:fillClrLst>
+    <dgm:linClrLst meth="repeat">
+      <a:schemeClr val="accent1"/>
+    </dgm:linClrLst>
+    <dgm:effectClrLst/>
+    <dgm:txLinClrLst/>
+    <dgm:txFillClrLst meth="repeat">
+      <a:schemeClr val="tx1"/>
+    </dgm:txFillClrLst>
+    <dgm:txEffectClrLst/>
+  </dgm:styleLbl>
+  <dgm:styleLbl name="callout">
+    <dgm:fillClrLst meth="repeat">
+      <a:schemeClr val="accent1"/>
+    </dgm:fillClrLst>
+    <dgm:linClrLst meth="repeat">
+      <a:schemeClr val="accent1">
+        <a:tint val="50000"/>
+      </a:schemeClr>
+    </dgm:linClrLst>
+    <dgm:effectClrLst/>
+    <dgm:txLinClrLst/>
+    <dgm:txFillClrLst meth="repeat">
+      <a:schemeClr val="tx1"/>
+    </dgm:txFillClrLst>
+    <dgm:txEffectClrLst/>
+  </dgm:styleLbl>
+  <dgm:styleLbl name="asst0">
+    <dgm:fillClrLst meth="repeat">
+      <a:schemeClr val="accent1"/>
+    </dgm:fillClrLst>
+    <dgm:linClrLst meth="repeat">
+      <a:schemeClr val="lt1"/>
+    </dgm:linClrLst>
+    <dgm:effectClrLst/>
+    <dgm:txLinClrLst/>
+    <dgm:txFillClrLst/>
+    <dgm:txEffectClrLst/>
+  </dgm:styleLbl>
+  <dgm:styleLbl name="asst1">
+    <dgm:fillClrLst meth="repeat">
+      <a:schemeClr val="accent1"/>
+    </dgm:fillClrLst>
+    <dgm:linClrLst meth="repeat">
+      <a:schemeClr val="lt1"/>
+    </dgm:linClrLst>
+    <dgm:effectClrLst/>
+    <dgm:txLinClrLst/>
+    <dgm:txFillClrLst/>
+    <dgm:txEffectClrLst/>
+  </dgm:styleLbl>
+  <dgm:styleLbl name="asst2">
+    <dgm:fillClrLst meth="repeat">
+      <a:schemeClr val="accent1"/>
+    </dgm:fillClrLst>
+    <dgm:linClrLst meth="repeat">
+      <a:schemeClr val="lt1"/>
+    </dgm:linClrLst>
+    <dgm:effectClrLst/>
+    <dgm:txLinClrLst/>
+    <dgm:txFillClrLst/>
+    <dgm:txEffectClrLst/>
+  </dgm:styleLbl>
+  <dgm:styleLbl name="asst3">
+    <dgm:fillClrLst meth="repeat">
+      <a:schemeClr val="accent1"/>
+    </dgm:fillClrLst>
+    <dgm:linClrLst meth="repeat">
+      <a:schemeClr val="lt1"/>
+    </dgm:linClrLst>
+    <dgm:effectClrLst/>
+    <dgm:txLinClrLst/>
+    <dgm:txFillClrLst/>
+    <dgm:txEffectClrLst/>
+  </dgm:styleLbl>
+  <dgm:styleLbl name="asst4">
+    <dgm:fillClrLst meth="repeat">
+      <a:schemeClr val="accent1"/>
+    </dgm:fillClrLst>
+    <dgm:linClrLst meth="repeat">
+      <a:schemeClr val="lt1"/>
+    </dgm:linClrLst>
+    <dgm:effectClrLst/>
+    <dgm:txLinClrLst/>
+    <dgm:txFillClrLst/>
+    <dgm:txEffectClrLst/>
+  </dgm:styleLbl>
+  <dgm:styleLbl name="parChTrans2D1">
+    <dgm:fillClrLst meth="repeat">
+      <a:schemeClr val="accent1">
+        <a:tint val="60000"/>
+      </a:schemeClr>
+    </dgm:fillClrLst>
+    <dgm:linClrLst meth="repeat">
+      <a:schemeClr val="accent1">
+        <a:tint val="60000"/>
+      </a:schemeClr>
+    </dgm:linClrLst>
+    <dgm:effectClrLst/>
+    <dgm:txLinClrLst/>
+    <dgm:txFillClrLst meth="repeat">
+      <a:schemeClr val="lt1"/>
+    </dgm:txFillClrLst>
+    <dgm:txEffectClrLst/>
+  </dgm:styleLbl>
+  <dgm:styleLbl name="parChTrans2D2">
+    <dgm:fillClrLst meth="repeat">
+      <a:schemeClr val="accent1"/>
+    </dgm:fillClrLst>
+    <dgm:linClrLst meth="repeat">
+      <a:schemeClr val="accent1"/>
+    </dgm:linClrLst>
+    <dgm:effectClrLst/>
+    <dgm:txLinClrLst/>
+    <dgm:txFillClrLst meth="repeat">
+      <a:schemeClr val="lt1"/>
+    </dgm:txFillClrLst>
+    <dgm:txEffectClrLst/>
+  </dgm:styleLbl>
+  <dgm:styleLbl name="parChTrans2D3">
+    <dgm:fillClrLst meth="repeat">
+      <a:schemeClr val="accent1"/>
+    </dgm:fillClrLst>
+    <dgm:linClrLst meth="repeat">
+      <a:schemeClr val="accent1"/>
+    </dgm:linClrLst>
+    <dgm:effectClrLst/>
+    <dgm:txLinClrLst/>
+    <dgm:txFillClrLst meth="repeat">
+      <a:schemeClr val="lt1"/>
+    </dgm:txFillClrLst>
+    <dgm:txEffectClrLst/>
+  </dgm:styleLbl>
+  <dgm:styleLbl name="parChTrans2D4">
+    <dgm:fillClrLst meth="repeat">
+      <a:schemeClr val="accent1"/>
+    </dgm:fillClrLst>
+    <dgm:linClrLst meth="repeat">
+      <a:schemeClr val="accent1"/>
+    </dgm:linClrLst>
+    <dgm:effectClrLst/>
+    <dgm:txLinClrLst/>
+    <dgm:txFillClrLst meth="repeat">
+      <a:schemeClr val="lt1"/>
+    </dgm:txFillClrLst>
+    <dgm:txEffectClrLst/>
+  </dgm:styleLbl>
+  <dgm:styleLbl name="parChTrans1D1">
+    <dgm:fillClrLst meth="repeat">
+      <a:schemeClr val="accent1"/>
+    </dgm:fillClrLst>
+    <dgm:linClrLst meth="repeat">
+      <a:schemeClr val="accent1">
+        <a:shade val="60000"/>
+      </a:schemeClr>
+    </dgm:linClrLst>
+    <dgm:effectClrLst/>
+    <dgm:txLinClrLst/>
+    <dgm:txFillClrLst meth="repeat">
+      <a:schemeClr val="tx1"/>
+    </dgm:txFillClrLst>
+    <dgm:txEffectClrLst/>
+  </dgm:styleLbl>
+  <dgm:styleLbl name="parChTrans1D2">
+    <dgm:fillClrLst meth="repeat">
+      <a:schemeClr val="accent1"/>
+    </dgm:fillClrLst>
+    <dgm:linClrLst meth="repeat">
+      <a:schemeClr val="accent1">
+        <a:shade val="60000"/>
+      </a:schemeClr>
+    </dgm:linClrLst>
+    <dgm:effectClrLst/>
+    <dgm:txLinClrLst/>
+    <dgm:txFillClrLst meth="repeat">
+      <a:schemeClr val="tx1"/>
+    </dgm:txFillClrLst>
+    <dgm:txEffectClrLst/>
+  </dgm:styleLbl>
+  <dgm:styleLbl name="parChTrans1D3">
+    <dgm:fillClrLst meth="repeat">
+      <a:schemeClr val="accent1"/>
+    </dgm:fillClrLst>
+    <dgm:linClrLst meth="repeat">
+      <a:schemeClr val="accent1">
+        <a:shade val="80000"/>
+      </a:schemeClr>
+    </dgm:linClrLst>
+    <dgm:effectClrLst/>
+    <dgm:txLinClrLst/>
+    <dgm:txFillClrLst meth="repeat">
+      <a:schemeClr val="tx1"/>
+    </dgm:txFillClrLst>
+    <dgm:txEffectClrLst/>
+  </dgm:styleLbl>
+  <dgm:styleLbl name="parChTrans1D4">
+    <dgm:fillClrLst meth="repeat">
+      <a:schemeClr val="accent1"/>
+    </dgm:fillClrLst>
+    <dgm:linClrLst meth="repeat">
+      <a:schemeClr val="accent1">
+        <a:shade val="80000"/>
+      </a:schemeClr>
+    </dgm:linClrLst>
+    <dgm:effectClrLst/>
+    <dgm:txLinClrLst/>
+    <dgm:txFillClrLst meth="repeat">
+      <a:schemeClr val="tx1"/>
+    </dgm:txFillClrLst>
+    <dgm:txEffectClrLst/>
+  </dgm:styleLbl>
+  <dgm:styleLbl name="fgAcc1">
+    <dgm:fillClrLst meth="repeat">
+      <a:schemeClr val="lt1">
+        <a:alpha val="90000"/>
+      </a:schemeClr>
+    </dgm:fillClrLst>
+    <dgm:linClrLst meth="repeat">
+      <a:schemeClr val="accent1"/>
+    </dgm:linClrLst>
+    <dgm:effectClrLst/>
+    <dgm:txLinClrLst/>
+    <dgm:txFillClrLst meth="repeat">
+      <a:schemeClr val="dk1"/>
+    </dgm:txFillClrLst>
+    <dgm:txEffectClrLst/>
+  </dgm:styleLbl>
+  <dgm:styleLbl name="conFgAcc1">
+    <dgm:fillClrLst meth="repeat">
+      <a:schemeClr val="lt1">
+        <a:alpha val="90000"/>
+      </a:schemeClr>
+    </dgm:fillClrLst>
+    <dgm:linClrLst meth="repeat">
+      <a:schemeClr val="accent1"/>
+    </dgm:linClrLst>
+    <dgm:effectClrLst/>
+    <dgm:txLinClrLst/>
+    <dgm:txFillClrLst meth="repeat">
+      <a:schemeClr val="dk1"/>
+    </dgm:txFillClrLst>
+    <dgm:txEffectClrLst/>
+  </dgm:styleLbl>
+  <dgm:styleLbl name="alignAcc1">
+    <dgm:fillClrLst meth="repeat">
+      <a:schemeClr val="lt1">
+        <a:alpha val="90000"/>
+      </a:schemeClr>
+    </dgm:fillClrLst>
+    <dgm:linClrLst meth="repeat">
+      <a:schemeClr val="accent1"/>
+    </dgm:linClrLst>
+    <dgm:effectClrLst/>
+    <dgm:txLinClrLst/>
+    <dgm:txFillClrLst meth="repeat">
+      <a:schemeClr val="dk1"/>
+    </dgm:txFillClrLst>
+    <dgm:txEffectClrLst/>
+  </dgm:styleLbl>
+  <dgm:styleLbl name="trAlignAcc1">
+    <dgm:fillClrLst meth="repeat">
+      <a:schemeClr val="lt1">
+        <a:alpha val="40000"/>
+      </a:schemeClr>
+    </dgm:fillClrLst>
+    <dgm:linClrLst meth="repeat">
+      <a:schemeClr val="accent1"/>
+    </dgm:linClrLst>
+    <dgm:effectClrLst/>
+    <dgm:txLinClrLst/>
+    <dgm:txFillClrLst meth="repeat">
+      <a:schemeClr val="dk1"/>
+    </dgm:txFillClrLst>
+    <dgm:txEffectClrLst/>
+  </dgm:styleLbl>
+  <dgm:styleLbl name="bgAcc1">
+    <dgm:fillClrLst meth="repeat">
+      <a:schemeClr val="lt1">
+        <a:alpha val="90000"/>
+      </a:schemeClr>
+    </dgm:fillClrLst>
+    <dgm:linClrLst meth="repeat">
+      <a:schemeClr val="accent1"/>
+    </dgm:linClrLst>
+    <dgm:effectClrLst/>
+    <dgm:txLinClrLst/>
+    <dgm:txFillClrLst meth="repeat">
+      <a:schemeClr val="dk1"/>
+    </dgm:txFillClrLst>
+    <dgm:txEffectClrLst/>
+  </dgm:styleLbl>
+  <dgm:styleLbl name="solidFgAcc1">
+    <dgm:fillClrLst meth="repeat">
+      <a:schemeClr val="lt1"/>
+    </dgm:fillClrLst>
+    <dgm:linClrLst meth="repeat">
+      <a:schemeClr val="accent1"/>
+    </dgm:linClrLst>
+    <dgm:effectClrLst/>
+    <dgm:txLinClrLst/>
+    <dgm:txFillClrLst meth="repeat">
+      <a:schemeClr val="dk1"/>
+    </dgm:txFillClrLst>
+    <dgm:txEffectClrLst/>
+  </dgm:styleLbl>
+  <dgm:styleLbl name="solidAlignAcc1">
+    <dgm:fillClrLst meth="repeat">
+      <a:schemeClr val="lt1"/>
+    </dgm:fillClrLst>
+    <dgm:linClrLst meth="repeat">
+      <a:schemeClr val="accent1"/>
+    </dgm:linClrLst>
+    <dgm:effectClrLst/>
+    <dgm:txLinClrLst/>
+    <dgm:txFillClrLst meth="repeat">
+      <a:schemeClr val="dk1"/>
+    </dgm:txFillClrLst>
+    <dgm:txEffectClrLst/>
+  </dgm:styleLbl>
+  <dgm:styleLbl name="solidBgAcc1">
+    <dgm:fillClrLst meth="repeat">
+      <a:schemeClr val="lt1"/>
+    </dgm:fillClrLst>
+    <dgm:linClrLst meth="repeat">
+      <a:schemeClr val="accent1"/>
+    </dgm:linClrLst>
+    <dgm:effectClrLst/>
+    <dgm:txLinClrLst/>
+    <dgm:txFillClrLst meth="repeat">
+      <a:schemeClr val="dk1"/>
+    </dgm:txFillClrLst>
+    <dgm:txEffectClrLst/>
+  </dgm:styleLbl>
+  <dgm:styleLbl name="fgAccFollowNode1">
+    <dgm:fillClrLst meth="repeat">
+      <a:schemeClr val="accent1">
+        <a:alpha val="90000"/>
+        <a:tint val="40000"/>
+      </a:schemeClr>
+    </dgm:fillClrLst>
+    <dgm:linClrLst meth="repeat">
+      <a:schemeClr val="accent1">
+        <a:alpha val="90000"/>
+        <a:tint val="40000"/>
+      </a:schemeClr>
+    </dgm:linClrLst>
+    <dgm:effectClrLst/>
+    <dgm:txLinClrLst/>
+    <dgm:txFillClrLst meth="repeat">
+      <a:schemeClr val="dk1"/>
+    </dgm:txFillClrLst>
+    <dgm:txEffectClrLst/>
+  </dgm:styleLbl>
+  <dgm:styleLbl name="alignAccFollowNode1">
+    <dgm:fillClrLst meth="repeat">
+      <a:schemeClr val="accent1">
+        <a:alpha val="90000"/>
+        <a:tint val="40000"/>
+      </a:schemeClr>
+    </dgm:fillClrLst>
+    <dgm:linClrLst meth="repeat">
+      <a:schemeClr val="accent1">
+        <a:alpha val="90000"/>
+        <a:tint val="40000"/>
+      </a:schemeClr>
+    </dgm:linClrLst>
+    <dgm:effectClrLst/>
+    <dgm:txLinClrLst/>
+    <dgm:txFillClrLst meth="repeat">
+      <a:schemeClr val="dk1"/>
+    </dgm:txFillClrLst>
+    <dgm:txEffectClrLst/>
+  </dgm:styleLbl>
+  <dgm:styleLbl name="bgAccFollowNode1">
+    <dgm:fillClrLst meth="repeat">
+      <a:schemeClr val="accent1">
+        <a:alpha val="90000"/>
+        <a:tint val="40000"/>
+      </a:schemeClr>
+    </dgm:fillClrLst>
+    <dgm:linClrLst meth="repeat">
+      <a:schemeClr val="accent1">
+        <a:alpha val="90000"/>
+        <a:tint val="40000"/>
+      </a:schemeClr>
+    </dgm:linClrLst>
+    <dgm:effectClrLst/>
+    <dgm:txLinClrLst/>
+    <dgm:txFillClrLst meth="repeat">
+      <a:schemeClr val="dk1"/>
+    </dgm:txFillClrLst>
+    <dgm:txEffectClrLst/>
+  </dgm:styleLbl>
+  <dgm:styleLbl name="fgAcc0">
+    <dgm:fillClrLst meth="repeat">
+      <a:schemeClr val="lt1">
+        <a:alpha val="90000"/>
+      </a:schemeClr>
+    </dgm:fillClrLst>
+    <dgm:linClrLst meth="repeat">
+      <a:schemeClr val="accent1"/>
+    </dgm:linClrLst>
+    <dgm:effectClrLst/>
+    <dgm:txLinClrLst/>
+    <dgm:txFillClrLst meth="repeat">
+      <a:schemeClr val="dk1"/>
+    </dgm:txFillClrLst>
+    <dgm:txEffectClrLst/>
+  </dgm:styleLbl>
+  <dgm:styleLbl name="fgAcc2">
+    <dgm:fillClrLst meth="repeat">
+      <a:schemeClr val="lt1">
+        <a:alpha val="90000"/>
+      </a:schemeClr>
+    </dgm:fillClrLst>
+    <dgm:linClrLst meth="repeat">
+      <a:schemeClr val="accent1"/>
+    </dgm:linClrLst>
+    <dgm:effectClrLst/>
+    <dgm:txLinClrLst/>
+    <dgm:txFillClrLst meth="repeat">
+      <a:schemeClr val="dk1"/>
+    </dgm:txFillClrLst>
+    <dgm:txEffectClrLst/>
+  </dgm:styleLbl>
+  <dgm:styleLbl name="fgAcc3">
+    <dgm:fillClrLst meth="repeat">
+      <a:schemeClr val="lt1">
+        <a:alpha val="90000"/>
+      </a:schemeClr>
+    </dgm:fillClrLst>
+    <dgm:linClrLst meth="repeat">
+      <a:schemeClr val="accent1"/>
+    </dgm:linClrLst>
+    <dgm:effectClrLst/>
+    <dgm:txLinClrLst/>
+    <dgm:txFillClrLst meth="repeat">
+      <a:schemeClr val="dk1"/>
+    </dgm:txFillClrLst>
+    <dgm:txEffectClrLst/>
+  </dgm:styleLbl>
+  <dgm:styleLbl name="fgAcc4">
+    <dgm:fillClrLst meth="repeat">
+      <a:schemeClr val="lt1">
+        <a:alpha val="90000"/>
+      </a:schemeClr>
+    </dgm:fillClrLst>
+    <dgm:linClrLst meth="repeat">
+      <a:schemeClr val="accent1"/>
+    </dgm:linClrLst>
+    <dgm:effectClrLst/>
+    <dgm:txLinClrLst/>
+    <dgm:txFillClrLst meth="repeat">
+      <a:schemeClr val="dk1"/>
+    </dgm:txFillClrLst>
+    <dgm:txEffectClrLst/>
+  </dgm:styleLbl>
+  <dgm:styleLbl name="bgShp">
+    <dgm:fillClrLst meth="repeat">
+      <a:schemeClr val="accent1">
+        <a:tint val="40000"/>
+      </a:schemeClr>
+    </dgm:fillClrLst>
+    <dgm:linClrLst meth="repeat">
+      <a:schemeClr val="accent1"/>
+    </dgm:linClrLst>
+    <dgm:effectClrLst/>
+    <dgm:txLinClrLst/>
+    <dgm:txFillClrLst meth="repeat">
+      <a:schemeClr val="dk1"/>
+    </dgm:txFillClrLst>
+    <dgm:txEffectClrLst/>
+  </dgm:styleLbl>
+  <dgm:styleLbl name="dkBgShp">
+    <dgm:fillClrLst meth="repeat">
+      <a:schemeClr val="accent1">
+        <a:shade val="80000"/>
+      </a:schemeClr>
+    </dgm:fillClrLst>
+    <dgm:linClrLst meth="repeat">
+      <a:schemeClr val="accent1"/>
+    </dgm:linClrLst>
+    <dgm:effectClrLst/>
+    <dgm:txLinClrLst/>
+    <dgm:txFillClrLst meth="repeat">
+      <a:schemeClr val="lt1"/>
+    </dgm:txFillClrLst>
+    <dgm:txEffectClrLst/>
+  </dgm:styleLbl>
+  <dgm:styleLbl name="trBgShp">
+    <dgm:fillClrLst meth="repeat">
+      <a:schemeClr val="accent1">
+        <a:tint val="50000"/>
+        <a:alpha val="40000"/>
+      </a:schemeClr>
+    </dgm:fillClrLst>
+    <dgm:linClrLst meth="repeat">
+      <a:schemeClr val="accent1"/>
+    </dgm:linClrLst>
+    <dgm:effectClrLst/>
+    <dgm:txLinClrLst/>
+    <dgm:txFillClrLst meth="repeat">
+      <a:schemeClr val="lt1"/>
+    </dgm:txFillClrLst>
+    <dgm:txEffectClrLst/>
+  </dgm:styleLbl>
+  <dgm:styleLbl name="fgShp">
+    <dgm:fillClrLst meth="repeat">
+      <a:schemeClr val="accent1">
+        <a:tint val="60000"/>
+      </a:schemeClr>
+    </dgm:fillClrLst>
+    <dgm:linClrLst meth="repeat">
+      <a:schemeClr val="lt1"/>
+    </dgm:linClrLst>
+    <dgm:effectClrLst/>
+    <dgm:txLinClrLst/>
+    <dgm:txFillClrLst meth="repeat">
+      <a:schemeClr val="dk1"/>
+    </dgm:txFillClrLst>
+    <dgm:txEffectClrLst/>
+  </dgm:styleLbl>
+  <dgm:styleLbl name="revTx">
+    <dgm:fillClrLst meth="repeat">
+      <a:schemeClr val="lt1">
+        <a:alpha val="0"/>
+      </a:schemeClr>
+    </dgm:fillClrLst>
+    <dgm:linClrLst meth="repeat">
+      <a:schemeClr val="dk1">
+        <a:alpha val="0"/>
+      </a:schemeClr>
+    </dgm:linClrLst>
+    <dgm:effectClrLst/>
+    <dgm:txLinClrLst/>
+    <dgm:txFillClrLst meth="repeat">
+      <a:schemeClr val="tx1"/>
+    </dgm:txFillClrLst>
+    <dgm:txEffectClrLst/>
+  </dgm:styleLbl>
+</dgm:colorsDef>
+</file>
+
+<file path=ppt/diagrams/colors2.xml><?xml version="1.0" encoding="utf-8"?>
+<dgm:colorsDef xmlns:dgm="http://schemas.openxmlformats.org/drawingml/2006/diagram" xmlns:a="http://schemas.openxmlformats.org/drawingml/2006/main" uniqueId="urn:microsoft.com/office/officeart/2005/8/colors/accent1_2">
+  <dgm:title val=""/>
+  <dgm:desc val=""/>
+  <dgm:catLst>
+    <dgm:cat type="accent1" pri="11200"/>
+  </dgm:catLst>
+  <dgm:styleLbl name="node0">
+    <dgm:fillClrLst meth="repeat">
+      <a:schemeClr val="accent1"/>
+    </dgm:fillClrLst>
+    <dgm:linClrLst meth="repeat">
+      <a:schemeClr val="lt1"/>
+    </dgm:linClrLst>
+    <dgm:effectClrLst/>
+    <dgm:txLinClrLst/>
+    <dgm:txFillClrLst/>
+    <dgm:txEffectClrLst/>
+  </dgm:styleLbl>
+  <dgm:styleLbl name="alignNode1">
+    <dgm:fillClrLst meth="repeat">
+      <a:schemeClr val="accent1"/>
+    </dgm:fillClrLst>
+    <dgm:linClrLst meth="repeat">
+      <a:schemeClr val="accent1"/>
+    </dgm:linClrLst>
+    <dgm:effectClrLst/>
+    <dgm:txLinClrLst/>
+    <dgm:txFillClrLst/>
+    <dgm:txEffectClrLst/>
+  </dgm:styleLbl>
+  <dgm:styleLbl name="node1">
+    <dgm:fillClrLst meth="repeat">
+      <a:schemeClr val="accent1"/>
+    </dgm:fillClrLst>
+    <dgm:linClrLst meth="repeat">
+      <a:schemeClr val="lt1"/>
+    </dgm:linClrLst>
+    <dgm:effectClrLst/>
+    <dgm:txLinClrLst/>
+    <dgm:txFillClrLst/>
+    <dgm:txEffectClrLst/>
+  </dgm:styleLbl>
+  <dgm:styleLbl name="lnNode1">
+    <dgm:fillClrLst meth="repeat">
+      <a:schemeClr val="accent1"/>
+    </dgm:fillClrLst>
+    <dgm:linClrLst meth="repeat">
+      <a:schemeClr val="lt1"/>
+    </dgm:linClrLst>
+    <dgm:effectClrLst/>
+    <dgm:txLinClrLst/>
+    <dgm:txFillClrLst/>
+    <dgm:txEffectClrLst/>
+  </dgm:styleLbl>
+  <dgm:styleLbl name="vennNode1">
+    <dgm:fillClrLst meth="repeat">
+      <a:schemeClr val="accent1">
+        <a:alpha val="50000"/>
+      </a:schemeClr>
+    </dgm:fillClrLst>
+    <dgm:linClrLst meth="repeat">
+      <a:schemeClr val="lt1"/>
+    </dgm:linClrLst>
+    <dgm:effectClrLst/>
+    <dgm:txLinClrLst/>
+    <dgm:txFillClrLst/>
+    <dgm:txEffectClrLst/>
+  </dgm:styleLbl>
+  <dgm:styleLbl name="node2">
+    <dgm:fillClrLst meth="repeat">
+      <a:schemeClr val="accent1"/>
+    </dgm:fillClrLst>
+    <dgm:linClrLst meth="repeat">
+      <a:schemeClr val="lt1"/>
+    </dgm:linClrLst>
+    <dgm:effectClrLst/>
+    <dgm:txLinClrLst/>
+    <dgm:txFillClrLst/>
+    <dgm:txEffectClrLst/>
+  </dgm:styleLbl>
+  <dgm:styleLbl name="node3">
+    <dgm:fillClrLst meth="repeat">
+      <a:schemeClr val="accent1"/>
+    </dgm:fillClrLst>
+    <dgm:linClrLst meth="repeat">
+      <a:schemeClr val="lt1"/>
+    </dgm:linClrLst>
+    <dgm:effectClrLst/>
+    <dgm:txLinClrLst/>
+    <dgm:txFillClrLst/>
+    <dgm:txEffectClrLst/>
+  </dgm:styleLbl>
+  <dgm:styleLbl name="node4">
+    <dgm:fillClrLst meth="repeat">
+      <a:schemeClr val="accent1"/>
+    </dgm:fillClrLst>
+    <dgm:linClrLst meth="repeat">
+      <a:schemeClr val="lt1"/>
+    </dgm:linClrLst>
+    <dgm:effectClrLst/>
+    <dgm:txLinClrLst/>
+    <dgm:txFillClrLst/>
+    <dgm:txEffectClrLst/>
+  </dgm:styleLbl>
+  <dgm:styleLbl name="fgImgPlace1">
+    <dgm:fillClrLst meth="repeat">
+      <a:schemeClr val="accent1">
+        <a:tint val="50000"/>
+      </a:schemeClr>
+    </dgm:fillClrLst>
+    <dgm:linClrLst meth="repeat">
+      <a:schemeClr val="lt1"/>
+    </dgm:linClrLst>
+    <dgm:effectClrLst/>
+    <dgm:txLinClrLst/>
+    <dgm:txFillClrLst meth="repeat">
+      <a:schemeClr val="lt1"/>
+    </dgm:txFillClrLst>
+    <dgm:txEffectClrLst/>
+  </dgm:styleLbl>
+  <dgm:styleLbl name="alignImgPlace1">
+    <dgm:fillClrLst meth="repeat">
+      <a:schemeClr val="accent1">
+        <a:tint val="50000"/>
+      </a:schemeClr>
+    </dgm:fillClrLst>
+    <dgm:linClrLst meth="repeat">
+      <a:schemeClr val="lt1"/>
+    </dgm:linClrLst>
+    <dgm:effectClrLst/>
+    <dgm:txLinClrLst/>
+    <dgm:txFillClrLst meth="repeat">
+      <a:schemeClr val="lt1"/>
+    </dgm:txFillClrLst>
+    <dgm:txEffectClrLst/>
+  </dgm:styleLbl>
+  <dgm:styleLbl name="bgImgPlace1">
+    <dgm:fillClrLst meth="repeat">
+      <a:schemeClr val="accent1">
+        <a:tint val="50000"/>
+      </a:schemeClr>
+    </dgm:fillClrLst>
+    <dgm:linClrLst meth="repeat">
+      <a:schemeClr val="lt1"/>
+    </dgm:linClrLst>
+    <dgm:effectClrLst/>
+    <dgm:txLinClrLst/>
+    <dgm:txFillClrLst meth="repeat">
+      <a:schemeClr val="lt1"/>
+    </dgm:txFillClrLst>
+    <dgm:txEffectClrLst/>
+  </dgm:styleLbl>
+  <dgm:styleLbl name="sibTrans2D1">
+    <dgm:fillClrLst meth="repeat">
+      <a:schemeClr val="accent1">
+        <a:tint val="60000"/>
+      </a:schemeClr>
+    </dgm:fillClrLst>
+    <dgm:linClrLst meth="repeat">
+      <a:schemeClr val="accent1">
+        <a:tint val="60000"/>
+      </a:schemeClr>
+    </dgm:linClrLst>
+    <dgm:effectClrLst/>
+    <dgm:txLinClrLst/>
+    <dgm:txFillClrLst/>
+    <dgm:txEffectClrLst/>
+  </dgm:styleLbl>
+  <dgm:styleLbl name="fgSibTrans2D1">
+    <dgm:fillClrLst meth="repeat">
+      <a:schemeClr val="accent1">
+        <a:tint val="60000"/>
+      </a:schemeClr>
+    </dgm:fillClrLst>
+    <dgm:linClrLst meth="repeat">
+      <a:schemeClr val="accent1">
+        <a:tint val="60000"/>
+      </a:schemeClr>
+    </dgm:linClrLst>
+    <dgm:effectClrLst/>
+    <dgm:txLinClrLst/>
+    <dgm:txFillClrLst/>
+    <dgm:txEffectClrLst/>
+  </dgm:styleLbl>
+  <dgm:styleLbl name="bgSibTrans2D1">
+    <dgm:fillClrLst meth="repeat">
+      <a:schemeClr val="accent1">
+        <a:tint val="60000"/>
+      </a:schemeClr>
+    </dgm:fillClrLst>
+    <dgm:linClrLst meth="repeat">
+      <a:schemeClr val="accent1">
+        <a:tint val="60000"/>
+      </a:schemeClr>
+    </dgm:linClrLst>
+    <dgm:effectClrLst/>
+    <dgm:txLinClrLst/>
+    <dgm:txFillClrLst/>
+    <dgm:txEffectClrLst/>
+  </dgm:styleLbl>
+  <dgm:styleLbl name="sibTrans1D1">
+    <dgm:fillClrLst meth="repeat">
+      <a:schemeClr val="accent1"/>
+    </dgm:fillClrLst>
+    <dgm:linClrLst meth="repeat">
+      <a:schemeClr val="accent1"/>
+    </dgm:linClrLst>
+    <dgm:effectClrLst/>
+    <dgm:txLinClrLst/>
+    <dgm:txFillClrLst meth="repeat">
+      <a:schemeClr val="tx1"/>
+    </dgm:txFillClrLst>
+    <dgm:txEffectClrLst/>
+  </dgm:styleLbl>
+  <dgm:styleLbl name="callout">
+    <dgm:fillClrLst meth="repeat">
+      <a:schemeClr val="accent1"/>
+    </dgm:fillClrLst>
+    <dgm:linClrLst meth="repeat">
+      <a:schemeClr val="accent1">
+        <a:tint val="50000"/>
+      </a:schemeClr>
+    </dgm:linClrLst>
+    <dgm:effectClrLst/>
+    <dgm:txLinClrLst/>
+    <dgm:txFillClrLst meth="repeat">
+      <a:schemeClr val="tx1"/>
+    </dgm:txFillClrLst>
+    <dgm:txEffectClrLst/>
+  </dgm:styleLbl>
+  <dgm:styleLbl name="asst0">
+    <dgm:fillClrLst meth="repeat">
+      <a:schemeClr val="accent1"/>
+    </dgm:fillClrLst>
+    <dgm:linClrLst meth="repeat">
+      <a:schemeClr val="lt1"/>
+    </dgm:linClrLst>
+    <dgm:effectClrLst/>
+    <dgm:txLinClrLst/>
+    <dgm:txFillClrLst/>
+    <dgm:txEffectClrLst/>
+  </dgm:styleLbl>
+  <dgm:styleLbl name="asst1">
+    <dgm:fillClrLst meth="repeat">
+      <a:schemeClr val="accent1"/>
+    </dgm:fillClrLst>
+    <dgm:linClrLst meth="repeat">
+      <a:schemeClr val="lt1"/>
+    </dgm:linClrLst>
+    <dgm:effectClrLst/>
+    <dgm:txLinClrLst/>
+    <dgm:txFillClrLst/>
+    <dgm:txEffectClrLst/>
+  </dgm:styleLbl>
+  <dgm:styleLbl name="asst2">
+    <dgm:fillClrLst meth="repeat">
+      <a:schemeClr val="accent1"/>
+    </dgm:fillClrLst>
+    <dgm:linClrLst meth="repeat">
+      <a:schemeClr val="lt1"/>
+    </dgm:linClrLst>
+    <dgm:effectClrLst/>
+    <dgm:txLinClrLst/>
+    <dgm:txFillClrLst/>
+    <dgm:txEffectClrLst/>
+  </dgm:styleLbl>
+  <dgm:styleLbl name="asst3">
+    <dgm:fillClrLst meth="repeat">
+      <a:schemeClr val="accent1"/>
+    </dgm:fillClrLst>
+    <dgm:linClrLst meth="repeat">
+      <a:schemeClr val="lt1"/>
+    </dgm:linClrLst>
+    <dgm:effectClrLst/>
+    <dgm:txLinClrLst/>
+    <dgm:txFillClrLst/>
+    <dgm:txEffectClrLst/>
+  </dgm:styleLbl>
+  <dgm:styleLbl name="asst4">
+    <dgm:fillClrLst meth="repeat">
+      <a:schemeClr val="accent1"/>
+    </dgm:fillClrLst>
+    <dgm:linClrLst meth="repeat">
+      <a:schemeClr val="lt1"/>
+    </dgm:linClrLst>
+    <dgm:effectClrLst/>
+    <dgm:txLinClrLst/>
+    <dgm:txFillClrLst/>
+    <dgm:txEffectClrLst/>
+  </dgm:styleLbl>
+  <dgm:styleLbl name="parChTrans2D1">
+    <dgm:fillClrLst meth="repeat">
+      <a:schemeClr val="accent1">
+        <a:tint val="60000"/>
+      </a:schemeClr>
+    </dgm:fillClrLst>
+    <dgm:linClrLst meth="repeat">
+      <a:schemeClr val="accent1">
+        <a:tint val="60000"/>
+      </a:schemeClr>
+    </dgm:linClrLst>
+    <dgm:effectClrLst/>
+    <dgm:txLinClrLst/>
+    <dgm:txFillClrLst meth="repeat">
+      <a:schemeClr val="lt1"/>
+    </dgm:txFillClrLst>
+    <dgm:txEffectClrLst/>
+  </dgm:styleLbl>
+  <dgm:styleLbl name="parChTrans2D2">
+    <dgm:fillClrLst meth="repeat">
+      <a:schemeClr val="accent1"/>
+    </dgm:fillClrLst>
+    <dgm:linClrLst meth="repeat">
+      <a:schemeClr val="accent1"/>
+    </dgm:linClrLst>
+    <dgm:effectClrLst/>
+    <dgm:txLinClrLst/>
+    <dgm:txFillClrLst meth="repeat">
+      <a:schemeClr val="lt1"/>
+    </dgm:txFillClrLst>
+    <dgm:txEffectClrLst/>
+  </dgm:styleLbl>
+  <dgm:styleLbl name="parChTrans2D3">
+    <dgm:fillClrLst meth="repeat">
+      <a:schemeClr val="accent1"/>
+    </dgm:fillClrLst>
+    <dgm:linClrLst meth="repeat">
+      <a:schemeClr val="accent1"/>
+    </dgm:linClrLst>
+    <dgm:effectClrLst/>
+    <dgm:txLinClrLst/>
+    <dgm:txFillClrLst meth="repeat">
+      <a:schemeClr val="lt1"/>
+    </dgm:txFillClrLst>
+    <dgm:txEffectClrLst/>
+  </dgm:styleLbl>
+  <dgm:styleLbl name="parChTrans2D4">
+    <dgm:fillClrLst meth="repeat">
+      <a:schemeClr val="accent1"/>
+    </dgm:fillClrLst>
+    <dgm:linClrLst meth="repeat">
+      <a:schemeClr val="accent1"/>
+    </dgm:linClrLst>
+    <dgm:effectClrLst/>
+    <dgm:txLinClrLst/>
+    <dgm:txFillClrLst meth="repeat">
+      <a:schemeClr val="lt1"/>
+    </dgm:txFillClrLst>
+    <dgm:txEffectClrLst/>
+  </dgm:styleLbl>
+  <dgm:styleLbl name="parChTrans1D1">
+    <dgm:fillClrLst meth="repeat">
+      <a:schemeClr val="accent1"/>
+    </dgm:fillClrLst>
+    <dgm:linClrLst meth="repeat">
+      <a:schemeClr val="accent1">
+        <a:shade val="60000"/>
+      </a:schemeClr>
+    </dgm:linClrLst>
+    <dgm:effectClrLst/>
+    <dgm:txLinClrLst/>
+    <dgm:txFillClrLst meth="repeat">
+      <a:schemeClr val="tx1"/>
+    </dgm:txFillClrLst>
+    <dgm:txEffectClrLst/>
+  </dgm:styleLbl>
+  <dgm:styleLbl name="parChTrans1D2">
+    <dgm:fillClrLst meth="repeat">
+      <a:schemeClr val="accent1"/>
+    </dgm:fillClrLst>
+    <dgm:linClrLst meth="repeat">
+      <a:schemeClr val="accent1">
+        <a:shade val="60000"/>
+      </a:schemeClr>
+    </dgm:linClrLst>
+    <dgm:effectClrLst/>
+    <dgm:txLinClrLst/>
+    <dgm:txFillClrLst meth="repeat">
+      <a:schemeClr val="tx1"/>
+    </dgm:txFillClrLst>
+    <dgm:txEffectClrLst/>
+  </dgm:styleLbl>
+  <dgm:styleLbl name="parChTrans1D3">
+    <dgm:fillClrLst meth="repeat">
+      <a:schemeClr val="accent1"/>
+    </dgm:fillClrLst>
+    <dgm:linClrLst meth="repeat">
+      <a:schemeClr val="accent1">
+        <a:shade val="80000"/>
+      </a:schemeClr>
+    </dgm:linClrLst>
+    <dgm:effectClrLst/>
+    <dgm:txLinClrLst/>
+    <dgm:txFillClrLst meth="repeat">
+      <a:schemeClr val="tx1"/>
+    </dgm:txFillClrLst>
+    <dgm:txEffectClrLst/>
+  </dgm:styleLbl>
+  <dgm:styleLbl name="parChTrans1D4">
+    <dgm:fillClrLst meth="repeat">
+      <a:schemeClr val="accent1"/>
+    </dgm:fillClrLst>
+    <dgm:linClrLst meth="repeat">
+      <a:schemeClr val="accent1">
+        <a:shade val="80000"/>
+      </a:schemeClr>
+    </dgm:linClrLst>
+    <dgm:effectClrLst/>
+    <dgm:txLinClrLst/>
+    <dgm:txFillClrLst meth="repeat">
+      <a:schemeClr val="tx1"/>
+    </dgm:txFillClrLst>
+    <dgm:txEffectClrLst/>
+  </dgm:styleLbl>
+  <dgm:styleLbl name="fgAcc1">
+    <dgm:fillClrLst meth="repeat">
+      <a:schemeClr val="lt1">
+        <a:alpha val="90000"/>
+      </a:schemeClr>
+    </dgm:fillClrLst>
+    <dgm:linClrLst meth="repeat">
+      <a:schemeClr val="accent1"/>
+    </dgm:linClrLst>
+    <dgm:effectClrLst/>
+    <dgm:txLinClrLst/>
+    <dgm:txFillClrLst meth="repeat">
+      <a:schemeClr val="dk1"/>
+    </dgm:txFillClrLst>
+    <dgm:txEffectClrLst/>
+  </dgm:styleLbl>
+  <dgm:styleLbl name="conFgAcc1">
+    <dgm:fillClrLst meth="repeat">
+      <a:schemeClr val="lt1">
+        <a:alpha val="90000"/>
+      </a:schemeClr>
+    </dgm:fillClrLst>
+    <dgm:linClrLst meth="repeat">
+      <a:schemeClr val="accent1"/>
+    </dgm:linClrLst>
+    <dgm:effectClrLst/>
+    <dgm:txLinClrLst/>
+    <dgm:txFillClrLst meth="repeat">
+      <a:schemeClr val="dk1"/>
+    </dgm:txFillClrLst>
+    <dgm:txEffectClrLst/>
+  </dgm:styleLbl>
+  <dgm:styleLbl name="alignAcc1">
+    <dgm:fillClrLst meth="repeat">
+      <a:schemeClr val="lt1">
+        <a:alpha val="90000"/>
+      </a:schemeClr>
+    </dgm:fillClrLst>
+    <dgm:linClrLst meth="repeat">
+      <a:schemeClr val="accent1"/>
+    </dgm:linClrLst>
+    <dgm:effectClrLst/>
+    <dgm:txLinClrLst/>
+    <dgm:txFillClrLst meth="repeat">
+      <a:schemeClr val="dk1"/>
+    </dgm:txFillClrLst>
+    <dgm:txEffectClrLst/>
+  </dgm:styleLbl>
+  <dgm:styleLbl name="trAlignAcc1">
+    <dgm:fillClrLst meth="repeat">
+      <a:schemeClr val="lt1">
+        <a:alpha val="40000"/>
+      </a:schemeClr>
+    </dgm:fillClrLst>
+    <dgm:linClrLst meth="repeat">
+      <a:schemeClr val="accent1"/>
+    </dgm:linClrLst>
+    <dgm:effectClrLst/>
+    <dgm:txLinClrLst/>
+    <dgm:txFillClrLst meth="repeat">
+      <a:schemeClr val="dk1"/>
+    </dgm:txFillClrLst>
+    <dgm:txEffectClrLst/>
+  </dgm:styleLbl>
+  <dgm:styleLbl name="bgAcc1">
+    <dgm:fillClrLst meth="repeat">
+      <a:schemeClr val="lt1">
+        <a:alpha val="90000"/>
+      </a:schemeClr>
+    </dgm:fillClrLst>
+    <dgm:linClrLst meth="repeat">
+      <a:schemeClr val="accent1"/>
+    </dgm:linClrLst>
+    <dgm:effectClrLst/>
+    <dgm:txLinClrLst/>
+    <dgm:txFillClrLst meth="repeat">
+      <a:schemeClr val="dk1"/>
+    </dgm:txFillClrLst>
+    <dgm:txEffectClrLst/>
+  </dgm:styleLbl>
+  <dgm:styleLbl name="solidFgAcc1">
+    <dgm:fillClrLst meth="repeat">
+      <a:schemeClr val="lt1"/>
+    </dgm:fillClrLst>
+    <dgm:linClrLst meth="repeat">
+      <a:schemeClr val="accent1"/>
+    </dgm:linClrLst>
+    <dgm:effectClrLst/>
+    <dgm:txLinClrLst/>
+    <dgm:txFillClrLst meth="repeat">
+      <a:schemeClr val="dk1"/>
+    </dgm:txFillClrLst>
+    <dgm:txEffectClrLst/>
+  </dgm:styleLbl>
+  <dgm:styleLbl name="solidAlignAcc1">
+    <dgm:fillClrLst meth="repeat">
+      <a:schemeClr val="lt1"/>
+    </dgm:fillClrLst>
+    <dgm:linClrLst meth="repeat">
+      <a:schemeClr val="accent1"/>
+    </dgm:linClrLst>
+    <dgm:effectClrLst/>
+    <dgm:txLinClrLst/>
+    <dgm:txFillClrLst meth="repeat">
+      <a:schemeClr val="dk1"/>
+    </dgm:txFillClrLst>
+    <dgm:txEffectClrLst/>
+  </dgm:styleLbl>
+  <dgm:styleLbl name="solidBgAcc1">
+    <dgm:fillClrLst meth="repeat">
+      <a:schemeClr val="lt1"/>
+    </dgm:fillClrLst>
+    <dgm:linClrLst meth="repeat">
+      <a:schemeClr val="accent1"/>
+    </dgm:linClrLst>
+    <dgm:effectClrLst/>
+    <dgm:txLinClrLst/>
+    <dgm:txFillClrLst meth="repeat">
+      <a:schemeClr val="dk1"/>
+    </dgm:txFillClrLst>
+    <dgm:txEffectClrLst/>
+  </dgm:styleLbl>
+  <dgm:styleLbl name="fgAccFollowNode1">
+    <dgm:fillClrLst meth="repeat">
+      <a:schemeClr val="accent1">
+        <a:alpha val="90000"/>
+        <a:tint val="40000"/>
+      </a:schemeClr>
+    </dgm:fillClrLst>
+    <dgm:linClrLst meth="repeat">
+      <a:schemeClr val="accent1">
+        <a:alpha val="90000"/>
+        <a:tint val="40000"/>
+      </a:schemeClr>
+    </dgm:linClrLst>
+    <dgm:effectClrLst/>
+    <dgm:txLinClrLst/>
+    <dgm:txFillClrLst meth="repeat">
+      <a:schemeClr val="dk1"/>
+    </dgm:txFillClrLst>
+    <dgm:txEffectClrLst/>
+  </dgm:styleLbl>
+  <dgm:styleLbl name="alignAccFollowNode1">
+    <dgm:fillClrLst meth="repeat">
+      <a:schemeClr val="accent1">
+        <a:alpha val="90000"/>
+        <a:tint val="40000"/>
+      </a:schemeClr>
+    </dgm:fillClrLst>
+    <dgm:linClrLst meth="repeat">
+      <a:schemeClr val="accent1">
+        <a:alpha val="90000"/>
+        <a:tint val="40000"/>
+      </a:schemeClr>
+    </dgm:linClrLst>
+    <dgm:effectClrLst/>
+    <dgm:txLinClrLst/>
+    <dgm:txFillClrLst meth="repeat">
+      <a:schemeClr val="dk1"/>
+    </dgm:txFillClrLst>
+    <dgm:txEffectClrLst/>
+  </dgm:styleLbl>
+  <dgm:styleLbl name="bgAccFollowNode1">
+    <dgm:fillClrLst meth="repeat">
+      <a:schemeClr val="accent1">
+        <a:alpha val="90000"/>
+        <a:tint val="40000"/>
+      </a:schemeClr>
+    </dgm:fillClrLst>
+    <dgm:linClrLst meth="repeat">
+      <a:schemeClr val="accent1">
+        <a:alpha val="90000"/>
+        <a:tint val="40000"/>
+      </a:schemeClr>
+    </dgm:linClrLst>
+    <dgm:effectClrLst/>
+    <dgm:txLinClrLst/>
+    <dgm:txFillClrLst meth="repeat">
+      <a:schemeClr val="dk1"/>
+    </dgm:txFillClrLst>
+    <dgm:txEffectClrLst/>
+  </dgm:styleLbl>
+  <dgm:styleLbl name="fgAcc0">
+    <dgm:fillClrLst meth="repeat">
+      <a:schemeClr val="lt1">
+        <a:alpha val="90000"/>
+      </a:schemeClr>
+    </dgm:fillClrLst>
+    <dgm:linClrLst meth="repeat">
+      <a:schemeClr val="accent1"/>
+    </dgm:linClrLst>
+    <dgm:effectClrLst/>
+    <dgm:txLinClrLst/>
+    <dgm:txFillClrLst meth="repeat">
+      <a:schemeClr val="dk1"/>
+    </dgm:txFillClrLst>
+    <dgm:txEffectClrLst/>
+  </dgm:styleLbl>
+  <dgm:styleLbl name="fgAcc2">
+    <dgm:fillClrLst meth="repeat">
+      <a:schemeClr val="lt1">
+        <a:alpha val="90000"/>
+      </a:schemeClr>
+    </dgm:fillClrLst>
+    <dgm:linClrLst meth="repeat">
+      <a:schemeClr val="accent1"/>
+    </dgm:linClrLst>
+    <dgm:effectClrLst/>
+    <dgm:txLinClrLst/>
+    <dgm:txFillClrLst meth="repeat">
+      <a:schemeClr val="dk1"/>
+    </dgm:txFillClrLst>
+    <dgm:txEffectClrLst/>
+  </dgm:styleLbl>
+  <dgm:styleLbl name="fgAcc3">
+    <dgm:fillClrLst meth="repeat">
+      <a:schemeClr val="lt1">
+        <a:alpha val="90000"/>
+      </a:schemeClr>
+    </dgm:fillClrLst>
+    <dgm:linClrLst meth="repeat">
+      <a:schemeClr val="accent1"/>
+    </dgm:linClrLst>
+    <dgm:effectClrLst/>
+    <dgm:txLinClrLst/>
+    <dgm:txFillClrLst meth="repeat">
+      <a:schemeClr val="dk1"/>
+    </dgm:txFillClrLst>
+    <dgm:txEffectClrLst/>
+  </dgm:styleLbl>
+  <dgm:styleLbl name="fgAcc4">
+    <dgm:fillClrLst meth="repeat">
+      <a:schemeClr val="lt1">
+        <a:alpha val="90000"/>
+      </a:schemeClr>
+    </dgm:fillClrLst>
+    <dgm:linClrLst meth="repeat">
+      <a:schemeClr val="accent1"/>
+    </dgm:linClrLst>
+    <dgm:effectClrLst/>
+    <dgm:txLinClrLst/>
+    <dgm:txFillClrLst meth="repeat">
+      <a:schemeClr val="dk1"/>
+    </dgm:txFillClrLst>
+    <dgm:txEffectClrLst/>
+  </dgm:styleLbl>
+  <dgm:styleLbl name="bgShp">
+    <dgm:fillClrLst meth="repeat">
+      <a:schemeClr val="accent1">
+        <a:tint val="40000"/>
+      </a:schemeClr>
+    </dgm:fillClrLst>
+    <dgm:linClrLst meth="repeat">
+      <a:schemeClr val="accent1"/>
+    </dgm:linClrLst>
+    <dgm:effectClrLst/>
+    <dgm:txLinClrLst/>
+    <dgm:txFillClrLst meth="repeat">
+      <a:schemeClr val="dk1"/>
+    </dgm:txFillClrLst>
+    <dgm:txEffectClrLst/>
+  </dgm:styleLbl>
+  <dgm:styleLbl name="dkBgShp">
+    <dgm:fillClrLst meth="repeat">
+      <a:schemeClr val="accent1">
+        <a:shade val="80000"/>
+      </a:schemeClr>
+    </dgm:fillClrLst>
+    <dgm:linClrLst meth="repeat">
+      <a:schemeClr val="accent1"/>
+    </dgm:linClrLst>
+    <dgm:effectClrLst/>
+    <dgm:txLinClrLst/>
+    <dgm:txFillClrLst meth="repeat">
+      <a:schemeClr val="lt1"/>
+    </dgm:txFillClrLst>
+    <dgm:txEffectClrLst/>
+  </dgm:styleLbl>
+  <dgm:styleLbl name="trBgShp">
+    <dgm:fillClrLst meth="repeat">
+      <a:schemeClr val="accent1">
+        <a:tint val="50000"/>
+        <a:alpha val="40000"/>
+      </a:schemeClr>
+    </dgm:fillClrLst>
+    <dgm:linClrLst meth="repeat">
+      <a:schemeClr val="accent1"/>
+    </dgm:linClrLst>
+    <dgm:effectClrLst/>
+    <dgm:txLinClrLst/>
+    <dgm:txFillClrLst meth="repeat">
+      <a:schemeClr val="lt1"/>
+    </dgm:txFillClrLst>
+    <dgm:txEffectClrLst/>
+  </dgm:styleLbl>
+  <dgm:styleLbl name="fgShp">
+    <dgm:fillClrLst meth="repeat">
+      <a:schemeClr val="accent1">
+        <a:tint val="60000"/>
+      </a:schemeClr>
+    </dgm:fillClrLst>
+    <dgm:linClrLst meth="repeat">
+      <a:schemeClr val="lt1"/>
+    </dgm:linClrLst>
+    <dgm:effectClrLst/>
+    <dgm:txLinClrLst/>
+    <dgm:txFillClrLst meth="repeat">
+      <a:schemeClr val="dk1"/>
+    </dgm:txFillClrLst>
+    <dgm:txEffectClrLst/>
+  </dgm:styleLbl>
+  <dgm:styleLbl name="revTx">
+    <dgm:fillClrLst meth="repeat">
+      <a:schemeClr val="lt1">
+        <a:alpha val="0"/>
+      </a:schemeClr>
+    </dgm:fillClrLst>
+    <dgm:linClrLst meth="repeat">
+      <a:schemeClr val="dk1">
+        <a:alpha val="0"/>
+      </a:schemeClr>
+    </dgm:linClrLst>
+    <dgm:effectClrLst/>
+    <dgm:txLinClrLst/>
+    <dgm:txFillClrLst meth="repeat">
+      <a:schemeClr val="tx1"/>
+    </dgm:txFillClrLst>
+    <dgm:txEffectClrLst/>
+  </dgm:styleLbl>
+</dgm:colorsDef>
+</file>
+
+<file path=ppt/diagrams/data1.xml><?xml version="1.0" encoding="utf-8"?>
+<dgm:dataModel xmlns:dgm="http://schemas.openxmlformats.org/drawingml/2006/diagram" xmlns:a="http://schemas.openxmlformats.org/drawingml/2006/main">
+  <dgm:ptLst>
+    <dgm:pt modelId="{EE4A4F4D-2E52-4F25-AD2A-5712E5923E9A}" type="doc">
+      <dgm:prSet loTypeId="urn:microsoft.com/office/officeart/2005/8/layout/vProcess5" loCatId="process" qsTypeId="urn:microsoft.com/office/officeart/2005/8/quickstyle/simple1" qsCatId="simple" csTypeId="urn:microsoft.com/office/officeart/2005/8/colors/accent1_2" csCatId="accent1" phldr="1"/>
+      <dgm:spPr/>
+      <dgm:t>
+        <a:bodyPr/>
+        <a:lstStyle/>
+        <a:p>
+          <a:endParaRPr lang="zh-CN" altLang="en-US"/>
+        </a:p>
+      </dgm:t>
+    </dgm:pt>
+    <dgm:pt modelId="{26D55A55-F2C9-4ED2-9D33-42957E0C8B72}">
+      <dgm:prSet phldrT="[文本]"/>
+      <dgm:spPr/>
+      <dgm:t>
+        <a:bodyPr/>
+        <a:lstStyle/>
+        <a:p>
+          <a:r>
+            <a:rPr lang="zh-CN" altLang="en-US" dirty="0"/>
+            <a:t>拟合</a:t>
+          </a:r>
+          <a:r>
+            <a:rPr lang="en-US" altLang="zh-CN" dirty="0"/>
+            <a:t>Laue</a:t>
+          </a:r>
+          <a:r>
+            <a:rPr lang="zh-CN" altLang="en-US" dirty="0"/>
+            <a:t>斑点</a:t>
+          </a:r>
+        </a:p>
+      </dgm:t>
+    </dgm:pt>
+    <dgm:pt modelId="{73B60C9C-7C0C-4576-8296-91CC4F7A8BE4}" type="parTrans" cxnId="{2CF813FE-A032-4F06-889D-9E2902C2E2FF}">
+      <dgm:prSet/>
+      <dgm:spPr/>
+      <dgm:t>
+        <a:bodyPr/>
+        <a:lstStyle/>
+        <a:p>
+          <a:endParaRPr lang="zh-CN" altLang="en-US"/>
+        </a:p>
+      </dgm:t>
+    </dgm:pt>
+    <dgm:pt modelId="{70B36115-3705-4897-AC0B-2BF9960A79AE}" type="sibTrans" cxnId="{2CF813FE-A032-4F06-889D-9E2902C2E2FF}">
+      <dgm:prSet/>
+      <dgm:spPr/>
+      <dgm:t>
+        <a:bodyPr/>
+        <a:lstStyle/>
+        <a:p>
+          <a:endParaRPr lang="zh-CN" altLang="en-US"/>
+        </a:p>
+      </dgm:t>
+    </dgm:pt>
+    <dgm:pt modelId="{099D34FA-C8EC-48FE-9356-3180EE4B577B}">
+      <dgm:prSet phldrT="[文本]"/>
+      <dgm:spPr/>
+      <dgm:t>
+        <a:bodyPr/>
+        <a:lstStyle/>
+        <a:p>
+          <a:r>
+            <a:rPr lang="zh-CN" altLang="en-US" dirty="0"/>
+            <a:t>标定</a:t>
+          </a:r>
+          <a:r>
+            <a:rPr lang="en-US" altLang="zh-CN" dirty="0"/>
+            <a:t>Euler</a:t>
+          </a:r>
+          <a:r>
+            <a:rPr lang="zh-CN" altLang="en-US" dirty="0"/>
+            <a:t>角</a:t>
+          </a:r>
+        </a:p>
+      </dgm:t>
+    </dgm:pt>
+    <dgm:pt modelId="{CB922178-0EA4-45B2-967F-059670A1A3CA}" type="parTrans" cxnId="{5E3CAA0A-79D2-44BB-BB5C-7DE6CE01E563}">
+      <dgm:prSet/>
+      <dgm:spPr/>
+      <dgm:t>
+        <a:bodyPr/>
+        <a:lstStyle/>
+        <a:p>
+          <a:endParaRPr lang="zh-CN" altLang="en-US"/>
+        </a:p>
+      </dgm:t>
+    </dgm:pt>
+    <dgm:pt modelId="{933F7444-7225-4415-BBF1-7C3CCC65B345}" type="sibTrans" cxnId="{5E3CAA0A-79D2-44BB-BB5C-7DE6CE01E563}">
+      <dgm:prSet/>
+      <dgm:spPr/>
+      <dgm:t>
+        <a:bodyPr/>
+        <a:lstStyle/>
+        <a:p>
+          <a:endParaRPr lang="zh-CN" altLang="en-US"/>
+        </a:p>
+      </dgm:t>
+    </dgm:pt>
+    <dgm:pt modelId="{C5D15C9B-E0F7-4159-ADBF-5C6B4341229E}">
+      <dgm:prSet phldrT="[文本]"/>
+      <dgm:spPr/>
+      <dgm:t>
+        <a:bodyPr/>
+        <a:lstStyle/>
+        <a:p>
+          <a:r>
+            <a:rPr lang="zh-CN" altLang="en-US" dirty="0"/>
+            <a:t>从</a:t>
+          </a:r>
+          <a:r>
+            <a:rPr lang="en-US" altLang="zh-CN" dirty="0"/>
+            <a:t>Euler</a:t>
+          </a:r>
+          <a:r>
+            <a:rPr lang="zh-CN" altLang="en-US" dirty="0"/>
+            <a:t>角分布得到晶粒分布</a:t>
+          </a:r>
+        </a:p>
+      </dgm:t>
+    </dgm:pt>
+    <dgm:pt modelId="{6B5343B6-0C59-4872-9837-867FC1D5914D}" type="parTrans" cxnId="{2EC26308-9C5A-410D-826B-7A6315415BF6}">
+      <dgm:prSet/>
+      <dgm:spPr/>
+      <dgm:t>
+        <a:bodyPr/>
+        <a:lstStyle/>
+        <a:p>
+          <a:endParaRPr lang="zh-CN" altLang="en-US"/>
+        </a:p>
+      </dgm:t>
+    </dgm:pt>
+    <dgm:pt modelId="{F3B868BA-3C10-4EA3-A5C7-30D95D662316}" type="sibTrans" cxnId="{2EC26308-9C5A-410D-826B-7A6315415BF6}">
+      <dgm:prSet/>
+      <dgm:spPr/>
+      <dgm:t>
+        <a:bodyPr/>
+        <a:lstStyle/>
+        <a:p>
+          <a:endParaRPr lang="zh-CN" altLang="en-US"/>
+        </a:p>
+      </dgm:t>
+    </dgm:pt>
+    <dgm:pt modelId="{A8CDC6D2-64BD-4689-A129-397D3217601F}" type="pres">
+      <dgm:prSet presAssocID="{EE4A4F4D-2E52-4F25-AD2A-5712E5923E9A}" presName="outerComposite" presStyleCnt="0">
+        <dgm:presLayoutVars>
+          <dgm:chMax val="5"/>
+          <dgm:dir/>
+          <dgm:resizeHandles val="exact"/>
+        </dgm:presLayoutVars>
+      </dgm:prSet>
+      <dgm:spPr/>
+    </dgm:pt>
+    <dgm:pt modelId="{AB77BE65-AE8F-4785-BE9E-F06DC5413236}" type="pres">
+      <dgm:prSet presAssocID="{EE4A4F4D-2E52-4F25-AD2A-5712E5923E9A}" presName="dummyMaxCanvas" presStyleCnt="0">
+        <dgm:presLayoutVars/>
+      </dgm:prSet>
+      <dgm:spPr/>
+    </dgm:pt>
+    <dgm:pt modelId="{6C0CDC81-157B-4E70-9732-3BC6F4F7EAEA}" type="pres">
+      <dgm:prSet presAssocID="{EE4A4F4D-2E52-4F25-AD2A-5712E5923E9A}" presName="ThreeNodes_1" presStyleLbl="node1" presStyleIdx="0" presStyleCnt="3" custLinFactNeighborX="2565" custLinFactNeighborY="-54416">
+        <dgm:presLayoutVars>
+          <dgm:bulletEnabled val="1"/>
+        </dgm:presLayoutVars>
+      </dgm:prSet>
+      <dgm:spPr/>
+    </dgm:pt>
+    <dgm:pt modelId="{BEFCA9E1-DBD4-4B3E-ABC1-15E6A2ECA0EA}" type="pres">
+      <dgm:prSet presAssocID="{EE4A4F4D-2E52-4F25-AD2A-5712E5923E9A}" presName="ThreeNodes_2" presStyleLbl="node1" presStyleIdx="1" presStyleCnt="3">
+        <dgm:presLayoutVars>
+          <dgm:bulletEnabled val="1"/>
+        </dgm:presLayoutVars>
+      </dgm:prSet>
+      <dgm:spPr/>
+    </dgm:pt>
+    <dgm:pt modelId="{44E7EF1D-0E2B-4D25-B28D-0577593CA3E8}" type="pres">
+      <dgm:prSet presAssocID="{EE4A4F4D-2E52-4F25-AD2A-5712E5923E9A}" presName="ThreeNodes_3" presStyleLbl="node1" presStyleIdx="2" presStyleCnt="3">
+        <dgm:presLayoutVars>
+          <dgm:bulletEnabled val="1"/>
+        </dgm:presLayoutVars>
+      </dgm:prSet>
+      <dgm:spPr/>
+    </dgm:pt>
+    <dgm:pt modelId="{6DBE77F6-E082-4C30-87E8-5889DEEF135D}" type="pres">
+      <dgm:prSet presAssocID="{EE4A4F4D-2E52-4F25-AD2A-5712E5923E9A}" presName="ThreeConn_1-2" presStyleLbl="fgAccFollowNode1" presStyleIdx="0" presStyleCnt="2">
+        <dgm:presLayoutVars>
+          <dgm:bulletEnabled val="1"/>
+        </dgm:presLayoutVars>
+      </dgm:prSet>
+      <dgm:spPr/>
+    </dgm:pt>
+    <dgm:pt modelId="{A8038A46-6AC5-4CDC-A87B-CF9160F4C893}" type="pres">
+      <dgm:prSet presAssocID="{EE4A4F4D-2E52-4F25-AD2A-5712E5923E9A}" presName="ThreeConn_2-3" presStyleLbl="fgAccFollowNode1" presStyleIdx="1" presStyleCnt="2">
+        <dgm:presLayoutVars>
+          <dgm:bulletEnabled val="1"/>
+        </dgm:presLayoutVars>
+      </dgm:prSet>
+      <dgm:spPr/>
+    </dgm:pt>
+    <dgm:pt modelId="{1D4E1216-B943-45D8-B619-269161EACD33}" type="pres">
+      <dgm:prSet presAssocID="{EE4A4F4D-2E52-4F25-AD2A-5712E5923E9A}" presName="ThreeNodes_1_text" presStyleLbl="node1" presStyleIdx="2" presStyleCnt="3">
+        <dgm:presLayoutVars>
+          <dgm:bulletEnabled val="1"/>
+        </dgm:presLayoutVars>
+      </dgm:prSet>
+      <dgm:spPr/>
+    </dgm:pt>
+    <dgm:pt modelId="{143799FF-4D38-4D96-A33D-DCA253C493DB}" type="pres">
+      <dgm:prSet presAssocID="{EE4A4F4D-2E52-4F25-AD2A-5712E5923E9A}" presName="ThreeNodes_2_text" presStyleLbl="node1" presStyleIdx="2" presStyleCnt="3">
+        <dgm:presLayoutVars>
+          <dgm:bulletEnabled val="1"/>
+        </dgm:presLayoutVars>
+      </dgm:prSet>
+      <dgm:spPr/>
+    </dgm:pt>
+    <dgm:pt modelId="{F9F1BF84-EB6A-48D3-A4BA-6B737671A7BA}" type="pres">
+      <dgm:prSet presAssocID="{EE4A4F4D-2E52-4F25-AD2A-5712E5923E9A}" presName="ThreeNodes_3_text" presStyleLbl="node1" presStyleIdx="2" presStyleCnt="3">
+        <dgm:presLayoutVars>
+          <dgm:bulletEnabled val="1"/>
+        </dgm:presLayoutVars>
+      </dgm:prSet>
+      <dgm:spPr/>
+    </dgm:pt>
+  </dgm:ptLst>
+  <dgm:cxnLst>
+    <dgm:cxn modelId="{4DC40F08-D0D1-49A8-81CB-1A38BAE552B6}" type="presOf" srcId="{26D55A55-F2C9-4ED2-9D33-42957E0C8B72}" destId="{1D4E1216-B943-45D8-B619-269161EACD33}" srcOrd="1" destOrd="0" presId="urn:microsoft.com/office/officeart/2005/8/layout/vProcess5"/>
+    <dgm:cxn modelId="{2EC26308-9C5A-410D-826B-7A6315415BF6}" srcId="{EE4A4F4D-2E52-4F25-AD2A-5712E5923E9A}" destId="{C5D15C9B-E0F7-4159-ADBF-5C6B4341229E}" srcOrd="2" destOrd="0" parTransId="{6B5343B6-0C59-4872-9837-867FC1D5914D}" sibTransId="{F3B868BA-3C10-4EA3-A5C7-30D95D662316}"/>
+    <dgm:cxn modelId="{5E3CAA0A-79D2-44BB-BB5C-7DE6CE01E563}" srcId="{EE4A4F4D-2E52-4F25-AD2A-5712E5923E9A}" destId="{099D34FA-C8EC-48FE-9356-3180EE4B577B}" srcOrd="1" destOrd="0" parTransId="{CB922178-0EA4-45B2-967F-059670A1A3CA}" sibTransId="{933F7444-7225-4415-BBF1-7C3CCC65B345}"/>
+    <dgm:cxn modelId="{B601FA1D-4054-4F0E-A73F-A076880F9BC5}" type="presOf" srcId="{933F7444-7225-4415-BBF1-7C3CCC65B345}" destId="{A8038A46-6AC5-4CDC-A87B-CF9160F4C893}" srcOrd="0" destOrd="0" presId="urn:microsoft.com/office/officeart/2005/8/layout/vProcess5"/>
+    <dgm:cxn modelId="{08598368-05BC-4D18-8ACF-B3F526506C24}" type="presOf" srcId="{C5D15C9B-E0F7-4159-ADBF-5C6B4341229E}" destId="{F9F1BF84-EB6A-48D3-A4BA-6B737671A7BA}" srcOrd="1" destOrd="0" presId="urn:microsoft.com/office/officeart/2005/8/layout/vProcess5"/>
+    <dgm:cxn modelId="{0491D254-EE6F-4C1A-9726-3F8FAB376132}" type="presOf" srcId="{099D34FA-C8EC-48FE-9356-3180EE4B577B}" destId="{BEFCA9E1-DBD4-4B3E-ABC1-15E6A2ECA0EA}" srcOrd="0" destOrd="0" presId="urn:microsoft.com/office/officeart/2005/8/layout/vProcess5"/>
+    <dgm:cxn modelId="{85B8E57D-18AC-4496-A448-850A9F208452}" type="presOf" srcId="{26D55A55-F2C9-4ED2-9D33-42957E0C8B72}" destId="{6C0CDC81-157B-4E70-9732-3BC6F4F7EAEA}" srcOrd="0" destOrd="0" presId="urn:microsoft.com/office/officeart/2005/8/layout/vProcess5"/>
+    <dgm:cxn modelId="{C0E281B9-F471-48E5-AB07-A883707C7E05}" type="presOf" srcId="{099D34FA-C8EC-48FE-9356-3180EE4B577B}" destId="{143799FF-4D38-4D96-A33D-DCA253C493DB}" srcOrd="1" destOrd="0" presId="urn:microsoft.com/office/officeart/2005/8/layout/vProcess5"/>
+    <dgm:cxn modelId="{F51677C0-7866-40AC-9E43-D4A8CC024303}" type="presOf" srcId="{C5D15C9B-E0F7-4159-ADBF-5C6B4341229E}" destId="{44E7EF1D-0E2B-4D25-B28D-0577593CA3E8}" srcOrd="0" destOrd="0" presId="urn:microsoft.com/office/officeart/2005/8/layout/vProcess5"/>
+    <dgm:cxn modelId="{0DF5F5D1-DA78-4820-8B7F-706A94E6AAA4}" type="presOf" srcId="{70B36115-3705-4897-AC0B-2BF9960A79AE}" destId="{6DBE77F6-E082-4C30-87E8-5889DEEF135D}" srcOrd="0" destOrd="0" presId="urn:microsoft.com/office/officeart/2005/8/layout/vProcess5"/>
+    <dgm:cxn modelId="{DADE13E5-868D-4C3D-A103-B299927A07DD}" type="presOf" srcId="{EE4A4F4D-2E52-4F25-AD2A-5712E5923E9A}" destId="{A8CDC6D2-64BD-4689-A129-397D3217601F}" srcOrd="0" destOrd="0" presId="urn:microsoft.com/office/officeart/2005/8/layout/vProcess5"/>
+    <dgm:cxn modelId="{2CF813FE-A032-4F06-889D-9E2902C2E2FF}" srcId="{EE4A4F4D-2E52-4F25-AD2A-5712E5923E9A}" destId="{26D55A55-F2C9-4ED2-9D33-42957E0C8B72}" srcOrd="0" destOrd="0" parTransId="{73B60C9C-7C0C-4576-8296-91CC4F7A8BE4}" sibTransId="{70B36115-3705-4897-AC0B-2BF9960A79AE}"/>
+    <dgm:cxn modelId="{34DC92C7-E00A-4F1D-A9A9-8782D82EE6E2}" type="presParOf" srcId="{A8CDC6D2-64BD-4689-A129-397D3217601F}" destId="{AB77BE65-AE8F-4785-BE9E-F06DC5413236}" srcOrd="0" destOrd="0" presId="urn:microsoft.com/office/officeart/2005/8/layout/vProcess5"/>
+    <dgm:cxn modelId="{B7EFAB89-6166-4ADD-880E-BAD5CC22663D}" type="presParOf" srcId="{A8CDC6D2-64BD-4689-A129-397D3217601F}" destId="{6C0CDC81-157B-4E70-9732-3BC6F4F7EAEA}" srcOrd="1" destOrd="0" presId="urn:microsoft.com/office/officeart/2005/8/layout/vProcess5"/>
+    <dgm:cxn modelId="{9D45973F-CF74-4419-886F-6B4C402589CF}" type="presParOf" srcId="{A8CDC6D2-64BD-4689-A129-397D3217601F}" destId="{BEFCA9E1-DBD4-4B3E-ABC1-15E6A2ECA0EA}" srcOrd="2" destOrd="0" presId="urn:microsoft.com/office/officeart/2005/8/layout/vProcess5"/>
+    <dgm:cxn modelId="{27D23BB3-295C-448C-AE5C-FCB87FEB05A2}" type="presParOf" srcId="{A8CDC6D2-64BD-4689-A129-397D3217601F}" destId="{44E7EF1D-0E2B-4D25-B28D-0577593CA3E8}" srcOrd="3" destOrd="0" presId="urn:microsoft.com/office/officeart/2005/8/layout/vProcess5"/>
+    <dgm:cxn modelId="{AD3D165F-AA71-4965-93CF-BBB0DF05095B}" type="presParOf" srcId="{A8CDC6D2-64BD-4689-A129-397D3217601F}" destId="{6DBE77F6-E082-4C30-87E8-5889DEEF135D}" srcOrd="4" destOrd="0" presId="urn:microsoft.com/office/officeart/2005/8/layout/vProcess5"/>
+    <dgm:cxn modelId="{DCCC7017-29F1-4D0E-87DD-54BEB947265D}" type="presParOf" srcId="{A8CDC6D2-64BD-4689-A129-397D3217601F}" destId="{A8038A46-6AC5-4CDC-A87B-CF9160F4C893}" srcOrd="5" destOrd="0" presId="urn:microsoft.com/office/officeart/2005/8/layout/vProcess5"/>
+    <dgm:cxn modelId="{9D42B258-683C-4FB2-9F8B-AB7DAA473D0D}" type="presParOf" srcId="{A8CDC6D2-64BD-4689-A129-397D3217601F}" destId="{1D4E1216-B943-45D8-B619-269161EACD33}" srcOrd="6" destOrd="0" presId="urn:microsoft.com/office/officeart/2005/8/layout/vProcess5"/>
+    <dgm:cxn modelId="{D3166B63-FD4C-49FA-8ED8-1CC415C3440C}" type="presParOf" srcId="{A8CDC6D2-64BD-4689-A129-397D3217601F}" destId="{143799FF-4D38-4D96-A33D-DCA253C493DB}" srcOrd="7" destOrd="0" presId="urn:microsoft.com/office/officeart/2005/8/layout/vProcess5"/>
+    <dgm:cxn modelId="{3A83154F-291F-4BB5-8491-AAFE110B16A5}" type="presParOf" srcId="{A8CDC6D2-64BD-4689-A129-397D3217601F}" destId="{F9F1BF84-EB6A-48D3-A4BA-6B737671A7BA}" srcOrd="8" destOrd="0" presId="urn:microsoft.com/office/officeart/2005/8/layout/vProcess5"/>
+  </dgm:cxnLst>
+  <dgm:bg/>
+  <dgm:whole/>
+  <dgm:extLst>
+    <a:ext uri="http://schemas.microsoft.com/office/drawing/2008/diagram">
+      <dsp:dataModelExt xmlns:dsp="http://schemas.microsoft.com/office/drawing/2008/diagram" relId="rId6" minVer="http://schemas.openxmlformats.org/drawingml/2006/diagram"/>
+    </a:ext>
+  </dgm:extLst>
+</dgm:dataModel>
+</file>
+
+<file path=ppt/diagrams/data2.xml><?xml version="1.0" encoding="utf-8"?>
+<dgm:dataModel xmlns:dgm="http://schemas.openxmlformats.org/drawingml/2006/diagram" xmlns:a="http://schemas.openxmlformats.org/drawingml/2006/main">
+  <dgm:ptLst>
+    <dgm:pt modelId="{6879E4FC-A4D3-4A54-9ACA-4B7769DB2384}" type="doc">
+      <dgm:prSet loTypeId="urn:microsoft.com/office/officeart/2005/8/layout/chevron2" loCatId="list" qsTypeId="urn:microsoft.com/office/officeart/2005/8/quickstyle/simple1" qsCatId="simple" csTypeId="urn:microsoft.com/office/officeart/2005/8/colors/accent1_2" csCatId="accent1" phldr="1"/>
+      <dgm:spPr/>
+      <dgm:t>
+        <a:bodyPr/>
+        <a:lstStyle/>
+        <a:p>
+          <a:endParaRPr lang="zh-CN" altLang="en-US"/>
+        </a:p>
+      </dgm:t>
+    </dgm:pt>
+    <dgm:pt modelId="{10DE7BCE-7CB7-465D-B2F3-68F5388F81E9}">
+      <dgm:prSet phldrT="[文本]" custT="1"/>
+      <dgm:spPr/>
+      <dgm:t>
+        <a:bodyPr/>
+        <a:lstStyle/>
+        <a:p>
+          <a:r>
+            <a:rPr lang="zh-CN" altLang="en-US" sz="1600" b="1" dirty="0">
+              <a:effectLst>
+                <a:outerShdw blurRad="38100" dist="38100" dir="2700000" algn="tl">
+                  <a:srgbClr val="000000">
+                    <a:alpha val="43137"/>
+                  </a:srgbClr>
+                </a:outerShdw>
+              </a:effectLst>
+            </a:rPr>
+            <a:t>数据降维</a:t>
+          </a:r>
+          <a:endParaRPr lang="en-US" altLang="zh-CN" sz="1600" b="1" dirty="0">
+            <a:effectLst>
+              <a:outerShdw blurRad="38100" dist="38100" dir="2700000" algn="tl">
+                <a:srgbClr val="000000">
+                  <a:alpha val="43137"/>
+                </a:srgbClr>
+              </a:outerShdw>
+            </a:effectLst>
+          </a:endParaRPr>
+        </a:p>
+        <a:p>
+          <a:r>
+            <a:rPr lang="en-US" altLang="zh-CN" sz="1600" b="1" dirty="0">
+              <a:effectLst>
+                <a:outerShdw blurRad="38100" dist="38100" dir="2700000" algn="tl">
+                  <a:srgbClr val="000000">
+                    <a:alpha val="43137"/>
+                  </a:srgbClr>
+                </a:outerShdw>
+              </a:effectLst>
+            </a:rPr>
+            <a:t>(Data reduction)</a:t>
+          </a:r>
+        </a:p>
+      </dgm:t>
+    </dgm:pt>
+    <dgm:pt modelId="{9138074D-16F6-47FB-B907-7A6C4E04913C}" type="parTrans" cxnId="{96661A1E-24CA-481E-A7D6-9A4D1A161883}">
+      <dgm:prSet/>
+      <dgm:spPr/>
+      <dgm:t>
+        <a:bodyPr/>
+        <a:lstStyle/>
+        <a:p>
+          <a:endParaRPr lang="zh-CN" altLang="en-US"/>
+        </a:p>
+      </dgm:t>
+    </dgm:pt>
+    <dgm:pt modelId="{FB37A3D7-50D6-4013-9126-CDDC57BA709F}" type="sibTrans" cxnId="{96661A1E-24CA-481E-A7D6-9A4D1A161883}">
+      <dgm:prSet/>
+      <dgm:spPr/>
+      <dgm:t>
+        <a:bodyPr/>
+        <a:lstStyle/>
+        <a:p>
+          <a:endParaRPr lang="zh-CN" altLang="en-US"/>
+        </a:p>
+      </dgm:t>
+    </dgm:pt>
+    <dgm:pt modelId="{6E0A3E29-7FB9-4185-8450-9D3209E70FB6}">
+      <dgm:prSet phldrT="[文本]"/>
+      <dgm:spPr/>
+      <dgm:t>
+        <a:bodyPr/>
+        <a:lstStyle/>
+        <a:p>
+          <a:r>
+            <a:rPr lang="zh-CN" altLang="en-US" dirty="0"/>
+            <a:t>降低所需处理的数据量</a:t>
+          </a:r>
+        </a:p>
+      </dgm:t>
+    </dgm:pt>
+    <dgm:pt modelId="{A00D10DF-5264-4563-8434-2EFD49A9B8E1}" type="parTrans" cxnId="{6471F18A-7388-452A-9B1C-DDB85DB22441}">
+      <dgm:prSet/>
+      <dgm:spPr/>
+      <dgm:t>
+        <a:bodyPr/>
+        <a:lstStyle/>
+        <a:p>
+          <a:endParaRPr lang="zh-CN" altLang="en-US"/>
+        </a:p>
+      </dgm:t>
+    </dgm:pt>
+    <dgm:pt modelId="{BDDF81EE-A0E6-48B1-B028-DDF2BE778B9A}" type="sibTrans" cxnId="{6471F18A-7388-452A-9B1C-DDB85DB22441}">
+      <dgm:prSet/>
+      <dgm:spPr/>
+      <dgm:t>
+        <a:bodyPr/>
+        <a:lstStyle/>
+        <a:p>
+          <a:endParaRPr lang="zh-CN" altLang="en-US"/>
+        </a:p>
+      </dgm:t>
+    </dgm:pt>
+    <dgm:pt modelId="{DA8D402E-69FB-4662-91B4-022464F6469B}">
+      <dgm:prSet phldrT="[文本]"/>
+      <dgm:spPr/>
+      <dgm:t>
+        <a:bodyPr/>
+        <a:lstStyle/>
+        <a:p>
+          <a:r>
+            <a:rPr lang="zh-CN" altLang="en-US" dirty="0"/>
+            <a:t>减少数据噪声</a:t>
+          </a:r>
+        </a:p>
+      </dgm:t>
+    </dgm:pt>
+    <dgm:pt modelId="{F75066F0-1827-40AD-BAD5-BECFA49F590F}" type="parTrans" cxnId="{E55089B0-E22D-4128-96E6-9355406AAC71}">
+      <dgm:prSet/>
+      <dgm:spPr/>
+      <dgm:t>
+        <a:bodyPr/>
+        <a:lstStyle/>
+        <a:p>
+          <a:endParaRPr lang="zh-CN" altLang="en-US"/>
+        </a:p>
+      </dgm:t>
+    </dgm:pt>
+    <dgm:pt modelId="{4A239BA3-CAF5-4C6E-A64F-8CC3D57FCC54}" type="sibTrans" cxnId="{E55089B0-E22D-4128-96E6-9355406AAC71}">
+      <dgm:prSet/>
+      <dgm:spPr/>
+      <dgm:t>
+        <a:bodyPr/>
+        <a:lstStyle/>
+        <a:p>
+          <a:endParaRPr lang="zh-CN" altLang="en-US"/>
+        </a:p>
+      </dgm:t>
+    </dgm:pt>
+    <dgm:pt modelId="{B90F179A-6036-4479-BE4C-22ACFE6A3E90}">
+      <dgm:prSet phldrT="[文本]" custT="1"/>
+      <dgm:spPr/>
+      <dgm:t>
+        <a:bodyPr/>
+        <a:lstStyle/>
+        <a:p>
+          <a:r>
+            <a:rPr lang="zh-CN" altLang="en-US" sz="1600" b="1" dirty="0">
+              <a:effectLst>
+                <a:outerShdw blurRad="38100" dist="38100" dir="2700000" algn="tl">
+                  <a:srgbClr val="000000">
+                    <a:alpha val="43137"/>
+                  </a:srgbClr>
+                </a:outerShdw>
+              </a:effectLst>
+            </a:rPr>
+            <a:t>非监督标记</a:t>
+          </a:r>
+          <a:endParaRPr lang="en-US" altLang="zh-CN" sz="1600" b="1" dirty="0">
+            <a:effectLst>
+              <a:outerShdw blurRad="38100" dist="38100" dir="2700000" algn="tl">
+                <a:srgbClr val="000000">
+                  <a:alpha val="43137"/>
+                </a:srgbClr>
+              </a:outerShdw>
+            </a:effectLst>
+          </a:endParaRPr>
+        </a:p>
+        <a:p>
+          <a:r>
+            <a:rPr lang="en-US" altLang="zh-CN" sz="1300" b="1" dirty="0">
+              <a:effectLst>
+                <a:outerShdw blurRad="38100" dist="38100" dir="2700000" algn="tl">
+                  <a:srgbClr val="000000">
+                    <a:alpha val="43137"/>
+                  </a:srgbClr>
+                </a:outerShdw>
+              </a:effectLst>
+            </a:rPr>
+            <a:t>(Unsupervised labeling)</a:t>
+          </a:r>
+          <a:endParaRPr lang="zh-CN" altLang="en-US" sz="1300" b="1" dirty="0">
+            <a:effectLst>
+              <a:outerShdw blurRad="38100" dist="38100" dir="2700000" algn="tl">
+                <a:srgbClr val="000000">
+                  <a:alpha val="43137"/>
+                </a:srgbClr>
+              </a:outerShdw>
+            </a:effectLst>
+          </a:endParaRPr>
+        </a:p>
+      </dgm:t>
+    </dgm:pt>
+    <dgm:pt modelId="{DF127E19-E50B-43F6-9BF8-C0D3BEC15991}" type="parTrans" cxnId="{7CCFCE16-40D4-47F3-89C1-4FEF9DD8D934}">
+      <dgm:prSet/>
+      <dgm:spPr/>
+      <dgm:t>
+        <a:bodyPr/>
+        <a:lstStyle/>
+        <a:p>
+          <a:endParaRPr lang="zh-CN" altLang="en-US"/>
+        </a:p>
+      </dgm:t>
+    </dgm:pt>
+    <dgm:pt modelId="{E378E75F-6BC6-4B10-9985-036066F7BC48}" type="sibTrans" cxnId="{7CCFCE16-40D4-47F3-89C1-4FEF9DD8D934}">
+      <dgm:prSet/>
+      <dgm:spPr/>
+      <dgm:t>
+        <a:bodyPr/>
+        <a:lstStyle/>
+        <a:p>
+          <a:endParaRPr lang="zh-CN" altLang="en-US"/>
+        </a:p>
+      </dgm:t>
+    </dgm:pt>
+    <dgm:pt modelId="{3D5B7377-72B2-43FE-A226-A783EAFEF7D6}">
+      <dgm:prSet phldrT="[文本]"/>
+      <dgm:spPr/>
+      <dgm:t>
+        <a:bodyPr/>
+        <a:lstStyle/>
+        <a:p>
+          <a:r>
+            <a:rPr lang="zh-CN" altLang="en-US" dirty="0"/>
+            <a:t>很难两幅衍射图案是否属于同一晶粒</a:t>
+          </a:r>
+        </a:p>
+      </dgm:t>
+    </dgm:pt>
+    <dgm:pt modelId="{08503385-3020-431A-8606-88E940D0B6F5}" type="parTrans" cxnId="{6C131B88-C44B-4C5B-A13C-6B7F0C902B58}">
+      <dgm:prSet/>
+      <dgm:spPr/>
+      <dgm:t>
+        <a:bodyPr/>
+        <a:lstStyle/>
+        <a:p>
+          <a:endParaRPr lang="zh-CN" altLang="en-US"/>
+        </a:p>
+      </dgm:t>
+    </dgm:pt>
+    <dgm:pt modelId="{F0E04EB2-5809-440D-814C-1FA1A44C668B}" type="sibTrans" cxnId="{6C131B88-C44B-4C5B-A13C-6B7F0C902B58}">
+      <dgm:prSet/>
+      <dgm:spPr/>
+      <dgm:t>
+        <a:bodyPr/>
+        <a:lstStyle/>
+        <a:p>
+          <a:endParaRPr lang="zh-CN" altLang="en-US"/>
+        </a:p>
+      </dgm:t>
+    </dgm:pt>
+    <dgm:pt modelId="{E4E306CF-9A33-4295-AD7A-9CC5DDABA2E4}">
+      <dgm:prSet phldrT="[文本]"/>
+      <dgm:spPr/>
+      <dgm:t>
+        <a:bodyPr/>
+        <a:lstStyle/>
+        <a:p>
+          <a:r>
+            <a:rPr lang="zh-CN" altLang="en-US" dirty="0"/>
+            <a:t>从图像提取特征判断</a:t>
+          </a:r>
+        </a:p>
+      </dgm:t>
+    </dgm:pt>
+    <dgm:pt modelId="{918B9169-91AB-4E1D-99B8-A8232EB30AF3}" type="parTrans" cxnId="{DE4F49EA-F351-4536-852D-28B780149913}">
+      <dgm:prSet/>
+      <dgm:spPr/>
+      <dgm:t>
+        <a:bodyPr/>
+        <a:lstStyle/>
+        <a:p>
+          <a:endParaRPr lang="zh-CN" altLang="en-US"/>
+        </a:p>
+      </dgm:t>
+    </dgm:pt>
+    <dgm:pt modelId="{98FCEC4B-C6DE-4704-ADB8-7CB4400582BA}" type="sibTrans" cxnId="{DE4F49EA-F351-4536-852D-28B780149913}">
+      <dgm:prSet/>
+      <dgm:spPr/>
+      <dgm:t>
+        <a:bodyPr/>
+        <a:lstStyle/>
+        <a:p>
+          <a:endParaRPr lang="zh-CN" altLang="en-US"/>
+        </a:p>
+      </dgm:t>
+    </dgm:pt>
+    <dgm:pt modelId="{3BD7DB3C-9476-40AE-8747-892F3ADACA95}" type="pres">
+      <dgm:prSet presAssocID="{6879E4FC-A4D3-4A54-9ACA-4B7769DB2384}" presName="linearFlow" presStyleCnt="0">
+        <dgm:presLayoutVars>
+          <dgm:dir/>
+          <dgm:animLvl val="lvl"/>
+          <dgm:resizeHandles val="exact"/>
+        </dgm:presLayoutVars>
+      </dgm:prSet>
+      <dgm:spPr/>
+    </dgm:pt>
+    <dgm:pt modelId="{1B04BB7D-A2CB-4588-AC01-ED708B357280}" type="pres">
+      <dgm:prSet presAssocID="{10DE7BCE-7CB7-465D-B2F3-68F5388F81E9}" presName="composite" presStyleCnt="0"/>
+      <dgm:spPr/>
+    </dgm:pt>
+    <dgm:pt modelId="{11437AE0-F0D1-4E1E-8BF0-C745B9782BDC}" type="pres">
+      <dgm:prSet presAssocID="{10DE7BCE-7CB7-465D-B2F3-68F5388F81E9}" presName="parentText" presStyleLbl="alignNode1" presStyleIdx="0" presStyleCnt="2">
+        <dgm:presLayoutVars>
+          <dgm:chMax val="1"/>
+          <dgm:bulletEnabled val="1"/>
+        </dgm:presLayoutVars>
+      </dgm:prSet>
+      <dgm:spPr/>
+    </dgm:pt>
+    <dgm:pt modelId="{493D492C-CA55-481F-903B-008ECB16469B}" type="pres">
+      <dgm:prSet presAssocID="{10DE7BCE-7CB7-465D-B2F3-68F5388F81E9}" presName="descendantText" presStyleLbl="alignAcc1" presStyleIdx="0" presStyleCnt="2">
+        <dgm:presLayoutVars>
+          <dgm:bulletEnabled val="1"/>
+        </dgm:presLayoutVars>
+      </dgm:prSet>
+      <dgm:spPr/>
+    </dgm:pt>
+    <dgm:pt modelId="{78C80276-93DB-42C9-8A8F-B4B2BBCC3805}" type="pres">
+      <dgm:prSet presAssocID="{FB37A3D7-50D6-4013-9126-CDDC57BA709F}" presName="sp" presStyleCnt="0"/>
+      <dgm:spPr/>
+    </dgm:pt>
+    <dgm:pt modelId="{49B0C1DC-13FA-4E75-8928-BCC312A1392C}" type="pres">
+      <dgm:prSet presAssocID="{B90F179A-6036-4479-BE4C-22ACFE6A3E90}" presName="composite" presStyleCnt="0"/>
+      <dgm:spPr/>
+    </dgm:pt>
+    <dgm:pt modelId="{9554D711-CB26-48EE-BDE8-2AA3856101F8}" type="pres">
+      <dgm:prSet presAssocID="{B90F179A-6036-4479-BE4C-22ACFE6A3E90}" presName="parentText" presStyleLbl="alignNode1" presStyleIdx="1" presStyleCnt="2">
+        <dgm:presLayoutVars>
+          <dgm:chMax val="1"/>
+          <dgm:bulletEnabled val="1"/>
+        </dgm:presLayoutVars>
+      </dgm:prSet>
+      <dgm:spPr/>
+    </dgm:pt>
+    <dgm:pt modelId="{0AFE5B7C-3798-4A19-98A5-759FA685C09D}" type="pres">
+      <dgm:prSet presAssocID="{B90F179A-6036-4479-BE4C-22ACFE6A3E90}" presName="descendantText" presStyleLbl="alignAcc1" presStyleIdx="1" presStyleCnt="2">
+        <dgm:presLayoutVars>
+          <dgm:bulletEnabled val="1"/>
+        </dgm:presLayoutVars>
+      </dgm:prSet>
+      <dgm:spPr/>
+    </dgm:pt>
+  </dgm:ptLst>
+  <dgm:cxnLst>
+    <dgm:cxn modelId="{99210B05-998E-40B5-BDE2-BD2E1413D852}" type="presOf" srcId="{3D5B7377-72B2-43FE-A226-A783EAFEF7D6}" destId="{0AFE5B7C-3798-4A19-98A5-759FA685C09D}" srcOrd="0" destOrd="0" presId="urn:microsoft.com/office/officeart/2005/8/layout/chevron2"/>
+    <dgm:cxn modelId="{CB873409-A20F-4485-829F-F4FE580F32A8}" type="presOf" srcId="{6E0A3E29-7FB9-4185-8450-9D3209E70FB6}" destId="{493D492C-CA55-481F-903B-008ECB16469B}" srcOrd="0" destOrd="0" presId="urn:microsoft.com/office/officeart/2005/8/layout/chevron2"/>
+    <dgm:cxn modelId="{345F1D0A-26AD-4E24-8B94-A1CB5A3E768E}" type="presOf" srcId="{6879E4FC-A4D3-4A54-9ACA-4B7769DB2384}" destId="{3BD7DB3C-9476-40AE-8747-892F3ADACA95}" srcOrd="0" destOrd="0" presId="urn:microsoft.com/office/officeart/2005/8/layout/chevron2"/>
+    <dgm:cxn modelId="{7CCFCE16-40D4-47F3-89C1-4FEF9DD8D934}" srcId="{6879E4FC-A4D3-4A54-9ACA-4B7769DB2384}" destId="{B90F179A-6036-4479-BE4C-22ACFE6A3E90}" srcOrd="1" destOrd="0" parTransId="{DF127E19-E50B-43F6-9BF8-C0D3BEC15991}" sibTransId="{E378E75F-6BC6-4B10-9985-036066F7BC48}"/>
+    <dgm:cxn modelId="{B225C21D-F0C7-41D0-AA4B-1E28DE3FE7C4}" type="presOf" srcId="{E4E306CF-9A33-4295-AD7A-9CC5DDABA2E4}" destId="{0AFE5B7C-3798-4A19-98A5-759FA685C09D}" srcOrd="0" destOrd="1" presId="urn:microsoft.com/office/officeart/2005/8/layout/chevron2"/>
+    <dgm:cxn modelId="{96661A1E-24CA-481E-A7D6-9A4D1A161883}" srcId="{6879E4FC-A4D3-4A54-9ACA-4B7769DB2384}" destId="{10DE7BCE-7CB7-465D-B2F3-68F5388F81E9}" srcOrd="0" destOrd="0" parTransId="{9138074D-16F6-47FB-B907-7A6C4E04913C}" sibTransId="{FB37A3D7-50D6-4013-9126-CDDC57BA709F}"/>
+    <dgm:cxn modelId="{EAB3D950-EDB3-4832-B08E-72921A1C07CF}" type="presOf" srcId="{DA8D402E-69FB-4662-91B4-022464F6469B}" destId="{493D492C-CA55-481F-903B-008ECB16469B}" srcOrd="0" destOrd="1" presId="urn:microsoft.com/office/officeart/2005/8/layout/chevron2"/>
+    <dgm:cxn modelId="{976B2255-C0F3-42A5-AF6F-385C68DFE6E1}" type="presOf" srcId="{10DE7BCE-7CB7-465D-B2F3-68F5388F81E9}" destId="{11437AE0-F0D1-4E1E-8BF0-C745B9782BDC}" srcOrd="0" destOrd="0" presId="urn:microsoft.com/office/officeart/2005/8/layout/chevron2"/>
+    <dgm:cxn modelId="{6C131B88-C44B-4C5B-A13C-6B7F0C902B58}" srcId="{B90F179A-6036-4479-BE4C-22ACFE6A3E90}" destId="{3D5B7377-72B2-43FE-A226-A783EAFEF7D6}" srcOrd="0" destOrd="0" parTransId="{08503385-3020-431A-8606-88E940D0B6F5}" sibTransId="{F0E04EB2-5809-440D-814C-1FA1A44C668B}"/>
+    <dgm:cxn modelId="{6471F18A-7388-452A-9B1C-DDB85DB22441}" srcId="{10DE7BCE-7CB7-465D-B2F3-68F5388F81E9}" destId="{6E0A3E29-7FB9-4185-8450-9D3209E70FB6}" srcOrd="0" destOrd="0" parTransId="{A00D10DF-5264-4563-8434-2EFD49A9B8E1}" sibTransId="{BDDF81EE-A0E6-48B1-B028-DDF2BE778B9A}"/>
+    <dgm:cxn modelId="{E55089B0-E22D-4128-96E6-9355406AAC71}" srcId="{10DE7BCE-7CB7-465D-B2F3-68F5388F81E9}" destId="{DA8D402E-69FB-4662-91B4-022464F6469B}" srcOrd="1" destOrd="0" parTransId="{F75066F0-1827-40AD-BAD5-BECFA49F590F}" sibTransId="{4A239BA3-CAF5-4C6E-A64F-8CC3D57FCC54}"/>
+    <dgm:cxn modelId="{D2A963D1-2756-4715-A621-8DB41B387384}" type="presOf" srcId="{B90F179A-6036-4479-BE4C-22ACFE6A3E90}" destId="{9554D711-CB26-48EE-BDE8-2AA3856101F8}" srcOrd="0" destOrd="0" presId="urn:microsoft.com/office/officeart/2005/8/layout/chevron2"/>
+    <dgm:cxn modelId="{DE4F49EA-F351-4536-852D-28B780149913}" srcId="{B90F179A-6036-4479-BE4C-22ACFE6A3E90}" destId="{E4E306CF-9A33-4295-AD7A-9CC5DDABA2E4}" srcOrd="1" destOrd="0" parTransId="{918B9169-91AB-4E1D-99B8-A8232EB30AF3}" sibTransId="{98FCEC4B-C6DE-4704-ADB8-7CB4400582BA}"/>
+    <dgm:cxn modelId="{F68A3086-3EE1-4012-BDC3-7648128CBA1E}" type="presParOf" srcId="{3BD7DB3C-9476-40AE-8747-892F3ADACA95}" destId="{1B04BB7D-A2CB-4588-AC01-ED708B357280}" srcOrd="0" destOrd="0" presId="urn:microsoft.com/office/officeart/2005/8/layout/chevron2"/>
+    <dgm:cxn modelId="{2D396045-1040-4139-A060-55E1B2C851CA}" type="presParOf" srcId="{1B04BB7D-A2CB-4588-AC01-ED708B357280}" destId="{11437AE0-F0D1-4E1E-8BF0-C745B9782BDC}" srcOrd="0" destOrd="0" presId="urn:microsoft.com/office/officeart/2005/8/layout/chevron2"/>
+    <dgm:cxn modelId="{936C04A6-5230-4406-90D4-2B34BE43A718}" type="presParOf" srcId="{1B04BB7D-A2CB-4588-AC01-ED708B357280}" destId="{493D492C-CA55-481F-903B-008ECB16469B}" srcOrd="1" destOrd="0" presId="urn:microsoft.com/office/officeart/2005/8/layout/chevron2"/>
+    <dgm:cxn modelId="{9768D054-5CA7-4273-9343-8201030070E0}" type="presParOf" srcId="{3BD7DB3C-9476-40AE-8747-892F3ADACA95}" destId="{78C80276-93DB-42C9-8A8F-B4B2BBCC3805}" srcOrd="1" destOrd="0" presId="urn:microsoft.com/office/officeart/2005/8/layout/chevron2"/>
+    <dgm:cxn modelId="{111B8B69-9EC3-448A-959C-3D015EB2B10C}" type="presParOf" srcId="{3BD7DB3C-9476-40AE-8747-892F3ADACA95}" destId="{49B0C1DC-13FA-4E75-8928-BCC312A1392C}" srcOrd="2" destOrd="0" presId="urn:microsoft.com/office/officeart/2005/8/layout/chevron2"/>
+    <dgm:cxn modelId="{86B82741-EFA3-4235-9AF5-3F772028D5B0}" type="presParOf" srcId="{49B0C1DC-13FA-4E75-8928-BCC312A1392C}" destId="{9554D711-CB26-48EE-BDE8-2AA3856101F8}" srcOrd="0" destOrd="0" presId="urn:microsoft.com/office/officeart/2005/8/layout/chevron2"/>
+    <dgm:cxn modelId="{C29F5908-AC20-495A-AF60-9CB7E9CC0FBD}" type="presParOf" srcId="{49B0C1DC-13FA-4E75-8928-BCC312A1392C}" destId="{0AFE5B7C-3798-4A19-98A5-759FA685C09D}" srcOrd="1" destOrd="0" presId="urn:microsoft.com/office/officeart/2005/8/layout/chevron2"/>
+  </dgm:cxnLst>
+  <dgm:bg/>
+  <dgm:whole/>
+  <dgm:extLst>
+    <a:ext uri="http://schemas.microsoft.com/office/drawing/2008/diagram">
+      <dsp:dataModelExt xmlns:dsp="http://schemas.microsoft.com/office/drawing/2008/diagram" relId="rId6" minVer="http://schemas.openxmlformats.org/drawingml/2006/diagram"/>
+    </a:ext>
+  </dgm:extLst>
+</dgm:dataModel>
+</file>
+
+<file path=ppt/diagrams/drawing1.xml><?xml version="1.0" encoding="utf-8"?>
+<dsp:drawing xmlns:dgm="http://schemas.openxmlformats.org/drawingml/2006/diagram" xmlns:dsp="http://schemas.microsoft.com/office/drawing/2008/diagram" xmlns:a="http://schemas.openxmlformats.org/drawingml/2006/main">
+  <dsp:spTree>
+    <dsp:nvGrpSpPr>
+      <dsp:cNvPr id="0" name=""/>
+      <dsp:cNvGrpSpPr/>
+    </dsp:nvGrpSpPr>
+    <dsp:grpSpPr/>
+    <dsp:sp modelId="{6C0CDC81-157B-4E70-9732-3BC6F4F7EAEA}">
+      <dsp:nvSpPr>
+        <dsp:cNvPr id="0" name=""/>
+        <dsp:cNvSpPr/>
+      </dsp:nvSpPr>
+      <dsp:spPr>
+        <a:xfrm>
+          <a:off x="124284" y="0"/>
+          <a:ext cx="4845382" cy="1465044"/>
+        </a:xfrm>
+        <a:prstGeom prst="roundRect">
+          <a:avLst>
+            <a:gd name="adj" fmla="val 10000"/>
+          </a:avLst>
+        </a:prstGeom>
+        <a:solidFill>
+          <a:schemeClr val="accent1">
+            <a:hueOff val="0"/>
+            <a:satOff val="0"/>
+            <a:lumOff val="0"/>
+            <a:alphaOff val="0"/>
+          </a:schemeClr>
+        </a:solidFill>
+        <a:ln w="12700" cap="flat" cmpd="sng" algn="ctr">
+          <a:solidFill>
+            <a:schemeClr val="lt1">
+              <a:hueOff val="0"/>
+              <a:satOff val="0"/>
+              <a:lumOff val="0"/>
+              <a:alphaOff val="0"/>
+            </a:schemeClr>
+          </a:solidFill>
+          <a:prstDash val="solid"/>
+          <a:miter lim="800000"/>
+        </a:ln>
+        <a:effectLst/>
+      </dsp:spPr>
+      <dsp:style>
+        <a:lnRef idx="2">
+          <a:scrgbClr r="0" g="0" b="0"/>
+        </a:lnRef>
+        <a:fillRef idx="1">
+          <a:scrgbClr r="0" g="0" b="0"/>
+        </a:fillRef>
+        <a:effectRef idx="0">
+          <a:scrgbClr r="0" g="0" b="0"/>
+        </a:effectRef>
+        <a:fontRef idx="minor">
+          <a:schemeClr val="lt1"/>
+        </a:fontRef>
+      </dsp:style>
+      <dsp:txBody>
+        <a:bodyPr spcFirstLastPara="0" vert="horz" wrap="square" lIns="133350" tIns="133350" rIns="133350" bIns="133350" numCol="1" spcCol="1270" anchor="ctr" anchorCtr="0">
+          <a:noAutofit/>
+        </a:bodyPr>
+        <a:lstStyle/>
+        <a:p>
+          <a:pPr marL="0" lvl="0" indent="0" algn="l" defTabSz="1555750">
+            <a:lnSpc>
+              <a:spcPct val="90000"/>
+            </a:lnSpc>
+            <a:spcBef>
+              <a:spcPct val="0"/>
+            </a:spcBef>
+            <a:spcAft>
+              <a:spcPct val="35000"/>
+            </a:spcAft>
+            <a:buNone/>
+          </a:pPr>
+          <a:r>
+            <a:rPr lang="zh-CN" altLang="en-US" sz="3500" kern="1200" dirty="0"/>
+            <a:t>拟合</a:t>
+          </a:r>
+          <a:r>
+            <a:rPr lang="en-US" altLang="zh-CN" sz="3500" kern="1200" dirty="0"/>
+            <a:t>Laue</a:t>
+          </a:r>
+          <a:r>
+            <a:rPr lang="zh-CN" altLang="en-US" sz="3500" kern="1200" dirty="0"/>
+            <a:t>斑点</a:t>
+          </a:r>
+        </a:p>
+      </dsp:txBody>
+      <dsp:txXfrm>
+        <a:off x="167194" y="42910"/>
+        <a:ext cx="3264484" cy="1379224"/>
+      </dsp:txXfrm>
+    </dsp:sp>
+    <dsp:sp modelId="{BEFCA9E1-DBD4-4B3E-ABC1-15E6A2ECA0EA}">
+      <dsp:nvSpPr>
+        <dsp:cNvPr id="0" name=""/>
+        <dsp:cNvSpPr/>
+      </dsp:nvSpPr>
+      <dsp:spPr>
+        <a:xfrm>
+          <a:off x="427533" y="1709218"/>
+          <a:ext cx="4845382" cy="1465044"/>
+        </a:xfrm>
+        <a:prstGeom prst="roundRect">
+          <a:avLst>
+            <a:gd name="adj" fmla="val 10000"/>
+          </a:avLst>
+        </a:prstGeom>
+        <a:solidFill>
+          <a:schemeClr val="accent1">
+            <a:hueOff val="0"/>
+            <a:satOff val="0"/>
+            <a:lumOff val="0"/>
+            <a:alphaOff val="0"/>
+          </a:schemeClr>
+        </a:solidFill>
+        <a:ln w="12700" cap="flat" cmpd="sng" algn="ctr">
+          <a:solidFill>
+            <a:schemeClr val="lt1">
+              <a:hueOff val="0"/>
+              <a:satOff val="0"/>
+              <a:lumOff val="0"/>
+              <a:alphaOff val="0"/>
+            </a:schemeClr>
+          </a:solidFill>
+          <a:prstDash val="solid"/>
+          <a:miter lim="800000"/>
+        </a:ln>
+        <a:effectLst/>
+      </dsp:spPr>
+      <dsp:style>
+        <a:lnRef idx="2">
+          <a:scrgbClr r="0" g="0" b="0"/>
+        </a:lnRef>
+        <a:fillRef idx="1">
+          <a:scrgbClr r="0" g="0" b="0"/>
+        </a:fillRef>
+        <a:effectRef idx="0">
+          <a:scrgbClr r="0" g="0" b="0"/>
+        </a:effectRef>
+        <a:fontRef idx="minor">
+          <a:schemeClr val="lt1"/>
+        </a:fontRef>
+      </dsp:style>
+      <dsp:txBody>
+        <a:bodyPr spcFirstLastPara="0" vert="horz" wrap="square" lIns="133350" tIns="133350" rIns="133350" bIns="133350" numCol="1" spcCol="1270" anchor="ctr" anchorCtr="0">
+          <a:noAutofit/>
+        </a:bodyPr>
+        <a:lstStyle/>
+        <a:p>
+          <a:pPr marL="0" lvl="0" indent="0" algn="l" defTabSz="1555750">
+            <a:lnSpc>
+              <a:spcPct val="90000"/>
+            </a:lnSpc>
+            <a:spcBef>
+              <a:spcPct val="0"/>
+            </a:spcBef>
+            <a:spcAft>
+              <a:spcPct val="35000"/>
+            </a:spcAft>
+            <a:buNone/>
+          </a:pPr>
+          <a:r>
+            <a:rPr lang="zh-CN" altLang="en-US" sz="3500" kern="1200" dirty="0"/>
+            <a:t>标定</a:t>
+          </a:r>
+          <a:r>
+            <a:rPr lang="en-US" altLang="zh-CN" sz="3500" kern="1200" dirty="0"/>
+            <a:t>Euler</a:t>
+          </a:r>
+          <a:r>
+            <a:rPr lang="zh-CN" altLang="en-US" sz="3500" kern="1200" dirty="0"/>
+            <a:t>角</a:t>
+          </a:r>
+        </a:p>
+      </dsp:txBody>
+      <dsp:txXfrm>
+        <a:off x="470443" y="1752128"/>
+        <a:ext cx="3379749" cy="1379224"/>
+      </dsp:txXfrm>
+    </dsp:sp>
+    <dsp:sp modelId="{44E7EF1D-0E2B-4D25-B28D-0577593CA3E8}">
+      <dsp:nvSpPr>
+        <dsp:cNvPr id="0" name=""/>
+        <dsp:cNvSpPr/>
+      </dsp:nvSpPr>
+      <dsp:spPr>
+        <a:xfrm>
+          <a:off x="855067" y="3418436"/>
+          <a:ext cx="4845382" cy="1465044"/>
+        </a:xfrm>
+        <a:prstGeom prst="roundRect">
+          <a:avLst>
+            <a:gd name="adj" fmla="val 10000"/>
+          </a:avLst>
+        </a:prstGeom>
+        <a:solidFill>
+          <a:schemeClr val="accent1">
+            <a:hueOff val="0"/>
+            <a:satOff val="0"/>
+            <a:lumOff val="0"/>
+            <a:alphaOff val="0"/>
+          </a:schemeClr>
+        </a:solidFill>
+        <a:ln w="12700" cap="flat" cmpd="sng" algn="ctr">
+          <a:solidFill>
+            <a:schemeClr val="lt1">
+              <a:hueOff val="0"/>
+              <a:satOff val="0"/>
+              <a:lumOff val="0"/>
+              <a:alphaOff val="0"/>
+            </a:schemeClr>
+          </a:solidFill>
+          <a:prstDash val="solid"/>
+          <a:miter lim="800000"/>
+        </a:ln>
+        <a:effectLst/>
+      </dsp:spPr>
+      <dsp:style>
+        <a:lnRef idx="2">
+          <a:scrgbClr r="0" g="0" b="0"/>
+        </a:lnRef>
+        <a:fillRef idx="1">
+          <a:scrgbClr r="0" g="0" b="0"/>
+        </a:fillRef>
+        <a:effectRef idx="0">
+          <a:scrgbClr r="0" g="0" b="0"/>
+        </a:effectRef>
+        <a:fontRef idx="minor">
+          <a:schemeClr val="lt1"/>
+        </a:fontRef>
+      </dsp:style>
+      <dsp:txBody>
+        <a:bodyPr spcFirstLastPara="0" vert="horz" wrap="square" lIns="133350" tIns="133350" rIns="133350" bIns="133350" numCol="1" spcCol="1270" anchor="ctr" anchorCtr="0">
+          <a:noAutofit/>
+        </a:bodyPr>
+        <a:lstStyle/>
+        <a:p>
+          <a:pPr marL="0" lvl="0" indent="0" algn="l" defTabSz="1555750">
+            <a:lnSpc>
+              <a:spcPct val="90000"/>
+            </a:lnSpc>
+            <a:spcBef>
+              <a:spcPct val="0"/>
+            </a:spcBef>
+            <a:spcAft>
+              <a:spcPct val="35000"/>
+            </a:spcAft>
+            <a:buNone/>
+          </a:pPr>
+          <a:r>
+            <a:rPr lang="zh-CN" altLang="en-US" sz="3500" kern="1200" dirty="0"/>
+            <a:t>从</a:t>
+          </a:r>
+          <a:r>
+            <a:rPr lang="en-US" altLang="zh-CN" sz="3500" kern="1200" dirty="0"/>
+            <a:t>Euler</a:t>
+          </a:r>
+          <a:r>
+            <a:rPr lang="zh-CN" altLang="en-US" sz="3500" kern="1200" dirty="0"/>
+            <a:t>角分布得到晶粒分布</a:t>
+          </a:r>
+        </a:p>
+      </dsp:txBody>
+      <dsp:txXfrm>
+        <a:off x="897977" y="3461346"/>
+        <a:ext cx="3379749" cy="1379224"/>
+      </dsp:txXfrm>
+    </dsp:sp>
+    <dsp:sp modelId="{6DBE77F6-E082-4C30-87E8-5889DEEF135D}">
+      <dsp:nvSpPr>
+        <dsp:cNvPr id="0" name=""/>
+        <dsp:cNvSpPr/>
+      </dsp:nvSpPr>
+      <dsp:spPr>
+        <a:xfrm>
+          <a:off x="3893103" y="1110991"/>
+          <a:ext cx="952278" cy="952278"/>
+        </a:xfrm>
+        <a:prstGeom prst="downArrow">
+          <a:avLst>
+            <a:gd name="adj1" fmla="val 55000"/>
+            <a:gd name="adj2" fmla="val 45000"/>
+          </a:avLst>
+        </a:prstGeom>
+        <a:solidFill>
+          <a:schemeClr val="accent1">
+            <a:alpha val="90000"/>
+            <a:tint val="40000"/>
+            <a:hueOff val="0"/>
+            <a:satOff val="0"/>
+            <a:lumOff val="0"/>
+            <a:alphaOff val="0"/>
+          </a:schemeClr>
+        </a:solidFill>
+        <a:ln w="12700" cap="flat" cmpd="sng" algn="ctr">
+          <a:solidFill>
+            <a:schemeClr val="accent1">
+              <a:alpha val="90000"/>
+              <a:tint val="40000"/>
+              <a:hueOff val="0"/>
+              <a:satOff val="0"/>
+              <a:lumOff val="0"/>
+              <a:alphaOff val="0"/>
+            </a:schemeClr>
+          </a:solidFill>
+          <a:prstDash val="solid"/>
+          <a:miter lim="800000"/>
+        </a:ln>
+        <a:effectLst/>
+      </dsp:spPr>
+      <dsp:style>
+        <a:lnRef idx="2">
+          <a:scrgbClr r="0" g="0" b="0"/>
+        </a:lnRef>
+        <a:fillRef idx="1">
+          <a:scrgbClr r="0" g="0" b="0"/>
+        </a:fillRef>
+        <a:effectRef idx="0">
+          <a:scrgbClr r="0" g="0" b="0"/>
+        </a:effectRef>
+        <a:fontRef idx="minor"/>
+      </dsp:style>
+      <dsp:txBody>
+        <a:bodyPr spcFirstLastPara="0" vert="horz" wrap="square" lIns="45720" tIns="45720" rIns="45720" bIns="45720" numCol="1" spcCol="1270" anchor="ctr" anchorCtr="0">
+          <a:noAutofit/>
+        </a:bodyPr>
+        <a:lstStyle/>
+        <a:p>
+          <a:pPr marL="0" lvl="0" indent="0" algn="ctr" defTabSz="1600200">
+            <a:lnSpc>
+              <a:spcPct val="90000"/>
+            </a:lnSpc>
+            <a:spcBef>
+              <a:spcPct val="0"/>
+            </a:spcBef>
+            <a:spcAft>
+              <a:spcPct val="35000"/>
+            </a:spcAft>
+            <a:buNone/>
+          </a:pPr>
+          <a:endParaRPr lang="zh-CN" altLang="en-US" sz="3600" kern="1200"/>
+        </a:p>
+      </dsp:txBody>
+      <dsp:txXfrm>
+        <a:off x="4107366" y="1110991"/>
+        <a:ext cx="523752" cy="716589"/>
+      </dsp:txXfrm>
+    </dsp:sp>
+    <dsp:sp modelId="{A8038A46-6AC5-4CDC-A87B-CF9160F4C893}">
+      <dsp:nvSpPr>
+        <dsp:cNvPr id="0" name=""/>
+        <dsp:cNvSpPr/>
+      </dsp:nvSpPr>
+      <dsp:spPr>
+        <a:xfrm>
+          <a:off x="4320637" y="2810443"/>
+          <a:ext cx="952278" cy="952278"/>
+        </a:xfrm>
+        <a:prstGeom prst="downArrow">
+          <a:avLst>
+            <a:gd name="adj1" fmla="val 55000"/>
+            <a:gd name="adj2" fmla="val 45000"/>
+          </a:avLst>
+        </a:prstGeom>
+        <a:solidFill>
+          <a:schemeClr val="accent1">
+            <a:alpha val="90000"/>
+            <a:tint val="40000"/>
+            <a:hueOff val="0"/>
+            <a:satOff val="0"/>
+            <a:lumOff val="0"/>
+            <a:alphaOff val="0"/>
+          </a:schemeClr>
+        </a:solidFill>
+        <a:ln w="12700" cap="flat" cmpd="sng" algn="ctr">
+          <a:solidFill>
+            <a:schemeClr val="accent1">
+              <a:alpha val="90000"/>
+              <a:tint val="40000"/>
+              <a:hueOff val="0"/>
+              <a:satOff val="0"/>
+              <a:lumOff val="0"/>
+              <a:alphaOff val="0"/>
+            </a:schemeClr>
+          </a:solidFill>
+          <a:prstDash val="solid"/>
+          <a:miter lim="800000"/>
+        </a:ln>
+        <a:effectLst/>
+      </dsp:spPr>
+      <dsp:style>
+        <a:lnRef idx="2">
+          <a:scrgbClr r="0" g="0" b="0"/>
+        </a:lnRef>
+        <a:fillRef idx="1">
+          <a:scrgbClr r="0" g="0" b="0"/>
+        </a:fillRef>
+        <a:effectRef idx="0">
+          <a:scrgbClr r="0" g="0" b="0"/>
+        </a:effectRef>
+        <a:fontRef idx="minor"/>
+      </dsp:style>
+      <dsp:txBody>
+        <a:bodyPr spcFirstLastPara="0" vert="horz" wrap="square" lIns="45720" tIns="45720" rIns="45720" bIns="45720" numCol="1" spcCol="1270" anchor="ctr" anchorCtr="0">
+          <a:noAutofit/>
+        </a:bodyPr>
+        <a:lstStyle/>
+        <a:p>
+          <a:pPr marL="0" lvl="0" indent="0" algn="ctr" defTabSz="1600200">
+            <a:lnSpc>
+              <a:spcPct val="90000"/>
+            </a:lnSpc>
+            <a:spcBef>
+              <a:spcPct val="0"/>
+            </a:spcBef>
+            <a:spcAft>
+              <a:spcPct val="35000"/>
+            </a:spcAft>
+            <a:buNone/>
+          </a:pPr>
+          <a:endParaRPr lang="zh-CN" altLang="en-US" sz="3600" kern="1200"/>
+        </a:p>
+      </dsp:txBody>
+      <dsp:txXfrm>
+        <a:off x="4534900" y="2810443"/>
+        <a:ext cx="523752" cy="716589"/>
+      </dsp:txXfrm>
+    </dsp:sp>
+  </dsp:spTree>
+</dsp:drawing>
+</file>
+
+<file path=ppt/diagrams/drawing2.xml><?xml version="1.0" encoding="utf-8"?>
+<dsp:drawing xmlns:dgm="http://schemas.openxmlformats.org/drawingml/2006/diagram" xmlns:dsp="http://schemas.microsoft.com/office/drawing/2008/diagram" xmlns:a="http://schemas.openxmlformats.org/drawingml/2006/main">
+  <dsp:spTree>
+    <dsp:nvGrpSpPr>
+      <dsp:cNvPr id="0" name=""/>
+      <dsp:cNvGrpSpPr/>
+    </dsp:nvGrpSpPr>
+    <dsp:grpSpPr/>
+    <dsp:sp modelId="{11437AE0-F0D1-4E1E-8BF0-C745B9782BDC}">
+      <dsp:nvSpPr>
+        <dsp:cNvPr id="0" name=""/>
+        <dsp:cNvSpPr/>
+      </dsp:nvSpPr>
+      <dsp:spPr>
+        <a:xfrm rot="5400000">
+          <a:off x="-361895" y="368270"/>
+          <a:ext cx="2412636" cy="1688845"/>
+        </a:xfrm>
+        <a:prstGeom prst="chevron">
+          <a:avLst/>
+        </a:prstGeom>
+        <a:solidFill>
+          <a:schemeClr val="accent1">
+            <a:hueOff val="0"/>
+            <a:satOff val="0"/>
+            <a:lumOff val="0"/>
+            <a:alphaOff val="0"/>
+          </a:schemeClr>
+        </a:solidFill>
+        <a:ln w="12700" cap="flat" cmpd="sng" algn="ctr">
+          <a:solidFill>
+            <a:schemeClr val="accent1">
+              <a:hueOff val="0"/>
+              <a:satOff val="0"/>
+              <a:lumOff val="0"/>
+              <a:alphaOff val="0"/>
+            </a:schemeClr>
+          </a:solidFill>
+          <a:prstDash val="solid"/>
+          <a:miter lim="800000"/>
+        </a:ln>
+        <a:effectLst/>
+      </dsp:spPr>
+      <dsp:style>
+        <a:lnRef idx="2">
+          <a:scrgbClr r="0" g="0" b="0"/>
+        </a:lnRef>
+        <a:fillRef idx="1">
+          <a:scrgbClr r="0" g="0" b="0"/>
+        </a:fillRef>
+        <a:effectRef idx="0">
+          <a:scrgbClr r="0" g="0" b="0"/>
+        </a:effectRef>
+        <a:fontRef idx="minor">
+          <a:schemeClr val="lt1"/>
+        </a:fontRef>
+      </dsp:style>
+      <dsp:txBody>
+        <a:bodyPr spcFirstLastPara="0" vert="horz" wrap="square" lIns="10160" tIns="10160" rIns="10160" bIns="10160" numCol="1" spcCol="1270" anchor="ctr" anchorCtr="0">
+          <a:noAutofit/>
+        </a:bodyPr>
+        <a:lstStyle/>
+        <a:p>
+          <a:pPr marL="0" lvl="0" indent="0" algn="ctr" defTabSz="711200">
+            <a:lnSpc>
+              <a:spcPct val="90000"/>
+            </a:lnSpc>
+            <a:spcBef>
+              <a:spcPct val="0"/>
+            </a:spcBef>
+            <a:spcAft>
+              <a:spcPct val="35000"/>
+            </a:spcAft>
+            <a:buNone/>
+          </a:pPr>
+          <a:r>
+            <a:rPr lang="zh-CN" altLang="en-US" sz="1600" b="1" kern="1200" dirty="0">
+              <a:effectLst>
+                <a:outerShdw blurRad="38100" dist="38100" dir="2700000" algn="tl">
+                  <a:srgbClr val="000000">
+                    <a:alpha val="43137"/>
+                  </a:srgbClr>
+                </a:outerShdw>
+              </a:effectLst>
+            </a:rPr>
+            <a:t>数据降维</a:t>
+          </a:r>
+          <a:endParaRPr lang="en-US" altLang="zh-CN" sz="1600" b="1" kern="1200" dirty="0">
+            <a:effectLst>
+              <a:outerShdw blurRad="38100" dist="38100" dir="2700000" algn="tl">
+                <a:srgbClr val="000000">
+                  <a:alpha val="43137"/>
+                </a:srgbClr>
+              </a:outerShdw>
+            </a:effectLst>
+          </a:endParaRPr>
+        </a:p>
+        <a:p>
+          <a:pPr marL="0" lvl="0" indent="0" algn="ctr" defTabSz="711200">
+            <a:lnSpc>
+              <a:spcPct val="90000"/>
+            </a:lnSpc>
+            <a:spcBef>
+              <a:spcPct val="0"/>
+            </a:spcBef>
+            <a:spcAft>
+              <a:spcPct val="35000"/>
+            </a:spcAft>
+            <a:buNone/>
+          </a:pPr>
+          <a:r>
+            <a:rPr lang="en-US" altLang="zh-CN" sz="1600" b="1" kern="1200" dirty="0">
+              <a:effectLst>
+                <a:outerShdw blurRad="38100" dist="38100" dir="2700000" algn="tl">
+                  <a:srgbClr val="000000">
+                    <a:alpha val="43137"/>
+                  </a:srgbClr>
+                </a:outerShdw>
+              </a:effectLst>
+            </a:rPr>
+            <a:t>(Data reduction)</a:t>
+          </a:r>
+        </a:p>
+      </dsp:txBody>
+      <dsp:txXfrm rot="-5400000">
+        <a:off x="1" y="850798"/>
+        <a:ext cx="1688845" cy="723791"/>
+      </dsp:txXfrm>
+    </dsp:sp>
+    <dsp:sp modelId="{493D492C-CA55-481F-903B-008ECB16469B}">
+      <dsp:nvSpPr>
+        <dsp:cNvPr id="0" name=""/>
+        <dsp:cNvSpPr/>
+      </dsp:nvSpPr>
+      <dsp:spPr>
+        <a:xfrm rot="5400000">
+          <a:off x="4699391" y="-3004170"/>
+          <a:ext cx="1568213" cy="7589305"/>
+        </a:xfrm>
+        <a:prstGeom prst="round2SameRect">
+          <a:avLst/>
+        </a:prstGeom>
+        <a:solidFill>
+          <a:schemeClr val="lt1">
+            <a:alpha val="90000"/>
+            <a:hueOff val="0"/>
+            <a:satOff val="0"/>
+            <a:lumOff val="0"/>
+            <a:alphaOff val="0"/>
+          </a:schemeClr>
+        </a:solidFill>
+        <a:ln w="12700" cap="flat" cmpd="sng" algn="ctr">
+          <a:solidFill>
+            <a:schemeClr val="accent1">
+              <a:hueOff val="0"/>
+              <a:satOff val="0"/>
+              <a:lumOff val="0"/>
+              <a:alphaOff val="0"/>
+            </a:schemeClr>
+          </a:solidFill>
+          <a:prstDash val="solid"/>
+          <a:miter lim="800000"/>
+        </a:ln>
+        <a:effectLst/>
+      </dsp:spPr>
+      <dsp:style>
+        <a:lnRef idx="2">
+          <a:scrgbClr r="0" g="0" b="0"/>
+        </a:lnRef>
+        <a:fillRef idx="1">
+          <a:scrgbClr r="0" g="0" b="0"/>
+        </a:fillRef>
+        <a:effectRef idx="0">
+          <a:scrgbClr r="0" g="0" b="0"/>
+        </a:effectRef>
+        <a:fontRef idx="minor"/>
+      </dsp:style>
+      <dsp:txBody>
+        <a:bodyPr spcFirstLastPara="0" vert="horz" wrap="square" lIns="241808" tIns="21590" rIns="21590" bIns="21590" numCol="1" spcCol="1270" anchor="ctr" anchorCtr="0">
+          <a:noAutofit/>
+        </a:bodyPr>
+        <a:lstStyle/>
+        <a:p>
+          <a:pPr marL="285750" lvl="1" indent="-285750" algn="l" defTabSz="1511300">
+            <a:lnSpc>
+              <a:spcPct val="90000"/>
+            </a:lnSpc>
+            <a:spcBef>
+              <a:spcPct val="0"/>
+            </a:spcBef>
+            <a:spcAft>
+              <a:spcPct val="15000"/>
+            </a:spcAft>
+            <a:buChar char="•"/>
+          </a:pPr>
+          <a:r>
+            <a:rPr lang="zh-CN" altLang="en-US" sz="3400" kern="1200" dirty="0"/>
+            <a:t>降低所需处理的数据量</a:t>
+          </a:r>
+        </a:p>
+        <a:p>
+          <a:pPr marL="285750" lvl="1" indent="-285750" algn="l" defTabSz="1511300">
+            <a:lnSpc>
+              <a:spcPct val="90000"/>
+            </a:lnSpc>
+            <a:spcBef>
+              <a:spcPct val="0"/>
+            </a:spcBef>
+            <a:spcAft>
+              <a:spcPct val="15000"/>
+            </a:spcAft>
+            <a:buChar char="•"/>
+          </a:pPr>
+          <a:r>
+            <a:rPr lang="zh-CN" altLang="en-US" sz="3400" kern="1200" dirty="0"/>
+            <a:t>减少数据噪声</a:t>
+          </a:r>
+        </a:p>
+      </dsp:txBody>
+      <dsp:txXfrm rot="-5400000">
+        <a:off x="1688845" y="82930"/>
+        <a:ext cx="7512751" cy="1415105"/>
+      </dsp:txXfrm>
+    </dsp:sp>
+    <dsp:sp modelId="{9554D711-CB26-48EE-BDE8-2AA3856101F8}">
+      <dsp:nvSpPr>
+        <dsp:cNvPr id="0" name=""/>
+        <dsp:cNvSpPr/>
+      </dsp:nvSpPr>
+      <dsp:spPr>
+        <a:xfrm rot="5400000">
+          <a:off x="-361895" y="2497128"/>
+          <a:ext cx="2412636" cy="1688845"/>
+        </a:xfrm>
+        <a:prstGeom prst="chevron">
+          <a:avLst/>
+        </a:prstGeom>
+        <a:solidFill>
+          <a:schemeClr val="accent1">
+            <a:hueOff val="0"/>
+            <a:satOff val="0"/>
+            <a:lumOff val="0"/>
+            <a:alphaOff val="0"/>
+          </a:schemeClr>
+        </a:solidFill>
+        <a:ln w="12700" cap="flat" cmpd="sng" algn="ctr">
+          <a:solidFill>
+            <a:schemeClr val="accent1">
+              <a:hueOff val="0"/>
+              <a:satOff val="0"/>
+              <a:lumOff val="0"/>
+              <a:alphaOff val="0"/>
+            </a:schemeClr>
+          </a:solidFill>
+          <a:prstDash val="solid"/>
+          <a:miter lim="800000"/>
+        </a:ln>
+        <a:effectLst/>
+      </dsp:spPr>
+      <dsp:style>
+        <a:lnRef idx="2">
+          <a:scrgbClr r="0" g="0" b="0"/>
+        </a:lnRef>
+        <a:fillRef idx="1">
+          <a:scrgbClr r="0" g="0" b="0"/>
+        </a:fillRef>
+        <a:effectRef idx="0">
+          <a:scrgbClr r="0" g="0" b="0"/>
+        </a:effectRef>
+        <a:fontRef idx="minor">
+          <a:schemeClr val="lt1"/>
+        </a:fontRef>
+      </dsp:style>
+      <dsp:txBody>
+        <a:bodyPr spcFirstLastPara="0" vert="horz" wrap="square" lIns="10160" tIns="10160" rIns="10160" bIns="10160" numCol="1" spcCol="1270" anchor="ctr" anchorCtr="0">
+          <a:noAutofit/>
+        </a:bodyPr>
+        <a:lstStyle/>
+        <a:p>
+          <a:pPr marL="0" lvl="0" indent="0" algn="ctr" defTabSz="711200">
+            <a:lnSpc>
+              <a:spcPct val="90000"/>
+            </a:lnSpc>
+            <a:spcBef>
+              <a:spcPct val="0"/>
+            </a:spcBef>
+            <a:spcAft>
+              <a:spcPct val="35000"/>
+            </a:spcAft>
+            <a:buNone/>
+          </a:pPr>
+          <a:r>
+            <a:rPr lang="zh-CN" altLang="en-US" sz="1600" b="1" kern="1200" dirty="0">
+              <a:effectLst>
+                <a:outerShdw blurRad="38100" dist="38100" dir="2700000" algn="tl">
+                  <a:srgbClr val="000000">
+                    <a:alpha val="43137"/>
+                  </a:srgbClr>
+                </a:outerShdw>
+              </a:effectLst>
+            </a:rPr>
+            <a:t>非监督标记</a:t>
+          </a:r>
+          <a:endParaRPr lang="en-US" altLang="zh-CN" sz="1600" b="1" kern="1200" dirty="0">
+            <a:effectLst>
+              <a:outerShdw blurRad="38100" dist="38100" dir="2700000" algn="tl">
+                <a:srgbClr val="000000">
+                  <a:alpha val="43137"/>
+                </a:srgbClr>
+              </a:outerShdw>
+            </a:effectLst>
+          </a:endParaRPr>
+        </a:p>
+        <a:p>
+          <a:pPr marL="0" lvl="0" indent="0" algn="ctr" defTabSz="711200">
+            <a:lnSpc>
+              <a:spcPct val="90000"/>
+            </a:lnSpc>
+            <a:spcBef>
+              <a:spcPct val="0"/>
+            </a:spcBef>
+            <a:spcAft>
+              <a:spcPct val="35000"/>
+            </a:spcAft>
+            <a:buNone/>
+          </a:pPr>
+          <a:r>
+            <a:rPr lang="en-US" altLang="zh-CN" sz="1300" b="1" kern="1200" dirty="0">
+              <a:effectLst>
+                <a:outerShdw blurRad="38100" dist="38100" dir="2700000" algn="tl">
+                  <a:srgbClr val="000000">
+                    <a:alpha val="43137"/>
+                  </a:srgbClr>
+                </a:outerShdw>
+              </a:effectLst>
+            </a:rPr>
+            <a:t>(Unsupervised labeling)</a:t>
+          </a:r>
+          <a:endParaRPr lang="zh-CN" altLang="en-US" sz="1300" b="1" kern="1200" dirty="0">
+            <a:effectLst>
+              <a:outerShdw blurRad="38100" dist="38100" dir="2700000" algn="tl">
+                <a:srgbClr val="000000">
+                  <a:alpha val="43137"/>
+                </a:srgbClr>
+              </a:outerShdw>
+            </a:effectLst>
+          </a:endParaRPr>
+        </a:p>
+      </dsp:txBody>
+      <dsp:txXfrm rot="-5400000">
+        <a:off x="1" y="2979656"/>
+        <a:ext cx="1688845" cy="723791"/>
+      </dsp:txXfrm>
+    </dsp:sp>
+    <dsp:sp modelId="{0AFE5B7C-3798-4A19-98A5-759FA685C09D}">
+      <dsp:nvSpPr>
+        <dsp:cNvPr id="0" name=""/>
+        <dsp:cNvSpPr/>
+      </dsp:nvSpPr>
+      <dsp:spPr>
+        <a:xfrm rot="5400000">
+          <a:off x="4698979" y="-874900"/>
+          <a:ext cx="1569038" cy="7589305"/>
+        </a:xfrm>
+        <a:prstGeom prst="round2SameRect">
+          <a:avLst/>
+        </a:prstGeom>
+        <a:solidFill>
+          <a:schemeClr val="lt1">
+            <a:alpha val="90000"/>
+            <a:hueOff val="0"/>
+            <a:satOff val="0"/>
+            <a:lumOff val="0"/>
+            <a:alphaOff val="0"/>
+          </a:schemeClr>
+        </a:solidFill>
+        <a:ln w="12700" cap="flat" cmpd="sng" algn="ctr">
+          <a:solidFill>
+            <a:schemeClr val="accent1">
+              <a:hueOff val="0"/>
+              <a:satOff val="0"/>
+              <a:lumOff val="0"/>
+              <a:alphaOff val="0"/>
+            </a:schemeClr>
+          </a:solidFill>
+          <a:prstDash val="solid"/>
+          <a:miter lim="800000"/>
+        </a:ln>
+        <a:effectLst/>
+      </dsp:spPr>
+      <dsp:style>
+        <a:lnRef idx="2">
+          <a:scrgbClr r="0" g="0" b="0"/>
+        </a:lnRef>
+        <a:fillRef idx="1">
+          <a:scrgbClr r="0" g="0" b="0"/>
+        </a:fillRef>
+        <a:effectRef idx="0">
+          <a:scrgbClr r="0" g="0" b="0"/>
+        </a:effectRef>
+        <a:fontRef idx="minor"/>
+      </dsp:style>
+      <dsp:txBody>
+        <a:bodyPr spcFirstLastPara="0" vert="horz" wrap="square" lIns="241808" tIns="21590" rIns="21590" bIns="21590" numCol="1" spcCol="1270" anchor="ctr" anchorCtr="0">
+          <a:noAutofit/>
+        </a:bodyPr>
+        <a:lstStyle/>
+        <a:p>
+          <a:pPr marL="285750" lvl="1" indent="-285750" algn="l" defTabSz="1511300">
+            <a:lnSpc>
+              <a:spcPct val="90000"/>
+            </a:lnSpc>
+            <a:spcBef>
+              <a:spcPct val="0"/>
+            </a:spcBef>
+            <a:spcAft>
+              <a:spcPct val="15000"/>
+            </a:spcAft>
+            <a:buChar char="•"/>
+          </a:pPr>
+          <a:r>
+            <a:rPr lang="zh-CN" altLang="en-US" sz="3400" kern="1200" dirty="0"/>
+            <a:t>很难两幅衍射图案是否属于同一晶粒</a:t>
+          </a:r>
+        </a:p>
+        <a:p>
+          <a:pPr marL="285750" lvl="1" indent="-285750" algn="l" defTabSz="1511300">
+            <a:lnSpc>
+              <a:spcPct val="90000"/>
+            </a:lnSpc>
+            <a:spcBef>
+              <a:spcPct val="0"/>
+            </a:spcBef>
+            <a:spcAft>
+              <a:spcPct val="15000"/>
+            </a:spcAft>
+            <a:buChar char="•"/>
+          </a:pPr>
+          <a:r>
+            <a:rPr lang="zh-CN" altLang="en-US" sz="3400" kern="1200" dirty="0"/>
+            <a:t>从图像提取特征判断</a:t>
+          </a:r>
+        </a:p>
+      </dsp:txBody>
+      <dsp:txXfrm rot="-5400000">
+        <a:off x="1688846" y="2211827"/>
+        <a:ext cx="7512711" cy="1415850"/>
+      </dsp:txXfrm>
+    </dsp:sp>
+  </dsp:spTree>
+</dsp:drawing>
+</file>
+
+<file path=ppt/diagrams/layout1.xml><?xml version="1.0" encoding="utf-8"?>
+<dgm:layoutDef xmlns:dgm="http://schemas.openxmlformats.org/drawingml/2006/diagram" xmlns:a="http://schemas.openxmlformats.org/drawingml/2006/main" uniqueId="urn:microsoft.com/office/officeart/2005/8/layout/vProcess5">
+  <dgm:title val=""/>
+  <dgm:desc val=""/>
+  <dgm:catLst>
+    <dgm:cat type="process" pri="14000"/>
+  </dgm:catLst>
+  <dgm:sampData>
+    <dgm:dataModel>
+      <dgm:ptLst>
+        <dgm:pt modelId="0" type="doc"/>
+        <dgm:pt modelId="1">
+          <dgm:prSet phldr="1"/>
+        </dgm:pt>
+        <dgm:pt modelId="2">
+          <dgm:prSet phldr="1"/>
+        </dgm:pt>
+        <dgm:pt modelId="3">
+          <dgm:prSet phldr="1"/>
+        </dgm:pt>
+      </dgm:ptLst>
+      <dgm:cxnLst>
+        <dgm:cxn modelId="5" srcId="0" destId="1" srcOrd="0" destOrd="0"/>
+        <dgm:cxn modelId="6" srcId="0" destId="2" srcOrd="1" destOrd="0"/>
+        <dgm:cxn modelId="7" srcId="0" destId="3" srcOrd="2" destOrd="0"/>
+      </dgm:cxnLst>
+      <dgm:bg/>
+      <dgm:whole/>
+    </dgm:dataModel>
+  </dgm:sampData>
+  <dgm:styleData>
+    <dgm:dataModel>
+      <dgm:ptLst>
+        <dgm:pt modelId="0" type="doc"/>
+        <dgm:pt modelId="1"/>
+        <dgm:pt modelId="2"/>
+      </dgm:ptLst>
+      <dgm:cxnLst>
+        <dgm:cxn modelId="3" srcId="0" destId="1" srcOrd="0" destOrd="0"/>
+        <dgm:cxn modelId="4" srcId="0" destId="2" srcOrd="1" destOrd="0"/>
+      </dgm:cxnLst>
+      <dgm:bg/>
+      <dgm:whole/>
+    </dgm:dataModel>
+  </dgm:styleData>
+  <dgm:clrData>
+    <dgm:dataModel>
+      <dgm:ptLst>
+        <dgm:pt modelId="0" type="doc"/>
+        <dgm:pt modelId="1"/>
+        <dgm:pt modelId="2"/>
+        <dgm:pt modelId="3"/>
+        <dgm:pt modelId="4"/>
+      </dgm:ptLst>
+      <dgm:cxnLst>
+        <dgm:cxn modelId="6" srcId="0" destId="1" srcOrd="0" destOrd="0"/>
+        <dgm:cxn modelId="7" srcId="0" destId="2" srcOrd="1" destOrd="0"/>
+        <dgm:cxn modelId="8" srcId="0" destId="3" srcOrd="2" destOrd="0"/>
+        <dgm:cxn modelId="9" srcId="0" destId="4" srcOrd="3" destOrd="0"/>
+      </dgm:cxnLst>
+      <dgm:bg/>
+      <dgm:whole/>
+    </dgm:dataModel>
+  </dgm:clrData>
+  <dgm:layoutNode name="outerComposite">
+    <dgm:varLst>
+      <dgm:chMax val="5"/>
+      <dgm:dir/>
+      <dgm:resizeHandles val="exact"/>
+    </dgm:varLst>
+    <dgm:alg type="composite"/>
+    <dgm:shape xmlns:r="http://schemas.openxmlformats.org/officeDocument/2006/relationships" r:blip="">
+      <dgm:adjLst/>
+    </dgm:shape>
+    <dgm:presOf/>
+    <dgm:choose name="Name0">
+      <dgm:if name="Name1" func="var" arg="dir" op="equ" val="norm">
+        <dgm:constrLst>
+          <dgm:constr type="primFontSz" for="ch" ptType="node" op="equ" val="65"/>
+          <dgm:constr type="w" for="ch" forName="dummyMaxCanvas" refType="w"/>
+          <dgm:constr type="h" for="ch" forName="dummyMaxCanvas" refType="h"/>
+          <dgm:constr type="w" for="ch" forName="OneNode_1" refType="w"/>
+          <dgm:constr type="h" for="ch" forName="OneNode_1" refType="h" fact="0.5"/>
+          <dgm:constr type="ctrY" for="ch" forName="OneNode_1" refType="h" fact="0.5"/>
+          <dgm:constr type="w" for="ch" forName="TwoNodes_1" refType="w" fact="0.85"/>
+          <dgm:constr type="h" for="ch" forName="TwoNodes_1" refType="h" fact="0.45"/>
+          <dgm:constr type="t" for="ch" forName="TwoNodes_1"/>
+          <dgm:constr type="l" for="ch" forName="TwoNodes_1"/>
+          <dgm:constr type="w" for="ch" forName="TwoNodes_2" refType="w" fact="0.85"/>
+          <dgm:constr type="h" for="ch" forName="TwoNodes_2" refType="h" fact="0.45"/>
+          <dgm:constr type="b" for="ch" forName="TwoNodes_2" refType="h"/>
+          <dgm:constr type="r" for="ch" forName="TwoNodes_2" refType="w"/>
+          <dgm:constr type="w" for="ch" forName="TwoConn_1-2" refType="h" refFor="ch" refForName="TwoNodes_1" fact="0.65"/>
+          <dgm:constr type="h" for="ch" forName="TwoConn_1-2" refType="h" refFor="ch" refForName="TwoNodes_1" fact="0.65"/>
+          <dgm:constr type="ctrY" for="ch" forName="TwoConn_1-2" refType="h" fact="0.5"/>
+          <dgm:constr type="r" for="ch" forName="TwoConn_1-2" refType="r" refFor="ch" refForName="TwoNodes_1"/>
+          <dgm:constr type="r" for="ch" forName="TwoNodes_1_text" refType="l" refFor="ch" refForName="TwoConn_1-2"/>
+          <dgm:constr type="rOff" for="ch" forName="TwoNodes_1_text" refType="w" refFor="ch" refForName="TwoConn_1-2" fact="-0.5"/>
+          <dgm:constr type="t" for="ch" forName="TwoNodes_1_text" refType="t" refFor="ch" refForName="TwoNodes_1"/>
+          <dgm:constr type="b" for="ch" forName="TwoNodes_1_text" refType="b" refFor="ch" refForName="TwoNodes_1"/>
+          <dgm:constr type="l" for="ch" forName="TwoNodes_1_text" refType="l" refFor="ch" refForName="TwoNodes_1"/>
+          <dgm:constr type="r" for="ch" forName="TwoNodes_2_text" refType="l" refFor="ch" refForName="TwoConn_1-2"/>
+          <dgm:constr type="t" for="ch" forName="TwoNodes_2_text" refType="t" refFor="ch" refForName="TwoNodes_2"/>
+          <dgm:constr type="b" for="ch" forName="TwoNodes_2_text" refType="b" refFor="ch" refForName="TwoNodes_2"/>
+          <dgm:constr type="l" for="ch" forName="TwoNodes_2_text" refType="l" refFor="ch" refForName="TwoNodes_2"/>
+          <dgm:constr type="w" for="ch" forName="ThreeNodes_1" refType="w" fact="0.85"/>
+          <dgm:constr type="h" for="ch" forName="ThreeNodes_1" refType="h" fact="0.3"/>
+          <dgm:constr type="t" for="ch" forName="ThreeNodes_1"/>
+          <dgm:constr type="l" for="ch" forName="ThreeNodes_1"/>
+          <dgm:constr type="w" for="ch" forName="ThreeNodes_2" refType="w" fact="0.85"/>
+          <dgm:constr type="h" for="ch" forName="ThreeNodes_2" refType="h" fact="0.3"/>
+          <dgm:constr type="ctrY" for="ch" forName="ThreeNodes_2" refType="h" fact="0.5"/>
+          <dgm:constr type="ctrX" for="ch" forName="ThreeNodes_2" refType="w" fact="0.5"/>
+          <dgm:constr type="w" for="ch" forName="ThreeNodes_3" refType="w" fact="0.85"/>
+          <dgm:constr type="h" for="ch" forName="ThreeNodes_3" refType="h" fact="0.3"/>
+          <dgm:constr type="b" for="ch" forName="ThreeNodes_3" refType="h"/>
+          <dgm:constr type="r" for="ch" forName="ThreeNodes_3" refType="w"/>
+          <dgm:constr type="w" for="ch" forName="ThreeConn_1-2" refType="h" refFor="ch" refForName="ThreeNodes_1" fact="0.65"/>
+          <dgm:constr type="h" for="ch" forName="ThreeConn_1-2" refType="h" refFor="ch" refForName="ThreeNodes_1" fact="0.65"/>
+          <dgm:constr type="ctrY" for="ch" forName="ThreeConn_1-2" refType="h" fact="0.325"/>
+          <dgm:constr type="r" for="ch" forName="ThreeConn_1-2" refType="r" refFor="ch" refForName="ThreeNodes_1"/>
+          <dgm:constr type="w" for="ch" forName="ThreeConn_2-3" refType="h" refFor="ch" refForName="ThreeNodes_2" fact="0.65"/>
+          <dgm:constr type="h" for="ch" forName="ThreeConn_2-3" refType="h" refFor="ch" refForName="ThreeNodes_2" fact="0.65"/>
+          <dgm:constr type="ctrY" for="ch" forName="ThreeConn_2-3" refType="h" fact="0.673"/>
+          <dgm:constr type="r" for="ch" forName="ThreeConn_2-3" refType="r" refFor="ch" refForName="ThreeNodes_2"/>
+          <dgm:constr type="r" for="ch" forName="ThreeNodes_1_text" refType="l" refFor="ch" refForName="ThreeConn_1-2"/>
+          <dgm:constr type="rOff" for="ch" forName="ThreeNodes_1_text" refType="w" refFor="ch" refForName="ThreeConn_1-2" fact="-0.57"/>
+          <dgm:constr type="t" for="ch" forName="ThreeNodes_1_text" refType="t" refFor="ch" refForName="ThreeNodes_1"/>
+          <dgm:constr type="b" for="ch" forName="ThreeNodes_1_text" refType="b" refFor="ch" refForName="ThreeNodes_1"/>
+          <dgm:constr type="l" for="ch" forName="ThreeNodes_1_text" refType="l" refFor="ch" refForName="ThreeNodes_1"/>
+          <dgm:constr type="r" for="ch" forName="ThreeNodes_2_text" refType="l" refFor="ch" refForName="ThreeConn_1-2"/>
+          <dgm:constr type="t" for="ch" forName="ThreeNodes_2_text" refType="t" refFor="ch" refForName="ThreeNodes_2"/>
+          <dgm:constr type="b" for="ch" forName="ThreeNodes_2_text" refType="b" refFor="ch" refForName="ThreeNodes_2"/>
+          <dgm:constr type="l" for="ch" forName="ThreeNodes_2_text" refType="l" refFor="ch" refForName="ThreeNodes_2"/>
+          <dgm:constr type="r" for="ch" forName="ThreeNodes_3_text" refType="l" refFor="ch" refForName="ThreeConn_2-3"/>
+          <dgm:constr type="t" for="ch" forName="ThreeNodes_3_text" refType="t" refFor="ch" refForName="ThreeNodes_3"/>
+          <dgm:constr type="b" for="ch" forName="ThreeNodes_3_text" refType="b" refFor="ch" refForName="ThreeNodes_3"/>
+          <dgm:constr type="l" for="ch" forName="ThreeNodes_3_text" refType="l" refFor="ch" refForName="ThreeNodes_3"/>
+          <dgm:constr type="w" for="ch" forName="FourNodes_1" refType="w" fact="0.8"/>
+          <dgm:constr type="h" for="ch" forName="FourNodes_1" refType="h" fact="0.22"/>
+          <dgm:constr type="t" for="ch" forName="FourNodes_1"/>
+          <dgm:constr type="l" for="ch" forName="FourNodes_1"/>
+          <dgm:constr type="w" for="ch" forName="FourNodes_2" refType="w" fact="0.8"/>
+          <dgm:constr type="h" for="ch" forName="FourNodes_2" refType="h" fact="0.22"/>
+          <dgm:constr type="ctrY" for="ch" forName="FourNodes_2" refType="h" fact="0.37"/>
+          <dgm:constr type="ctrX" for="ch" forName="FourNodes_2" refType="w" fact="0.467"/>
+          <dgm:constr type="w" for="ch" forName="FourNodes_3" refType="w" fact="0.8"/>
+          <dgm:constr type="h" for="ch" forName="FourNodes_3" refType="h" fact="0.22"/>
+          <dgm:constr type="ctrY" for="ch" forName="FourNodes_3" refType="h" fact="0.63"/>
+          <dgm:constr type="ctrX" for="ch" forName="FourNodes_3" refType="w" fact="0.533"/>
+          <dgm:constr type="w" for="ch" forName="FourNodes_4" refType="w" fact="0.8"/>
+          <dgm:constr type="h" for="ch" forName="FourNodes_4" refType="h" fact="0.22"/>
+          <dgm:constr type="b" for="ch" forName="FourNodes_4" refType="h"/>
+          <dgm:constr type="r" for="ch" forName="FourNodes_4" refType="w"/>
+          <dgm:constr type="w" for="ch" forName="FourConn_1-2" refType="h" refFor="ch" refForName="FourNodes_1" fact="0.65"/>
+          <dgm:constr type="h" for="ch" forName="FourConn_1-2" refType="h" refFor="ch" refForName="FourNodes_1" fact="0.65"/>
+          <dgm:constr type="ctrY" for="ch" forName="FourConn_1-2" refType="h" fact="0.24"/>
+          <dgm:constr type="r" for="ch" forName="FourConn_1-2" refType="r" refFor="ch" refForName="FourNodes_1"/>
+          <dgm:constr type="w" for="ch" forName="FourConn_2-3" refType="h" refFor="ch" refForName="FourNodes_2" fact="0.65"/>
+          <dgm:constr type="h" for="ch" forName="FourConn_2-3" refType="h" refFor="ch" refForName="FourNodes_2" fact="0.65"/>
+          <dgm:constr type="ctrY" for="ch" forName="FourConn_2-3" refType="h" fact="0.5"/>
+          <dgm:constr type="r" for="ch" forName="FourConn_2-3" refType="r" refFor="ch" refForName="FourNodes_2"/>
+          <dgm:constr type="w" for="ch" forName="FourConn_3-4" refType="h" refFor="ch" refForName="FourNodes_3" fact="0.65"/>
+          <dgm:constr type="h" for="ch" forName="FourConn_3-4" refType="h" refFor="ch" refForName="FourNodes_3" fact="0.65"/>
+          <dgm:constr type="ctrY" for="ch" forName="FourConn_3-4" refType="h" fact="0.76"/>
+          <dgm:constr type="r" for="ch" forName="FourConn_3-4" refType="r" refFor="ch" refForName="FourNodes_3"/>
+          <dgm:constr type="r" for="ch" forName="FourNodes_1_text" refType="l" refFor="ch" refForName="FourConn_1-2"/>
+          <dgm:constr type="rOff" for="ch" forName="FourNodes_1_text" refType="w" refFor="ch" refForName="FourConn_1-2" fact="-0.7"/>
+          <dgm:constr type="t" for="ch" forName="FourNodes_1_text" refType="t" refFor="ch" refForName="FourNodes_1"/>
+          <dgm:constr type="b" for="ch" forName="FourNodes_1_text" refType="b" refFor="ch" refForName="FourNodes_1"/>
+          <dgm:constr type="l" for="ch" forName="FourNodes_1_text" refType="l" refFor="ch" refForName="FourNodes_1"/>
+          <dgm:constr type="r" for="ch" forName="FourNodes_2_text" refType="l" refFor="ch" refForName="FourConn_1-2"/>
+          <dgm:constr type="t" for="ch" forName="FourNodes_2_text" refType="t" refFor="ch" refForName="FourNodes_2"/>
+          <dgm:constr type="b" for="ch" forName="FourNodes_2_text" refType="b" refFor="ch" refForName="FourNodes_2"/>
+          <dgm:constr type="l" for="ch" forName="FourNodes_2_text" refType="l" refFor="ch" refForName="FourNodes_2"/>
+          <dgm:constr type="r" for="ch" forName="FourNodes_3_text" refType="l" refFor="ch" refForName="FourConn_2-3"/>
+          <dgm:constr type="t" for="ch" forName="FourNodes_3_text" refType="t" refFor="ch" refForName="FourNodes_3"/>
+          <dgm:constr type="b" for="ch" forName="FourNodes_3_text" refType="b" refFor="ch" refForName="FourNodes_3"/>
+          <dgm:constr type="l" for="ch" forName="FourNodes_3_text" refType="l" refFor="ch" refForName="FourNodes_3"/>
+          <dgm:constr type="r" for="ch" forName="FourNodes_4_text" refType="l" refFor="ch" refForName="FourConn_3-4"/>
+          <dgm:constr type="t" for="ch" forName="FourNodes_4_text" refType="t" refFor="ch" refForName="FourNodes_4"/>
+          <dgm:constr type="b" for="ch" forName="FourNodes_4_text" refType="b" refFor="ch" refForName="FourNodes_4"/>
+          <dgm:constr type="l" for="ch" forName="FourNodes_4_text" refType="l" refFor="ch" refForName="FourNodes_4"/>
+          <dgm:constr type="w" for="ch" forName="FiveNodes_1" refType="w" fact="0.77"/>
+          <dgm:constr type="h" for="ch" forName="FiveNodes_1" refType="h" fact="0.18"/>
+          <dgm:constr type="t" for="ch" forName="FiveNodes_1"/>
+          <dgm:constr type="l" for="ch" forName="FiveNodes_1"/>
+          <dgm:constr type="w" for="ch" forName="FiveNodes_2" refType="w" fact="0.77"/>
+          <dgm:constr type="h" for="ch" forName="FiveNodes_2" refType="h" fact="0.18"/>
+          <dgm:constr type="ctrY" for="ch" forName="FiveNodes_2" refType="h" fact="0.295"/>
+          <dgm:constr type="ctrX" for="ch" forName="FiveNodes_2" refType="w" fact="0.4425"/>
+          <dgm:constr type="w" for="ch" forName="FiveNodes_3" refType="w" fact="0.77"/>
+          <dgm:constr type="h" for="ch" forName="FiveNodes_3" refType="h" fact="0.18"/>
+          <dgm:constr type="ctrY" for="ch" forName="FiveNodes_3" refType="h" fact="0.5"/>
+          <dgm:constr type="ctrX" for="ch" forName="FiveNodes_3" refType="w" fact="0.5"/>
+          <dgm:constr type="w" for="ch" forName="FiveNodes_4" refType="w" fact="0.77"/>
+          <dgm:constr type="h" for="ch" forName="FiveNodes_4" refType="h" fact="0.18"/>
+          <dgm:constr type="ctrY" for="ch" forName="FiveNodes_4" refType="h" fact="0.705"/>
+          <dgm:constr type="ctrX" for="ch" forName="FiveNodes_4" refType="w" fact="0.5575"/>
+          <dgm:constr type="w" for="ch" forName="FiveNodes_5" refType="w" fact="0.77"/>
+          <dgm:constr type="h" for="ch" forName="FiveNodes_5" refType="h" fact="0.18"/>
+          <dgm:constr type="b" for="ch" forName="FiveNodes_5" refType="h"/>
+          <dgm:constr type="r" for="ch" forName="FiveNodes_5" refType="w"/>
+          <dgm:constr type="w" for="ch" forName="FiveConn_1-2" refType="h" refFor="ch" refForName="FiveNodes_1" fact="0.65"/>
+          <dgm:constr type="h" for="ch" forName="FiveConn_1-2" refType="h" refFor="ch" refForName="FiveNodes_1" fact="0.65"/>
+          <dgm:constr type="ctrY" for="ch" forName="FiveConn_1-2" refType="h" fact="0.19"/>
+          <dgm:constr type="r" for="ch" forName="FiveConn_1-2" refType="r" refFor="ch" refForName="FiveNodes_1"/>
+          <dgm:constr type="w" for="ch" forName="FiveConn_2-3" refType="h" refFor="ch" refForName="FiveNodes_2" fact="0.65"/>
+          <dgm:constr type="h" for="ch" forName="FiveConn_2-3" refType="h" refFor="ch" refForName="FiveNodes_2" fact="0.65"/>
+          <dgm:constr type="ctrY" for="ch" forName="FiveConn_2-3" refType="h" fact="0.395"/>
+          <dgm:constr type="r" for="ch" forName="FiveConn_2-3" refType="r" refFor="ch" refForName="FiveNodes_2"/>
+          <dgm:constr type="w" for="ch" forName="FiveConn_3-4" refType="h" refFor="ch" refForName="FiveNodes_3" fact="0.65"/>
+          <dgm:constr type="h" for="ch" forName="FiveConn_3-4" refType="h" refFor="ch" refForName="FiveNodes_3" fact="0.65"/>
+          <dgm:constr type="ctrY" for="ch" forName="FiveConn_3-4" refType="h" fact="0.597"/>
+          <dgm:constr type="r" for="ch" forName="FiveConn_3-4" refType="r" refFor="ch" refForName="FiveNodes_3"/>
+          <dgm:constr type="w" for="ch" forName="FiveConn_4-5" refType="h" refFor="ch" refForName="FiveNodes_4" fact="0.65"/>
+          <dgm:constr type="h" for="ch" forName="FiveConn_4-5" refType="h" refFor="ch" refForName="FiveNodes_4" fact="0.65"/>
+          <dgm:constr type="ctrY" for="ch" forName="FiveConn_4-5" refType="h" fact="0.804"/>
+          <dgm:constr type="r" for="ch" forName="FiveConn_4-5" refType="r" refFor="ch" refForName="FiveNodes_4"/>
+          <dgm:constr type="r" for="ch" forName="FiveNodes_1_text" refType="l" refFor="ch" refForName="FiveConn_1-2"/>
+          <dgm:constr type="rOff" for="ch" forName="FiveNodes_1_text" refType="w" refFor="ch" refForName="FiveConn_1-2" fact="-0.75"/>
+          <dgm:constr type="t" for="ch" forName="FiveNodes_1_text" refType="t" refFor="ch" refForName="FiveNodes_1"/>
+          <dgm:constr type="b" for="ch" forName="FiveNodes_1_text" refType="b" refFor="ch" refForName="FiveNodes_1"/>
+          <dgm:constr type="l" for="ch" forName="FiveNodes_1_text" refType="l" refFor="ch" refForName="FiveNodes_1"/>
+          <dgm:constr type="r" for="ch" forName="FiveNodes_2_text" refType="l" refFor="ch" refForName="FiveConn_1-2"/>
+          <dgm:constr type="t" for="ch" forName="FiveNodes_2_text" refType="t" refFor="ch" refForName="FiveNodes_2"/>
+          <dgm:constr type="b" for="ch" forName="FiveNodes_2_text" refType="b" refFor="ch" refForName="FiveNodes_2"/>
+          <dgm:constr type="l" for="ch" forName="FiveNodes_2_text" refType="l" refFor="ch" refForName="FiveNodes_2"/>
+          <dgm:constr type="r" for="ch" forName="FiveNodes_3_text" refType="l" refFor="ch" refForName="FiveConn_2-3"/>
+          <dgm:constr type="t" for="ch" forName="FiveNodes_3_text" refType="t" refFor="ch" refForName="FiveNodes_3"/>
+          <dgm:constr type="b" for="ch" forName="FiveNodes_3_text" refType="b" refFor="ch" refForName="FiveNodes_3"/>
+          <dgm:constr type="l" for="ch" forName="FiveNodes_3_text" refType="l" refFor="ch" refForName="FiveNodes_3"/>
+          <dgm:constr type="r" for="ch" forName="FiveNodes_4_text" refType="l" refFor="ch" refForName="FiveConn_3-4"/>
+          <dgm:constr type="t" for="ch" forName="FiveNodes_4_text" refType="t" refFor="ch" refForName="FiveNodes_4"/>
+          <dgm:constr type="b" for="ch" forName="FiveNodes_4_text" refType="b" refFor="ch" refForName="FiveNodes_4"/>
+          <dgm:constr type="l" for="ch" forName="FiveNodes_4_text" refType="l" refFor="ch" refForName="FiveNodes_4"/>
+          <dgm:constr type="r" for="ch" forName="FiveNodes_5_text" refType="l" refFor="ch" refForName="FiveConn_4-5"/>
+          <dgm:constr type="t" for="ch" forName="FiveNodes_5_text" refType="t" refFor="ch" refForName="FiveNodes_5"/>
+          <dgm:constr type="b" for="ch" forName="FiveNodes_5_text" refType="b" refFor="ch" refForName="FiveNodes_5"/>
+          <dgm:constr type="l" for="ch" forName="FiveNodes_5_text" refType="l" refFor="ch" refForName="FiveNodes_5"/>
+        </dgm:constrLst>
+      </dgm:if>
+      <dgm:else name="Name2">
+        <dgm:constrLst>
+          <dgm:constr type="primFontSz" for="ch" ptType="node" op="equ" val="65"/>
+          <dgm:constr type="w" for="ch" forName="dummyMaxCanvas" refType="w"/>
+          <dgm:constr type="h" for="ch" forName="dummyMaxCanvas" refType="h"/>
+          <dgm:constr type="w" for="ch" forName="OneNode_1" refType="w"/>
+          <dgm:constr type="h" for="ch" forName="OneNode_1" refType="h" fact="0.5"/>
+          <dgm:constr type="ctrY" for="ch" forName="OneNode_1" refType="h" fact="0.5"/>
+          <dgm:constr type="w" for="ch" forName="TwoNodes_1" refType="w" fact="0.85"/>
+          <dgm:constr type="h" for="ch" forName="TwoNodes_1" refType="h" fact="0.45"/>
+          <dgm:constr type="t" for="ch" forName="TwoNodes_1"/>
+          <dgm:constr type="r" for="ch" forName="TwoNodes_1" refType="w"/>
+          <dgm:constr type="w" for="ch" forName="TwoNodes_2" refType="w" fact="0.85"/>
+          <dgm:constr type="h" for="ch" forName="TwoNodes_2" refType="h" fact="0.45"/>
+          <dgm:constr type="b" for="ch" forName="TwoNodes_2" refType="h"/>
+          <dgm:constr type="l" for="ch" forName="TwoNodes_2"/>
+          <dgm:constr type="w" for="ch" forName="TwoConn_1-2" refType="h" refFor="ch" refForName="TwoNodes_1" fact="0.65"/>
+          <dgm:constr type="h" for="ch" forName="TwoConn_1-2" refType="h" refFor="ch" refForName="TwoNodes_1" fact="0.65"/>
+          <dgm:constr type="ctrY" for="ch" forName="TwoConn_1-2" refType="h" fact="0.5"/>
+          <dgm:constr type="l" for="ch" forName="TwoConn_1-2" refType="l" refFor="ch" refForName="TwoNodes_1"/>
+          <dgm:constr type="l" for="ch" forName="TwoNodes_1_text" refType="r" refFor="ch" refForName="TwoConn_1-2"/>
+          <dgm:constr type="lOff" for="ch" forName="TwoNodes_1_text" refType="w" refFor="ch" refForName="TwoConn_1-2" fact="0.5"/>
+          <dgm:constr type="t" for="ch" forName="TwoNodes_1_text" refType="t" refFor="ch" refForName="TwoNodes_1"/>
+          <dgm:constr type="b" for="ch" forName="TwoNodes_1_text" refType="b" refFor="ch" refForName="TwoNodes_1"/>
+          <dgm:constr type="r" for="ch" forName="TwoNodes_1_text" refType="r" refFor="ch" refForName="TwoNodes_1"/>
+          <dgm:constr type="l" for="ch" forName="TwoNodes_2_text" refType="r" refFor="ch" refForName="TwoConn_1-2"/>
+          <dgm:constr type="t" for="ch" forName="TwoNodes_2_text" refType="t" refFor="ch" refForName="TwoNodes_2"/>
+          <dgm:constr type="b" for="ch" forName="TwoNodes_2_text" refType="b" refFor="ch" refForName="TwoNodes_2"/>
+          <dgm:constr type="r" for="ch" forName="TwoNodes_2_text" refType="r" refFor="ch" refForName="TwoNodes_2"/>
+          <dgm:constr type="w" for="ch" forName="ThreeNodes_1" refType="w" fact="0.85"/>
+          <dgm:constr type="h" for="ch" forName="ThreeNodes_1" refType="h" fact="0.3"/>
+          <dgm:constr type="t" for="ch" forName="ThreeNodes_1"/>
+          <dgm:constr type="r" for="ch" forName="ThreeNodes_1" refType="w"/>
+          <dgm:constr type="w" for="ch" forName="ThreeNodes_2" refType="w" fact="0.85"/>
+          <dgm:constr type="h" for="ch" forName="ThreeNodes_2" refType="h" fact="0.3"/>
+          <dgm:constr type="ctrY" for="ch" forName="ThreeNodes_2" refType="h" fact="0.5"/>
+          <dgm:constr type="ctrX" for="ch" forName="ThreeNodes_2" refType="w" fact="0.5"/>
+          <dgm:constr type="w" for="ch" forName="ThreeNodes_3" refType="w" fact="0.85"/>
+          <dgm:constr type="h" for="ch" forName="ThreeNodes_3" refType="h" fact="0.3"/>
+          <dgm:constr type="b" for="ch" forName="ThreeNodes_3" refType="h"/>
+          <dgm:constr type="l" for="ch" forName="ThreeNodes_3"/>
+          <dgm:constr type="w" for="ch" forName="ThreeConn_1-2" refType="h" refFor="ch" refForName="ThreeNodes_1" fact="0.65"/>
+          <dgm:constr type="h" for="ch" forName="ThreeConn_1-2" refType="h" refFor="ch" refForName="ThreeNodes_1" fact="0.65"/>
+          <dgm:constr type="ctrY" for="ch" forName="ThreeConn_1-2" refType="h" fact="0.325"/>
+          <dgm:constr type="l" for="ch" forName="ThreeConn_1-2" refType="l" refFor="ch" refForName="ThreeNodes_1"/>
+          <dgm:constr type="w" for="ch" forName="ThreeConn_2-3" refType="h" refFor="ch" refForName="ThreeNodes_2" fact="0.65"/>
+          <dgm:constr type="h" for="ch" forName="ThreeConn_2-3" refType="h" refFor="ch" refForName="ThreeNodes_2" fact="0.65"/>
+          <dgm:constr type="ctrY" for="ch" forName="ThreeConn_2-3" refType="h" fact="0.673"/>
+          <dgm:constr type="l" for="ch" forName="ThreeConn_2-3" refType="l" refFor="ch" refForName="ThreeNodes_2"/>
+          <dgm:constr type="l" for="ch" forName="ThreeNodes_1_text" refType="r" refFor="ch" refForName="ThreeConn_1-2"/>
+          <dgm:constr type="lOff" for="ch" forName="ThreeNodes_1_text" refType="w" refFor="ch" refForName="ThreeConn_1-2" fact="0.55"/>
+          <dgm:constr type="t" for="ch" forName="ThreeNodes_1_text" refType="t" refFor="ch" refForName="ThreeNodes_1"/>
+          <dgm:constr type="b" for="ch" forName="ThreeNodes_1_text" refType="b" refFor="ch" refForName="ThreeNodes_1"/>
+          <dgm:constr type="r" for="ch" forName="ThreeNodes_1_text" refType="r" refFor="ch" refForName="ThreeNodes_1"/>
+          <dgm:constr type="l" for="ch" forName="ThreeNodes_2_text" refType="r" refFor="ch" refForName="ThreeConn_1-2"/>
+          <dgm:constr type="t" for="ch" forName="ThreeNodes_2_text" refType="t" refFor="ch" refForName="ThreeNodes_2"/>
+          <dgm:constr type="b" for="ch" forName="ThreeNodes_2_text" refType="b" refFor="ch" refForName="ThreeNodes_2"/>
+          <dgm:constr type="r" for="ch" forName="ThreeNodes_2_text" refType="r" refFor="ch" refForName="ThreeNodes_2"/>
+          <dgm:constr type="l" for="ch" forName="ThreeNodes_3_text" refType="r" refFor="ch" refForName="ThreeConn_2-3"/>
+          <dgm:constr type="t" for="ch" forName="ThreeNodes_3_text" refType="t" refFor="ch" refForName="ThreeNodes_3"/>
+          <dgm:constr type="b" for="ch" forName="ThreeNodes_3_text" refType="b" refFor="ch" refForName="ThreeNodes_3"/>
+          <dgm:constr type="r" for="ch" forName="ThreeNodes_3_text" refType="r" refFor="ch" refForName="ThreeNodes_3"/>
+          <dgm:constr type="w" for="ch" forName="FourNodes_1" refType="w" fact="0.8"/>
+          <dgm:constr type="h" for="ch" forName="FourNodes_1" refType="h" fact="0.22"/>
+          <dgm:constr type="t" for="ch" forName="FourNodes_1"/>
+          <dgm:constr type="r" for="ch" forName="FourNodes_1" refType="w"/>
+          <dgm:constr type="w" for="ch" forName="FourNodes_2" refType="w" fact="0.8"/>
+          <dgm:constr type="h" for="ch" forName="FourNodes_2" refType="h" fact="0.22"/>
+          <dgm:constr type="ctrY" for="ch" forName="FourNodes_2" refType="h" fact="0.37"/>
+          <dgm:constr type="ctrX" for="ch" forName="FourNodes_2" refType="w" fact="0.533"/>
+          <dgm:constr type="w" for="ch" forName="FourNodes_3" refType="w" fact="0.8"/>
+          <dgm:constr type="h" for="ch" forName="FourNodes_3" refType="h" fact="0.22"/>
+          <dgm:constr type="ctrY" for="ch" forName="FourNodes_3" refType="h" fact="0.63"/>
+          <dgm:constr type="ctrX" for="ch" forName="FourNodes_3" refType="w" fact="0.467"/>
+          <dgm:constr type="w" for="ch" forName="FourNodes_4" refType="w" fact="0.8"/>
+          <dgm:constr type="h" for="ch" forName="FourNodes_4" refType="h" fact="0.22"/>
+          <dgm:constr type="b" for="ch" forName="FourNodes_4" refType="h"/>
+          <dgm:constr type="l" for="ch" forName="FourNodes_4"/>
+          <dgm:constr type="w" for="ch" forName="FourConn_1-2" refType="h" refFor="ch" refForName="FourNodes_1" fact="0.65"/>
+          <dgm:constr type="h" for="ch" forName="FourConn_1-2" refType="h" refFor="ch" refForName="FourNodes_1" fact="0.65"/>
+          <dgm:constr type="ctrY" for="ch" forName="FourConn_1-2" refType="h" fact="0.24"/>
+          <dgm:constr type="l" for="ch" forName="FourConn_1-2" refType="l" refFor="ch" refForName="FourNodes_1"/>
+          <dgm:constr type="w" for="ch" forName="FourConn_2-3" refType="h" refFor="ch" refForName="FourNodes_2" fact="0.65"/>
+          <dgm:constr type="h" for="ch" forName="FourConn_2-3" refType="h" refFor="ch" refForName="FourNodes_2" fact="0.65"/>
+          <dgm:constr type="ctrY" for="ch" forName="FourConn_2-3" refType="h" fact="0.5"/>
+          <dgm:constr type="l" for="ch" forName="FourConn_2-3" refType="l" refFor="ch" refForName="FourNodes_2"/>
+          <dgm:constr type="w" for="ch" forName="FourConn_3-4" refType="h" refFor="ch" refForName="FourNodes_3" fact="0.65"/>
+          <dgm:constr type="h" for="ch" forName="FourConn_3-4" refType="h" refFor="ch" refForName="FourNodes_3" fact="0.65"/>
+          <dgm:constr type="ctrY" for="ch" forName="FourConn_3-4" refType="h" fact="0.76"/>
+          <dgm:constr type="l" for="ch" forName="FourConn_3-4" refType="l" refFor="ch" refForName="FourNodes_3"/>
+          <dgm:constr type="l" for="ch" forName="FourNodes_1_text" refType="r" refFor="ch" refForName="FourConn_1-2"/>
+          <dgm:constr type="lOff" for="ch" forName="FourNodes_1_text" refType="w" refFor="ch" refForName="FourConn_1-2" fact="0.69"/>
+          <dgm:constr type="t" for="ch" forName="FourNodes_1_text" refType="t" refFor="ch" refForName="FourNodes_1"/>
+          <dgm:constr type="b" for="ch" forName="FourNodes_1_text" refType="b" refFor="ch" refForName="FourNodes_1"/>
+          <dgm:constr type="r" for="ch" forName="FourNodes_1_text" refType="r" refFor="ch" refForName="FourNodes_1"/>
+          <dgm:constr type="l" for="ch" forName="FourNodes_2_text" refType="r" refFor="ch" refForName="FourConn_1-2"/>
+          <dgm:constr type="t" for="ch" forName="FourNodes_2_text" refType="t" refFor="ch" refForName="FourNodes_2"/>
+          <dgm:constr type="b" for="ch" forName="FourNodes_2_text" refType="b" refFor="ch" refForName="FourNodes_2"/>
+          <dgm:constr type="r" for="ch" forName="FourNodes_2_text" refType="r" refFor="ch" refForName="FourNodes_2"/>
+          <dgm:constr type="l" for="ch" forName="FourNodes_3_text" refType="r" refFor="ch" refForName="FourConn_2-3"/>
+          <dgm:constr type="t" for="ch" forName="FourNodes_3_text" refType="t" refFor="ch" refForName="FourNodes_3"/>
+          <dgm:constr type="b" for="ch" forName="FourNodes_3_text" refType="b" refFor="ch" refForName="FourNodes_3"/>
+          <dgm:constr type="r" for="ch" forName="FourNodes_3_text" refType="r" refFor="ch" refForName="FourNodes_3"/>
+          <dgm:constr type="l" for="ch" forName="FourNodes_4_text" refType="r" refFor="ch" refForName="FourConn_3-4"/>
+          <dgm:constr type="t" for="ch" forName="FourNodes_4_text" refType="t" refFor="ch" refForName="FourNodes_4"/>
+          <dgm:constr type="b" for="ch" forName="FourNodes_4_text" refType="b" refFor="ch" refForName="FourNodes_4"/>
+          <dgm:constr type="r" for="ch" forName="FourNodes_4_text" refType="r" refFor="ch" refForName="FourNodes_4"/>
+          <dgm:constr type="w" for="ch" forName="FiveNodes_1" refType="w" fact="0.77"/>
+          <dgm:constr type="h" for="ch" forName="FiveNodes_1" refType="h" fact="0.18"/>
+          <dgm:constr type="t" for="ch" forName="FiveNodes_1"/>
+          <dgm:constr type="r" for="ch" forName="FiveNodes_1" refType="w"/>
+          <dgm:constr type="w" for="ch" forName="FiveNodes_2" refType="w" fact="0.77"/>
+          <dgm:constr type="h" for="ch" forName="FiveNodes_2" refType="h" fact="0.18"/>
+          <dgm:constr type="ctrY" for="ch" forName="FiveNodes_2" refType="h" fact="0.295"/>
+          <dgm:constr type="ctrX" for="ch" forName="FiveNodes_2" refType="w" fact="0.5575"/>
+          <dgm:constr type="w" for="ch" forName="FiveNodes_3" refType="w" fact="0.77"/>
+          <dgm:constr type="h" for="ch" forName="FiveNodes_3" refType="h" fact="0.18"/>
+          <dgm:constr type="ctrY" for="ch" forName="FiveNodes_3" refType="h" fact="0.5"/>
+          <dgm:constr type="ctrX" for="ch" forName="FiveNodes_3" refType="w" fact="0.5"/>
+          <dgm:constr type="w" for="ch" forName="FiveNodes_4" refType="w" fact="0.77"/>
+          <dgm:constr type="h" for="ch" forName="FiveNodes_4" refType="h" fact="0.18"/>
+          <dgm:constr type="ctrY" for="ch" forName="FiveNodes_4" refType="h" fact="0.705"/>
+          <dgm:constr type="ctrX" for="ch" forName="FiveNodes_4" refType="w" fact="0.4425"/>
+          <dgm:constr type="w" for="ch" forName="FiveNodes_5" refType="w" fact="0.77"/>
+          <dgm:constr type="h" for="ch" forName="FiveNodes_5" refType="h" fact="0.18"/>
+          <dgm:constr type="b" for="ch" forName="FiveNodes_5" refType="h"/>
+          <dgm:constr type="l" for="ch" forName="FiveNodes_5"/>
+          <dgm:constr type="w" for="ch" forName="FiveConn_1-2" refType="h" refFor="ch" refForName="FiveNodes_1" fact="0.65"/>
+          <dgm:constr type="h" for="ch" forName="FiveConn_1-2" refType="h" refFor="ch" refForName="FiveNodes_1" fact="0.65"/>
+          <dgm:constr type="ctrY" for="ch" forName="FiveConn_1-2" refType="h" fact="0.19"/>
+          <dgm:constr type="l" for="ch" forName="FiveConn_1-2" refType="l" refFor="ch" refForName="FiveNodes_1"/>
+          <dgm:constr type="w" for="ch" forName="FiveConn_2-3" refType="h" refFor="ch" refForName="FiveNodes_2" fact="0.65"/>
+          <dgm:constr type="h" for="ch" forName="FiveConn_2-3" refType="h" refFor="ch" refForName="FiveNodes_2" fact="0.65"/>
+          <dgm:constr type="ctrY" for="ch" forName="FiveConn_2-3" refType="h" fact="0.395"/>
+          <dgm:constr type="l" for="ch" forName="FiveConn_2-3" refType="l" refFor="ch" refForName="FiveNodes_2"/>
+          <dgm:constr type="w" for="ch" forName="FiveConn_3-4" refType="h" refFor="ch" refForName="FiveNodes_3" fact="0.65"/>
+          <dgm:constr type="h" for="ch" forName="FiveConn_3-4" refType="h" refFor="ch" refForName="FiveNodes_3" fact="0.65"/>
+          <dgm:constr type="ctrY" for="ch" forName="FiveConn_3-4" refType="h" fact="0.597"/>
+          <dgm:constr type="l" for="ch" forName="FiveConn_3-4" refType="l" refFor="ch" refForName="FiveNodes_3"/>
+          <dgm:constr type="w" for="ch" forName="FiveConn_4-5" refType="h" refFor="ch" refForName="FiveNodes_4" fact="0.65"/>
+          <dgm:constr type="h" for="ch" forName="FiveConn_4-5" refType="h" refFor="ch" refForName="FiveNodes_4" fact="0.65"/>
+          <dgm:constr type="ctrY" for="ch" forName="FiveConn_4-5" refType="h" fact="0.804"/>
+          <dgm:constr type="l" for="ch" forName="FiveConn_4-5" refType="l" refFor="ch" refForName="FiveNodes_4"/>
+          <dgm:constr type="l" for="ch" forName="FiveNodes_1_text" refType="r" refFor="ch" refForName="FiveConn_1-2"/>
+          <dgm:constr type="lOff" for="ch" forName="FiveNodes_1_text" refType="w" refFor="ch" refForName="FiveConn_1-2" fact="0.73"/>
+          <dgm:constr type="t" for="ch" forName="FiveNodes_1_text" refType="t" refFor="ch" refForName="FiveNodes_1"/>
+          <dgm:constr type="b" for="ch" forName="FiveNodes_1_text" refType="b" refFor="ch" refForName="FiveNodes_1"/>
+          <dgm:constr type="r" for="ch" forName="FiveNodes_1_text" refType="r" refFor="ch" refForName="FiveNodes_1"/>
+          <dgm:constr type="l" for="ch" forName="FiveNodes_2_text" refType="r" refFor="ch" refForName="FiveConn_1-2"/>
+          <dgm:constr type="t" for="ch" forName="FiveNodes_2_text" refType="t" refFor="ch" refForName="FiveNodes_2"/>
+          <dgm:constr type="b" for="ch" forName="FiveNodes_2_text" refType="b" refFor="ch" refForName="FiveNodes_2"/>
+          <dgm:constr type="r" for="ch" forName="FiveNodes_2_text" refType="r" refFor="ch" refForName="FiveNodes_2"/>
+          <dgm:constr type="l" for="ch" forName="FiveNodes_3_text" refType="r" refFor="ch" refForName="FiveConn_2-3"/>
+          <dgm:constr type="t" for="ch" forName="FiveNodes_3_text" refType="t" refFor="ch" refForName="FiveNodes_3"/>
+          <dgm:constr type="b" for="ch" forName="FiveNodes_3_text" refType="b" refFor="ch" refForName="FiveNodes_3"/>
+          <dgm:constr type="r" for="ch" forName="FiveNodes_3_text" refType="r" refFor="ch" refForName="FiveNodes_3"/>
+          <dgm:constr type="l" for="ch" forName="FiveNodes_4_text" refType="r" refFor="ch" refForName="FiveConn_3-4"/>
+          <dgm:constr type="t" for="ch" forName="FiveNodes_4_text" refType="t" refFor="ch" refForName="FiveNodes_4"/>
+          <dgm:constr type="b" for="ch" forName="FiveNodes_4_text" refType="b" refFor="ch" refForName="FiveNodes_4"/>
+          <dgm:constr type="r" for="ch" forName="FiveNodes_4_text" refType="r" refFor="ch" refForName="FiveNodes_4"/>
+          <dgm:constr type="l" for="ch" forName="FiveNodes_5_text" refType="r" refFor="ch" refForName="FiveConn_4-5"/>
+          <dgm:constr type="t" for="ch" forName="FiveNodes_5_text" refType="t" refFor="ch" refForName="FiveNodes_5"/>
+          <dgm:constr type="b" for="ch" forName="FiveNodes_5_text" refType="b" refFor="ch" refForName="FiveNodes_5"/>
+          <dgm:constr type="r" for="ch" forName="FiveNodes_5_text" refType="r" refFor="ch" refForName="FiveNodes_5"/>
+        </dgm:constrLst>
+      </dgm:else>
+    </dgm:choose>
+    <dgm:ruleLst/>
+    <dgm:layoutNode name="dummyMaxCanvas">
+      <dgm:varLst/>
+      <dgm:alg type="sp"/>
+      <dgm:shape xmlns:r="http://schemas.openxmlformats.org/officeDocument/2006/relationships" r:blip="">
+        <dgm:adjLst/>
+      </dgm:shape>
+      <dgm:presOf/>
+      <dgm:constrLst/>
+      <dgm:ruleLst/>
+    </dgm:layoutNode>
+    <dgm:choose name="Name3">
+      <dgm:if name="Name4" axis="ch" ptType="node" func="cnt" op="equ" val="1">
+        <dgm:layoutNode name="OneNode_1">
+          <dgm:varLst>
+            <dgm:bulletEnabled val="1"/>
+          </dgm:varLst>
+          <dgm:alg type="tx"/>
+          <dgm:shape xmlns:r="http://schemas.openxmlformats.org/officeDocument/2006/relationships" type="roundRect" r:blip="">
+            <dgm:adjLst>
+              <dgm:adj idx="1" val="0.1"/>
+            </dgm:adjLst>
+          </dgm:shape>
+          <dgm:presOf axis="ch desOrSelf" ptType="node node" st="1 1" cnt="1 0"/>
+          <dgm:constrLst>
+            <dgm:constr type="lMarg" refType="primFontSz" fact="0.3"/>
+            <dgm:constr type="rMarg" refType="primFontSz" fact="0.3"/>
+            <dgm:constr type="tMarg" refType="primFontSz" fact="0.3"/>
+            <dgm:constr type="bMarg" refType="primFontSz" fact="0.3"/>
+          </dgm:constrLst>
+          <dgm:ruleLst>
+            <dgm:rule type="primFontSz" val="5" fact="NaN" max="NaN"/>
+          </dgm:ruleLst>
+        </dgm:layoutNode>
+      </dgm:if>
+      <dgm:else name="Name5">
+        <dgm:choose name="Name6">
+          <dgm:if name="Name7" axis="ch" ptType="node" func="cnt" op="equ" val="2">
+            <dgm:layoutNode name="TwoNodes_1">
+              <dgm:varLst>
+                <dgm:bulletEnabled val="1"/>
+              </dgm:varLst>
+              <dgm:alg type="sp"/>
+              <dgm:shape xmlns:r="http://schemas.openxmlformats.org/officeDocument/2006/relationships" type="roundRect" r:blip="">
+                <dgm:adjLst>
+                  <dgm:adj idx="1" val="0.1"/>
+                </dgm:adjLst>
+              </dgm:shape>
+              <dgm:presOf axis="ch desOrSelf" ptType="node node" st="1 1" cnt="1 0"/>
+              <dgm:constrLst/>
+              <dgm:ruleLst/>
+            </dgm:layoutNode>
+            <dgm:layoutNode name="TwoNodes_2">
+              <dgm:varLst>
+                <dgm:bulletEnabled val="1"/>
+              </dgm:varLst>
+              <dgm:alg type="sp"/>
+              <dgm:shape xmlns:r="http://schemas.openxmlformats.org/officeDocument/2006/relationships" type="roundRect" r:blip="">
+                <dgm:adjLst>
+                  <dgm:adj idx="1" val="0.1"/>
+                </dgm:adjLst>
+              </dgm:shape>
+              <dgm:presOf axis="ch desOrSelf" ptType="node node" st="2 1" cnt="1 0"/>
+              <dgm:constrLst/>
+              <dgm:ruleLst/>
+            </dgm:layoutNode>
+            <dgm:layoutNode name="TwoConn_1-2" styleLbl="fgAccFollowNode1">
+              <dgm:varLst>
+                <dgm:bulletEnabled val="1"/>
+              </dgm:varLst>
+              <dgm:alg type="tx"/>
+              <dgm:shape xmlns:r="http://schemas.openxmlformats.org/officeDocument/2006/relationships" type="downArrow" r:blip="">
+                <dgm:adjLst>
+                  <dgm:adj idx="1" val="0.55"/>
+                  <dgm:adj idx="2" val="0.45"/>
+                </dgm:adjLst>
+              </dgm:shape>
+              <dgm:presOf axis="ch" ptType="sibTrans" cnt="1"/>
+              <dgm:constrLst>
+                <dgm:constr type="lMarg" refType="primFontSz" fact="0.1"/>
+                <dgm:constr type="rMarg" refType="primFontSz" fact="0.1"/>
+                <dgm:constr type="tMarg" refType="primFontSz" fact="0.1"/>
+                <dgm:constr type="bMarg" refType="primFontSz" fact="0.1"/>
+              </dgm:constrLst>
+              <dgm:ruleLst>
+                <dgm:rule type="primFontSz" val="5" fact="NaN" max="NaN"/>
+              </dgm:ruleLst>
+            </dgm:layoutNode>
+            <dgm:layoutNode name="TwoNodes_1_text">
+              <dgm:varLst>
+                <dgm:bulletEnabled val="1"/>
+              </dgm:varLst>
+              <dgm:alg type="tx">
+                <dgm:param type="parTxLTRAlign" val="l"/>
+                <dgm:param type="txAnchorVertCh" val="mid"/>
+              </dgm:alg>
+              <dgm:shape xmlns:r="http://schemas.openxmlformats.org/officeDocument/2006/relationships" type="roundRect" r:blip="" hideGeom="1">
+                <dgm:adjLst>
+                  <dgm:adj idx="1" val="0.1"/>
+                </dgm:adjLst>
+              </dgm:shape>
+              <dgm:presOf axis="ch desOrSelf" ptType="node node" st="1 1" cnt="1 0"/>
+              <dgm:constrLst>
+                <dgm:constr type="lMarg" refType="primFontSz" fact="0.3"/>
+                <dgm:constr type="rMarg" refType="primFontSz" fact="0.3"/>
+                <dgm:constr type="tMarg" refType="primFontSz" fact="0.3"/>
+                <dgm:constr type="bMarg" refType="primFontSz" fact="0.3"/>
+              </dgm:constrLst>
+              <dgm:ruleLst>
+                <dgm:rule type="primFontSz" val="5" fact="NaN" max="NaN"/>
+              </dgm:ruleLst>
+            </dgm:layoutNode>
+            <dgm:layoutNode name="TwoNodes_2_text">
+              <dgm:varLst>
+                <dgm:bulletEnabled val="1"/>
+              </dgm:varLst>
+              <dgm:alg type="tx">
+                <dgm:param type="parTxLTRAlign" val="l"/>
+                <dgm:param type="txAnchorVertCh" val="mid"/>
+              </dgm:alg>
+              <dgm:shape xmlns:r="http://schemas.openxmlformats.org/officeDocument/2006/relationships" type="roundRect" r:blip="" hideGeom="1">
+                <dgm:adjLst>
+                  <dgm:adj idx="1" val="0.1"/>
+                </dgm:adjLst>
+              </dgm:shape>
+              <dgm:presOf axis="ch desOrSelf" ptType="node node" st="2 1" cnt="1 0"/>
+              <dgm:constrLst>
+                <dgm:constr type="lMarg" refType="primFontSz" fact="0.3"/>
+                <dgm:constr type="rMarg" refType="primFontSz" fact="0.3"/>
+                <dgm:constr type="tMarg" refType="primFontSz" fact="0.3"/>
+                <dgm:constr type="bMarg" refType="primFontSz" fact="0.3"/>
+              </dgm:constrLst>
+              <dgm:ruleLst>
+                <dgm:rule type="primFontSz" val="5" fact="NaN" max="NaN"/>
+              </dgm:ruleLst>
+            </dgm:layoutNode>
+          </dgm:if>
+          <dgm:else name="Name8">
+            <dgm:choose name="Name9">
+              <dgm:if name="Name10" axis="ch" ptType="node" func="cnt" op="equ" val="3">
+                <dgm:layoutNode name="ThreeNodes_1">
+                  <dgm:varLst>
+                    <dgm:bulletEnabled val="1"/>
+                  </dgm:varLst>
+                  <dgm:alg type="sp"/>
+                  <dgm:shape xmlns:r="http://schemas.openxmlformats.org/officeDocument/2006/relationships" type="roundRect" r:blip="">
+                    <dgm:adjLst>
+                      <dgm:adj idx="1" val="0.1"/>
+                    </dgm:adjLst>
+                  </dgm:shape>
+                  <dgm:presOf axis="ch desOrSelf" ptType="node node" st="1 1" cnt="1 0"/>
+                  <dgm:constrLst/>
+                  <dgm:ruleLst/>
+                </dgm:layoutNode>
+                <dgm:layoutNode name="ThreeNodes_2">
+                  <dgm:varLst>
+                    <dgm:bulletEnabled val="1"/>
+                  </dgm:varLst>
+                  <dgm:alg type="sp"/>
+                  <dgm:shape xmlns:r="http://schemas.openxmlformats.org/officeDocument/2006/relationships" type="roundRect" r:blip="">
+                    <dgm:adjLst>
+                      <dgm:adj idx="1" val="0.1"/>
+                    </dgm:adjLst>
+                  </dgm:shape>
+                  <dgm:presOf axis="ch desOrSelf" ptType="node node" st="2 1" cnt="1 0"/>
+                  <dgm:constrLst/>
+                  <dgm:ruleLst/>
+                </dgm:layoutNode>
+                <dgm:layoutNode name="ThreeNodes_3">
+                  <dgm:varLst>
+                    <dgm:bulletEnabled val="1"/>
+                  </dgm:varLst>
+                  <dgm:alg type="sp"/>
+                  <dgm:shape xmlns:r="http://schemas.openxmlformats.org/officeDocument/2006/relationships" type="roundRect" r:blip="">
+                    <dgm:adjLst>
+                      <dgm:adj idx="1" val="0.1"/>
+                    </dgm:adjLst>
+                  </dgm:shape>
+                  <dgm:presOf axis="ch desOrSelf" ptType="node node" st="3 1" cnt="1 0"/>
+                  <dgm:constrLst/>
+                  <dgm:ruleLst/>
+                </dgm:layoutNode>
+                <dgm:layoutNode name="ThreeConn_1-2" styleLbl="fgAccFollowNode1">
+                  <dgm:varLst>
+                    <dgm:bulletEnabled val="1"/>
+                  </dgm:varLst>
+                  <dgm:alg type="tx"/>
+                  <dgm:shape xmlns:r="http://schemas.openxmlformats.org/officeDocument/2006/relationships" type="downArrow" r:blip="">
+                    <dgm:adjLst>
+                      <dgm:adj idx="1" val="0.55"/>
+                      <dgm:adj idx="2" val="0.45"/>
+                    </dgm:adjLst>
+                  </dgm:shape>
+                  <dgm:presOf axis="ch" ptType="sibTrans" cnt="1"/>
+                  <dgm:constrLst>
+                    <dgm:constr type="lMarg" refType="primFontSz" fact="0.1"/>
+                    <dgm:constr type="rMarg" refType="primFontSz" fact="0.1"/>
+                    <dgm:constr type="tMarg" refType="primFontSz" fact="0.1"/>
+                    <dgm:constr type="bMarg" refType="primFontSz" fact="0.1"/>
+                  </dgm:constrLst>
+                  <dgm:ruleLst>
+                    <dgm:rule type="primFontSz" val="5" fact="NaN" max="NaN"/>
+                  </dgm:ruleLst>
+                </dgm:layoutNode>
+                <dgm:layoutNode name="ThreeConn_2-3" styleLbl="fgAccFollowNode1">
+                  <dgm:varLst>
+                    <dgm:bulletEnabled val="1"/>
+                  </dgm:varLst>
+                  <dgm:alg type="tx"/>
+                  <dgm:shape xmlns:r="http://schemas.openxmlformats.org/officeDocument/2006/relationships" type="downArrow" r:blip="">
+                    <dgm:adjLst>
+                      <dgm:adj idx="1" val="0.55"/>
+                      <dgm:adj idx="2" val="0.45"/>
+                    </dgm:adjLst>
+                  </dgm:shape>
+                  <dgm:presOf axis="ch" ptType="sibTrans" st="2" cnt="1"/>
+                  <dgm:constrLst>
+                    <dgm:constr type="lMarg" refType="primFontSz" fact="0.1"/>
+                    <dgm:constr type="rMarg" refType="primFontSz" fact="0.1"/>
+                    <dgm:constr type="tMarg" refType="primFontSz" fact="0.1"/>
+                    <dgm:constr type="bMarg" refType="primFontSz" fact="0.1"/>
+                  </dgm:constrLst>
+                  <dgm:ruleLst>
+                    <dgm:rule type="primFontSz" val="5" fact="NaN" max="NaN"/>
+                  </dgm:ruleLst>
+                </dgm:layoutNode>
+                <dgm:layoutNode name="ThreeNodes_1_text">
+                  <dgm:varLst>
+                    <dgm:bulletEnabled val="1"/>
+                  </dgm:varLst>
+                  <dgm:alg type="tx">
+                    <dgm:param type="parTxLTRAlign" val="l"/>
+                    <dgm:param type="txAnchorVertCh" val="mid"/>
+                  </dgm:alg>
+                  <dgm:shape xmlns:r="http://schemas.openxmlformats.org/officeDocument/2006/relationships" type="roundRect" r:blip="" hideGeom="1">
+                    <dgm:adjLst>
+                      <dgm:adj idx="1" val="0.1"/>
+                    </dgm:adjLst>
+                  </dgm:shape>
+                  <dgm:presOf axis="ch desOrSelf" ptType="node node" st="1 1" cnt="1 0"/>
+                  <dgm:constrLst>
+                    <dgm:constr type="lMarg" refType="primFontSz" fact="0.3"/>
+                    <dgm:constr type="rMarg" refType="primFontSz" fact="0.3"/>
+                    <dgm:constr type="tMarg" refType="primFontSz" fact="0.3"/>
+                    <dgm:constr type="bMarg" refType="primFontSz" fact="0.3"/>
+                  </dgm:constrLst>
+                  <dgm:ruleLst>
+                    <dgm:rule type="primFontSz" val="5" fact="NaN" max="NaN"/>
+                  </dgm:ruleLst>
+                </dgm:layoutNode>
+                <dgm:layoutNode name="ThreeNodes_2_text">
+                  <dgm:varLst>
+                    <dgm:bulletEnabled val="1"/>
+                  </dgm:varLst>
+                  <dgm:alg type="tx">
+                    <dgm:param type="parTxLTRAlign" val="l"/>
+                    <dgm:param type="txAnchorVertCh" val="mid"/>
+                  </dgm:alg>
+                  <dgm:shape xmlns:r="http://schemas.openxmlformats.org/officeDocument/2006/relationships" type="roundRect" r:blip="" hideGeom="1">
+                    <dgm:adjLst>
+                      <dgm:adj idx="1" val="0.1"/>
+                    </dgm:adjLst>
+                  </dgm:shape>
+                  <dgm:presOf axis="ch desOrSelf" ptType="node node" st="2 1" cnt="1 0"/>
+                  <dgm:constrLst>
+                    <dgm:constr type="lMarg" refType="primFontSz" fact="0.3"/>
+                    <dgm:constr type="rMarg" refType="primFontSz" fact="0.3"/>
+                    <dgm:constr type="tMarg" refType="primFontSz" fact="0.3"/>
+                    <dgm:constr type="bMarg" refType="primFontSz" fact="0.3"/>
+                  </dgm:constrLst>
+                  <dgm:ruleLst>
+                    <dgm:rule type="primFontSz" val="5" fact="NaN" max="NaN"/>
+                  </dgm:ruleLst>
+                </dgm:layoutNode>
+                <dgm:layoutNode name="ThreeNodes_3_text">
+                  <dgm:varLst>
+                    <dgm:bulletEnabled val="1"/>
+                  </dgm:varLst>
+                  <dgm:alg type="tx">
+                    <dgm:param type="parTxLTRAlign" val="l"/>
+                    <dgm:param type="txAnchorVertCh" val="mid"/>
+                  </dgm:alg>
+                  <dgm:shape xmlns:r="http://schemas.openxmlformats.org/officeDocument/2006/relationships" type="roundRect" r:blip="" hideGeom="1">
+                    <dgm:adjLst>
+                      <dgm:adj idx="1" val="0.1"/>
+                    </dgm:adjLst>
+                  </dgm:shape>
+                  <dgm:presOf axis="ch desOrSelf" ptType="node node" st="3 1" cnt="1 0"/>
+                  <dgm:constrLst>
+                    <dgm:constr type="lMarg" refType="primFontSz" fact="0.3"/>
+                    <dgm:constr type="rMarg" refType="primFontSz" fact="0.3"/>
+                    <dgm:constr type="tMarg" refType="primFontSz" fact="0.3"/>
+                    <dgm:constr type="bMarg" refType="primFontSz" fact="0.3"/>
+                  </dgm:constrLst>
+                  <dgm:ruleLst>
+                    <dgm:rule type="primFontSz" val="5" fact="NaN" max="NaN"/>
+                  </dgm:ruleLst>
+                </dgm:layoutNode>
+              </dgm:if>
+              <dgm:else name="Name11">
+                <dgm:choose name="Name12">
+                  <dgm:if name="Name13" axis="ch" ptType="node" func="cnt" op="equ" val="4">
+                    <dgm:layoutNode name="FourNodes_1">
+                      <dgm:varLst>
+                        <dgm:bulletEnabled val="1"/>
+                      </dgm:varLst>
+                      <dgm:alg type="sp"/>
+                      <dgm:shape xmlns:r="http://schemas.openxmlformats.org/officeDocument/2006/relationships" type="roundRect" r:blip="">
+                        <dgm:adjLst>
+                          <dgm:adj idx="1" val="0.1"/>
+                        </dgm:adjLst>
+                      </dgm:shape>
+                      <dgm:presOf axis="ch desOrSelf" ptType="node node" st="1 1" cnt="1 0"/>
+                      <dgm:constrLst/>
+                      <dgm:ruleLst/>
+                    </dgm:layoutNode>
+                    <dgm:layoutNode name="FourNodes_2">
+                      <dgm:varLst>
+                        <dgm:bulletEnabled val="1"/>
+                      </dgm:varLst>
+                      <dgm:alg type="sp"/>
+                      <dgm:shape xmlns:r="http://schemas.openxmlformats.org/officeDocument/2006/relationships" type="roundRect" r:blip="">
+                        <dgm:adjLst>
+                          <dgm:adj idx="1" val="0.1"/>
+                        </dgm:adjLst>
+                      </dgm:shape>
+                      <dgm:presOf axis="ch desOrSelf" ptType="node node" st="2 1" cnt="1 0"/>
+                      <dgm:constrLst/>
+                      <dgm:ruleLst/>
+                    </dgm:layoutNode>
+                    <dgm:layoutNode name="FourNodes_3">
+                      <dgm:varLst>
+                        <dgm:bulletEnabled val="1"/>
+                      </dgm:varLst>
+                      <dgm:alg type="sp"/>
+                      <dgm:shape xmlns:r="http://schemas.openxmlformats.org/officeDocument/2006/relationships" type="roundRect" r:blip="">
+                        <dgm:adjLst>
+                          <dgm:adj idx="1" val="0.1"/>
+                        </dgm:adjLst>
+                      </dgm:shape>
+                      <dgm:presOf axis="ch desOrSelf" ptType="node node" st="3 1" cnt="1 0"/>
+                      <dgm:constrLst/>
+                      <dgm:ruleLst/>
+                    </dgm:layoutNode>
+                    <dgm:layoutNode name="FourNodes_4">
+                      <dgm:varLst>
+                        <dgm:bulletEnabled val="1"/>
+                      </dgm:varLst>
+                      <dgm:alg type="sp"/>
+                      <dgm:shape xmlns:r="http://schemas.openxmlformats.org/officeDocument/2006/relationships" type="roundRect" r:blip="">
+                        <dgm:adjLst>
+                          <dgm:adj idx="1" val="0.1"/>
+                        </dgm:adjLst>
+                      </dgm:shape>
+                      <dgm:presOf axis="ch desOrSelf" ptType="node node" st="4 1" cnt="1 0"/>
+                      <dgm:constrLst/>
+                      <dgm:ruleLst/>
+                    </dgm:layoutNode>
+                    <dgm:layoutNode name="FourConn_1-2" styleLbl="fgAccFollowNode1">
+                      <dgm:varLst>
+                        <dgm:bulletEnabled val="1"/>
+                      </dgm:varLst>
+                      <dgm:alg type="tx"/>
+                      <dgm:shape xmlns:r="http://schemas.openxmlformats.org/officeDocument/2006/relationships" type="downArrow" r:blip="">
+                        <dgm:adjLst>
+                          <dgm:adj idx="1" val="0.55"/>
+                          <dgm:adj idx="2" val="0.45"/>
+                        </dgm:adjLst>
+                      </dgm:shape>
+                      <dgm:presOf axis="ch" ptType="sibTrans" cnt="1"/>
+                      <dgm:constrLst>
+                        <dgm:constr type="lMarg" refType="primFontSz" fact="0.1"/>
+                        <dgm:constr type="rMarg" refType="primFontSz" fact="0.1"/>
+                        <dgm:constr type="tMarg" refType="primFontSz" fact="0.1"/>
+                        <dgm:constr type="bMarg" refType="primFontSz" fact="0.1"/>
+                      </dgm:constrLst>
+                      <dgm:ruleLst>
+                        <dgm:rule type="primFontSz" val="5" fact="NaN" max="NaN"/>
+                      </dgm:ruleLst>
+                    </dgm:layoutNode>
+                    <dgm:layoutNode name="FourConn_2-3" styleLbl="fgAccFollowNode1">
+                      <dgm:varLst>
+                        <dgm:bulletEnabled val="1"/>
+                      </dgm:varLst>
+                      <dgm:alg type="tx"/>
+                      <dgm:shape xmlns:r="http://schemas.openxmlformats.org/officeDocument/2006/relationships" type="downArrow" r:blip="">
+                        <dgm:adjLst>
+                          <dgm:adj idx="1" val="0.55"/>
+                          <dgm:adj idx="2" val="0.45"/>
+                        </dgm:adjLst>
+                      </dgm:shape>
+                      <dgm:presOf axis="ch" ptType="sibTrans" st="2" cnt="1"/>
+                      <dgm:constrLst>
+                        <dgm:constr type="lMarg" refType="primFontSz" fact="0.1"/>
+                        <dgm:constr type="rMarg" refType="primFontSz" fact="0.1"/>
+                        <dgm:constr type="tMarg" refType="primFontSz" fact="0.1"/>
+                        <dgm:constr type="bMarg" refType="primFontSz" fact="0.1"/>
+                      </dgm:constrLst>
+                      <dgm:ruleLst>
+                        <dgm:rule type="primFontSz" val="5" fact="NaN" max="NaN"/>
+                      </dgm:ruleLst>
+                    </dgm:layoutNode>
+                    <dgm:layoutNode name="FourConn_3-4" styleLbl="fgAccFollowNode1">
+                      <dgm:varLst>
+                        <dgm:bulletEnabled val="1"/>
+                      </dgm:varLst>
+                      <dgm:alg type="tx"/>
+                      <dgm:shape xmlns:r="http://schemas.openxmlformats.org/officeDocument/2006/relationships" type="downArrow" r:blip="">
+                        <dgm:adjLst>
+                          <dgm:adj idx="1" val="0.55"/>
+                          <dgm:adj idx="2" val="0.45"/>
+                        </dgm:adjLst>
+                      </dgm:shape>
+                      <dgm:presOf axis="ch" ptType="sibTrans" st="3" cnt="1"/>
+                      <dgm:constrLst>
+                        <dgm:constr type="lMarg" refType="primFontSz" fact="0.1"/>
+                        <dgm:constr type="rMarg" refType="primFontSz" fact="0.1"/>
+                        <dgm:constr type="tMarg" refType="primFontSz" fact="0.1"/>
+                        <dgm:constr type="bMarg" refType="primFontSz" fact="0.1"/>
+                      </dgm:constrLst>
+                      <dgm:ruleLst>
+                        <dgm:rule type="primFontSz" val="5" fact="NaN" max="NaN"/>
+                      </dgm:ruleLst>
+                    </dgm:layoutNode>
+                    <dgm:layoutNode name="FourNodes_1_text">
+                      <dgm:varLst>
+                        <dgm:bulletEnabled val="1"/>
+                      </dgm:varLst>
+                      <dgm:alg type="tx">
+                        <dgm:param type="parTxLTRAlign" val="l"/>
+                        <dgm:param type="txAnchorVertCh" val="mid"/>
+                      </dgm:alg>
+                      <dgm:shape xmlns:r="http://schemas.openxmlformats.org/officeDocument/2006/relationships" type="roundRect" r:blip="" hideGeom="1">
+                        <dgm:adjLst>
+                          <dgm:adj idx="1" val="0.1"/>
+                        </dgm:adjLst>
+                      </dgm:shape>
+                      <dgm:presOf axis="ch desOrSelf" ptType="node node" st="1 1" cnt="1 0"/>
+                      <dgm:constrLst>
+                        <dgm:constr type="lMarg" refType="primFontSz" fact="0.3"/>
+                        <dgm:constr type="rMarg" refType="primFontSz" fact="0.3"/>
+                        <dgm:constr type="tMarg" refType="primFontSz" fact="0.3"/>
+                        <dgm:constr type="bMarg" refType="primFontSz" fact="0.3"/>
+                      </dgm:constrLst>
+                      <dgm:ruleLst>
+                        <dgm:rule type="primFontSz" val="5" fact="NaN" max="NaN"/>
+                      </dgm:ruleLst>
+                    </dgm:layoutNode>
+                    <dgm:layoutNode name="FourNodes_2_text">
+                      <dgm:varLst>
+                        <dgm:bulletEnabled val="1"/>
+                      </dgm:varLst>
+                      <dgm:alg type="tx">
+                        <dgm:param type="parTxLTRAlign" val="l"/>
+                        <dgm:param type="txAnchorVertCh" val="mid"/>
+                      </dgm:alg>
+                      <dgm:shape xmlns:r="http://schemas.openxmlformats.org/officeDocument/2006/relationships" type="roundRect" r:blip="" hideGeom="1">
+                        <dgm:adjLst>
+                          <dgm:adj idx="1" val="0.1"/>
+                        </dgm:adjLst>
+                      </dgm:shape>
+                      <dgm:presOf axis="ch desOrSelf" ptType="node node" st="2 1" cnt="1 0"/>
+                      <dgm:constrLst>
+                        <dgm:constr type="lMarg" refType="primFontSz" fact="0.3"/>
+                        <dgm:constr type="rMarg" refType="primFontSz" fact="0.3"/>
+                        <dgm:constr type="tMarg" refType="primFontSz" fact="0.3"/>
+                        <dgm:constr type="bMarg" refType="primFontSz" fact="0.3"/>
+                      </dgm:constrLst>
+                      <dgm:ruleLst>
+                        <dgm:rule type="primFontSz" val="5" fact="NaN" max="NaN"/>
+                      </dgm:ruleLst>
+                    </dgm:layoutNode>
+                    <dgm:layoutNode name="FourNodes_3_text">
+                      <dgm:varLst>
+                        <dgm:bulletEnabled val="1"/>
+                      </dgm:varLst>
+                      <dgm:alg type="tx">
+                        <dgm:param type="parTxLTRAlign" val="l"/>
+                        <dgm:param type="txAnchorVertCh" val="mid"/>
+                      </dgm:alg>
+                      <dgm:shape xmlns:r="http://schemas.openxmlformats.org/officeDocument/2006/relationships" type="roundRect" r:blip="" hideGeom="1">
+                        <dgm:adjLst>
+                          <dgm:adj idx="1" val="0.1"/>
+                        </dgm:adjLst>
+                      </dgm:shape>
+                      <dgm:presOf axis="ch desOrSelf" ptType="node node" st="3 1" cnt="1 0"/>
+                      <dgm:constrLst>
+                        <dgm:constr type="lMarg" refType="primFontSz" fact="0.3"/>
+                        <dgm:constr type="rMarg" refType="primFontSz" fact="0.3"/>
+                        <dgm:constr type="tMarg" refType="primFontSz" fact="0.3"/>
+                        <dgm:constr type="bMarg" refType="primFontSz" fact="0.3"/>
+                      </dgm:constrLst>
+                      <dgm:ruleLst>
+                        <dgm:rule type="primFontSz" val="5" fact="NaN" max="NaN"/>
+                      </dgm:ruleLst>
+                    </dgm:layoutNode>
+                    <dgm:layoutNode name="FourNodes_4_text">
+                      <dgm:varLst>
+                        <dgm:bulletEnabled val="1"/>
+                      </dgm:varLst>
+                      <dgm:alg type="tx">
+                        <dgm:param type="parTxLTRAlign" val="l"/>
+                        <dgm:param type="txAnchorVertCh" val="mid"/>
+                      </dgm:alg>
+                      <dgm:shape xmlns:r="http://schemas.openxmlformats.org/officeDocument/2006/relationships" type="roundRect" r:blip="" hideGeom="1">
+                        <dgm:adjLst>
+                          <dgm:adj idx="1" val="0.1"/>
+                        </dgm:adjLst>
+                      </dgm:shape>
+                      <dgm:presOf axis="ch desOrSelf" ptType="node node" st="4 1" cnt="1 0"/>
+                      <dgm:constrLst>
+                        <dgm:constr type="lMarg" refType="primFontSz" fact="0.3"/>
+                        <dgm:constr type="rMarg" refType="primFontSz" fact="0.3"/>
+                        <dgm:constr type="tMarg" refType="primFontSz" fact="0.3"/>
+                        <dgm:constr type="bMarg" refType="primFontSz" fact="0.3"/>
+                      </dgm:constrLst>
+                      <dgm:ruleLst>
+                        <dgm:rule type="primFontSz" val="5" fact="NaN" max="NaN"/>
+                      </dgm:ruleLst>
+                    </dgm:layoutNode>
+                  </dgm:if>
+                  <dgm:else name="Name14">
+                    <dgm:choose name="Name15">
+                      <dgm:if name="Name16" axis="ch" ptType="node" func="cnt" op="gte" val="5">
+                        <dgm:layoutNode name="FiveNodes_1">
+                          <dgm:varLst>
+                            <dgm:bulletEnabled val="1"/>
+                          </dgm:varLst>
+                          <dgm:alg type="sp"/>
+                          <dgm:shape xmlns:r="http://schemas.openxmlformats.org/officeDocument/2006/relationships" type="roundRect" r:blip="">
+                            <dgm:adjLst>
+                              <dgm:adj idx="1" val="0.1"/>
+                            </dgm:adjLst>
+                          </dgm:shape>
+                          <dgm:presOf axis="ch desOrSelf" ptType="node node" st="1 1" cnt="1 0"/>
+                          <dgm:constrLst/>
+                          <dgm:ruleLst/>
+                        </dgm:layoutNode>
+                        <dgm:layoutNode name="FiveNodes_2">
+                          <dgm:varLst>
+                            <dgm:bulletEnabled val="1"/>
+                          </dgm:varLst>
+                          <dgm:alg type="sp"/>
+                          <dgm:shape xmlns:r="http://schemas.openxmlformats.org/officeDocument/2006/relationships" type="roundRect" r:blip="">
+                            <dgm:adjLst>
+                              <dgm:adj idx="1" val="0.1"/>
+                            </dgm:adjLst>
+                          </dgm:shape>
+                          <dgm:presOf axis="ch desOrSelf" ptType="node node" st="2 1" cnt="1 0"/>
+                          <dgm:constrLst/>
+                          <dgm:ruleLst/>
+                        </dgm:layoutNode>
+                        <dgm:layoutNode name="FiveNodes_3">
+                          <dgm:varLst>
+                            <dgm:bulletEnabled val="1"/>
+                          </dgm:varLst>
+                          <dgm:alg type="sp"/>
+                          <dgm:shape xmlns:r="http://schemas.openxmlformats.org/officeDocument/2006/relationships" type="roundRect" r:blip="">
+                            <dgm:adjLst>
+                              <dgm:adj idx="1" val="0.1"/>
+                            </dgm:adjLst>
+                          </dgm:shape>
+                          <dgm:presOf axis="ch desOrSelf" ptType="node node" st="3 1" cnt="1 0"/>
+                          <dgm:constrLst/>
+                          <dgm:ruleLst/>
+                        </dgm:layoutNode>
+                        <dgm:layoutNode name="FiveNodes_4">
+                          <dgm:varLst>
+                            <dgm:bulletEnabled val="1"/>
+                          </dgm:varLst>
+                          <dgm:alg type="sp"/>
+                          <dgm:shape xmlns:r="http://schemas.openxmlformats.org/officeDocument/2006/relationships" type="roundRect" r:blip="">
+                            <dgm:adjLst>
+                              <dgm:adj idx="1" val="0.1"/>
+                            </dgm:adjLst>
+                          </dgm:shape>
+                          <dgm:presOf axis="ch desOrSelf" ptType="node node" st="4 1" cnt="1 0"/>
+                          <dgm:constrLst/>
+                          <dgm:ruleLst/>
+                        </dgm:layoutNode>
+                        <dgm:layoutNode name="FiveNodes_5">
+                          <dgm:varLst>
+                            <dgm:bulletEnabled val="1"/>
+                          </dgm:varLst>
+                          <dgm:alg type="sp"/>
+                          <dgm:shape xmlns:r="http://schemas.openxmlformats.org/officeDocument/2006/relationships" type="roundRect" r:blip="">
+                            <dgm:adjLst>
+                              <dgm:adj idx="1" val="0.1"/>
+                            </dgm:adjLst>
+                          </dgm:shape>
+                          <dgm:presOf axis="ch desOrSelf" ptType="node node" st="5 1" cnt="1 0"/>
+                          <dgm:constrLst/>
+                          <dgm:ruleLst/>
+                        </dgm:layoutNode>
+                        <dgm:layoutNode name="FiveConn_1-2" styleLbl="fgAccFollowNode1">
+                          <dgm:varLst>
+                            <dgm:bulletEnabled val="1"/>
+                          </dgm:varLst>
+                          <dgm:alg type="tx"/>
+                          <dgm:shape xmlns:r="http://schemas.openxmlformats.org/officeDocument/2006/relationships" type="downArrow" r:blip="">
+                            <dgm:adjLst>
+                              <dgm:adj idx="1" val="0.55"/>
+                              <dgm:adj idx="2" val="0.45"/>
+                            </dgm:adjLst>
+                          </dgm:shape>
+                          <dgm:presOf axis="ch" ptType="sibTrans" cnt="1"/>
+                          <dgm:constrLst>
+                            <dgm:constr type="lMarg" refType="primFontSz" fact="0.1"/>
+                            <dgm:constr type="rMarg" refType="primFontSz" fact="0.1"/>
+                            <dgm:constr type="tMarg" refType="primFontSz" fact="0.1"/>
+                            <dgm:constr type="bMarg" refType="primFontSz" fact="0.1"/>
+                          </dgm:constrLst>
+                          <dgm:ruleLst>
+                            <dgm:rule type="primFontSz" val="5" fact="NaN" max="NaN"/>
+                          </dgm:ruleLst>
+                        </dgm:layoutNode>
+                        <dgm:layoutNode name="FiveConn_2-3" styleLbl="fgAccFollowNode1">
+                          <dgm:varLst>
+                            <dgm:bulletEnabled val="1"/>
+                          </dgm:varLst>
+                          <dgm:alg type="tx"/>
+                          <dgm:shape xmlns:r="http://schemas.openxmlformats.org/officeDocument/2006/relationships" type="downArrow" r:blip="">
+                            <dgm:adjLst>
+                              <dgm:adj idx="1" val="0.55"/>
+                              <dgm:adj idx="2" val="0.45"/>
+                            </dgm:adjLst>
+                          </dgm:shape>
+                          <dgm:presOf axis="ch" ptType="sibTrans" st="2" cnt="1"/>
+                          <dgm:constrLst>
+                            <dgm:constr type="lMarg" refType="primFontSz" fact="0.1"/>
+                            <dgm:constr type="rMarg" refType="primFontSz" fact="0.1"/>
+                            <dgm:constr type="tMarg" refType="primFontSz" fact="0.1"/>
+                            <dgm:constr type="bMarg" refType="primFontSz" fact="0.1"/>
+                          </dgm:constrLst>
+                          <dgm:ruleLst>
+                            <dgm:rule type="primFontSz" val="5" fact="NaN" max="NaN"/>
+                          </dgm:ruleLst>
+                        </dgm:layoutNode>
+                        <dgm:layoutNode name="FiveConn_3-4" styleLbl="fgAccFollowNode1">
+                          <dgm:varLst>
+                            <dgm:bulletEnabled val="1"/>
+                          </dgm:varLst>
+                          <dgm:alg type="tx"/>
+                          <dgm:shape xmlns:r="http://schemas.openxmlformats.org/officeDocument/2006/relationships" type="downArrow" r:blip="">
+                            <dgm:adjLst>
+                              <dgm:adj idx="1" val="0.55"/>
+                              <dgm:adj idx="2" val="0.45"/>
+                            </dgm:adjLst>
+                          </dgm:shape>
+                          <dgm:presOf axis="ch" ptType="sibTrans" st="3" cnt="1"/>
+                          <dgm:constrLst>
+                            <dgm:constr type="lMarg" refType="primFontSz" fact="0.1"/>
+                            <dgm:constr type="rMarg" refType="primFontSz" fact="0.1"/>
+                            <dgm:constr type="tMarg" refType="primFontSz" fact="0.1"/>
+                            <dgm:constr type="bMarg" refType="primFontSz" fact="0.1"/>
+                          </dgm:constrLst>
+                          <dgm:ruleLst>
+                            <dgm:rule type="primFontSz" val="5" fact="NaN" max="NaN"/>
+                          </dgm:ruleLst>
+                        </dgm:layoutNode>
+                        <dgm:layoutNode name="FiveConn_4-5" styleLbl="fgAccFollowNode1">
+                          <dgm:varLst>
+                            <dgm:bulletEnabled val="1"/>
+                          </dgm:varLst>
+                          <dgm:alg type="tx"/>
+                          <dgm:shape xmlns:r="http://schemas.openxmlformats.org/officeDocument/2006/relationships" type="downArrow" r:blip="">
+                            <dgm:adjLst>
+                              <dgm:adj idx="1" val="0.55"/>
+                              <dgm:adj idx="2" val="0.45"/>
+                            </dgm:adjLst>
+                          </dgm:shape>
+                          <dgm:presOf axis="ch" ptType="sibTrans" st="4" cnt="1"/>
+                          <dgm:constrLst>
+                            <dgm:constr type="lMarg" refType="primFontSz" fact="0.1"/>
+                            <dgm:constr type="rMarg" refType="primFontSz" fact="0.1"/>
+                            <dgm:constr type="tMarg" refType="primFontSz" fact="0.1"/>
+                            <dgm:constr type="bMarg" refType="primFontSz" fact="0.1"/>
+                          </dgm:constrLst>
+                          <dgm:ruleLst>
+                            <dgm:rule type="primFontSz" val="5" fact="NaN" max="NaN"/>
+                          </dgm:ruleLst>
+                        </dgm:layoutNode>
+                        <dgm:layoutNode name="FiveNodes_1_text">
+                          <dgm:varLst>
+                            <dgm:bulletEnabled val="1"/>
+                          </dgm:varLst>
+                          <dgm:alg type="tx">
+                            <dgm:param type="parTxLTRAlign" val="l"/>
+                            <dgm:param type="txAnchorVertCh" val="mid"/>
+                          </dgm:alg>
+                          <dgm:shape xmlns:r="http://schemas.openxmlformats.org/officeDocument/2006/relationships" type="roundRect" r:blip="" hideGeom="1">
+                            <dgm:adjLst>
+                              <dgm:adj idx="1" val="0.1"/>
+                            </dgm:adjLst>
+                          </dgm:shape>
+                          <dgm:presOf axis="ch desOrSelf" ptType="node node" st="1 1" cnt="1 0"/>
+                          <dgm:constrLst>
+                            <dgm:constr type="lMarg" refType="primFontSz" fact="0.3"/>
+                            <dgm:constr type="rMarg" refType="primFontSz" fact="0.3"/>
+                            <dgm:constr type="tMarg" refType="primFontSz" fact="0.3"/>
+                            <dgm:constr type="bMarg" refType="primFontSz" fact="0.3"/>
+                          </dgm:constrLst>
+                          <dgm:ruleLst>
+                            <dgm:rule type="primFontSz" val="5" fact="NaN" max="NaN"/>
+                          </dgm:ruleLst>
+                        </dgm:layoutNode>
+                        <dgm:layoutNode name="FiveNodes_2_text">
+                          <dgm:varLst>
+                            <dgm:bulletEnabled val="1"/>
+                          </dgm:varLst>
+                          <dgm:alg type="tx">
+                            <dgm:param type="parTxLTRAlign" val="l"/>
+                            <dgm:param type="txAnchorVertCh" val="mid"/>
+                          </dgm:alg>
+                          <dgm:shape xmlns:r="http://schemas.openxmlformats.org/officeDocument/2006/relationships" type="roundRect" r:blip="" hideGeom="1">
+                            <dgm:adjLst>
+                              <dgm:adj idx="1" val="0.1"/>
+                            </dgm:adjLst>
+                          </dgm:shape>
+                          <dgm:presOf axis="ch desOrSelf" ptType="node node" st="2 1" cnt="1 0"/>
+                          <dgm:constrLst>
+                            <dgm:constr type="lMarg" refType="primFontSz" fact="0.3"/>
+                            <dgm:constr type="rMarg" refType="primFontSz" fact="0.3"/>
+                            <dgm:constr type="tMarg" refType="primFontSz" fact="0.3"/>
+                            <dgm:constr type="bMarg" refType="primFontSz" fact="0.3"/>
+                          </dgm:constrLst>
+                          <dgm:ruleLst>
+                            <dgm:rule type="primFontSz" val="5" fact="NaN" max="NaN"/>
+                          </dgm:ruleLst>
+                        </dgm:layoutNode>
+                        <dgm:layoutNode name="FiveNodes_3_text">
+                          <dgm:varLst>
+                            <dgm:bulletEnabled val="1"/>
+                          </dgm:varLst>
+                          <dgm:alg type="tx">
+                            <dgm:param type="parTxLTRAlign" val="l"/>
+                            <dgm:param type="txAnchorVertCh" val="mid"/>
+                          </dgm:alg>
+                          <dgm:shape xmlns:r="http://schemas.openxmlformats.org/officeDocument/2006/relationships" type="roundRect" r:blip="" hideGeom="1">
+                            <dgm:adjLst>
+                              <dgm:adj idx="1" val="0.1"/>
+                            </dgm:adjLst>
+                          </dgm:shape>
+                          <dgm:presOf axis="ch desOrSelf" ptType="node node" st="3 1" cnt="1 0"/>
+                          <dgm:constrLst>
+                            <dgm:constr type="lMarg" refType="primFontSz" fact="0.3"/>
+                            <dgm:constr type="rMarg" refType="primFontSz" fact="0.3"/>
+                            <dgm:constr type="tMarg" refType="primFontSz" fact="0.3"/>
+                            <dgm:constr type="bMarg" refType="primFontSz" fact="0.3"/>
+                          </dgm:constrLst>
+                          <dgm:ruleLst>
+                            <dgm:rule type="primFontSz" val="5" fact="NaN" max="NaN"/>
+                          </dgm:ruleLst>
+                        </dgm:layoutNode>
+                        <dgm:layoutNode name="FiveNodes_4_text">
+                          <dgm:varLst>
+                            <dgm:bulletEnabled val="1"/>
+                          </dgm:varLst>
+                          <dgm:alg type="tx">
+                            <dgm:param type="parTxLTRAlign" val="l"/>
+                            <dgm:param type="txAnchorVertCh" val="mid"/>
+                          </dgm:alg>
+                          <dgm:shape xmlns:r="http://schemas.openxmlformats.org/officeDocument/2006/relationships" type="roundRect" r:blip="" hideGeom="1">
+                            <dgm:adjLst>
+                              <dgm:adj idx="1" val="0.1"/>
+                            </dgm:adjLst>
+                          </dgm:shape>
+                          <dgm:presOf axis="ch desOrSelf" ptType="node node" st="4 1" cnt="1 0"/>
+                          <dgm:constrLst>
+                            <dgm:constr type="lMarg" refType="primFontSz" fact="0.3"/>
+                            <dgm:constr type="rMarg" refType="primFontSz" fact="0.3"/>
+                            <dgm:constr type="tMarg" refType="primFontSz" fact="0.3"/>
+                            <dgm:constr type="bMarg" refType="primFontSz" fact="0.3"/>
+                          </dgm:constrLst>
+                          <dgm:ruleLst>
+                            <dgm:rule type="primFontSz" val="5" fact="NaN" max="NaN"/>
+                          </dgm:ruleLst>
+                        </dgm:layoutNode>
+                        <dgm:layoutNode name="FiveNodes_5_text">
+                          <dgm:varLst>
+                            <dgm:bulletEnabled val="1"/>
+                          </dgm:varLst>
+                          <dgm:alg type="tx">
+                            <dgm:param type="parTxLTRAlign" val="l"/>
+                            <dgm:param type="txAnchorVertCh" val="mid"/>
+                          </dgm:alg>
+                          <dgm:shape xmlns:r="http://schemas.openxmlformats.org/officeDocument/2006/relationships" type="roundRect" r:blip="" hideGeom="1">
+                            <dgm:adjLst>
+                              <dgm:adj idx="1" val="0.1"/>
+                            </dgm:adjLst>
+                          </dgm:shape>
+                          <dgm:presOf axis="ch desOrSelf" ptType="node node" st="5 1" cnt="1 0"/>
+                          <dgm:constrLst>
+                            <dgm:constr type="lMarg" refType="primFontSz" fact="0.3"/>
+                            <dgm:constr type="rMarg" refType="primFontSz" fact="0.3"/>
+                            <dgm:constr type="tMarg" refType="primFontSz" fact="0.3"/>
+                            <dgm:constr type="bMarg" refType="primFontSz" fact="0.3"/>
+                          </dgm:constrLst>
+                          <dgm:ruleLst>
+                            <dgm:rule type="primFontSz" val="5" fact="NaN" max="NaN"/>
+                          </dgm:ruleLst>
+                        </dgm:layoutNode>
+                      </dgm:if>
+                      <dgm:else name="Name17"/>
+                    </dgm:choose>
+                  </dgm:else>
+                </dgm:choose>
+              </dgm:else>
+            </dgm:choose>
+          </dgm:else>
+        </dgm:choose>
+      </dgm:else>
+    </dgm:choose>
+  </dgm:layoutNode>
+</dgm:layoutDef>
+</file>
+
+<file path=ppt/diagrams/layout2.xml><?xml version="1.0" encoding="utf-8"?>
+<dgm:layoutDef xmlns:dgm="http://schemas.openxmlformats.org/drawingml/2006/diagram" xmlns:a="http://schemas.openxmlformats.org/drawingml/2006/main" uniqueId="urn:microsoft.com/office/officeart/2005/8/layout/chevron2">
+  <dgm:title val=""/>
+  <dgm:desc val=""/>
+  <dgm:catLst>
+    <dgm:cat type="process" pri="12000"/>
+    <dgm:cat type="list" pri="16000"/>
+    <dgm:cat type="convert" pri="11000"/>
+  </dgm:catLst>
+  <dgm:sampData>
+    <dgm:dataModel>
+      <dgm:ptLst>
+        <dgm:pt modelId="0" type="doc"/>
+        <dgm:pt modelId="1">
+          <dgm:prSet phldr="1"/>
+        </dgm:pt>
+        <dgm:pt modelId="11">
+          <dgm:prSet phldr="1"/>
+        </dgm:pt>
+        <dgm:pt modelId="12">
+          <dgm:prSet phldr="1"/>
+        </dgm:pt>
+        <dgm:pt modelId="2">
+          <dgm:prSet phldr="1"/>
+        </dgm:pt>
+        <dgm:pt modelId="21">
+          <dgm:prSet phldr="1"/>
+        </dgm:pt>
+        <dgm:pt modelId="22">
+          <dgm:prSet phldr="1"/>
+        </dgm:pt>
+        <dgm:pt modelId="3">
+          <dgm:prSet phldr="1"/>
+        </dgm:pt>
+        <dgm:pt modelId="31">
+          <dgm:prSet phldr="1"/>
+        </dgm:pt>
+        <dgm:pt modelId="32">
+          <dgm:prSet phldr="1"/>
+        </dgm:pt>
+      </dgm:ptLst>
+      <dgm:cxnLst>
+        <dgm:cxn modelId="4" srcId="0" destId="1" srcOrd="0" destOrd="0"/>
+        <dgm:cxn modelId="5" srcId="0" destId="2" srcOrd="1" destOrd="0"/>
+        <dgm:cxn modelId="6" srcId="0" destId="3" srcOrd="2" destOrd="0"/>
+        <dgm:cxn modelId="13" srcId="1" destId="11" srcOrd="0" destOrd="0"/>
+        <dgm:cxn modelId="14" srcId="1" destId="12" srcOrd="1" destOrd="0"/>
+        <dgm:cxn modelId="23" srcId="2" destId="21" srcOrd="0" destOrd="0"/>
+        <dgm:cxn modelId="24" srcId="2" destId="22" srcOrd="1" destOrd="0"/>
+        <dgm:cxn modelId="33" srcId="3" destId="31" srcOrd="0" destOrd="0"/>
+        <dgm:cxn modelId="34" srcId="3" destId="32" srcOrd="1" destOrd="0"/>
+      </dgm:cxnLst>
+      <dgm:bg/>
+      <dgm:whole/>
+    </dgm:dataModel>
+  </dgm:sampData>
+  <dgm:styleData>
+    <dgm:dataModel>
+      <dgm:ptLst>
+        <dgm:pt modelId="0" type="doc"/>
+        <dgm:pt modelId="1"/>
+      </dgm:ptLst>
+      <dgm:cxnLst>
+        <dgm:cxn modelId="4" srcId="0" destId="1" srcOrd="0" destOrd="0"/>
+      </dgm:cxnLst>
+      <dgm:bg/>
+      <dgm:whole/>
+    </dgm:dataModel>
+  </dgm:styleData>
+  <dgm:clrData>
+    <dgm:dataModel>
+      <dgm:ptLst>
+        <dgm:pt modelId="0" type="doc"/>
+        <dgm:pt modelId="1"/>
+        <dgm:pt modelId="11"/>
+        <dgm:pt modelId="2"/>
+        <dgm:pt modelId="21"/>
+        <dgm:pt modelId="3"/>
+        <dgm:pt modelId="31"/>
+        <dgm:pt modelId="4"/>
+        <dgm:pt modelId="41"/>
+      </dgm:ptLst>
+      <dgm:cxnLst>
+        <dgm:cxn modelId="5" srcId="0" destId="1" srcOrd="0" destOrd="0"/>
+        <dgm:cxn modelId="6" srcId="0" destId="2" srcOrd="1" destOrd="0"/>
+        <dgm:cxn modelId="7" srcId="0" destId="3" srcOrd="2" destOrd="0"/>
+        <dgm:cxn modelId="8" srcId="0" destId="4" srcOrd="3" destOrd="0"/>
+        <dgm:cxn modelId="13" srcId="1" destId="11" srcOrd="0" destOrd="0"/>
+        <dgm:cxn modelId="23" srcId="2" destId="21" srcOrd="0" destOrd="0"/>
+        <dgm:cxn modelId="33" srcId="3" destId="31" srcOrd="0" destOrd="0"/>
+        <dgm:cxn modelId="43" srcId="4" destId="41" srcOrd="0" destOrd="0"/>
+      </dgm:cxnLst>
+      <dgm:bg/>
+      <dgm:whole/>
+    </dgm:dataModel>
+  </dgm:clrData>
+  <dgm:layoutNode name="linearFlow">
+    <dgm:varLst>
+      <dgm:dir/>
+      <dgm:animLvl val="lvl"/>
+      <dgm:resizeHandles val="exact"/>
+    </dgm:varLst>
+    <dgm:alg type="lin">
+      <dgm:param type="linDir" val="fromT"/>
+      <dgm:param type="nodeHorzAlign" val="l"/>
+    </dgm:alg>
+    <dgm:shape xmlns:r="http://schemas.openxmlformats.org/officeDocument/2006/relationships" r:blip="">
+      <dgm:adjLst/>
+    </dgm:shape>
+    <dgm:presOf/>
+    <dgm:constrLst>
+      <dgm:constr type="h" for="ch" forName="composite" refType="h"/>
+      <dgm:constr type="w" for="ch" forName="composite" refType="w"/>
+      <dgm:constr type="h" for="des" forName="parentText" op="equ"/>
+      <dgm:constr type="h" for="ch" forName="sp" val="-14.88"/>
+      <dgm:constr type="h" for="ch" forName="sp" refType="w" refFor="des" refForName="parentText" op="gte" fact="-0.3"/>
+      <dgm:constr type="primFontSz" for="des" forName="parentText" op="equ" val="65"/>
+      <dgm:constr type="primFontSz" for="des" forName="descendantText" op="equ" val="65"/>
+    </dgm:constrLst>
+    <dgm:ruleLst/>
+    <dgm:forEach name="Name0" axis="ch" ptType="node">
+      <dgm:layoutNode name="composite">
+        <dgm:alg type="composite"/>
+        <dgm:shape xmlns:r="http://schemas.openxmlformats.org/officeDocument/2006/relationships" r:blip="">
+          <dgm:adjLst/>
+        </dgm:shape>
+        <dgm:presOf/>
+        <dgm:choose name="Name1">
+          <dgm:if name="Name2" func="var" arg="dir" op="equ" val="norm">
+            <dgm:constrLst>
+              <dgm:constr type="t" for="ch" forName="parentText"/>
+              <dgm:constr type="l" for="ch" forName="parentText"/>
+              <dgm:constr type="w" for="ch" forName="parentText" refType="w" fact="0.4"/>
+              <dgm:constr type="h" for="ch" forName="parentText" refType="h"/>
+              <dgm:constr type="w" for="ch" forName="parentText" refType="w" op="lte" fact="0.5"/>
+              <dgm:constr type="w" for="ch" forName="parentText" refType="h" refFor="ch" refForName="parentText" op="lte" fact="0.7"/>
+              <dgm:constr type="h" for="ch" forName="parentText" refType="w" refFor="ch" refForName="parentText" op="lte" fact="3"/>
+              <dgm:constr type="l" for="ch" forName="descendantText" refType="w" refFor="ch" refForName="parentText"/>
+              <dgm:constr type="w" for="ch" forName="descendantText" refType="w"/>
+              <dgm:constr type="wOff" for="ch" forName="descendantText" refType="w" refFor="ch" refForName="parentText" fact="-1"/>
+              <dgm:constr type="t" for="ch" forName="descendantText"/>
+              <dgm:constr type="b" for="ch" forName="descendantText" refType="h" refFor="ch" refForName="parentText"/>
+              <dgm:constr type="bOff" for="ch" forName="descendantText" refType="w" refFor="ch" refForName="parentText" fact="-0.5"/>
+            </dgm:constrLst>
+          </dgm:if>
+          <dgm:else name="Name3">
+            <dgm:constrLst>
+              <dgm:constr type="t" for="ch" forName="parentText"/>
+              <dgm:constr type="r" for="ch" forName="parentText" refType="w"/>
+              <dgm:constr type="w" for="ch" forName="parentText" refType="w" fact="0.4"/>
+              <dgm:constr type="h" for="ch" forName="parentText" refType="h"/>
+              <dgm:constr type="w" for="ch" forName="parentText" refType="w" op="lte" fact="0.5"/>
+              <dgm:constr type="w" for="ch" forName="parentText" refType="h" refFor="ch" refForName="parentText" op="lte" fact="0.7"/>
+              <dgm:constr type="h" for="ch" forName="parentText" refType="w" refFor="ch" refForName="parentText" op="lte" fact="3"/>
+              <dgm:constr type="l" for="ch" forName="descendantText"/>
+              <dgm:constr type="w" for="ch" forName="descendantText" refType="w"/>
+              <dgm:constr type="wOff" for="ch" forName="descendantText" refType="w" refFor="ch" refForName="parentText" fact="-1"/>
+              <dgm:constr type="t" for="ch" forName="descendantText"/>
+              <dgm:constr type="b" for="ch" forName="descendantText" refType="h" refFor="ch" refForName="parentText"/>
+              <dgm:constr type="bOff" for="ch" forName="descendantText" refType="w" refFor="ch" refForName="parentText" fact="-0.5"/>
+            </dgm:constrLst>
+          </dgm:else>
+        </dgm:choose>
+        <dgm:ruleLst/>
+        <dgm:layoutNode name="parentText" styleLbl="alignNode1">
+          <dgm:varLst>
+            <dgm:chMax val="1"/>
+            <dgm:bulletEnabled val="1"/>
+          </dgm:varLst>
+          <dgm:alg type="tx"/>
+          <dgm:shape xmlns:r="http://schemas.openxmlformats.org/officeDocument/2006/relationships" rot="90" type="chevron" r:blip="">
+            <dgm:adjLst/>
+          </dgm:shape>
+          <dgm:presOf axis="self" ptType="node"/>
+          <dgm:constrLst>
+            <dgm:constr type="lMarg" refType="primFontSz" fact="0.05"/>
+            <dgm:constr type="rMarg" refType="primFontSz" fact="0.05"/>
+            <dgm:constr type="tMarg" refType="primFontSz" fact="0.05"/>
+            <dgm:constr type="bMarg" refType="primFontSz" fact="0.05"/>
+          </dgm:constrLst>
+          <dgm:ruleLst>
+            <dgm:rule type="h" val="100" fact="NaN" max="NaN"/>
+            <dgm:rule type="primFontSz" val="24" fact="NaN" max="NaN"/>
+            <dgm:rule type="h" val="110" fact="NaN" max="NaN"/>
+            <dgm:rule type="primFontSz" val="18" fact="NaN" max="NaN"/>
+            <dgm:rule type="h" val="INF" fact="NaN" max="NaN"/>
+            <dgm:rule type="primFontSz" val="5" fact="NaN" max="NaN"/>
+          </dgm:ruleLst>
+        </dgm:layoutNode>
+        <dgm:layoutNode name="descendantText" styleLbl="alignAcc1">
+          <dgm:varLst>
+            <dgm:bulletEnabled val="1"/>
+          </dgm:varLst>
+          <dgm:choose name="Name4">
+            <dgm:if name="Name5" func="var" arg="dir" op="equ" val="norm">
+              <dgm:alg type="tx">
+                <dgm:param type="stBulletLvl" val="1"/>
+                <dgm:param type="txAnchorVertCh" val="mid"/>
+              </dgm:alg>
+              <dgm:shape xmlns:r="http://schemas.openxmlformats.org/officeDocument/2006/relationships" rot="90" type="round2SameRect" r:blip="">
+                <dgm:adjLst/>
+              </dgm:shape>
+            </dgm:if>
+            <dgm:else name="Name6">
+              <dgm:alg type="tx">
+                <dgm:param type="stBulletLvl" val="1"/>
+                <dgm:param type="txAnchorVertCh" val="mid"/>
+              </dgm:alg>
+              <dgm:shape xmlns:r="http://schemas.openxmlformats.org/officeDocument/2006/relationships" rot="-90" type="round2SameRect" r:blip="">
+                <dgm:adjLst/>
+              </dgm:shape>
+            </dgm:else>
+          </dgm:choose>
+          <dgm:presOf axis="des" ptType="node"/>
+          <dgm:choose name="Name7">
+            <dgm:if name="Name8" func="var" arg="dir" op="equ" val="norm">
+              <dgm:constrLst>
+                <dgm:constr type="secFontSz" refType="primFontSz"/>
+                <dgm:constr type="tMarg" refType="primFontSz" fact="0.05"/>
+                <dgm:constr type="bMarg" refType="primFontSz" fact="0.05"/>
+                <dgm:constr type="rMarg" refType="primFontSz" fact="0.05"/>
+              </dgm:constrLst>
+            </dgm:if>
+            <dgm:else name="Name9">
+              <dgm:constrLst>
+                <dgm:constr type="secFontSz" refType="primFontSz"/>
+                <dgm:constr type="tMarg" refType="primFontSz" fact="0.05"/>
+                <dgm:constr type="bMarg" refType="primFontSz" fact="0.05"/>
+                <dgm:constr type="lMarg" refType="primFontSz" fact="0.05"/>
+              </dgm:constrLst>
+            </dgm:else>
+          </dgm:choose>
+          <dgm:ruleLst>
+            <dgm:rule type="primFontSz" val="5" fact="NaN" max="NaN"/>
+          </dgm:ruleLst>
+        </dgm:layoutNode>
+      </dgm:layoutNode>
+      <dgm:forEach name="Name10" axis="followSib" ptType="sibTrans" cnt="1">
+        <dgm:layoutNode name="sp">
+          <dgm:alg type="sp"/>
+          <dgm:shape xmlns:r="http://schemas.openxmlformats.org/officeDocument/2006/relationships" r:blip="">
+            <dgm:adjLst/>
+          </dgm:shape>
+          <dgm:presOf axis="self"/>
+          <dgm:constrLst>
+            <dgm:constr type="w" val="1"/>
+            <dgm:constr type="h" val="37.5"/>
+          </dgm:constrLst>
+          <dgm:ruleLst/>
+        </dgm:layoutNode>
+      </dgm:forEach>
+    </dgm:forEach>
+  </dgm:layoutNode>
+</dgm:layoutDef>
+</file>
+
+<file path=ppt/diagrams/quickStyle1.xml><?xml version="1.0" encoding="utf-8"?>
+<dgm:styleDef xmlns:dgm="http://schemas.openxmlformats.org/drawingml/2006/diagram" xmlns:a="http://schemas.openxmlformats.org/drawingml/2006/main" uniqueId="urn:microsoft.com/office/officeart/2005/8/quickstyle/simple1">
+  <dgm:title val=""/>
+  <dgm:desc val=""/>
+  <dgm:catLst>
+    <dgm:cat type="simple" pri="10100"/>
+  </dgm:catLst>
+  <dgm:scene3d>
+    <a:camera prst="orthographicFront"/>
+    <a:lightRig rig="threePt" dir="t"/>
+  </dgm:scene3d>
+  <dgm:styleLbl name="node0">
+    <dgm:scene3d>
+      <a:camera prst="orthographicFront"/>
+      <a:lightRig rig="threePt" dir="t"/>
+    </dgm:scene3d>
+    <dgm:sp3d/>
+    <dgm:txPr/>
+    <dgm:style>
+      <a:lnRef idx="2">
+        <a:scrgbClr r="0" g="0" b="0"/>
+      </a:lnRef>
+      <a:fillRef idx="1">
+        <a:scrgbClr r="0" g="0" b="0"/>
+      </a:fillRef>
+      <a:effectRef idx="0">
+        <a:scrgbClr r="0" g="0" b="0"/>
+      </a:effectRef>
+      <a:fontRef idx="minor">
+        <a:schemeClr val="lt1"/>
+      </a:fontRef>
+    </dgm:style>
+  </dgm:styleLbl>
+  <dgm:styleLbl name="lnNode1">
+    <dgm:scene3d>
+      <a:camera prst="orthographicFront"/>
+      <a:lightRig rig="threePt" dir="t"/>
+    </dgm:scene3d>
+    <dgm:sp3d/>
+    <dgm:txPr/>
+    <dgm:style>
+      <a:lnRef idx="2">
+        <a:scrgbClr r="0" g="0" b="0"/>
+      </a:lnRef>
+      <a:fillRef idx="1">
+        <a:scrgbClr r="0" g="0" b="0"/>
+      </a:fillRef>
+      <a:effectRef idx="0">
+        <a:scrgbClr r="0" g="0" b="0"/>
+      </a:effectRef>
+      <a:fontRef idx="minor">
+        <a:schemeClr val="lt1"/>
+      </a:fontRef>
+    </dgm:style>
+  </dgm:styleLbl>
+  <dgm:styleLbl name="vennNode1">
+    <dgm:scene3d>
+      <a:camera prst="orthographicFront"/>
+      <a:lightRig rig="threePt" dir="t"/>
+    </dgm:scene3d>
+    <dgm:sp3d/>
+    <dgm:txPr/>
+    <dgm:style>
+      <a:lnRef idx="2">
+        <a:scrgbClr r="0" g="0" b="0"/>
+      </a:lnRef>
+      <a:fillRef idx="1">
+        <a:scrgbClr r="0" g="0" b="0"/>
+      </a:fillRef>
+      <a:effectRef idx="0">
+        <a:scrgbClr r="0" g="0" b="0"/>
+      </a:effectRef>
+      <a:fontRef idx="minor">
+        <a:schemeClr val="tx1"/>
+      </a:fontRef>
+    </dgm:style>
+  </dgm:styleLbl>
+  <dgm:styleLbl name="alignNode1">
+    <dgm:scene3d>
+      <a:camera prst="orthographicFront"/>
+      <a:lightRig rig="threePt" dir="t"/>
+    </dgm:scene3d>
+    <dgm:sp3d/>
+    <dgm:txPr/>
+    <dgm:style>
+      <a:lnRef idx="2">
+        <a:scrgbClr r="0" g="0" b="0"/>
+      </a:lnRef>
+      <a:fillRef idx="1">
+        <a:scrgbClr r="0" g="0" b="0"/>
+      </a:fillRef>
+      <a:effectRef idx="0">
+        <a:scrgbClr r="0" g="0" b="0"/>
+      </a:effectRef>
+      <a:fontRef idx="minor">
+        <a:schemeClr val="lt1"/>
+      </a:fontRef>
+    </dgm:style>
+  </dgm:styleLbl>
+  <dgm:styleLbl name="node1">
+    <dgm:scene3d>
+      <a:camera prst="orthographicFront"/>
+      <a:lightRig rig="threePt" dir="t"/>
+    </dgm:scene3d>
+    <dgm:sp3d/>
+    <dgm:txPr/>
+    <dgm:style>
+      <a:lnRef idx="2">
+        <a:scrgbClr r="0" g="0" b="0"/>
+      </a:lnRef>
+      <a:fillRef idx="1">
+        <a:scrgbClr r="0" g="0" b="0"/>
+      </a:fillRef>
+      <a:effectRef idx="0">
+        <a:scrgbClr r="0" g="0" b="0"/>
+      </a:effectRef>
+      <a:fontRef idx="minor">
+        <a:schemeClr val="lt1"/>
+      </a:fontRef>
+    </dgm:style>
+  </dgm:styleLbl>
+  <dgm:styleLbl name="node2">
+    <dgm:scene3d>
+      <a:camera prst="orthographicFront"/>
+      <a:lightRig rig="threePt" dir="t"/>
+    </dgm:scene3d>
+    <dgm:sp3d/>
+    <dgm:txPr/>
+    <dgm:style>
+      <a:lnRef idx="2">
+        <a:scrgbClr r="0" g="0" b="0"/>
+      </a:lnRef>
+      <a:fillRef idx="1">
+        <a:scrgbClr r="0" g="0" b="0"/>
+      </a:fillRef>
+      <a:effectRef idx="0">
+        <a:scrgbClr r="0" g="0" b="0"/>
+      </a:effectRef>
+      <a:fontRef idx="minor">
+        <a:schemeClr val="lt1"/>
+      </a:fontRef>
+    </dgm:style>
+  </dgm:styleLbl>
+  <dgm:styleLbl name="node3">
+    <dgm:scene3d>
+      <a:camera prst="orthographicFront"/>
+      <a:lightRig rig="threePt" dir="t"/>
+    </dgm:scene3d>
+    <dgm:sp3d/>
+    <dgm:txPr/>
+    <dgm:style>
+      <a:lnRef idx="2">
+        <a:scrgbClr r="0" g="0" b="0"/>
+      </a:lnRef>
+      <a:fillRef idx="1">
+        <a:scrgbClr r="0" g="0" b="0"/>
+      </a:fillRef>
+      <a:effectRef idx="0">
+        <a:scrgbClr r="0" g="0" b="0"/>
+      </a:effectRef>
+      <a:fontRef idx="minor">
+        <a:schemeClr val="lt1"/>
+      </a:fontRef>
+    </dgm:style>
+  </dgm:styleLbl>
+  <dgm:styleLbl name="node4">
+    <dgm:scene3d>
+      <a:camera prst="orthographicFront"/>
+      <a:lightRig rig="threePt" dir="t"/>
+    </dgm:scene3d>
+    <dgm:sp3d/>
+    <dgm:txPr/>
+    <dgm:style>
+      <a:lnRef idx="2">
+        <a:scrgbClr r="0" g="0" b="0"/>
+      </a:lnRef>
+      <a:fillRef idx="1">
+        <a:scrgbClr r="0" g="0" b="0"/>
+      </a:fillRef>
+      <a:effectRef idx="0">
+        <a:scrgbClr r="0" g="0" b="0"/>
+      </a:effectRef>
+      <a:fontRef idx="minor">
+        <a:schemeClr val="lt1"/>
+      </a:fontRef>
+    </dgm:style>
+  </dgm:styleLbl>
+  <dgm:styleLbl name="fgImgPlace1">
+    <dgm:scene3d>
+      <a:camera prst="orthographicFront"/>
+      <a:lightRig rig="threePt" dir="t"/>
+    </dgm:scene3d>
+    <dgm:sp3d/>
+    <dgm:txPr/>
+    <dgm:style>
+      <a:lnRef idx="2">
+        <a:scrgbClr r="0" g="0" b="0"/>
+      </a:lnRef>
+      <a:fillRef idx="1">
+        <a:scrgbClr r="0" g="0" b="0"/>
+      </a:fillRef>
+      <a:effectRef idx="0">
+        <a:scrgbClr r="0" g="0" b="0"/>
+      </a:effectRef>
+      <a:fontRef idx="minor"/>
+    </dgm:style>
+  </dgm:styleLbl>
+  <dgm:styleLbl name="alignImgPlace1">
+    <dgm:scene3d>
+      <a:camera prst="orthographicFront"/>
+      <a:lightRig rig="threePt" dir="t"/>
+    </dgm:scene3d>
+    <dgm:sp3d/>
+    <dgm:txPr/>
+    <dgm:style>
+      <a:lnRef idx="2">
+        <a:scrgbClr r="0" g="0" b="0"/>
+      </a:lnRef>
+      <a:fillRef idx="1">
+        <a:scrgbClr r="0" g="0" b="0"/>
+      </a:fillRef>
+      <a:effectRef idx="0">
+        <a:scrgbClr r="0" g="0" b="0"/>
+      </a:effectRef>
+      <a:fontRef idx="minor"/>
+    </dgm:style>
+  </dgm:styleLbl>
+  <dgm:styleLbl name="bgImgPlace1">
+    <dgm:scene3d>
+      <a:camera prst="orthographicFront"/>
+      <a:lightRig rig="threePt" dir="t"/>
+    </dgm:scene3d>
+    <dgm:sp3d/>
+    <dgm:txPr/>
+    <dgm:style>
+      <a:lnRef idx="2">
+        <a:scrgbClr r="0" g="0" b="0"/>
+      </a:lnRef>
+      <a:fillRef idx="1">
+        <a:scrgbClr r="0" g="0" b="0"/>
+      </a:fillRef>
+      <a:effectRef idx="0">
+        <a:scrgbClr r="0" g="0" b="0"/>
+      </a:effectRef>
+      <a:fontRef idx="minor"/>
+    </dgm:style>
+  </dgm:styleLbl>
+  <dgm:styleLbl name="sibTrans2D1">
+    <dgm:scene3d>
+      <a:camera prst="orthographicFront"/>
+      <a:lightRig rig="threePt" dir="t"/>
+    </dgm:scene3d>
+    <dgm:sp3d/>
+    <dgm:txPr/>
+    <dgm:style>
+      <a:lnRef idx="0">
+        <a:scrgbClr r="0" g="0" b="0"/>
+      </a:lnRef>
+      <a:fillRef idx="1">
+        <a:scrgbClr r="0" g="0" b="0"/>
+      </a:fillRef>
+      <a:effectRef idx="0">
+        <a:scrgbClr r="0" g="0" b="0"/>
+      </a:effectRef>
+      <a:fontRef idx="minor">
+        <a:schemeClr val="lt1"/>
+      </a:fontRef>
+    </dgm:style>
+  </dgm:styleLbl>
+  <dgm:styleLbl name="fgSibTrans2D1">
+    <dgm:scene3d>
+      <a:camera prst="orthographicFront"/>
+      <a:lightRig rig="threePt" dir="t"/>
+    </dgm:scene3d>
+    <dgm:sp3d/>
+    <dgm:txPr/>
+    <dgm:style>
+      <a:lnRef idx="0">
+        <a:scrgbClr r="0" g="0" b="0"/>
+      </a:lnRef>
+      <a:fillRef idx="1">
+        <a:scrgbClr r="0" g="0" b="0"/>
+      </a:fillRef>
+      <a:effectRef idx="0">
+        <a:scrgbClr r="0" g="0" b="0"/>
+      </a:effectRef>
+      <a:fontRef idx="minor">
+        <a:schemeClr val="lt1"/>
+      </a:fontRef>
+    </dgm:style>
+  </dgm:styleLbl>
+  <dgm:styleLbl name="bgSibTrans2D1">
+    <dgm:scene3d>
+      <a:camera prst="orthographicFront"/>
+      <a:lightRig rig="threePt" dir="t"/>
+    </dgm:scene3d>
+    <dgm:sp3d/>
+    <dgm:txPr/>
+    <dgm:style>
+      <a:lnRef idx="0">
+        <a:scrgbClr r="0" g="0" b="0"/>
+      </a:lnRef>
+      <a:fillRef idx="1">
+        <a:scrgbClr r="0" g="0" b="0"/>
+      </a:fillRef>
+      <a:effectRef idx="0">
+        <a:scrgbClr r="0" g="0" b="0"/>
+      </a:effectRef>
+      <a:fontRef idx="minor">
+        <a:schemeClr val="lt1"/>
+      </a:fontRef>
+    </dgm:style>
+  </dgm:styleLbl>
+  <dgm:styleLbl name="sibTrans1D1">
+    <dgm:scene3d>
+      <a:camera prst="orthographicFront"/>
+      <a:lightRig rig="threePt" dir="t"/>
+    </dgm:scene3d>
+    <dgm:sp3d/>
+    <dgm:txPr/>
+    <dgm:style>
+      <a:lnRef idx="1">
+        <a:scrgbClr r="0" g="0" b="0"/>
+      </a:lnRef>
+      <a:fillRef idx="0">
+        <a:scrgbClr r="0" g="0" b="0"/>
+      </a:fillRef>
+      <a:effectRef idx="0">
+        <a:scrgbClr r="0" g="0" b="0"/>
+      </a:effectRef>
+      <a:fontRef idx="minor"/>
+    </dgm:style>
+  </dgm:styleLbl>
+  <dgm:styleLbl name="callout">
+    <dgm:scene3d>
+      <a:camera prst="orthographicFront"/>
+      <a:lightRig rig="threePt" dir="t"/>
+    </dgm:scene3d>
+    <dgm:sp3d/>
+    <dgm:txPr/>
+    <dgm:style>
+      <a:lnRef idx="2">
+        <a:scrgbClr r="0" g="0" b="0"/>
+      </a:lnRef>
+      <a:fillRef idx="1">
+        <a:scrgbClr r="0" g="0" b="0"/>
+      </a:fillRef>
+      <a:effectRef idx="0">
+        <a:scrgbClr r="0" g="0" b="0"/>
+      </a:effectRef>
+      <a:fontRef idx="minor"/>
+    </dgm:style>
+  </dgm:styleLbl>
+  <dgm:styleLbl name="asst0">
+    <dgm:scene3d>
+      <a:camera prst="orthographicFront"/>
+      <a:lightRig rig="threePt" dir="t"/>
+    </dgm:scene3d>
+    <dgm:sp3d/>
+    <dgm:txPr/>
+    <dgm:style>
+      <a:lnRef idx="2">
+        <a:scrgbClr r="0" g="0" b="0"/>
+      </a:lnRef>
+      <a:fillRef idx="1">
+        <a:scrgbClr r="0" g="0" b="0"/>
+      </a:fillRef>
+      <a:effectRef idx="0">
+        <a:scrgbClr r="0" g="0" b="0"/>
+      </a:effectRef>
+      <a:fontRef idx="minor">
+        <a:schemeClr val="lt1"/>
+      </a:fontRef>
+    </dgm:style>
+  </dgm:styleLbl>
+  <dgm:styleLbl name="asst1">
+    <dgm:scene3d>
+      <a:camera prst="orthographicFront"/>
+      <a:lightRig rig="threePt" dir="t"/>
+    </dgm:scene3d>
+    <dgm:sp3d/>
+    <dgm:txPr/>
+    <dgm:style>
+      <a:lnRef idx="2">
+        <a:scrgbClr r="0" g="0" b="0"/>
+      </a:lnRef>
+      <a:fillRef idx="1">
+        <a:scrgbClr r="0" g="0" b="0"/>
+      </a:fillRef>
+      <a:effectRef idx="0">
+        <a:scrgbClr r="0" g="0" b="0"/>
+      </a:effectRef>
+      <a:fontRef idx="minor">
+        <a:schemeClr val="lt1"/>
+      </a:fontRef>
+    </dgm:style>
+  </dgm:styleLbl>
+  <dgm:styleLbl name="asst2">
+    <dgm:scene3d>
+      <a:camera prst="orthographicFront"/>
+      <a:lightRig rig="threePt" dir="t"/>
+    </dgm:scene3d>
+    <dgm:sp3d/>
+    <dgm:txPr/>
+    <dgm:style>
+      <a:lnRef idx="2">
+        <a:scrgbClr r="0" g="0" b="0"/>
+      </a:lnRef>
+      <a:fillRef idx="1">
+        <a:scrgbClr r="0" g="0" b="0"/>
+      </a:fillRef>
+      <a:effectRef idx="0">
+        <a:scrgbClr r="0" g="0" b="0"/>
+      </a:effectRef>
+      <a:fontRef idx="minor">
+        <a:schemeClr val="lt1"/>
+      </a:fontRef>
+    </dgm:style>
+  </dgm:styleLbl>
+  <dgm:styleLbl name="asst3">
+    <dgm:scene3d>
+      <a:camera prst="orthographicFront"/>
+      <a:lightRig rig="threePt" dir="t"/>
+    </dgm:scene3d>
+    <dgm:sp3d/>
+    <dgm:txPr/>
+    <dgm:style>
+      <a:lnRef idx="2">
+        <a:scrgbClr r="0" g="0" b="0"/>
+      </a:lnRef>
+      <a:fillRef idx="1">
+        <a:scrgbClr r="0" g="0" b="0"/>
+      </a:fillRef>
+      <a:effectRef idx="0">
+        <a:scrgbClr r="0" g="0" b="0"/>
+      </a:effectRef>
+      <a:fontRef idx="minor">
+        <a:schemeClr val="lt1"/>
+      </a:fontRef>
+    </dgm:style>
+  </dgm:styleLbl>
+  <dgm:styleLbl name="asst4">
+    <dgm:scene3d>
+      <a:camera prst="orthographicFront"/>
+      <a:lightRig rig="threePt" dir="t"/>
+    </dgm:scene3d>
+    <dgm:sp3d/>
+    <dgm:txPr/>
+    <dgm:style>
+      <a:lnRef idx="2">
+        <a:scrgbClr r="0" g="0" b="0"/>
+      </a:lnRef>
+      <a:fillRef idx="1">
+        <a:scrgbClr r="0" g="0" b="0"/>
+      </a:fillRef>
+      <a:effectRef idx="0">
+        <a:scrgbClr r="0" g="0" b="0"/>
+      </a:effectRef>
+      <a:fontRef idx="minor">
+        <a:schemeClr val="lt1"/>
+      </a:fontRef>
+    </dgm:style>
+  </dgm:styleLbl>
+  <dgm:styleLbl name="parChTrans2D1">
+    <dgm:scene3d>
+      <a:camera prst="orthographicFront"/>
+      <a:lightRig rig="threePt" dir="t"/>
+    </dgm:scene3d>
+    <dgm:sp3d/>
+    <dgm:txPr/>
+    <dgm:style>
+      <a:lnRef idx="2">
+        <a:scrgbClr r="0" g="0" b="0"/>
+      </a:lnRef>
+      <a:fillRef idx="1">
+        <a:scrgbClr r="0" g="0" b="0"/>
+      </a:fillRef>
+      <a:effectRef idx="0">
+        <a:scrgbClr r="0" g="0" b="0"/>
+      </a:effectRef>
+      <a:fontRef idx="minor">
+        <a:schemeClr val="lt1"/>
+      </a:fontRef>
+    </dgm:style>
+  </dgm:styleLbl>
+  <dgm:styleLbl name="parChTrans2D2">
+    <dgm:scene3d>
+      <a:camera prst="orthographicFront"/>
+      <a:lightRig rig="threePt" dir="t"/>
+    </dgm:scene3d>
+    <dgm:sp3d/>
+    <dgm:txPr/>
+    <dgm:style>
+      <a:lnRef idx="2">
+        <a:scrgbClr r="0" g="0" b="0"/>
+      </a:lnRef>
+      <a:fillRef idx="1">
+        <a:scrgbClr r="0" g="0" b="0"/>
+      </a:fillRef>
+      <a:effectRef idx="0">
+        <a:scrgbClr r="0" g="0" b="0"/>
+      </a:effectRef>
+      <a:fontRef idx="minor">
+        <a:schemeClr val="lt1"/>
+      </a:fontRef>
+    </dgm:style>
+  </dgm:styleLbl>
+  <dgm:styleLbl name="parChTrans2D3">
+    <dgm:scene3d>
+      <a:camera prst="orthographicFront"/>
+      <a:lightRig rig="threePt" dir="t"/>
+    </dgm:scene3d>
+    <dgm:sp3d/>
+    <dgm:txPr/>
+    <dgm:style>
+      <a:lnRef idx="2">
+        <a:scrgbClr r="0" g="0" b="0"/>
+      </a:lnRef>
+      <a:fillRef idx="1">
+        <a:scrgbClr r="0" g="0" b="0"/>
+      </a:fillRef>
+      <a:effectRef idx="0">
+        <a:scrgbClr r="0" g="0" b="0"/>
+      </a:effectRef>
+      <a:fontRef idx="minor">
+        <a:schemeClr val="lt1"/>
+      </a:fontRef>
+    </dgm:style>
+  </dgm:styleLbl>
+  <dgm:styleLbl name="parChTrans2D4">
+    <dgm:scene3d>
+      <a:camera prst="orthographicFront"/>
+      <a:lightRig rig="threePt" dir="t"/>
+    </dgm:scene3d>
+    <dgm:sp3d/>
+    <dgm:txPr/>
+    <dgm:style>
+      <a:lnRef idx="2">
+        <a:scrgbClr r="0" g="0" b="0"/>
+      </a:lnRef>
+      <a:fillRef idx="1">
+        <a:scrgbClr r="0" g="0" b="0"/>
+      </a:fillRef>
+      <a:effectRef idx="0">
+        <a:scrgbClr r="0" g="0" b="0"/>
+      </a:effectRef>
+      <a:fontRef idx="minor">
+        <a:schemeClr val="lt1"/>
+      </a:fontRef>
+    </dgm:style>
+  </dgm:styleLbl>
+  <dgm:styleLbl name="parChTrans1D1">
+    <dgm:scene3d>
+      <a:camera prst="orthographicFront"/>
+      <a:lightRig rig="threePt" dir="t"/>
+    </dgm:scene3d>
+    <dgm:sp3d/>
+    <dgm:txPr/>
+    <dgm:style>
+      <a:lnRef idx="2">
+        <a:scrgbClr r="0" g="0" b="0"/>
+      </a:lnRef>
+      <a:fillRef idx="0">
+        <a:scrgbClr r="0" g="0" b="0"/>
+      </a:fillRef>
+      <a:effectRef idx="0">
+        <a:scrgbClr r="0" g="0" b="0"/>
+      </a:effectRef>
+      <a:fontRef idx="minor"/>
+    </dgm:style>
+  </dgm:styleLbl>
+  <dgm:styleLbl name="parChTrans1D2">
+    <dgm:scene3d>
+      <a:camera prst="orthographicFront"/>
+      <a:lightRig rig="threePt" dir="t"/>
+    </dgm:scene3d>
+    <dgm:sp3d/>
+    <dgm:txPr/>
+    <dgm:style>
+      <a:lnRef idx="2">
+        <a:scrgbClr r="0" g="0" b="0"/>
+      </a:lnRef>
+      <a:fillRef idx="0">
+        <a:scrgbClr r="0" g="0" b="0"/>
+      </a:fillRef>
+      <a:effectRef idx="0">
+        <a:scrgbClr r="0" g="0" b="0"/>
+      </a:effectRef>
+      <a:fontRef idx="minor"/>
+    </dgm:style>
+  </dgm:styleLbl>
+  <dgm:styleLbl name="parChTrans1D3">
+    <dgm:scene3d>
+      <a:camera prst="orthographicFront"/>
+      <a:lightRig rig="threePt" dir="t"/>
+    </dgm:scene3d>
+    <dgm:sp3d/>
+    <dgm:txPr/>
+    <dgm:style>
+      <a:lnRef idx="2">
+        <a:scrgbClr r="0" g="0" b="0"/>
+      </a:lnRef>
+      <a:fillRef idx="0">
+        <a:scrgbClr r="0" g="0" b="0"/>
+      </a:fillRef>
+      <a:effectRef idx="0">
+        <a:scrgbClr r="0" g="0" b="0"/>
+      </a:effectRef>
+      <a:fontRef idx="minor"/>
+    </dgm:style>
+  </dgm:styleLbl>
+  <dgm:styleLbl name="parChTrans1D4">
+    <dgm:scene3d>
+      <a:camera prst="orthographicFront"/>
+      <a:lightRig rig="threePt" dir="t"/>
+    </dgm:scene3d>
+    <dgm:sp3d/>
+    <dgm:txPr/>
+    <dgm:style>
+      <a:lnRef idx="2">
+        <a:scrgbClr r="0" g="0" b="0"/>
+      </a:lnRef>
+      <a:fillRef idx="0">
+        <a:scrgbClr r="0" g="0" b="0"/>
+      </a:fillRef>
+      <a:effectRef idx="0">
+        <a:scrgbClr r="0" g="0" b="0"/>
+      </a:effectRef>
+      <a:fontRef idx="minor"/>
+    </dgm:style>
+  </dgm:styleLbl>
+  <dgm:styleLbl name="fgAcc1">
+    <dgm:scene3d>
+      <a:camera prst="orthographicFront"/>
+      <a:lightRig rig="threePt" dir="t"/>
+    </dgm:scene3d>
+    <dgm:sp3d/>
+    <dgm:txPr/>
+    <dgm:style>
+      <a:lnRef idx="2">
+        <a:scrgbClr r="0" g="0" b="0"/>
+      </a:lnRef>
+      <a:fillRef idx="1">
+        <a:scrgbClr r="0" g="0" b="0"/>
+      </a:fillRef>
+      <a:effectRef idx="0">
+        <a:scrgbClr r="0" g="0" b="0"/>
+      </a:effectRef>
+      <a:fontRef idx="minor"/>
+    </dgm:style>
+  </dgm:styleLbl>
+  <dgm:styleLbl name="conFgAcc1">
+    <dgm:scene3d>
+      <a:camera prst="orthographicFront"/>
+      <a:lightRig rig="threePt" dir="t"/>
+    </dgm:scene3d>
+    <dgm:sp3d/>
+    <dgm:txPr/>
+    <dgm:style>
+      <a:lnRef idx="2">
+        <a:scrgbClr r="0" g="0" b="0"/>
+      </a:lnRef>
+      <a:fillRef idx="1">
+        <a:scrgbClr r="0" g="0" b="0"/>
+      </a:fillRef>
+      <a:effectRef idx="0">
+        <a:scrgbClr r="0" g="0" b="0"/>
+      </a:effectRef>
+      <a:fontRef idx="minor"/>
+    </dgm:style>
+  </dgm:styleLbl>
+  <dgm:styleLbl name="alignAcc1">
+    <dgm:scene3d>
+      <a:camera prst="orthographicFront"/>
+      <a:lightRig rig="threePt" dir="t"/>
+    </dgm:scene3d>
+    <dgm:sp3d/>
+    <dgm:txPr/>
+    <dgm:style>
+      <a:lnRef idx="2">
+        <a:scrgbClr r="0" g="0" b="0"/>
+      </a:lnRef>
+      <a:fillRef idx="1">
+        <a:scrgbClr r="0" g="0" b="0"/>
+      </a:fillRef>
+      <a:effectRef idx="0">
+        <a:scrgbClr r="0" g="0" b="0"/>
+      </a:effectRef>
+      <a:fontRef idx="minor"/>
+    </dgm:style>
+  </dgm:styleLbl>
+  <dgm:styleLbl name="trAlignAcc1">
+    <dgm:scene3d>
+      <a:camera prst="orthographicFront"/>
+      <a:lightRig rig="threePt" dir="t"/>
+    </dgm:scene3d>
+    <dgm:sp3d/>
+    <dgm:txPr/>
+    <dgm:style>
+      <a:lnRef idx="1">
+        <a:scrgbClr r="0" g="0" b="0"/>
+      </a:lnRef>
+      <a:fillRef idx="1">
+        <a:scrgbClr r="0" g="0" b="0"/>
+      </a:fillRef>
+      <a:effectRef idx="0">
+        <a:scrgbClr r="0" g="0" b="0"/>
+      </a:effectRef>
+      <a:fontRef idx="minor"/>
+    </dgm:style>
+  </dgm:styleLbl>
+  <dgm:styleLbl name="bgAcc1">
+    <dgm:scene3d>
+      <a:camera prst="orthographicFront"/>
+      <a:lightRig rig="threePt" dir="t"/>
+    </dgm:scene3d>
+    <dgm:sp3d/>
+    <dgm:txPr/>
+    <dgm:style>
+      <a:lnRef idx="2">
+        <a:scrgbClr r="0" g="0" b="0"/>
+      </a:lnRef>
+      <a:fillRef idx="1">
+        <a:scrgbClr r="0" g="0" b="0"/>
+      </a:fillRef>
+      <a:effectRef idx="0">
+        <a:scrgbClr r="0" g="0" b="0"/>
+      </a:effectRef>
+      <a:fontRef idx="minor"/>
+    </dgm:style>
+  </dgm:styleLbl>
+  <dgm:styleLbl name="solidFgAcc1">
+    <dgm:scene3d>
+      <a:camera prst="orthographicFront"/>
+      <a:lightRig rig="threePt" dir="t"/>
+    </dgm:scene3d>
+    <dgm:sp3d/>
+    <dgm:txPr/>
+    <dgm:style>
+      <a:lnRef idx="2">
+        <a:scrgbClr r="0" g="0" b="0"/>
+      </a:lnRef>
+      <a:fillRef idx="1">
+        <a:scrgbClr r="0" g="0" b="0"/>
+      </a:fillRef>
+      <a:effectRef idx="0">
+        <a:scrgbClr r="0" g="0" b="0"/>
+      </a:effectRef>
+      <a:fontRef idx="minor"/>
+    </dgm:style>
+  </dgm:styleLbl>
+  <dgm:styleLbl name="solidAlignAcc1">
+    <dgm:scene3d>
+      <a:camera prst="orthographicFront"/>
+      <a:lightRig rig="threePt" dir="t"/>
+    </dgm:scene3d>
+    <dgm:sp3d/>
+    <dgm:txPr/>
+    <dgm:style>
+      <a:lnRef idx="2">
+        <a:scrgbClr r="0" g="0" b="0"/>
+      </a:lnRef>
+      <a:fillRef idx="1">
+        <a:scrgbClr r="0" g="0" b="0"/>
+      </a:fillRef>
+      <a:effectRef idx="0">
+        <a:scrgbClr r="0" g="0" b="0"/>
+      </a:effectRef>
+      <a:fontRef idx="minor"/>
+    </dgm:style>
+  </dgm:styleLbl>
+  <dgm:styleLbl name="solidBgAcc1">
+    <dgm:scene3d>
+      <a:camera prst="orthographicFront"/>
+      <a:lightRig rig="threePt" dir="t"/>
+    </dgm:scene3d>
+    <dgm:sp3d/>
+    <dgm:txPr/>
+    <dgm:style>
+      <a:lnRef idx="2">
+        <a:scrgbClr r="0" g="0" b="0"/>
+      </a:lnRef>
+      <a:fillRef idx="1">
+        <a:scrgbClr r="0" g="0" b="0"/>
+      </a:fillRef>
+      <a:effectRef idx="0">
+        <a:scrgbClr r="0" g="0" b="0"/>
+      </a:effectRef>
+      <a:fontRef idx="minor"/>
+    </dgm:style>
+  </dgm:styleLbl>
+  <dgm:styleLbl name="fgAccFollowNode1">
+    <dgm:scene3d>
+      <a:camera prst="orthographicFront"/>
+      <a:lightRig rig="threePt" dir="t"/>
+    </dgm:scene3d>
+    <dgm:sp3d/>
+    <dgm:txPr/>
+    <dgm:style>
+      <a:lnRef idx="2">
+        <a:scrgbClr r="0" g="0" b="0"/>
+      </a:lnRef>
+      <a:fillRef idx="1">
+        <a:scrgbClr r="0" g="0" b="0"/>
+      </a:fillRef>
+      <a:effectRef idx="0">
+        <a:scrgbClr r="0" g="0" b="0"/>
+      </a:effectRef>
+      <a:fontRef idx="minor"/>
+    </dgm:style>
+  </dgm:styleLbl>
+  <dgm:styleLbl name="alignAccFollowNode1">
+    <dgm:scene3d>
+      <a:camera prst="orthographicFront"/>
+      <a:lightRig rig="threePt" dir="t"/>
+    </dgm:scene3d>
+    <dgm:sp3d/>
+    <dgm:txPr/>
+    <dgm:style>
+      <a:lnRef idx="2">
+        <a:scrgbClr r="0" g="0" b="0"/>
+      </a:lnRef>
+      <a:fillRef idx="1">
+        <a:scrgbClr r="0" g="0" b="0"/>
+      </a:fillRef>
+      <a:effectRef idx="0">
+        <a:scrgbClr r="0" g="0" b="0"/>
+      </a:effectRef>
+      <a:fontRef idx="minor"/>
+    </dgm:style>
+  </dgm:styleLbl>
+  <dgm:styleLbl name="bgAccFollowNode1">
+    <dgm:scene3d>
+      <a:camera prst="orthographicFront"/>
+      <a:lightRig rig="threePt" dir="t"/>
+    </dgm:scene3d>
+    <dgm:sp3d/>
+    <dgm:txPr/>
+    <dgm:style>
+      <a:lnRef idx="2">
+        <a:scrgbClr r="0" g="0" b="0"/>
+      </a:lnRef>
+      <a:fillRef idx="1">
+        <a:scrgbClr r="0" g="0" b="0"/>
+      </a:fillRef>
+      <a:effectRef idx="0">
+        <a:scrgbClr r="0" g="0" b="0"/>
+      </a:effectRef>
+      <a:fontRef idx="minor"/>
+    </dgm:style>
+  </dgm:styleLbl>
+  <dgm:styleLbl name="fgAcc0">
+    <dgm:scene3d>
+      <a:camera prst="orthographicFront"/>
+      <a:lightRig rig="threePt" dir="t"/>
+    </dgm:scene3d>
+    <dgm:sp3d/>
+    <dgm:txPr/>
+    <dgm:style>
+      <a:lnRef idx="2">
+        <a:scrgbClr r="0" g="0" b="0"/>
+      </a:lnRef>
+      <a:fillRef idx="1">
+        <a:scrgbClr r="0" g="0" b="0"/>
+      </a:fillRef>
+      <a:effectRef idx="0">
+        <a:scrgbClr r="0" g="0" b="0"/>
+      </a:effectRef>
+      <a:fontRef idx="minor"/>
+    </dgm:style>
+  </dgm:styleLbl>
+  <dgm:styleLbl name="fgAcc2">
+    <dgm:scene3d>
+      <a:camera prst="orthographicFront"/>
+      <a:lightRig rig="threePt" dir="t"/>
+    </dgm:scene3d>
+    <dgm:sp3d/>
+    <dgm:txPr/>
+    <dgm:style>
+      <a:lnRef idx="2">
+        <a:scrgbClr r="0" g="0" b="0"/>
+      </a:lnRef>
+      <a:fillRef idx="1">
+        <a:scrgbClr r="0" g="0" b="0"/>
+      </a:fillRef>
+      <a:effectRef idx="0">
+        <a:scrgbClr r="0" g="0" b="0"/>
+      </a:effectRef>
+      <a:fontRef idx="minor"/>
+    </dgm:style>
+  </dgm:styleLbl>
+  <dgm:styleLbl name="fgAcc3">
+    <dgm:scene3d>
+      <a:camera prst="orthographicFront"/>
+      <a:lightRig rig="threePt" dir="t"/>
+    </dgm:scene3d>
+    <dgm:sp3d/>
+    <dgm:txPr/>
+    <dgm:style>
+      <a:lnRef idx="2">
+        <a:scrgbClr r="0" g="0" b="0"/>
+      </a:lnRef>
+      <a:fillRef idx="1">
+        <a:scrgbClr r="0" g="0" b="0"/>
+      </a:fillRef>
+      <a:effectRef idx="0">
+        <a:scrgbClr r="0" g="0" b="0"/>
+      </a:effectRef>
+      <a:fontRef idx="minor"/>
+    </dgm:style>
+  </dgm:styleLbl>
+  <dgm:styleLbl name="fgAcc4">
+    <dgm:scene3d>
+      <a:camera prst="orthographicFront"/>
+      <a:lightRig rig="threePt" dir="t"/>
+    </dgm:scene3d>
+    <dgm:sp3d/>
+    <dgm:txPr/>
+    <dgm:style>
+      <a:lnRef idx="2">
+        <a:scrgbClr r="0" g="0" b="0"/>
+      </a:lnRef>
+      <a:fillRef idx="1">
+        <a:scrgbClr r="0" g="0" b="0"/>
+      </a:fillRef>
+      <a:effectRef idx="0">
+        <a:scrgbClr r="0" g="0" b="0"/>
+      </a:effectRef>
+      <a:fontRef idx="minor"/>
+    </dgm:style>
+  </dgm:styleLbl>
+  <dgm:styleLbl name="bgShp">
+    <dgm:scene3d>
+      <a:camera prst="orthographicFront"/>
+      <a:lightRig rig="threePt" dir="t"/>
+    </dgm:scene3d>
+    <dgm:sp3d/>
+    <dgm:txPr/>
+    <dgm:style>
+      <a:lnRef idx="0">
+        <a:scrgbClr r="0" g="0" b="0"/>
+      </a:lnRef>
+      <a:fillRef idx="1">
+        <a:scrgbClr r="0" g="0" b="0"/>
+      </a:fillRef>
+      <a:effectRef idx="0">
+        <a:scrgbClr r="0" g="0" b="0"/>
+      </a:effectRef>
+      <a:fontRef idx="minor"/>
+    </dgm:style>
+  </dgm:styleLbl>
+  <dgm:styleLbl name="dkBgShp">
+    <dgm:scene3d>
+      <a:camera prst="orthographicFront"/>
+      <a:lightRig rig="threePt" dir="t"/>
+    </dgm:scene3d>
+    <dgm:sp3d/>
+    <dgm:txPr/>
+    <dgm:style>
+      <a:lnRef idx="0">
+        <a:scrgbClr r="0" g="0" b="0"/>
+      </a:lnRef>
+      <a:fillRef idx="1">
+        <a:scrgbClr r="0" g="0" b="0"/>
+      </a:fillRef>
+      <a:effectRef idx="0">
+        <a:scrgbClr r="0" g="0" b="0"/>
+      </a:effectRef>
+      <a:fontRef idx="minor"/>
+    </dgm:style>
+  </dgm:styleLbl>
+  <dgm:styleLbl name="trBgShp">
+    <dgm:scene3d>
+      <a:camera prst="orthographicFront"/>
+      <a:lightRig rig="threePt" dir="t"/>
+    </dgm:scene3d>
+    <dgm:sp3d/>
+    <dgm:txPr/>
+    <dgm:style>
+      <a:lnRef idx="0">
+        <a:scrgbClr r="0" g="0" b="0"/>
+      </a:lnRef>
+      <a:fillRef idx="1">
+        <a:scrgbClr r="0" g="0" b="0"/>
+      </a:fillRef>
+      <a:effectRef idx="0">
+        <a:scrgbClr r="0" g="0" b="0"/>
+      </a:effectRef>
+      <a:fontRef idx="minor"/>
+    </dgm:style>
+  </dgm:styleLbl>
+  <dgm:styleLbl name="fgShp">
+    <dgm:scene3d>
+      <a:camera prst="orthographicFront"/>
+      <a:lightRig rig="threePt" dir="t"/>
+    </dgm:scene3d>
+    <dgm:sp3d/>
+    <dgm:txPr/>
+    <dgm:style>
+      <a:lnRef idx="2">
+        <a:scrgbClr r="0" g="0" b="0"/>
+      </a:lnRef>
+      <a:fillRef idx="1">
+        <a:scrgbClr r="0" g="0" b="0"/>
+      </a:fillRef>
+      <a:effectRef idx="0">
+        <a:scrgbClr r="0" g="0" b="0"/>
+      </a:effectRef>
+      <a:fontRef idx="minor"/>
+    </dgm:style>
+  </dgm:styleLbl>
+  <dgm:styleLbl name="revTx">
+    <dgm:scene3d>
+      <a:camera prst="orthographicFront"/>
+      <a:lightRig rig="threePt" dir="t"/>
+    </dgm:scene3d>
+    <dgm:sp3d/>
+    <dgm:txPr/>
+    <dgm:style>
+      <a:lnRef idx="0">
+        <a:scrgbClr r="0" g="0" b="0"/>
+      </a:lnRef>
+      <a:fillRef idx="0">
+        <a:scrgbClr r="0" g="0" b="0"/>
+      </a:fillRef>
+      <a:effectRef idx="0">
+        <a:scrgbClr r="0" g="0" b="0"/>
+      </a:effectRef>
+      <a:fontRef idx="minor"/>
+    </dgm:style>
+  </dgm:styleLbl>
+</dgm:styleDef>
+</file>
+
+<file path=ppt/diagrams/quickStyle2.xml><?xml version="1.0" encoding="utf-8"?>
+<dgm:styleDef xmlns:dgm="http://schemas.openxmlformats.org/drawingml/2006/diagram" xmlns:a="http://schemas.openxmlformats.org/drawingml/2006/main" uniqueId="urn:microsoft.com/office/officeart/2005/8/quickstyle/simple1">
+  <dgm:title val=""/>
+  <dgm:desc val=""/>
+  <dgm:catLst>
+    <dgm:cat type="simple" pri="10100"/>
+  </dgm:catLst>
+  <dgm:scene3d>
+    <a:camera prst="orthographicFront"/>
+    <a:lightRig rig="threePt" dir="t"/>
+  </dgm:scene3d>
+  <dgm:styleLbl name="node0">
+    <dgm:scene3d>
+      <a:camera prst="orthographicFront"/>
+      <a:lightRig rig="threePt" dir="t"/>
+    </dgm:scene3d>
+    <dgm:sp3d/>
+    <dgm:txPr/>
+    <dgm:style>
+      <a:lnRef idx="2">
+        <a:scrgbClr r="0" g="0" b="0"/>
+      </a:lnRef>
+      <a:fillRef idx="1">
+        <a:scrgbClr r="0" g="0" b="0"/>
+      </a:fillRef>
+      <a:effectRef idx="0">
+        <a:scrgbClr r="0" g="0" b="0"/>
+      </a:effectRef>
+      <a:fontRef idx="minor">
+        <a:schemeClr val="lt1"/>
+      </a:fontRef>
+    </dgm:style>
+  </dgm:styleLbl>
+  <dgm:styleLbl name="lnNode1">
+    <dgm:scene3d>
+      <a:camera prst="orthographicFront"/>
+      <a:lightRig rig="threePt" dir="t"/>
+    </dgm:scene3d>
+    <dgm:sp3d/>
+    <dgm:txPr/>
+    <dgm:style>
+      <a:lnRef idx="2">
+        <a:scrgbClr r="0" g="0" b="0"/>
+      </a:lnRef>
+      <a:fillRef idx="1">
+        <a:scrgbClr r="0" g="0" b="0"/>
+      </a:fillRef>
+      <a:effectRef idx="0">
+        <a:scrgbClr r="0" g="0" b="0"/>
+      </a:effectRef>
+      <a:fontRef idx="minor">
+        <a:schemeClr val="lt1"/>
+      </a:fontRef>
+    </dgm:style>
+  </dgm:styleLbl>
+  <dgm:styleLbl name="vennNode1">
+    <dgm:scene3d>
+      <a:camera prst="orthographicFront"/>
+      <a:lightRig rig="threePt" dir="t"/>
+    </dgm:scene3d>
+    <dgm:sp3d/>
+    <dgm:txPr/>
+    <dgm:style>
+      <a:lnRef idx="2">
+        <a:scrgbClr r="0" g="0" b="0"/>
+      </a:lnRef>
+      <a:fillRef idx="1">
+        <a:scrgbClr r="0" g="0" b="0"/>
+      </a:fillRef>
+      <a:effectRef idx="0">
+        <a:scrgbClr r="0" g="0" b="0"/>
+      </a:effectRef>
+      <a:fontRef idx="minor">
+        <a:schemeClr val="tx1"/>
+      </a:fontRef>
+    </dgm:style>
+  </dgm:styleLbl>
+  <dgm:styleLbl name="alignNode1">
+    <dgm:scene3d>
+      <a:camera prst="orthographicFront"/>
+      <a:lightRig rig="threePt" dir="t"/>
+    </dgm:scene3d>
+    <dgm:sp3d/>
+    <dgm:txPr/>
+    <dgm:style>
+      <a:lnRef idx="2">
+        <a:scrgbClr r="0" g="0" b="0"/>
+      </a:lnRef>
+      <a:fillRef idx="1">
+        <a:scrgbClr r="0" g="0" b="0"/>
+      </a:fillRef>
+      <a:effectRef idx="0">
+        <a:scrgbClr r="0" g="0" b="0"/>
+      </a:effectRef>
+      <a:fontRef idx="minor">
+        <a:schemeClr val="lt1"/>
+      </a:fontRef>
+    </dgm:style>
+  </dgm:styleLbl>
+  <dgm:styleLbl name="node1">
+    <dgm:scene3d>
+      <a:camera prst="orthographicFront"/>
+      <a:lightRig rig="threePt" dir="t"/>
+    </dgm:scene3d>
+    <dgm:sp3d/>
+    <dgm:txPr/>
+    <dgm:style>
+      <a:lnRef idx="2">
+        <a:scrgbClr r="0" g="0" b="0"/>
+      </a:lnRef>
+      <a:fillRef idx="1">
+        <a:scrgbClr r="0" g="0" b="0"/>
+      </a:fillRef>
+      <a:effectRef idx="0">
+        <a:scrgbClr r="0" g="0" b="0"/>
+      </a:effectRef>
+      <a:fontRef idx="minor">
+        <a:schemeClr val="lt1"/>
+      </a:fontRef>
+    </dgm:style>
+  </dgm:styleLbl>
+  <dgm:styleLbl name="node2">
+    <dgm:scene3d>
+      <a:camera prst="orthographicFront"/>
+      <a:lightRig rig="threePt" dir="t"/>
+    </dgm:scene3d>
+    <dgm:sp3d/>
+    <dgm:txPr/>
+    <dgm:style>
+      <a:lnRef idx="2">
+        <a:scrgbClr r="0" g="0" b="0"/>
+      </a:lnRef>
+      <a:fillRef idx="1">
+        <a:scrgbClr r="0" g="0" b="0"/>
+      </a:fillRef>
+      <a:effectRef idx="0">
+        <a:scrgbClr r="0" g="0" b="0"/>
+      </a:effectRef>
+      <a:fontRef idx="minor">
+        <a:schemeClr val="lt1"/>
+      </a:fontRef>
+    </dgm:style>
+  </dgm:styleLbl>
+  <dgm:styleLbl name="node3">
+    <dgm:scene3d>
+      <a:camera prst="orthographicFront"/>
+      <a:lightRig rig="threePt" dir="t"/>
+    </dgm:scene3d>
+    <dgm:sp3d/>
+    <dgm:txPr/>
+    <dgm:style>
+      <a:lnRef idx="2">
+        <a:scrgbClr r="0" g="0" b="0"/>
+      </a:lnRef>
+      <a:fillRef idx="1">
+        <a:scrgbClr r="0" g="0" b="0"/>
+      </a:fillRef>
+      <a:effectRef idx="0">
+        <a:scrgbClr r="0" g="0" b="0"/>
+      </a:effectRef>
+      <a:fontRef idx="minor">
+        <a:schemeClr val="lt1"/>
+      </a:fontRef>
+    </dgm:style>
+  </dgm:styleLbl>
+  <dgm:styleLbl name="node4">
+    <dgm:scene3d>
+      <a:camera prst="orthographicFront"/>
+      <a:lightRig rig="threePt" dir="t"/>
+    </dgm:scene3d>
+    <dgm:sp3d/>
+    <dgm:txPr/>
+    <dgm:style>
+      <a:lnRef idx="2">
+        <a:scrgbClr r="0" g="0" b="0"/>
+      </a:lnRef>
+      <a:fillRef idx="1">
+        <a:scrgbClr r="0" g="0" b="0"/>
+      </a:fillRef>
+      <a:effectRef idx="0">
+        <a:scrgbClr r="0" g="0" b="0"/>
+      </a:effectRef>
+      <a:fontRef idx="minor">
+        <a:schemeClr val="lt1"/>
+      </a:fontRef>
+    </dgm:style>
+  </dgm:styleLbl>
+  <dgm:styleLbl name="fgImgPlace1">
+    <dgm:scene3d>
+      <a:camera prst="orthographicFront"/>
+      <a:lightRig rig="threePt" dir="t"/>
+    </dgm:scene3d>
+    <dgm:sp3d/>
+    <dgm:txPr/>
+    <dgm:style>
+      <a:lnRef idx="2">
+        <a:scrgbClr r="0" g="0" b="0"/>
+      </a:lnRef>
+      <a:fillRef idx="1">
+        <a:scrgbClr r="0" g="0" b="0"/>
+      </a:fillRef>
+      <a:effectRef idx="0">
+        <a:scrgbClr r="0" g="0" b="0"/>
+      </a:effectRef>
+      <a:fontRef idx="minor"/>
+    </dgm:style>
+  </dgm:styleLbl>
+  <dgm:styleLbl name="alignImgPlace1">
+    <dgm:scene3d>
+      <a:camera prst="orthographicFront"/>
+      <a:lightRig rig="threePt" dir="t"/>
+    </dgm:scene3d>
+    <dgm:sp3d/>
+    <dgm:txPr/>
+    <dgm:style>
+      <a:lnRef idx="2">
+        <a:scrgbClr r="0" g="0" b="0"/>
+      </a:lnRef>
+      <a:fillRef idx="1">
+        <a:scrgbClr r="0" g="0" b="0"/>
+      </a:fillRef>
+      <a:effectRef idx="0">
+        <a:scrgbClr r="0" g="0" b="0"/>
+      </a:effectRef>
+      <a:fontRef idx="minor"/>
+    </dgm:style>
+  </dgm:styleLbl>
+  <dgm:styleLbl name="bgImgPlace1">
+    <dgm:scene3d>
+      <a:camera prst="orthographicFront"/>
+      <a:lightRig rig="threePt" dir="t"/>
+    </dgm:scene3d>
+    <dgm:sp3d/>
+    <dgm:txPr/>
+    <dgm:style>
+      <a:lnRef idx="2">
+        <a:scrgbClr r="0" g="0" b="0"/>
+      </a:lnRef>
+      <a:fillRef idx="1">
+        <a:scrgbClr r="0" g="0" b="0"/>
+      </a:fillRef>
+      <a:effectRef idx="0">
+        <a:scrgbClr r="0" g="0" b="0"/>
+      </a:effectRef>
+      <a:fontRef idx="minor"/>
+    </dgm:style>
+  </dgm:styleLbl>
+  <dgm:styleLbl name="sibTrans2D1">
+    <dgm:scene3d>
+      <a:camera prst="orthographicFront"/>
+      <a:lightRig rig="threePt" dir="t"/>
+    </dgm:scene3d>
+    <dgm:sp3d/>
+    <dgm:txPr/>
+    <dgm:style>
+      <a:lnRef idx="0">
+        <a:scrgbClr r="0" g="0" b="0"/>
+      </a:lnRef>
+      <a:fillRef idx="1">
+        <a:scrgbClr r="0" g="0" b="0"/>
+      </a:fillRef>
+      <a:effectRef idx="0">
+        <a:scrgbClr r="0" g="0" b="0"/>
+      </a:effectRef>
+      <a:fontRef idx="minor">
+        <a:schemeClr val="lt1"/>
+      </a:fontRef>
+    </dgm:style>
+  </dgm:styleLbl>
+  <dgm:styleLbl name="fgSibTrans2D1">
+    <dgm:scene3d>
+      <a:camera prst="orthographicFront"/>
+      <a:lightRig rig="threePt" dir="t"/>
+    </dgm:scene3d>
+    <dgm:sp3d/>
+    <dgm:txPr/>
+    <dgm:style>
+      <a:lnRef idx="0">
+        <a:scrgbClr r="0" g="0" b="0"/>
+      </a:lnRef>
+      <a:fillRef idx="1">
+        <a:scrgbClr r="0" g="0" b="0"/>
+      </a:fillRef>
+      <a:effectRef idx="0">
+        <a:scrgbClr r="0" g="0" b="0"/>
+      </a:effectRef>
+      <a:fontRef idx="minor">
+        <a:schemeClr val="lt1"/>
+      </a:fontRef>
+    </dgm:style>
+  </dgm:styleLbl>
+  <dgm:styleLbl name="bgSibTrans2D1">
+    <dgm:scene3d>
+      <a:camera prst="orthographicFront"/>
+      <a:lightRig rig="threePt" dir="t"/>
+    </dgm:scene3d>
+    <dgm:sp3d/>
+    <dgm:txPr/>
+    <dgm:style>
+      <a:lnRef idx="0">
+        <a:scrgbClr r="0" g="0" b="0"/>
+      </a:lnRef>
+      <a:fillRef idx="1">
+        <a:scrgbClr r="0" g="0" b="0"/>
+      </a:fillRef>
+      <a:effectRef idx="0">
+        <a:scrgbClr r="0" g="0" b="0"/>
+      </a:effectRef>
+      <a:fontRef idx="minor">
+        <a:schemeClr val="lt1"/>
+      </a:fontRef>
+    </dgm:style>
+  </dgm:styleLbl>
+  <dgm:styleLbl name="sibTrans1D1">
+    <dgm:scene3d>
+      <a:camera prst="orthographicFront"/>
+      <a:lightRig rig="threePt" dir="t"/>
+    </dgm:scene3d>
+    <dgm:sp3d/>
+    <dgm:txPr/>
+    <dgm:style>
+      <a:lnRef idx="1">
+        <a:scrgbClr r="0" g="0" b="0"/>
+      </a:lnRef>
+      <a:fillRef idx="0">
+        <a:scrgbClr r="0" g="0" b="0"/>
+      </a:fillRef>
+      <a:effectRef idx="0">
+        <a:scrgbClr r="0" g="0" b="0"/>
+      </a:effectRef>
+      <a:fontRef idx="minor"/>
+    </dgm:style>
+  </dgm:styleLbl>
+  <dgm:styleLbl name="callout">
+    <dgm:scene3d>
+      <a:camera prst="orthographicFront"/>
+      <a:lightRig rig="threePt" dir="t"/>
+    </dgm:scene3d>
+    <dgm:sp3d/>
+    <dgm:txPr/>
+    <dgm:style>
+      <a:lnRef idx="2">
+        <a:scrgbClr r="0" g="0" b="0"/>
+      </a:lnRef>
+      <a:fillRef idx="1">
+        <a:scrgbClr r="0" g="0" b="0"/>
+      </a:fillRef>
+      <a:effectRef idx="0">
+        <a:scrgbClr r="0" g="0" b="0"/>
+      </a:effectRef>
+      <a:fontRef idx="minor"/>
+    </dgm:style>
+  </dgm:styleLbl>
+  <dgm:styleLbl name="asst0">
+    <dgm:scene3d>
+      <a:camera prst="orthographicFront"/>
+      <a:lightRig rig="threePt" dir="t"/>
+    </dgm:scene3d>
+    <dgm:sp3d/>
+    <dgm:txPr/>
+    <dgm:style>
+      <a:lnRef idx="2">
+        <a:scrgbClr r="0" g="0" b="0"/>
+      </a:lnRef>
+      <a:fillRef idx="1">
+        <a:scrgbClr r="0" g="0" b="0"/>
+      </a:fillRef>
+      <a:effectRef idx="0">
+        <a:scrgbClr r="0" g="0" b="0"/>
+      </a:effectRef>
+      <a:fontRef idx="minor">
+        <a:schemeClr val="lt1"/>
+      </a:fontRef>
+    </dgm:style>
+  </dgm:styleLbl>
+  <dgm:styleLbl name="asst1">
+    <dgm:scene3d>
+      <a:camera prst="orthographicFront"/>
+      <a:lightRig rig="threePt" dir="t"/>
+    </dgm:scene3d>
+    <dgm:sp3d/>
+    <dgm:txPr/>
+    <dgm:style>
+      <a:lnRef idx="2">
+        <a:scrgbClr r="0" g="0" b="0"/>
+      </a:lnRef>
+      <a:fillRef idx="1">
+        <a:scrgbClr r="0" g="0" b="0"/>
+      </a:fillRef>
+      <a:effectRef idx="0">
+        <a:scrgbClr r="0" g="0" b="0"/>
+      </a:effectRef>
+      <a:fontRef idx="minor">
+        <a:schemeClr val="lt1"/>
+      </a:fontRef>
+    </dgm:style>
+  </dgm:styleLbl>
+  <dgm:styleLbl name="asst2">
+    <dgm:scene3d>
+      <a:camera prst="orthographicFront"/>
+      <a:lightRig rig="threePt" dir="t"/>
+    </dgm:scene3d>
+    <dgm:sp3d/>
+    <dgm:txPr/>
+    <dgm:style>
+      <a:lnRef idx="2">
+        <a:scrgbClr r="0" g="0" b="0"/>
+      </a:lnRef>
+      <a:fillRef idx="1">
+        <a:scrgbClr r="0" g="0" b="0"/>
+      </a:fillRef>
+      <a:effectRef idx="0">
+        <a:scrgbClr r="0" g="0" b="0"/>
+      </a:effectRef>
+      <a:fontRef idx="minor">
+        <a:schemeClr val="lt1"/>
+      </a:fontRef>
+    </dgm:style>
+  </dgm:styleLbl>
+  <dgm:styleLbl name="asst3">
+    <dgm:scene3d>
+      <a:camera prst="orthographicFront"/>
+      <a:lightRig rig="threePt" dir="t"/>
+    </dgm:scene3d>
+    <dgm:sp3d/>
+    <dgm:txPr/>
+    <dgm:style>
+      <a:lnRef idx="2">
+        <a:scrgbClr r="0" g="0" b="0"/>
+      </a:lnRef>
+      <a:fillRef idx="1">
+        <a:scrgbClr r="0" g="0" b="0"/>
+      </a:fillRef>
+      <a:effectRef idx="0">
+        <a:scrgbClr r="0" g="0" b="0"/>
+      </a:effectRef>
+      <a:fontRef idx="minor">
+        <a:schemeClr val="lt1"/>
+      </a:fontRef>
+    </dgm:style>
+  </dgm:styleLbl>
+  <dgm:styleLbl name="asst4">
+    <dgm:scene3d>
+      <a:camera prst="orthographicFront"/>
+      <a:lightRig rig="threePt" dir="t"/>
+    </dgm:scene3d>
+    <dgm:sp3d/>
+    <dgm:txPr/>
+    <dgm:style>
+      <a:lnRef idx="2">
+        <a:scrgbClr r="0" g="0" b="0"/>
+      </a:lnRef>
+      <a:fillRef idx="1">
+        <a:scrgbClr r="0" g="0" b="0"/>
+      </a:fillRef>
+      <a:effectRef idx="0">
+        <a:scrgbClr r="0" g="0" b="0"/>
+      </a:effectRef>
+      <a:fontRef idx="minor">
+        <a:schemeClr val="lt1"/>
+      </a:fontRef>
+    </dgm:style>
+  </dgm:styleLbl>
+  <dgm:styleLbl name="parChTrans2D1">
+    <dgm:scene3d>
+      <a:camera prst="orthographicFront"/>
+      <a:lightRig rig="threePt" dir="t"/>
+    </dgm:scene3d>
+    <dgm:sp3d/>
+    <dgm:txPr/>
+    <dgm:style>
+      <a:lnRef idx="2">
+        <a:scrgbClr r="0" g="0" b="0"/>
+      </a:lnRef>
+      <a:fillRef idx="1">
+        <a:scrgbClr r="0" g="0" b="0"/>
+      </a:fillRef>
+      <a:effectRef idx="0">
+        <a:scrgbClr r="0" g="0" b="0"/>
+      </a:effectRef>
+      <a:fontRef idx="minor">
+        <a:schemeClr val="lt1"/>
+      </a:fontRef>
+    </dgm:style>
+  </dgm:styleLbl>
+  <dgm:styleLbl name="parChTrans2D2">
+    <dgm:scene3d>
+      <a:camera prst="orthographicFront"/>
+      <a:lightRig rig="threePt" dir="t"/>
+    </dgm:scene3d>
+    <dgm:sp3d/>
+    <dgm:txPr/>
+    <dgm:style>
+      <a:lnRef idx="2">
+        <a:scrgbClr r="0" g="0" b="0"/>
+      </a:lnRef>
+      <a:fillRef idx="1">
+        <a:scrgbClr r="0" g="0" b="0"/>
+      </a:fillRef>
+      <a:effectRef idx="0">
+        <a:scrgbClr r="0" g="0" b="0"/>
+      </a:effectRef>
+      <a:fontRef idx="minor">
+        <a:schemeClr val="lt1"/>
+      </a:fontRef>
+    </dgm:style>
+  </dgm:styleLbl>
+  <dgm:styleLbl name="parChTrans2D3">
+    <dgm:scene3d>
+      <a:camera prst="orthographicFront"/>
+      <a:lightRig rig="threePt" dir="t"/>
+    </dgm:scene3d>
+    <dgm:sp3d/>
+    <dgm:txPr/>
+    <dgm:style>
+      <a:lnRef idx="2">
+        <a:scrgbClr r="0" g="0" b="0"/>
+      </a:lnRef>
+      <a:fillRef idx="1">
+        <a:scrgbClr r="0" g="0" b="0"/>
+      </a:fillRef>
+      <a:effectRef idx="0">
+        <a:scrgbClr r="0" g="0" b="0"/>
+      </a:effectRef>
+      <a:fontRef idx="minor">
+        <a:schemeClr val="lt1"/>
+      </a:fontRef>
+    </dgm:style>
+  </dgm:styleLbl>
+  <dgm:styleLbl name="parChTrans2D4">
+    <dgm:scene3d>
+      <a:camera prst="orthographicFront"/>
+      <a:lightRig rig="threePt" dir="t"/>
+    </dgm:scene3d>
+    <dgm:sp3d/>
+    <dgm:txPr/>
+    <dgm:style>
+      <a:lnRef idx="2">
+        <a:scrgbClr r="0" g="0" b="0"/>
+      </a:lnRef>
+      <a:fillRef idx="1">
+        <a:scrgbClr r="0" g="0" b="0"/>
+      </a:fillRef>
+      <a:effectRef idx="0">
+        <a:scrgbClr r="0" g="0" b="0"/>
+      </a:effectRef>
+      <a:fontRef idx="minor">
+        <a:schemeClr val="lt1"/>
+      </a:fontRef>
+    </dgm:style>
+  </dgm:styleLbl>
+  <dgm:styleLbl name="parChTrans1D1">
+    <dgm:scene3d>
+      <a:camera prst="orthographicFront"/>
+      <a:lightRig rig="threePt" dir="t"/>
+    </dgm:scene3d>
+    <dgm:sp3d/>
+    <dgm:txPr/>
+    <dgm:style>
+      <a:lnRef idx="2">
+        <a:scrgbClr r="0" g="0" b="0"/>
+      </a:lnRef>
+      <a:fillRef idx="0">
+        <a:scrgbClr r="0" g="0" b="0"/>
+      </a:fillRef>
+      <a:effectRef idx="0">
+        <a:scrgbClr r="0" g="0" b="0"/>
+      </a:effectRef>
+      <a:fontRef idx="minor"/>
+    </dgm:style>
+  </dgm:styleLbl>
+  <dgm:styleLbl name="parChTrans1D2">
+    <dgm:scene3d>
+      <a:camera prst="orthographicFront"/>
+      <a:lightRig rig="threePt" dir="t"/>
+    </dgm:scene3d>
+    <dgm:sp3d/>
+    <dgm:txPr/>
+    <dgm:style>
+      <a:lnRef idx="2">
+        <a:scrgbClr r="0" g="0" b="0"/>
+      </a:lnRef>
+      <a:fillRef idx="0">
+        <a:scrgbClr r="0" g="0" b="0"/>
+      </a:fillRef>
+      <a:effectRef idx="0">
+        <a:scrgbClr r="0" g="0" b="0"/>
+      </a:effectRef>
+      <a:fontRef idx="minor"/>
+    </dgm:style>
+  </dgm:styleLbl>
+  <dgm:styleLbl name="parChTrans1D3">
+    <dgm:scene3d>
+      <a:camera prst="orthographicFront"/>
+      <a:lightRig rig="threePt" dir="t"/>
+    </dgm:scene3d>
+    <dgm:sp3d/>
+    <dgm:txPr/>
+    <dgm:style>
+      <a:lnRef idx="2">
+        <a:scrgbClr r="0" g="0" b="0"/>
+      </a:lnRef>
+      <a:fillRef idx="0">
+        <a:scrgbClr r="0" g="0" b="0"/>
+      </a:fillRef>
+      <a:effectRef idx="0">
+        <a:scrgbClr r="0" g="0" b="0"/>
+      </a:effectRef>
+      <a:fontRef idx="minor"/>
+    </dgm:style>
+  </dgm:styleLbl>
+  <dgm:styleLbl name="parChTrans1D4">
+    <dgm:scene3d>
+      <a:camera prst="orthographicFront"/>
+      <a:lightRig rig="threePt" dir="t"/>
+    </dgm:scene3d>
+    <dgm:sp3d/>
+    <dgm:txPr/>
+    <dgm:style>
+      <a:lnRef idx="2">
+        <a:scrgbClr r="0" g="0" b="0"/>
+      </a:lnRef>
+      <a:fillRef idx="0">
+        <a:scrgbClr r="0" g="0" b="0"/>
+      </a:fillRef>
+      <a:effectRef idx="0">
+        <a:scrgbClr r="0" g="0" b="0"/>
+      </a:effectRef>
+      <a:fontRef idx="minor"/>
+    </dgm:style>
+  </dgm:styleLbl>
+  <dgm:styleLbl name="fgAcc1">
+    <dgm:scene3d>
+      <a:camera prst="orthographicFront"/>
+      <a:lightRig rig="threePt" dir="t"/>
+    </dgm:scene3d>
+    <dgm:sp3d/>
+    <dgm:txPr/>
+    <dgm:style>
+      <a:lnRef idx="2">
+        <a:scrgbClr r="0" g="0" b="0"/>
+      </a:lnRef>
+      <a:fillRef idx="1">
+        <a:scrgbClr r="0" g="0" b="0"/>
+      </a:fillRef>
+      <a:effectRef idx="0">
+        <a:scrgbClr r="0" g="0" b="0"/>
+      </a:effectRef>
+      <a:fontRef idx="minor"/>
+    </dgm:style>
+  </dgm:styleLbl>
+  <dgm:styleLbl name="conFgAcc1">
+    <dgm:scene3d>
+      <a:camera prst="orthographicFront"/>
+      <a:lightRig rig="threePt" dir="t"/>
+    </dgm:scene3d>
+    <dgm:sp3d/>
+    <dgm:txPr/>
+    <dgm:style>
+      <a:lnRef idx="2">
+        <a:scrgbClr r="0" g="0" b="0"/>
+      </a:lnRef>
+      <a:fillRef idx="1">
+        <a:scrgbClr r="0" g="0" b="0"/>
+      </a:fillRef>
+      <a:effectRef idx="0">
+        <a:scrgbClr r="0" g="0" b="0"/>
+      </a:effectRef>
+      <a:fontRef idx="minor"/>
+    </dgm:style>
+  </dgm:styleLbl>
+  <dgm:styleLbl name="alignAcc1">
+    <dgm:scene3d>
+      <a:camera prst="orthographicFront"/>
+      <a:lightRig rig="threePt" dir="t"/>
+    </dgm:scene3d>
+    <dgm:sp3d/>
+    <dgm:txPr/>
+    <dgm:style>
+      <a:lnRef idx="2">
+        <a:scrgbClr r="0" g="0" b="0"/>
+      </a:lnRef>
+      <a:fillRef idx="1">
+        <a:scrgbClr r="0" g="0" b="0"/>
+      </a:fillRef>
+      <a:effectRef idx="0">
+        <a:scrgbClr r="0" g="0" b="0"/>
+      </a:effectRef>
+      <a:fontRef idx="minor"/>
+    </dgm:style>
+  </dgm:styleLbl>
+  <dgm:styleLbl name="trAlignAcc1">
+    <dgm:scene3d>
+      <a:camera prst="orthographicFront"/>
+      <a:lightRig rig="threePt" dir="t"/>
+    </dgm:scene3d>
+    <dgm:sp3d/>
+    <dgm:txPr/>
+    <dgm:style>
+      <a:lnRef idx="1">
+        <a:scrgbClr r="0" g="0" b="0"/>
+      </a:lnRef>
+      <a:fillRef idx="1">
+        <a:scrgbClr r="0" g="0" b="0"/>
+      </a:fillRef>
+      <a:effectRef idx="0">
+        <a:scrgbClr r="0" g="0" b="0"/>
+      </a:effectRef>
+      <a:fontRef idx="minor"/>
+    </dgm:style>
+  </dgm:styleLbl>
+  <dgm:styleLbl name="bgAcc1">
+    <dgm:scene3d>
+      <a:camera prst="orthographicFront"/>
+      <a:lightRig rig="threePt" dir="t"/>
+    </dgm:scene3d>
+    <dgm:sp3d/>
+    <dgm:txPr/>
+    <dgm:style>
+      <a:lnRef idx="2">
+        <a:scrgbClr r="0" g="0" b="0"/>
+      </a:lnRef>
+      <a:fillRef idx="1">
+        <a:scrgbClr r="0" g="0" b="0"/>
+      </a:fillRef>
+      <a:effectRef idx="0">
+        <a:scrgbClr r="0" g="0" b="0"/>
+      </a:effectRef>
+      <a:fontRef idx="minor"/>
+    </dgm:style>
+  </dgm:styleLbl>
+  <dgm:styleLbl name="solidFgAcc1">
+    <dgm:scene3d>
+      <a:camera prst="orthographicFront"/>
+      <a:lightRig rig="threePt" dir="t"/>
+    </dgm:scene3d>
+    <dgm:sp3d/>
+    <dgm:txPr/>
+    <dgm:style>
+      <a:lnRef idx="2">
+        <a:scrgbClr r="0" g="0" b="0"/>
+      </a:lnRef>
+      <a:fillRef idx="1">
+        <a:scrgbClr r="0" g="0" b="0"/>
+      </a:fillRef>
+      <a:effectRef idx="0">
+        <a:scrgbClr r="0" g="0" b="0"/>
+      </a:effectRef>
+      <a:fontRef idx="minor"/>
+    </dgm:style>
+  </dgm:styleLbl>
+  <dgm:styleLbl name="solidAlignAcc1">
+    <dgm:scene3d>
+      <a:camera prst="orthographicFront"/>
+      <a:lightRig rig="threePt" dir="t"/>
+    </dgm:scene3d>
+    <dgm:sp3d/>
+    <dgm:txPr/>
+    <dgm:style>
+      <a:lnRef idx="2">
+        <a:scrgbClr r="0" g="0" b="0"/>
+      </a:lnRef>
+      <a:fillRef idx="1">
+        <a:scrgbClr r="0" g="0" b="0"/>
+      </a:fillRef>
+      <a:effectRef idx="0">
+        <a:scrgbClr r="0" g="0" b="0"/>
+      </a:effectRef>
+      <a:fontRef idx="minor"/>
+    </dgm:style>
+  </dgm:styleLbl>
+  <dgm:styleLbl name="solidBgAcc1">
+    <dgm:scene3d>
+      <a:camera prst="orthographicFront"/>
+      <a:lightRig rig="threePt" dir="t"/>
+    </dgm:scene3d>
+    <dgm:sp3d/>
+    <dgm:txPr/>
+    <dgm:style>
+      <a:lnRef idx="2">
+        <a:scrgbClr r="0" g="0" b="0"/>
+      </a:lnRef>
+      <a:fillRef idx="1">
+        <a:scrgbClr r="0" g="0" b="0"/>
+      </a:fillRef>
+      <a:effectRef idx="0">
+        <a:scrgbClr r="0" g="0" b="0"/>
+      </a:effectRef>
+      <a:fontRef idx="minor"/>
+    </dgm:style>
+  </dgm:styleLbl>
+  <dgm:styleLbl name="fgAccFollowNode1">
+    <dgm:scene3d>
+      <a:camera prst="orthographicFront"/>
+      <a:lightRig rig="threePt" dir="t"/>
+    </dgm:scene3d>
+    <dgm:sp3d/>
+    <dgm:txPr/>
+    <dgm:style>
+      <a:lnRef idx="2">
+        <a:scrgbClr r="0" g="0" b="0"/>
+      </a:lnRef>
+      <a:fillRef idx="1">
+        <a:scrgbClr r="0" g="0" b="0"/>
+      </a:fillRef>
+      <a:effectRef idx="0">
+        <a:scrgbClr r="0" g="0" b="0"/>
+      </a:effectRef>
+      <a:fontRef idx="minor"/>
+    </dgm:style>
+  </dgm:styleLbl>
+  <dgm:styleLbl name="alignAccFollowNode1">
+    <dgm:scene3d>
+      <a:camera prst="orthographicFront"/>
+      <a:lightRig rig="threePt" dir="t"/>
+    </dgm:scene3d>
+    <dgm:sp3d/>
+    <dgm:txPr/>
+    <dgm:style>
+      <a:lnRef idx="2">
+        <a:scrgbClr r="0" g="0" b="0"/>
+      </a:lnRef>
+      <a:fillRef idx="1">
+        <a:scrgbClr r="0" g="0" b="0"/>
+      </a:fillRef>
+      <a:effectRef idx="0">
+        <a:scrgbClr r="0" g="0" b="0"/>
+      </a:effectRef>
+      <a:fontRef idx="minor"/>
+    </dgm:style>
+  </dgm:styleLbl>
+  <dgm:styleLbl name="bgAccFollowNode1">
+    <dgm:scene3d>
+      <a:camera prst="orthographicFront"/>
+      <a:lightRig rig="threePt" dir="t"/>
+    </dgm:scene3d>
+    <dgm:sp3d/>
+    <dgm:txPr/>
+    <dgm:style>
+      <a:lnRef idx="2">
+        <a:scrgbClr r="0" g="0" b="0"/>
+      </a:lnRef>
+      <a:fillRef idx="1">
+        <a:scrgbClr r="0" g="0" b="0"/>
+      </a:fillRef>
+      <a:effectRef idx="0">
+        <a:scrgbClr r="0" g="0" b="0"/>
+      </a:effectRef>
+      <a:fontRef idx="minor"/>
+    </dgm:style>
+  </dgm:styleLbl>
+  <dgm:styleLbl name="fgAcc0">
+    <dgm:scene3d>
+      <a:camera prst="orthographicFront"/>
+      <a:lightRig rig="threePt" dir="t"/>
+    </dgm:scene3d>
+    <dgm:sp3d/>
+    <dgm:txPr/>
+    <dgm:style>
+      <a:lnRef idx="2">
+        <a:scrgbClr r="0" g="0" b="0"/>
+      </a:lnRef>
+      <a:fillRef idx="1">
+        <a:scrgbClr r="0" g="0" b="0"/>
+      </a:fillRef>
+      <a:effectRef idx="0">
+        <a:scrgbClr r="0" g="0" b="0"/>
+      </a:effectRef>
+      <a:fontRef idx="minor"/>
+    </dgm:style>
+  </dgm:styleLbl>
+  <dgm:styleLbl name="fgAcc2">
+    <dgm:scene3d>
+      <a:camera prst="orthographicFront"/>
+      <a:lightRig rig="threePt" dir="t"/>
+    </dgm:scene3d>
+    <dgm:sp3d/>
+    <dgm:txPr/>
+    <dgm:style>
+      <a:lnRef idx="2">
+        <a:scrgbClr r="0" g="0" b="0"/>
+      </a:lnRef>
+      <a:fillRef idx="1">
+        <a:scrgbClr r="0" g="0" b="0"/>
+      </a:fillRef>
+      <a:effectRef idx="0">
+        <a:scrgbClr r="0" g="0" b="0"/>
+      </a:effectRef>
+      <a:fontRef idx="minor"/>
+    </dgm:style>
+  </dgm:styleLbl>
+  <dgm:styleLbl name="fgAcc3">
+    <dgm:scene3d>
+      <a:camera prst="orthographicFront"/>
+      <a:lightRig rig="threePt" dir="t"/>
+    </dgm:scene3d>
+    <dgm:sp3d/>
+    <dgm:txPr/>
+    <dgm:style>
+      <a:lnRef idx="2">
+        <a:scrgbClr r="0" g="0" b="0"/>
+      </a:lnRef>
+      <a:fillRef idx="1">
+        <a:scrgbClr r="0" g="0" b="0"/>
+      </a:fillRef>
+      <a:effectRef idx="0">
+        <a:scrgbClr r="0" g="0" b="0"/>
+      </a:effectRef>
+      <a:fontRef idx="minor"/>
+    </dgm:style>
+  </dgm:styleLbl>
+  <dgm:styleLbl name="fgAcc4">
+    <dgm:scene3d>
+      <a:camera prst="orthographicFront"/>
+      <a:lightRig rig="threePt" dir="t"/>
+    </dgm:scene3d>
+    <dgm:sp3d/>
+    <dgm:txPr/>
+    <dgm:style>
+      <a:lnRef idx="2">
+        <a:scrgbClr r="0" g="0" b="0"/>
+      </a:lnRef>
+      <a:fillRef idx="1">
+        <a:scrgbClr r="0" g="0" b="0"/>
+      </a:fillRef>
+      <a:effectRef idx="0">
+        <a:scrgbClr r="0" g="0" b="0"/>
+      </a:effectRef>
+      <a:fontRef idx="minor"/>
+    </dgm:style>
+  </dgm:styleLbl>
+  <dgm:styleLbl name="bgShp">
+    <dgm:scene3d>
+      <a:camera prst="orthographicFront"/>
+      <a:lightRig rig="threePt" dir="t"/>
+    </dgm:scene3d>
+    <dgm:sp3d/>
+    <dgm:txPr/>
+    <dgm:style>
+      <a:lnRef idx="0">
+        <a:scrgbClr r="0" g="0" b="0"/>
+      </a:lnRef>
+      <a:fillRef idx="1">
+        <a:scrgbClr r="0" g="0" b="0"/>
+      </a:fillRef>
+      <a:effectRef idx="0">
+        <a:scrgbClr r="0" g="0" b="0"/>
+      </a:effectRef>
+      <a:fontRef idx="minor"/>
+    </dgm:style>
+  </dgm:styleLbl>
+  <dgm:styleLbl name="dkBgShp">
+    <dgm:scene3d>
+      <a:camera prst="orthographicFront"/>
+      <a:lightRig rig="threePt" dir="t"/>
+    </dgm:scene3d>
+    <dgm:sp3d/>
+    <dgm:txPr/>
+    <dgm:style>
+      <a:lnRef idx="0">
+        <a:scrgbClr r="0" g="0" b="0"/>
+      </a:lnRef>
+      <a:fillRef idx="1">
+        <a:scrgbClr r="0" g="0" b="0"/>
+      </a:fillRef>
+      <a:effectRef idx="0">
+        <a:scrgbClr r="0" g="0" b="0"/>
+      </a:effectRef>
+      <a:fontRef idx="minor"/>
+    </dgm:style>
+  </dgm:styleLbl>
+  <dgm:styleLbl name="trBgShp">
+    <dgm:scene3d>
+      <a:camera prst="orthographicFront"/>
+      <a:lightRig rig="threePt" dir="t"/>
+    </dgm:scene3d>
+    <dgm:sp3d/>
+    <dgm:txPr/>
+    <dgm:style>
+      <a:lnRef idx="0">
+        <a:scrgbClr r="0" g="0" b="0"/>
+      </a:lnRef>
+      <a:fillRef idx="1">
+        <a:scrgbClr r="0" g="0" b="0"/>
+      </a:fillRef>
+      <a:effectRef idx="0">
+        <a:scrgbClr r="0" g="0" b="0"/>
+      </a:effectRef>
+      <a:fontRef idx="minor"/>
+    </dgm:style>
+  </dgm:styleLbl>
+  <dgm:styleLbl name="fgShp">
+    <dgm:scene3d>
+      <a:camera prst="orthographicFront"/>
+      <a:lightRig rig="threePt" dir="t"/>
+    </dgm:scene3d>
+    <dgm:sp3d/>
+    <dgm:txPr/>
+    <dgm:style>
+      <a:lnRef idx="2">
+        <a:scrgbClr r="0" g="0" b="0"/>
+      </a:lnRef>
+      <a:fillRef idx="1">
+        <a:scrgbClr r="0" g="0" b="0"/>
+      </a:fillRef>
+      <a:effectRef idx="0">
+        <a:scrgbClr r="0" g="0" b="0"/>
+      </a:effectRef>
+      <a:fontRef idx="minor"/>
+    </dgm:style>
+  </dgm:styleLbl>
+  <dgm:styleLbl name="revTx">
+    <dgm:scene3d>
+      <a:camera prst="orthographicFront"/>
+      <a:lightRig rig="threePt" dir="t"/>
+    </dgm:scene3d>
+    <dgm:sp3d/>
+    <dgm:txPr/>
+    <dgm:style>
+      <a:lnRef idx="0">
+        <a:scrgbClr r="0" g="0" b="0"/>
+      </a:lnRef>
+      <a:fillRef idx="0">
+        <a:scrgbClr r="0" g="0" b="0"/>
+      </a:fillRef>
+      <a:effectRef idx="0">
+        <a:scrgbClr r="0" g="0" b="0"/>
+      </a:effectRef>
+      <a:fontRef idx="minor"/>
+    </dgm:style>
+  </dgm:styleLbl>
+</dgm:styleDef>
+</file>
+
 <file path=ppt/slideLayouts/slideLayout1.xml><?xml version="1.0" encoding="utf-8"?>
 <p:sldLayout xmlns:a="http://schemas.openxmlformats.org/drawingml/2006/main" xmlns:r="http://schemas.openxmlformats.org/officeDocument/2006/relationships" xmlns:p="http://schemas.openxmlformats.org/presentationml/2006/main" type="title" preserve="1">
   <p:cSld name="标题幻灯片">
@@ -264,7 +6850,7 @@
           <a:p>
             <a:fld id="{5A4106B0-3FD4-42B3-91A1-38F1CEA68032}" type="datetimeFigureOut">
               <a:rPr lang="zh-CN" altLang="en-US" smtClean="0"/>
-              <a:t>2020/10/22</a:t>
+              <a:t>2020/10/23</a:t>
             </a:fld>
             <a:endParaRPr lang="zh-CN" altLang="en-US"/>
           </a:p>
@@ -462,7 +7048,7 @@
           <a:p>
             <a:fld id="{5A4106B0-3FD4-42B3-91A1-38F1CEA68032}" type="datetimeFigureOut">
               <a:rPr lang="zh-CN" altLang="en-US" smtClean="0"/>
-              <a:t>2020/10/22</a:t>
+              <a:t>2020/10/23</a:t>
             </a:fld>
             <a:endParaRPr lang="zh-CN" altLang="en-US"/>
           </a:p>
@@ -670,7 +7256,7 @@
           <a:p>
             <a:fld id="{5A4106B0-3FD4-42B3-91A1-38F1CEA68032}" type="datetimeFigureOut">
               <a:rPr lang="zh-CN" altLang="en-US" smtClean="0"/>
-              <a:t>2020/10/22</a:t>
+              <a:t>2020/10/23</a:t>
             </a:fld>
             <a:endParaRPr lang="zh-CN" altLang="en-US"/>
           </a:p>
@@ -868,7 +7454,7 @@
           <a:p>
             <a:fld id="{5A4106B0-3FD4-42B3-91A1-38F1CEA68032}" type="datetimeFigureOut">
               <a:rPr lang="zh-CN" altLang="en-US" smtClean="0"/>
-              <a:t>2020/10/22</a:t>
+              <a:t>2020/10/23</a:t>
             </a:fld>
             <a:endParaRPr lang="zh-CN" altLang="en-US"/>
           </a:p>
@@ -1143,7 +7729,7 @@
           <a:p>
             <a:fld id="{5A4106B0-3FD4-42B3-91A1-38F1CEA68032}" type="datetimeFigureOut">
               <a:rPr lang="zh-CN" altLang="en-US" smtClean="0"/>
-              <a:t>2020/10/22</a:t>
+              <a:t>2020/10/23</a:t>
             </a:fld>
             <a:endParaRPr lang="zh-CN" altLang="en-US"/>
           </a:p>
@@ -1408,7 +7994,7 @@
           <a:p>
             <a:fld id="{5A4106B0-3FD4-42B3-91A1-38F1CEA68032}" type="datetimeFigureOut">
               <a:rPr lang="zh-CN" altLang="en-US" smtClean="0"/>
-              <a:t>2020/10/22</a:t>
+              <a:t>2020/10/23</a:t>
             </a:fld>
             <a:endParaRPr lang="zh-CN" altLang="en-US"/>
           </a:p>
@@ -1820,7 +8406,7 @@
           <a:p>
             <a:fld id="{5A4106B0-3FD4-42B3-91A1-38F1CEA68032}" type="datetimeFigureOut">
               <a:rPr lang="zh-CN" altLang="en-US" smtClean="0"/>
-              <a:t>2020/10/22</a:t>
+              <a:t>2020/10/23</a:t>
             </a:fld>
             <a:endParaRPr lang="zh-CN" altLang="en-US"/>
           </a:p>
@@ -1961,7 +8547,7 @@
           <a:p>
             <a:fld id="{5A4106B0-3FD4-42B3-91A1-38F1CEA68032}" type="datetimeFigureOut">
               <a:rPr lang="zh-CN" altLang="en-US" smtClean="0"/>
-              <a:t>2020/10/22</a:t>
+              <a:t>2020/10/23</a:t>
             </a:fld>
             <a:endParaRPr lang="zh-CN" altLang="en-US"/>
           </a:p>
@@ -2074,7 +8660,7 @@
           <a:p>
             <a:fld id="{5A4106B0-3FD4-42B3-91A1-38F1CEA68032}" type="datetimeFigureOut">
               <a:rPr lang="zh-CN" altLang="en-US" smtClean="0"/>
-              <a:t>2020/10/22</a:t>
+              <a:t>2020/10/23</a:t>
             </a:fld>
             <a:endParaRPr lang="zh-CN" altLang="en-US"/>
           </a:p>
@@ -2385,7 +8971,7 @@
           <a:p>
             <a:fld id="{5A4106B0-3FD4-42B3-91A1-38F1CEA68032}" type="datetimeFigureOut">
               <a:rPr lang="zh-CN" altLang="en-US" smtClean="0"/>
-              <a:t>2020/10/22</a:t>
+              <a:t>2020/10/23</a:t>
             </a:fld>
             <a:endParaRPr lang="zh-CN" altLang="en-US"/>
           </a:p>
@@ -2673,7 +9259,7 @@
           <a:p>
             <a:fld id="{5A4106B0-3FD4-42B3-91A1-38F1CEA68032}" type="datetimeFigureOut">
               <a:rPr lang="zh-CN" altLang="en-US" smtClean="0"/>
-              <a:t>2020/10/22</a:t>
+              <a:t>2020/10/23</a:t>
             </a:fld>
             <a:endParaRPr lang="zh-CN" altLang="en-US"/>
           </a:p>
@@ -2914,7 +9500,7 @@
           <a:p>
             <a:fld id="{5A4106B0-3FD4-42B3-91A1-38F1CEA68032}" type="datetimeFigureOut">
               <a:rPr lang="zh-CN" altLang="en-US" smtClean="0"/>
-              <a:t>2020/10/22</a:t>
+              <a:t>2020/10/23</a:t>
             </a:fld>
             <a:endParaRPr lang="zh-CN" altLang="en-US"/>
           </a:p>
@@ -3359,6 +9945,925 @@
           </a:bodyPr>
           <a:lstStyle/>
           <a:p>
+            <a:pPr algn="l"/>
+            <a:r>
+              <a:rPr lang="en-US" altLang="zh-CN" b="1" dirty="0">
+                <a:effectLst>
+                  <a:outerShdw blurRad="38100" dist="38100" dir="2700000" algn="tl">
+                    <a:srgbClr val="000000">
+                      <a:alpha val="43137"/>
+                    </a:srgbClr>
+                  </a:outerShdw>
+                </a:effectLst>
+              </a:rPr>
+              <a:t>Background</a:t>
+            </a:r>
+            <a:endParaRPr lang="zh-CN" altLang="en-US" b="1" dirty="0">
+              <a:effectLst>
+                <a:outerShdw blurRad="38100" dist="38100" dir="2700000" algn="tl">
+                  <a:srgbClr val="000000">
+                    <a:alpha val="43137"/>
+                  </a:srgbClr>
+                </a:outerShdw>
+              </a:effectLst>
+            </a:endParaRPr>
+          </a:p>
+        </p:txBody>
+      </p:sp>
+      <p:pic>
+        <p:nvPicPr>
+          <p:cNvPr id="12" name="图片 11">
+            <a:extLst>
+              <a:ext uri="{FF2B5EF4-FFF2-40B4-BE49-F238E27FC236}">
+                <a16:creationId xmlns:a16="http://schemas.microsoft.com/office/drawing/2014/main" id="{37BF8E09-962D-486E-8350-39928529F381}"/>
+              </a:ext>
+            </a:extLst>
+          </p:cNvPr>
+          <p:cNvPicPr>
+            <a:picLocks noChangeAspect="1"/>
+          </p:cNvPicPr>
+          <p:nvPr/>
+        </p:nvPicPr>
+        <p:blipFill>
+          <a:blip r:embed="rId2">
+            <a:extLst>
+              <a:ext uri="{28A0092B-C50C-407E-A947-70E740481C1C}">
+                <a14:useLocalDpi xmlns:a14="http://schemas.microsoft.com/office/drawing/2010/main" val="0"/>
+              </a:ext>
+            </a:extLst>
+          </a:blip>
+          <a:stretch>
+            <a:fillRect/>
+          </a:stretch>
+        </p:blipFill>
+        <p:spPr>
+          <a:xfrm>
+            <a:off x="2247591" y="1168102"/>
+            <a:ext cx="7696818" cy="3991760"/>
+          </a:xfrm>
+          <a:prstGeom prst="rect">
+            <a:avLst/>
+          </a:prstGeom>
+        </p:spPr>
+      </p:pic>
+      <p:sp>
+        <p:nvSpPr>
+          <p:cNvPr id="13" name="文本框 12">
+            <a:extLst>
+              <a:ext uri="{FF2B5EF4-FFF2-40B4-BE49-F238E27FC236}">
+                <a16:creationId xmlns:a16="http://schemas.microsoft.com/office/drawing/2014/main" id="{2A7DE765-9611-4A7D-9AB7-67EBB92283A3}"/>
+              </a:ext>
+            </a:extLst>
+          </p:cNvPr>
+          <p:cNvSpPr txBox="1"/>
+          <p:nvPr/>
+        </p:nvSpPr>
+        <p:spPr>
+          <a:xfrm>
+            <a:off x="2247591" y="784274"/>
+            <a:ext cx="6699270" cy="523220"/>
+          </a:xfrm>
+          <a:prstGeom prst="rect">
+            <a:avLst/>
+          </a:prstGeom>
+          <a:noFill/>
+        </p:spPr>
+        <p:txBody>
+          <a:bodyPr wrap="none" rtlCol="0">
+            <a:spAutoFit/>
+          </a:bodyPr>
+          <a:lstStyle/>
+          <a:p>
+            <a:r>
+              <a:rPr lang="en-US" altLang="zh-CN" sz="2800" dirty="0">
+                <a:solidFill>
+                  <a:srgbClr val="FF0000"/>
+                </a:solidFill>
+              </a:rPr>
+              <a:t>Laue</a:t>
+            </a:r>
+            <a:r>
+              <a:rPr lang="zh-CN" altLang="en-US" sz="2800" dirty="0">
+                <a:solidFill>
+                  <a:srgbClr val="FF0000"/>
+                </a:solidFill>
+              </a:rPr>
+              <a:t>衍射扫描 </a:t>
+            </a:r>
+            <a:r>
+              <a:rPr lang="en-US" altLang="zh-CN" sz="2800" dirty="0">
+                <a:solidFill>
+                  <a:srgbClr val="FF0000"/>
+                </a:solidFill>
+              </a:rPr>
+              <a:t>(16X8)</a:t>
+            </a:r>
+            <a:r>
+              <a:rPr lang="zh-CN" altLang="en-US" sz="2800" dirty="0">
+                <a:solidFill>
+                  <a:srgbClr val="FF0000"/>
+                </a:solidFill>
+              </a:rPr>
+              <a:t>，</a:t>
+            </a:r>
+            <a:r>
+              <a:rPr lang="en-US" altLang="zh-CN" sz="2800" dirty="0">
+                <a:solidFill>
+                  <a:srgbClr val="FF0000"/>
+                </a:solidFill>
+              </a:rPr>
+              <a:t>2019</a:t>
+            </a:r>
+            <a:r>
+              <a:rPr lang="zh-CN" altLang="en-US" sz="2800" dirty="0">
+                <a:solidFill>
+                  <a:srgbClr val="FF0000"/>
+                </a:solidFill>
+              </a:rPr>
+              <a:t>年于浦项光源</a:t>
+            </a:r>
+          </a:p>
+        </p:txBody>
+      </p:sp>
+      <p:sp>
+        <p:nvSpPr>
+          <p:cNvPr id="14" name="文本框 13">
+            <a:extLst>
+              <a:ext uri="{FF2B5EF4-FFF2-40B4-BE49-F238E27FC236}">
+                <a16:creationId xmlns:a16="http://schemas.microsoft.com/office/drawing/2014/main" id="{BB41A6F5-0BBF-4BB3-81FF-9AC8F9DC321E}"/>
+              </a:ext>
+            </a:extLst>
+          </p:cNvPr>
+          <p:cNvSpPr txBox="1"/>
+          <p:nvPr/>
+        </p:nvSpPr>
+        <p:spPr>
+          <a:xfrm>
+            <a:off x="266330" y="5689898"/>
+            <a:ext cx="8047396" cy="646331"/>
+          </a:xfrm>
+          <a:prstGeom prst="rect">
+            <a:avLst/>
+          </a:prstGeom>
+          <a:noFill/>
+        </p:spPr>
+        <p:txBody>
+          <a:bodyPr wrap="none" rtlCol="0">
+            <a:spAutoFit/>
+          </a:bodyPr>
+          <a:lstStyle/>
+          <a:p>
+            <a:r>
+              <a:rPr lang="zh-CN" altLang="en-US" sz="3600" dirty="0"/>
+              <a:t>问题：从</a:t>
+            </a:r>
+            <a:r>
+              <a:rPr lang="en-US" altLang="zh-CN" sz="3600" dirty="0"/>
+              <a:t>Laue</a:t>
+            </a:r>
+            <a:r>
+              <a:rPr lang="zh-CN" altLang="en-US" sz="3600" dirty="0"/>
+              <a:t>衍射扫描中找出晶粒分布</a:t>
+            </a:r>
+          </a:p>
+        </p:txBody>
+      </p:sp>
+    </p:spTree>
+    <p:extLst>
+      <p:ext uri="{BB962C8B-B14F-4D97-AF65-F5344CB8AC3E}">
+        <p14:creationId xmlns:p14="http://schemas.microsoft.com/office/powerpoint/2010/main" val="1541139332"/>
+      </p:ext>
+    </p:extLst>
+  </p:cSld>
+  <p:clrMapOvr>
+    <a:masterClrMapping/>
+  </p:clrMapOvr>
+</p:sld>
+</file>
+
+<file path=ppt/slides/slide2.xml><?xml version="1.0" encoding="utf-8"?>
+<p:sld xmlns:a="http://schemas.openxmlformats.org/drawingml/2006/main" xmlns:r="http://schemas.openxmlformats.org/officeDocument/2006/relationships" xmlns:p="http://schemas.openxmlformats.org/presentationml/2006/main">
+  <p:cSld>
+    <p:spTree>
+      <p:nvGrpSpPr>
+        <p:cNvPr id="1" name=""/>
+        <p:cNvGrpSpPr/>
+        <p:nvPr/>
+      </p:nvGrpSpPr>
+      <p:grpSpPr>
+        <a:xfrm>
+          <a:off x="0" y="0"/>
+          <a:ext cx="0" cy="0"/>
+          <a:chOff x="0" y="0"/>
+          <a:chExt cx="0" cy="0"/>
+        </a:xfrm>
+      </p:grpSpPr>
+      <p:sp>
+        <p:nvSpPr>
+          <p:cNvPr id="2" name="标题 1">
+            <a:extLst>
+              <a:ext uri="{FF2B5EF4-FFF2-40B4-BE49-F238E27FC236}">
+                <a16:creationId xmlns:a16="http://schemas.microsoft.com/office/drawing/2014/main" id="{3359D754-FBF8-42A0-B9A6-287ED678DBD0}"/>
+              </a:ext>
+            </a:extLst>
+          </p:cNvPr>
+          <p:cNvSpPr>
+            <a:spLocks noGrp="1"/>
+          </p:cNvSpPr>
+          <p:nvPr>
+            <p:ph type="ctrTitle"/>
+          </p:nvPr>
+        </p:nvSpPr>
+        <p:spPr>
+          <a:xfrm>
+            <a:off x="1" y="0"/>
+            <a:ext cx="4509856" cy="777458"/>
+          </a:xfrm>
+        </p:spPr>
+        <p:txBody>
+          <a:bodyPr>
+            <a:normAutofit fontScale="90000"/>
+          </a:bodyPr>
+          <a:lstStyle/>
+          <a:p>
+            <a:pPr algn="l"/>
+            <a:r>
+              <a:rPr lang="en-US" altLang="zh-CN" b="1" dirty="0">
+                <a:effectLst>
+                  <a:outerShdw blurRad="38100" dist="38100" dir="2700000" algn="tl">
+                    <a:srgbClr val="000000">
+                      <a:alpha val="43137"/>
+                    </a:srgbClr>
+                  </a:outerShdw>
+                </a:effectLst>
+              </a:rPr>
+              <a:t>Background</a:t>
+            </a:r>
+            <a:endParaRPr lang="zh-CN" altLang="en-US" b="1" dirty="0">
+              <a:effectLst>
+                <a:outerShdw blurRad="38100" dist="38100" dir="2700000" algn="tl">
+                  <a:srgbClr val="000000">
+                    <a:alpha val="43137"/>
+                  </a:srgbClr>
+                </a:outerShdw>
+              </a:effectLst>
+            </a:endParaRPr>
+          </a:p>
+        </p:txBody>
+      </p:sp>
+      <p:sp>
+        <p:nvSpPr>
+          <p:cNvPr id="14" name="文本框 13">
+            <a:extLst>
+              <a:ext uri="{FF2B5EF4-FFF2-40B4-BE49-F238E27FC236}">
+                <a16:creationId xmlns:a16="http://schemas.microsoft.com/office/drawing/2014/main" id="{BB41A6F5-0BBF-4BB3-81FF-9AC8F9DC321E}"/>
+              </a:ext>
+            </a:extLst>
+          </p:cNvPr>
+          <p:cNvSpPr txBox="1"/>
+          <p:nvPr/>
+        </p:nvSpPr>
+        <p:spPr>
+          <a:xfrm>
+            <a:off x="327488" y="903585"/>
+            <a:ext cx="1826141" cy="584775"/>
+          </a:xfrm>
+          <a:prstGeom prst="rect">
+            <a:avLst/>
+          </a:prstGeom>
+          <a:noFill/>
+        </p:spPr>
+        <p:txBody>
+          <a:bodyPr wrap="none" rtlCol="0">
+            <a:spAutoFit/>
+          </a:bodyPr>
+          <a:lstStyle/>
+          <a:p>
+            <a:r>
+              <a:rPr lang="zh-CN" altLang="en-US" sz="3200" dirty="0"/>
+              <a:t>传统做法</a:t>
+            </a:r>
+          </a:p>
+        </p:txBody>
+      </p:sp>
+      <p:graphicFrame>
+        <p:nvGraphicFramePr>
+          <p:cNvPr id="3" name="图示 2">
+            <a:extLst>
+              <a:ext uri="{FF2B5EF4-FFF2-40B4-BE49-F238E27FC236}">
+                <a16:creationId xmlns:a16="http://schemas.microsoft.com/office/drawing/2014/main" id="{D4942039-FB7A-4954-8708-8EA19896C60D}"/>
+              </a:ext>
+            </a:extLst>
+          </p:cNvPr>
+          <p:cNvGraphicFramePr/>
+          <p:nvPr>
+            <p:extLst>
+              <p:ext uri="{D42A27DB-BD31-4B8C-83A1-F6EECF244321}">
+                <p14:modId xmlns:p14="http://schemas.microsoft.com/office/powerpoint/2010/main" val="1197724923"/>
+              </p:ext>
+            </p:extLst>
+          </p:nvPr>
+        </p:nvGraphicFramePr>
+        <p:xfrm>
+          <a:off x="327488" y="1712628"/>
+          <a:ext cx="5700450" cy="4883481"/>
+        </p:xfrm>
+        <a:graphic>
+          <a:graphicData uri="http://schemas.openxmlformats.org/drawingml/2006/diagram">
+            <dgm:relIds xmlns:dgm="http://schemas.openxmlformats.org/drawingml/2006/diagram" xmlns:r="http://schemas.openxmlformats.org/officeDocument/2006/relationships" r:dm="rId2" r:lo="rId3" r:qs="rId4" r:cs="rId5"/>
+          </a:graphicData>
+        </a:graphic>
+      </p:graphicFrame>
+      <p:sp>
+        <p:nvSpPr>
+          <p:cNvPr id="7" name="文本框 6">
+            <a:extLst>
+              <a:ext uri="{FF2B5EF4-FFF2-40B4-BE49-F238E27FC236}">
+                <a16:creationId xmlns:a16="http://schemas.microsoft.com/office/drawing/2014/main" id="{DDE83B7B-9DF4-4654-A1C3-CAA3CAA265B5}"/>
+              </a:ext>
+            </a:extLst>
+          </p:cNvPr>
+          <p:cNvSpPr txBox="1"/>
+          <p:nvPr/>
+        </p:nvSpPr>
+        <p:spPr>
+          <a:xfrm>
+            <a:off x="6768108" y="777458"/>
+            <a:ext cx="1005403" cy="584775"/>
+          </a:xfrm>
+          <a:prstGeom prst="rect">
+            <a:avLst/>
+          </a:prstGeom>
+          <a:noFill/>
+        </p:spPr>
+        <p:txBody>
+          <a:bodyPr wrap="none" rtlCol="0">
+            <a:spAutoFit/>
+          </a:bodyPr>
+          <a:lstStyle/>
+          <a:p>
+            <a:r>
+              <a:rPr lang="zh-CN" altLang="en-US" sz="3200" dirty="0"/>
+              <a:t>难点</a:t>
+            </a:r>
+          </a:p>
+        </p:txBody>
+      </p:sp>
+      <p:cxnSp>
+        <p:nvCxnSpPr>
+          <p:cNvPr id="5" name="直接连接符 4">
+            <a:extLst>
+              <a:ext uri="{FF2B5EF4-FFF2-40B4-BE49-F238E27FC236}">
+                <a16:creationId xmlns:a16="http://schemas.microsoft.com/office/drawing/2014/main" id="{8BCD1259-5266-4963-863C-A27F8B2BE771}"/>
+              </a:ext>
+            </a:extLst>
+          </p:cNvPr>
+          <p:cNvCxnSpPr>
+            <a:cxnSpLocks/>
+          </p:cNvCxnSpPr>
+          <p:nvPr/>
+        </p:nvCxnSpPr>
+        <p:spPr>
+          <a:xfrm>
+            <a:off x="6249880" y="0"/>
+            <a:ext cx="0" cy="6858000"/>
+          </a:xfrm>
+          <a:prstGeom prst="line">
+            <a:avLst/>
+          </a:prstGeom>
+        </p:spPr>
+        <p:style>
+          <a:lnRef idx="1">
+            <a:schemeClr val="accent1"/>
+          </a:lnRef>
+          <a:fillRef idx="0">
+            <a:schemeClr val="accent1"/>
+          </a:fillRef>
+          <a:effectRef idx="0">
+            <a:schemeClr val="accent1"/>
+          </a:effectRef>
+          <a:fontRef idx="minor">
+            <a:schemeClr val="tx1"/>
+          </a:fontRef>
+        </p:style>
+      </p:cxnSp>
+      <p:pic>
+        <p:nvPicPr>
+          <p:cNvPr id="10" name="图片 9">
+            <a:extLst>
+              <a:ext uri="{FF2B5EF4-FFF2-40B4-BE49-F238E27FC236}">
+                <a16:creationId xmlns:a16="http://schemas.microsoft.com/office/drawing/2014/main" id="{750D25B7-50A6-4586-A421-382387A2E28A}"/>
+              </a:ext>
+            </a:extLst>
+          </p:cNvPr>
+          <p:cNvPicPr>
+            <a:picLocks noChangeAspect="1"/>
+          </p:cNvPicPr>
+          <p:nvPr/>
+        </p:nvPicPr>
+        <p:blipFill>
+          <a:blip r:embed="rId7">
+            <a:extLst>
+              <a:ext uri="{28A0092B-C50C-407E-A947-70E740481C1C}">
+                <a14:useLocalDpi xmlns:a14="http://schemas.microsoft.com/office/drawing/2010/main" val="0"/>
+              </a:ext>
+            </a:extLst>
+          </a:blip>
+          <a:stretch>
+            <a:fillRect/>
+          </a:stretch>
+        </p:blipFill>
+        <p:spPr>
+          <a:xfrm>
+            <a:off x="6986233" y="1927804"/>
+            <a:ext cx="4625749" cy="4625749"/>
+          </a:xfrm>
+          <a:prstGeom prst="rect">
+            <a:avLst/>
+          </a:prstGeom>
+        </p:spPr>
+      </p:pic>
+      <p:sp>
+        <p:nvSpPr>
+          <p:cNvPr id="11" name="文本框 10">
+            <a:extLst>
+              <a:ext uri="{FF2B5EF4-FFF2-40B4-BE49-F238E27FC236}">
+                <a16:creationId xmlns:a16="http://schemas.microsoft.com/office/drawing/2014/main" id="{99E8B2AC-97F7-4576-9C82-039AAB09BFC0}"/>
+              </a:ext>
+            </a:extLst>
+          </p:cNvPr>
+          <p:cNvSpPr txBox="1"/>
+          <p:nvPr/>
+        </p:nvSpPr>
+        <p:spPr>
+          <a:xfrm>
+            <a:off x="6471823" y="1330679"/>
+            <a:ext cx="5521908" cy="646331"/>
+          </a:xfrm>
+          <a:prstGeom prst="rect">
+            <a:avLst/>
+          </a:prstGeom>
+          <a:noFill/>
+        </p:spPr>
+        <p:txBody>
+          <a:bodyPr wrap="square" rtlCol="0">
+            <a:spAutoFit/>
+          </a:bodyPr>
+          <a:lstStyle/>
+          <a:p>
+            <a:r>
+              <a:rPr lang="zh-CN" altLang="en-US" dirty="0">
+                <a:solidFill>
+                  <a:srgbClr val="FF0000"/>
+                </a:solidFill>
+              </a:rPr>
+              <a:t>由于采用的是疲劳失效的样，样品内部位错结构复杂</a:t>
+            </a:r>
+            <a:endParaRPr lang="en-US" altLang="zh-CN" dirty="0">
+              <a:solidFill>
+                <a:srgbClr val="FF0000"/>
+              </a:solidFill>
+            </a:endParaRPr>
+          </a:p>
+          <a:p>
+            <a:r>
+              <a:rPr lang="zh-CN" altLang="en-US" dirty="0">
+                <a:solidFill>
+                  <a:srgbClr val="FF0000"/>
+                </a:solidFill>
+              </a:rPr>
+              <a:t>因此斑点形状不规则，很难得到衍射峰位置</a:t>
+            </a:r>
+          </a:p>
+        </p:txBody>
+      </p:sp>
+      <p:sp>
+        <p:nvSpPr>
+          <p:cNvPr id="15" name="椭圆 14">
+            <a:extLst>
+              <a:ext uri="{FF2B5EF4-FFF2-40B4-BE49-F238E27FC236}">
+                <a16:creationId xmlns:a16="http://schemas.microsoft.com/office/drawing/2014/main" id="{5ECA7310-099C-432D-8ACC-FD1E3186F075}"/>
+              </a:ext>
+            </a:extLst>
+          </p:cNvPr>
+          <p:cNvSpPr/>
+          <p:nvPr/>
+        </p:nvSpPr>
+        <p:spPr>
+          <a:xfrm>
+            <a:off x="10346132" y="3674871"/>
+            <a:ext cx="665825" cy="435006"/>
+          </a:xfrm>
+          <a:prstGeom prst="ellipse">
+            <a:avLst/>
+          </a:prstGeom>
+          <a:noFill/>
+          <a:ln>
+            <a:solidFill>
+              <a:srgbClr val="FF0000"/>
+            </a:solidFill>
+          </a:ln>
+        </p:spPr>
+        <p:style>
+          <a:lnRef idx="2">
+            <a:schemeClr val="accent1">
+              <a:shade val="50000"/>
+            </a:schemeClr>
+          </a:lnRef>
+          <a:fillRef idx="1">
+            <a:schemeClr val="accent1"/>
+          </a:fillRef>
+          <a:effectRef idx="0">
+            <a:schemeClr val="accent1"/>
+          </a:effectRef>
+          <a:fontRef idx="minor">
+            <a:schemeClr val="lt1"/>
+          </a:fontRef>
+        </p:style>
+        <p:txBody>
+          <a:bodyPr rtlCol="0" anchor="ctr"/>
+          <a:lstStyle/>
+          <a:p>
+            <a:pPr algn="ctr"/>
+            <a:endParaRPr lang="zh-CN" altLang="en-US"/>
+          </a:p>
+        </p:txBody>
+      </p:sp>
+      <p:sp>
+        <p:nvSpPr>
+          <p:cNvPr id="16" name="椭圆 15">
+            <a:extLst>
+              <a:ext uri="{FF2B5EF4-FFF2-40B4-BE49-F238E27FC236}">
+                <a16:creationId xmlns:a16="http://schemas.microsoft.com/office/drawing/2014/main" id="{5B88E3BD-34B0-475B-836C-D5CDD4A52D8E}"/>
+              </a:ext>
+            </a:extLst>
+          </p:cNvPr>
+          <p:cNvSpPr/>
+          <p:nvPr/>
+        </p:nvSpPr>
+        <p:spPr>
+          <a:xfrm>
+            <a:off x="9507984" y="5141139"/>
+            <a:ext cx="488272" cy="399495"/>
+          </a:xfrm>
+          <a:prstGeom prst="ellipse">
+            <a:avLst/>
+          </a:prstGeom>
+          <a:noFill/>
+          <a:ln>
+            <a:solidFill>
+              <a:srgbClr val="FF0000"/>
+            </a:solidFill>
+          </a:ln>
+        </p:spPr>
+        <p:style>
+          <a:lnRef idx="2">
+            <a:schemeClr val="accent1">
+              <a:shade val="50000"/>
+            </a:schemeClr>
+          </a:lnRef>
+          <a:fillRef idx="1">
+            <a:schemeClr val="accent1"/>
+          </a:fillRef>
+          <a:effectRef idx="0">
+            <a:schemeClr val="accent1"/>
+          </a:effectRef>
+          <a:fontRef idx="minor">
+            <a:schemeClr val="lt1"/>
+          </a:fontRef>
+        </p:style>
+        <p:txBody>
+          <a:bodyPr rtlCol="0" anchor="ctr"/>
+          <a:lstStyle/>
+          <a:p>
+            <a:pPr algn="ctr"/>
+            <a:endParaRPr lang="zh-CN" altLang="en-US"/>
+          </a:p>
+        </p:txBody>
+      </p:sp>
+    </p:spTree>
+    <p:extLst>
+      <p:ext uri="{BB962C8B-B14F-4D97-AF65-F5344CB8AC3E}">
+        <p14:creationId xmlns:p14="http://schemas.microsoft.com/office/powerpoint/2010/main" val="2095890762"/>
+      </p:ext>
+    </p:extLst>
+  </p:cSld>
+  <p:clrMapOvr>
+    <a:masterClrMapping/>
+  </p:clrMapOvr>
+</p:sld>
+</file>
+
+<file path=ppt/slides/slide3.xml><?xml version="1.0" encoding="utf-8"?>
+<p:sld xmlns:a="http://schemas.openxmlformats.org/drawingml/2006/main" xmlns:r="http://schemas.openxmlformats.org/officeDocument/2006/relationships" xmlns:p="http://schemas.openxmlformats.org/presentationml/2006/main">
+  <p:cSld>
+    <p:spTree>
+      <p:nvGrpSpPr>
+        <p:cNvPr id="1" name=""/>
+        <p:cNvGrpSpPr/>
+        <p:nvPr/>
+      </p:nvGrpSpPr>
+      <p:grpSpPr>
+        <a:xfrm>
+          <a:off x="0" y="0"/>
+          <a:ext cx="0" cy="0"/>
+          <a:chOff x="0" y="0"/>
+          <a:chExt cx="0" cy="0"/>
+        </a:xfrm>
+      </p:grpSpPr>
+      <p:sp>
+        <p:nvSpPr>
+          <p:cNvPr id="2" name="标题 1">
+            <a:extLst>
+              <a:ext uri="{FF2B5EF4-FFF2-40B4-BE49-F238E27FC236}">
+                <a16:creationId xmlns:a16="http://schemas.microsoft.com/office/drawing/2014/main" id="{3359D754-FBF8-42A0-B9A6-287ED678DBD0}"/>
+              </a:ext>
+            </a:extLst>
+          </p:cNvPr>
+          <p:cNvSpPr>
+            <a:spLocks noGrp="1"/>
+          </p:cNvSpPr>
+          <p:nvPr>
+            <p:ph type="ctrTitle"/>
+          </p:nvPr>
+        </p:nvSpPr>
+        <p:spPr>
+          <a:xfrm>
+            <a:off x="1" y="0"/>
+            <a:ext cx="4509856" cy="777458"/>
+          </a:xfrm>
+        </p:spPr>
+        <p:txBody>
+          <a:bodyPr>
+            <a:normAutofit fontScale="90000"/>
+          </a:bodyPr>
+          <a:lstStyle/>
+          <a:p>
+            <a:pPr algn="l"/>
+            <a:r>
+              <a:rPr lang="en-US" altLang="zh-CN" b="1" dirty="0">
+                <a:effectLst>
+                  <a:outerShdw blurRad="38100" dist="38100" dir="2700000" algn="tl">
+                    <a:srgbClr val="000000">
+                      <a:alpha val="43137"/>
+                    </a:srgbClr>
+                  </a:outerShdw>
+                </a:effectLst>
+              </a:rPr>
+              <a:t>Background</a:t>
+            </a:r>
+            <a:endParaRPr lang="zh-CN" altLang="en-US" b="1" dirty="0">
+              <a:effectLst>
+                <a:outerShdw blurRad="38100" dist="38100" dir="2700000" algn="tl">
+                  <a:srgbClr val="000000">
+                    <a:alpha val="43137"/>
+                  </a:srgbClr>
+                </a:outerShdw>
+              </a:effectLst>
+            </a:endParaRPr>
+          </a:p>
+        </p:txBody>
+      </p:sp>
+      <p:sp>
+        <p:nvSpPr>
+          <p:cNvPr id="14" name="文本框 13">
+            <a:extLst>
+              <a:ext uri="{FF2B5EF4-FFF2-40B4-BE49-F238E27FC236}">
+                <a16:creationId xmlns:a16="http://schemas.microsoft.com/office/drawing/2014/main" id="{BB41A6F5-0BBF-4BB3-81FF-9AC8F9DC321E}"/>
+              </a:ext>
+            </a:extLst>
+          </p:cNvPr>
+          <p:cNvSpPr txBox="1"/>
+          <p:nvPr/>
+        </p:nvSpPr>
+        <p:spPr>
+          <a:xfrm>
+            <a:off x="327488" y="903585"/>
+            <a:ext cx="4698722" cy="584775"/>
+          </a:xfrm>
+          <a:prstGeom prst="rect">
+            <a:avLst/>
+          </a:prstGeom>
+          <a:noFill/>
+        </p:spPr>
+        <p:txBody>
+          <a:bodyPr wrap="none" rtlCol="0">
+            <a:spAutoFit/>
+          </a:bodyPr>
+          <a:lstStyle/>
+          <a:p>
+            <a:r>
+              <a:rPr lang="zh-CN" altLang="en-US" sz="3200" dirty="0"/>
+              <a:t>基于机器学习的处理方式</a:t>
+            </a:r>
+          </a:p>
+        </p:txBody>
+      </p:sp>
+      <p:graphicFrame>
+        <p:nvGraphicFramePr>
+          <p:cNvPr id="8" name="图示 7">
+            <a:extLst>
+              <a:ext uri="{FF2B5EF4-FFF2-40B4-BE49-F238E27FC236}">
+                <a16:creationId xmlns:a16="http://schemas.microsoft.com/office/drawing/2014/main" id="{D6160609-A517-413A-88F9-817857E9C5D7}"/>
+              </a:ext>
+            </a:extLst>
+          </p:cNvPr>
+          <p:cNvGraphicFramePr/>
+          <p:nvPr>
+            <p:extLst>
+              <p:ext uri="{D42A27DB-BD31-4B8C-83A1-F6EECF244321}">
+                <p14:modId xmlns:p14="http://schemas.microsoft.com/office/powerpoint/2010/main" val="2348976637"/>
+              </p:ext>
+            </p:extLst>
+          </p:nvPr>
+        </p:nvGraphicFramePr>
+        <p:xfrm>
+          <a:off x="0" y="1704512"/>
+          <a:ext cx="9278151" cy="4554245"/>
+        </p:xfrm>
+        <a:graphic>
+          <a:graphicData uri="http://schemas.openxmlformats.org/drawingml/2006/diagram">
+            <dgm:relIds xmlns:dgm="http://schemas.openxmlformats.org/drawingml/2006/diagram" xmlns:r="http://schemas.openxmlformats.org/officeDocument/2006/relationships" r:dm="rId2" r:lo="rId3" r:qs="rId4" r:cs="rId5"/>
+          </a:graphicData>
+        </a:graphic>
+      </p:graphicFrame>
+      <p:pic>
+        <p:nvPicPr>
+          <p:cNvPr id="12" name="图片 11">
+            <a:extLst>
+              <a:ext uri="{FF2B5EF4-FFF2-40B4-BE49-F238E27FC236}">
+                <a16:creationId xmlns:a16="http://schemas.microsoft.com/office/drawing/2014/main" id="{339A709D-E0D5-4ED8-BF4F-E1A4A2F8BC97}"/>
+              </a:ext>
+            </a:extLst>
+          </p:cNvPr>
+          <p:cNvPicPr>
+            <a:picLocks noChangeAspect="1"/>
+          </p:cNvPicPr>
+          <p:nvPr/>
+        </p:nvPicPr>
+        <p:blipFill>
+          <a:blip r:embed="rId7">
+            <a:extLst>
+              <a:ext uri="{28A0092B-C50C-407E-A947-70E740481C1C}">
+                <a14:useLocalDpi xmlns:a14="http://schemas.microsoft.com/office/drawing/2010/main" val="0"/>
+              </a:ext>
+            </a:extLst>
+          </a:blip>
+          <a:stretch>
+            <a:fillRect/>
+          </a:stretch>
+        </p:blipFill>
+        <p:spPr>
+          <a:xfrm>
+            <a:off x="9582699" y="1602036"/>
+            <a:ext cx="2609299" cy="2609299"/>
+          </a:xfrm>
+          <a:prstGeom prst="rect">
+            <a:avLst/>
+          </a:prstGeom>
+        </p:spPr>
+      </p:pic>
+      <p:pic>
+        <p:nvPicPr>
+          <p:cNvPr id="17" name="图片 16">
+            <a:extLst>
+              <a:ext uri="{FF2B5EF4-FFF2-40B4-BE49-F238E27FC236}">
+                <a16:creationId xmlns:a16="http://schemas.microsoft.com/office/drawing/2014/main" id="{4F879022-EEBA-4220-A9C5-83D71381EA2E}"/>
+              </a:ext>
+            </a:extLst>
+          </p:cNvPr>
+          <p:cNvPicPr>
+            <a:picLocks noChangeAspect="1"/>
+          </p:cNvPicPr>
+          <p:nvPr/>
+        </p:nvPicPr>
+        <p:blipFill>
+          <a:blip r:embed="rId8">
+            <a:extLst>
+              <a:ext uri="{28A0092B-C50C-407E-A947-70E740481C1C}">
+                <a14:useLocalDpi xmlns:a14="http://schemas.microsoft.com/office/drawing/2010/main" val="0"/>
+              </a:ext>
+            </a:extLst>
+          </a:blip>
+          <a:stretch>
+            <a:fillRect/>
+          </a:stretch>
+        </p:blipFill>
+        <p:spPr>
+          <a:xfrm>
+            <a:off x="9582700" y="4248700"/>
+            <a:ext cx="2609300" cy="2609300"/>
+          </a:xfrm>
+          <a:prstGeom prst="rect">
+            <a:avLst/>
+          </a:prstGeom>
+        </p:spPr>
+      </p:pic>
+      <p:sp>
+        <p:nvSpPr>
+          <p:cNvPr id="18" name="左大括号 17">
+            <a:extLst>
+              <a:ext uri="{FF2B5EF4-FFF2-40B4-BE49-F238E27FC236}">
+                <a16:creationId xmlns:a16="http://schemas.microsoft.com/office/drawing/2014/main" id="{A401DD60-1478-44ED-9F3A-CBDD4FC15474}"/>
+              </a:ext>
+            </a:extLst>
+          </p:cNvPr>
+          <p:cNvSpPr/>
+          <p:nvPr/>
+        </p:nvSpPr>
+        <p:spPr>
+          <a:xfrm>
+            <a:off x="9292426" y="1648644"/>
+            <a:ext cx="302510" cy="5162748"/>
+          </a:xfrm>
+          <a:prstGeom prst="leftBrace">
+            <a:avLst>
+              <a:gd name="adj1" fmla="val 0"/>
+              <a:gd name="adj2" fmla="val 58627"/>
+            </a:avLst>
+          </a:prstGeom>
+        </p:spPr>
+        <p:style>
+          <a:lnRef idx="1">
+            <a:schemeClr val="accent1"/>
+          </a:lnRef>
+          <a:fillRef idx="0">
+            <a:schemeClr val="accent1"/>
+          </a:fillRef>
+          <a:effectRef idx="0">
+            <a:schemeClr val="accent1"/>
+          </a:effectRef>
+          <a:fontRef idx="minor">
+            <a:schemeClr val="tx1"/>
+          </a:fontRef>
+        </p:style>
+        <p:txBody>
+          <a:bodyPr rtlCol="0" anchor="ctr"/>
+          <a:lstStyle/>
+          <a:p>
+            <a:pPr algn="ctr"/>
+            <a:endParaRPr lang="zh-CN" altLang="en-US"/>
+          </a:p>
+        </p:txBody>
+      </p:sp>
+    </p:spTree>
+    <p:extLst>
+      <p:ext uri="{BB962C8B-B14F-4D97-AF65-F5344CB8AC3E}">
+        <p14:creationId xmlns:p14="http://schemas.microsoft.com/office/powerpoint/2010/main" val="1658423671"/>
+      </p:ext>
+    </p:extLst>
+  </p:cSld>
+  <p:clrMapOvr>
+    <a:masterClrMapping/>
+  </p:clrMapOvr>
+</p:sld>
+</file>
+
+<file path=ppt/slides/slide4.xml><?xml version="1.0" encoding="utf-8"?>
+<p:sld xmlns:a="http://schemas.openxmlformats.org/drawingml/2006/main" xmlns:r="http://schemas.openxmlformats.org/officeDocument/2006/relationships" xmlns:p="http://schemas.openxmlformats.org/presentationml/2006/main">
+  <p:cSld>
+    <p:spTree>
+      <p:nvGrpSpPr>
+        <p:cNvPr id="1" name=""/>
+        <p:cNvGrpSpPr/>
+        <p:nvPr/>
+      </p:nvGrpSpPr>
+      <p:grpSpPr>
+        <a:xfrm>
+          <a:off x="0" y="0"/>
+          <a:ext cx="0" cy="0"/>
+          <a:chOff x="0" y="0"/>
+          <a:chExt cx="0" cy="0"/>
+        </a:xfrm>
+      </p:grpSpPr>
+      <p:sp>
+        <p:nvSpPr>
+          <p:cNvPr id="2" name="标题 1">
+            <a:extLst>
+              <a:ext uri="{FF2B5EF4-FFF2-40B4-BE49-F238E27FC236}">
+                <a16:creationId xmlns:a16="http://schemas.microsoft.com/office/drawing/2014/main" id="{3359D754-FBF8-42A0-B9A6-287ED678DBD0}"/>
+              </a:ext>
+            </a:extLst>
+          </p:cNvPr>
+          <p:cNvSpPr>
+            <a:spLocks noGrp="1"/>
+          </p:cNvSpPr>
+          <p:nvPr>
+            <p:ph type="ctrTitle"/>
+          </p:nvPr>
+        </p:nvSpPr>
+        <p:spPr>
+          <a:xfrm>
+            <a:off x="1" y="0"/>
+            <a:ext cx="4509856" cy="777458"/>
+          </a:xfrm>
+        </p:spPr>
+        <p:txBody>
+          <a:bodyPr>
+            <a:normAutofit fontScale="90000"/>
+          </a:bodyPr>
+          <a:lstStyle/>
+          <a:p>
             <a:r>
               <a:rPr lang="en-US" altLang="zh-CN" b="1" dirty="0">
                 <a:effectLst>
@@ -4249,7 +11754,7 @@
     </p:spTree>
     <p:extLst>
       <p:ext uri="{BB962C8B-B14F-4D97-AF65-F5344CB8AC3E}">
-        <p14:creationId xmlns:p14="http://schemas.microsoft.com/office/powerpoint/2010/main" val="1541139332"/>
+        <p14:creationId xmlns:p14="http://schemas.microsoft.com/office/powerpoint/2010/main" val="1065596987"/>
       </p:ext>
     </p:extLst>
   </p:cSld>
@@ -4259,7 +11764,7 @@
 </p:sld>
 </file>
 
-<file path=ppt/slides/slide2.xml><?xml version="1.0" encoding="utf-8"?>
+<file path=ppt/slides/slide5.xml><?xml version="1.0" encoding="utf-8"?>
 <p:sld xmlns:a="http://schemas.openxmlformats.org/drawingml/2006/main" xmlns:r="http://schemas.openxmlformats.org/officeDocument/2006/relationships" xmlns:p="http://schemas.openxmlformats.org/presentationml/2006/main">
   <p:cSld>
     <p:spTree>
@@ -4559,7 +12064,7 @@
 </p:sld>
 </file>
 
-<file path=ppt/slides/slide3.xml><?xml version="1.0" encoding="utf-8"?>
+<file path=ppt/slides/slide6.xml><?xml version="1.0" encoding="utf-8"?>
 <p:sld xmlns:a="http://schemas.openxmlformats.org/drawingml/2006/main" xmlns:r="http://schemas.openxmlformats.org/officeDocument/2006/relationships" xmlns:p="http://schemas.openxmlformats.org/presentationml/2006/main">
   <p:cSld>
     <p:spTree>
@@ -4880,7 +12385,656 @@
 </p:sld>
 </file>
 
-<file path=ppt/slides/slide4.xml><?xml version="1.0" encoding="utf-8"?>
+<file path=ppt/slides/slide7.xml><?xml version="1.0" encoding="utf-8"?>
+<p:sld xmlns:a="http://schemas.openxmlformats.org/drawingml/2006/main" xmlns:r="http://schemas.openxmlformats.org/officeDocument/2006/relationships" xmlns:p="http://schemas.openxmlformats.org/presentationml/2006/main">
+  <p:cSld>
+    <p:spTree>
+      <p:nvGrpSpPr>
+        <p:cNvPr id="1" name=""/>
+        <p:cNvGrpSpPr/>
+        <p:nvPr/>
+      </p:nvGrpSpPr>
+      <p:grpSpPr>
+        <a:xfrm>
+          <a:off x="0" y="0"/>
+          <a:ext cx="0" cy="0"/>
+          <a:chOff x="0" y="0"/>
+          <a:chExt cx="0" cy="0"/>
+        </a:xfrm>
+      </p:grpSpPr>
+      <p:sp>
+        <p:nvSpPr>
+          <p:cNvPr id="2" name="标题 1">
+            <a:extLst>
+              <a:ext uri="{FF2B5EF4-FFF2-40B4-BE49-F238E27FC236}">
+                <a16:creationId xmlns:a16="http://schemas.microsoft.com/office/drawing/2014/main" id="{3359D754-FBF8-42A0-B9A6-287ED678DBD0}"/>
+              </a:ext>
+            </a:extLst>
+          </p:cNvPr>
+          <p:cNvSpPr>
+            <a:spLocks noGrp="1"/>
+          </p:cNvSpPr>
+          <p:nvPr>
+            <p:ph type="ctrTitle"/>
+          </p:nvPr>
+        </p:nvSpPr>
+        <p:spPr>
+          <a:xfrm>
+            <a:off x="0" y="0"/>
+            <a:ext cx="4903433" cy="777458"/>
+          </a:xfrm>
+        </p:spPr>
+        <p:txBody>
+          <a:bodyPr>
+            <a:normAutofit fontScale="90000"/>
+          </a:bodyPr>
+          <a:lstStyle/>
+          <a:p>
+            <a:pPr algn="l"/>
+            <a:r>
+              <a:rPr lang="en-US" altLang="zh-CN" b="1" dirty="0">
+                <a:effectLst>
+                  <a:outerShdw blurRad="38100" dist="38100" dir="2700000" algn="tl">
+                    <a:srgbClr val="000000">
+                      <a:alpha val="43137"/>
+                    </a:srgbClr>
+                  </a:outerShdw>
+                </a:effectLst>
+              </a:rPr>
+              <a:t>Clustering</a:t>
+            </a:r>
+            <a:endParaRPr lang="zh-CN" altLang="en-US" b="1" dirty="0">
+              <a:effectLst>
+                <a:outerShdw blurRad="38100" dist="38100" dir="2700000" algn="tl">
+                  <a:srgbClr val="000000">
+                    <a:alpha val="43137"/>
+                  </a:srgbClr>
+                </a:outerShdw>
+              </a:effectLst>
+            </a:endParaRPr>
+          </a:p>
+        </p:txBody>
+      </p:sp>
+      <p:sp>
+        <p:nvSpPr>
+          <p:cNvPr id="10" name="矩形: 圆角 9">
+            <a:extLst>
+              <a:ext uri="{FF2B5EF4-FFF2-40B4-BE49-F238E27FC236}">
+                <a16:creationId xmlns:a16="http://schemas.microsoft.com/office/drawing/2014/main" id="{A9459746-A02F-4A92-8DB2-6C8604963797}"/>
+              </a:ext>
+            </a:extLst>
+          </p:cNvPr>
+          <p:cNvSpPr/>
+          <p:nvPr/>
+        </p:nvSpPr>
+        <p:spPr>
+          <a:xfrm>
+            <a:off x="4818170" y="64993"/>
+            <a:ext cx="2555659" cy="1157253"/>
+          </a:xfrm>
+          <a:prstGeom prst="roundRect">
+            <a:avLst/>
+          </a:prstGeom>
+          <a:solidFill>
+            <a:srgbClr val="FF0000"/>
+          </a:solidFill>
+          <a:ln>
+            <a:solidFill>
+              <a:srgbClr val="FF0000"/>
+            </a:solidFill>
+          </a:ln>
+        </p:spPr>
+        <p:style>
+          <a:lnRef idx="2">
+            <a:schemeClr val="accent1">
+              <a:shade val="50000"/>
+            </a:schemeClr>
+          </a:lnRef>
+          <a:fillRef idx="1">
+            <a:schemeClr val="accent1"/>
+          </a:fillRef>
+          <a:effectRef idx="0">
+            <a:schemeClr val="accent1"/>
+          </a:effectRef>
+          <a:fontRef idx="minor">
+            <a:schemeClr val="lt1"/>
+          </a:fontRef>
+        </p:style>
+        <p:txBody>
+          <a:bodyPr rtlCol="0" anchor="ctr"/>
+          <a:lstStyle/>
+          <a:p>
+            <a:pPr algn="ctr"/>
+            <a:r>
+              <a:rPr lang="en-US" altLang="zh-CN" sz="2800" b="1" dirty="0">
+                <a:effectLst>
+                  <a:outerShdw blurRad="38100" dist="38100" dir="2700000" algn="tl">
+                    <a:srgbClr val="000000">
+                      <a:alpha val="43137"/>
+                    </a:srgbClr>
+                  </a:outerShdw>
+                </a:effectLst>
+                <a:latin typeface="微软雅黑" panose="020B0503020204020204" pitchFamily="34" charset="-122"/>
+                <a:ea typeface="微软雅黑" panose="020B0503020204020204" pitchFamily="34" charset="-122"/>
+              </a:rPr>
+              <a:t>Affinity Propagation</a:t>
+            </a:r>
+          </a:p>
+          <a:p>
+            <a:pPr algn="ctr"/>
+            <a:r>
+              <a:rPr lang="zh-CN" altLang="en-US" sz="2800" b="1" dirty="0">
+                <a:effectLst>
+                  <a:outerShdw blurRad="38100" dist="38100" dir="2700000" algn="tl">
+                    <a:srgbClr val="000000">
+                      <a:alpha val="43137"/>
+                    </a:srgbClr>
+                  </a:outerShdw>
+                </a:effectLst>
+              </a:rPr>
+              <a:t>算法</a:t>
+            </a:r>
+          </a:p>
+        </p:txBody>
+      </p:sp>
+      <p:pic>
+        <p:nvPicPr>
+          <p:cNvPr id="4" name="图片 3">
+            <a:extLst>
+              <a:ext uri="{FF2B5EF4-FFF2-40B4-BE49-F238E27FC236}">
+                <a16:creationId xmlns:a16="http://schemas.microsoft.com/office/drawing/2014/main" id="{BC1A8E3E-5EBB-4DC6-95E1-38518698F212}"/>
+              </a:ext>
+            </a:extLst>
+          </p:cNvPr>
+          <p:cNvPicPr>
+            <a:picLocks noChangeAspect="1"/>
+          </p:cNvPicPr>
+          <p:nvPr/>
+        </p:nvPicPr>
+        <p:blipFill>
+          <a:blip r:embed="rId2">
+            <a:extLst>
+              <a:ext uri="{28A0092B-C50C-407E-A947-70E740481C1C}">
+                <a14:useLocalDpi xmlns:a14="http://schemas.microsoft.com/office/drawing/2010/main" val="0"/>
+              </a:ext>
+            </a:extLst>
+          </a:blip>
+          <a:stretch>
+            <a:fillRect/>
+          </a:stretch>
+        </p:blipFill>
+        <p:spPr>
+          <a:xfrm>
+            <a:off x="592770" y="1265805"/>
+            <a:ext cx="4903433" cy="2411743"/>
+          </a:xfrm>
+          <a:prstGeom prst="rect">
+            <a:avLst/>
+          </a:prstGeom>
+        </p:spPr>
+      </p:pic>
+      <p:sp>
+        <p:nvSpPr>
+          <p:cNvPr id="6" name="文本框 5">
+            <a:extLst>
+              <a:ext uri="{FF2B5EF4-FFF2-40B4-BE49-F238E27FC236}">
+                <a16:creationId xmlns:a16="http://schemas.microsoft.com/office/drawing/2014/main" id="{470FF831-3977-4236-B52D-4C3018BF9CC9}"/>
+              </a:ext>
+            </a:extLst>
+          </p:cNvPr>
+          <p:cNvSpPr txBox="1"/>
+          <p:nvPr/>
+        </p:nvSpPr>
+        <p:spPr>
+          <a:xfrm>
+            <a:off x="1539923" y="1266313"/>
+            <a:ext cx="3094117" cy="523220"/>
+          </a:xfrm>
+          <a:prstGeom prst="rect">
+            <a:avLst/>
+          </a:prstGeom>
+          <a:noFill/>
+        </p:spPr>
+        <p:txBody>
+          <a:bodyPr wrap="none" rtlCol="0">
+            <a:spAutoFit/>
+          </a:bodyPr>
+          <a:lstStyle/>
+          <a:p>
+            <a:pPr algn="ctr"/>
+            <a:r>
+              <a:rPr lang="en-US" altLang="zh-CN" sz="2800" dirty="0" err="1">
+                <a:solidFill>
+                  <a:schemeClr val="bg1"/>
+                </a:solidFill>
+              </a:rPr>
+              <a:t>n</a:t>
+            </a:r>
+            <a:r>
+              <a:rPr lang="en-US" altLang="zh-CN" sz="2800" baseline="-25000" dirty="0" err="1">
+                <a:solidFill>
+                  <a:schemeClr val="bg1"/>
+                </a:solidFill>
+              </a:rPr>
+              <a:t>PCA</a:t>
+            </a:r>
+            <a:r>
+              <a:rPr lang="en-US" altLang="zh-CN" sz="2800" dirty="0">
+                <a:solidFill>
+                  <a:schemeClr val="bg1"/>
+                </a:solidFill>
+              </a:rPr>
+              <a:t>=4, </a:t>
+            </a:r>
+            <a:r>
+              <a:rPr lang="en-US" altLang="zh-CN" sz="2800" dirty="0" err="1">
+                <a:solidFill>
+                  <a:schemeClr val="bg1"/>
+                </a:solidFill>
+              </a:rPr>
+              <a:t>n</a:t>
+            </a:r>
+            <a:r>
+              <a:rPr lang="en-US" altLang="zh-CN" sz="2800" baseline="-25000" dirty="0" err="1">
+                <a:solidFill>
+                  <a:schemeClr val="bg1"/>
+                </a:solidFill>
+              </a:rPr>
+              <a:t>cluster</a:t>
+            </a:r>
+            <a:r>
+              <a:rPr lang="en-US" altLang="zh-CN" sz="2800" dirty="0">
+                <a:solidFill>
+                  <a:schemeClr val="bg1"/>
+                </a:solidFill>
+              </a:rPr>
+              <a:t>=109</a:t>
+            </a:r>
+            <a:endParaRPr lang="zh-CN" altLang="en-US" sz="2800" dirty="0">
+              <a:solidFill>
+                <a:schemeClr val="bg1"/>
+              </a:solidFill>
+            </a:endParaRPr>
+          </a:p>
+        </p:txBody>
+      </p:sp>
+      <p:pic>
+        <p:nvPicPr>
+          <p:cNvPr id="8" name="图片 7">
+            <a:extLst>
+              <a:ext uri="{FF2B5EF4-FFF2-40B4-BE49-F238E27FC236}">
+                <a16:creationId xmlns:a16="http://schemas.microsoft.com/office/drawing/2014/main" id="{7E4EAF62-64D6-405D-BA95-109B40C79B12}"/>
+              </a:ext>
+            </a:extLst>
+          </p:cNvPr>
+          <p:cNvPicPr>
+            <a:picLocks noChangeAspect="1"/>
+          </p:cNvPicPr>
+          <p:nvPr/>
+        </p:nvPicPr>
+        <p:blipFill>
+          <a:blip r:embed="rId3">
+            <a:extLst>
+              <a:ext uri="{28A0092B-C50C-407E-A947-70E740481C1C}">
+                <a14:useLocalDpi xmlns:a14="http://schemas.microsoft.com/office/drawing/2010/main" val="0"/>
+              </a:ext>
+            </a:extLst>
+          </a:blip>
+          <a:stretch>
+            <a:fillRect/>
+          </a:stretch>
+        </p:blipFill>
+        <p:spPr>
+          <a:xfrm>
+            <a:off x="6309064" y="1265805"/>
+            <a:ext cx="4990006" cy="2454324"/>
+          </a:xfrm>
+          <a:prstGeom prst="rect">
+            <a:avLst/>
+          </a:prstGeom>
+        </p:spPr>
+      </p:pic>
+      <p:sp>
+        <p:nvSpPr>
+          <p:cNvPr id="17" name="文本框 16">
+            <a:extLst>
+              <a:ext uri="{FF2B5EF4-FFF2-40B4-BE49-F238E27FC236}">
+                <a16:creationId xmlns:a16="http://schemas.microsoft.com/office/drawing/2014/main" id="{72505A8B-4E10-4084-88C3-852426D28327}"/>
+              </a:ext>
+            </a:extLst>
+          </p:cNvPr>
+          <p:cNvSpPr txBox="1"/>
+          <p:nvPr/>
+        </p:nvSpPr>
+        <p:spPr>
+          <a:xfrm>
+            <a:off x="7428529" y="1265805"/>
+            <a:ext cx="3094117" cy="523220"/>
+          </a:xfrm>
+          <a:prstGeom prst="rect">
+            <a:avLst/>
+          </a:prstGeom>
+          <a:noFill/>
+        </p:spPr>
+        <p:txBody>
+          <a:bodyPr wrap="none" rtlCol="0">
+            <a:spAutoFit/>
+          </a:bodyPr>
+          <a:lstStyle/>
+          <a:p>
+            <a:pPr algn="ctr"/>
+            <a:r>
+              <a:rPr lang="en-US" altLang="zh-CN" sz="2800" dirty="0" err="1">
+                <a:solidFill>
+                  <a:schemeClr val="bg1"/>
+                </a:solidFill>
+              </a:rPr>
+              <a:t>n</a:t>
+            </a:r>
+            <a:r>
+              <a:rPr lang="en-US" altLang="zh-CN" sz="2800" baseline="-25000" dirty="0" err="1">
+                <a:solidFill>
+                  <a:schemeClr val="bg1"/>
+                </a:solidFill>
+              </a:rPr>
+              <a:t>PCA</a:t>
+            </a:r>
+            <a:r>
+              <a:rPr lang="en-US" altLang="zh-CN" sz="2800" dirty="0">
+                <a:solidFill>
+                  <a:schemeClr val="bg1"/>
+                </a:solidFill>
+              </a:rPr>
+              <a:t>=8, </a:t>
+            </a:r>
+            <a:r>
+              <a:rPr lang="en-US" altLang="zh-CN" sz="2800" dirty="0" err="1">
+                <a:solidFill>
+                  <a:schemeClr val="bg1"/>
+                </a:solidFill>
+              </a:rPr>
+              <a:t>n</a:t>
+            </a:r>
+            <a:r>
+              <a:rPr lang="en-US" altLang="zh-CN" sz="2800" baseline="-25000" dirty="0" err="1">
+                <a:solidFill>
+                  <a:schemeClr val="bg1"/>
+                </a:solidFill>
+              </a:rPr>
+              <a:t>cluster</a:t>
+            </a:r>
+            <a:r>
+              <a:rPr lang="en-US" altLang="zh-CN" sz="2800" dirty="0">
+                <a:solidFill>
+                  <a:schemeClr val="bg1"/>
+                </a:solidFill>
+              </a:rPr>
+              <a:t>=247</a:t>
+            </a:r>
+            <a:endParaRPr lang="zh-CN" altLang="en-US" sz="2800" dirty="0">
+              <a:solidFill>
+                <a:schemeClr val="bg1"/>
+              </a:solidFill>
+            </a:endParaRPr>
+          </a:p>
+        </p:txBody>
+      </p:sp>
+      <p:pic>
+        <p:nvPicPr>
+          <p:cNvPr id="12" name="图片 11">
+            <a:extLst>
+              <a:ext uri="{FF2B5EF4-FFF2-40B4-BE49-F238E27FC236}">
+                <a16:creationId xmlns:a16="http://schemas.microsoft.com/office/drawing/2014/main" id="{94EA86EE-7831-41E9-8A5E-BF79A52B9C06}"/>
+              </a:ext>
+            </a:extLst>
+          </p:cNvPr>
+          <p:cNvPicPr>
+            <a:picLocks noChangeAspect="1"/>
+          </p:cNvPicPr>
+          <p:nvPr/>
+        </p:nvPicPr>
+        <p:blipFill>
+          <a:blip r:embed="rId4">
+            <a:extLst>
+              <a:ext uri="{28A0092B-C50C-407E-A947-70E740481C1C}">
+                <a14:useLocalDpi xmlns:a14="http://schemas.microsoft.com/office/drawing/2010/main" val="0"/>
+              </a:ext>
+            </a:extLst>
+          </a:blip>
+          <a:stretch>
+            <a:fillRect/>
+          </a:stretch>
+        </p:blipFill>
+        <p:spPr>
+          <a:xfrm>
+            <a:off x="592769" y="3865670"/>
+            <a:ext cx="4988429" cy="2453548"/>
+          </a:xfrm>
+          <a:prstGeom prst="rect">
+            <a:avLst/>
+          </a:prstGeom>
+        </p:spPr>
+      </p:pic>
+      <p:sp>
+        <p:nvSpPr>
+          <p:cNvPr id="21" name="文本框 20">
+            <a:extLst>
+              <a:ext uri="{FF2B5EF4-FFF2-40B4-BE49-F238E27FC236}">
+                <a16:creationId xmlns:a16="http://schemas.microsoft.com/office/drawing/2014/main" id="{9FEF9CAA-A448-4365-B15A-413F35344764}"/>
+              </a:ext>
+            </a:extLst>
+          </p:cNvPr>
+          <p:cNvSpPr txBox="1"/>
+          <p:nvPr/>
+        </p:nvSpPr>
+        <p:spPr>
+          <a:xfrm>
+            <a:off x="1445347" y="3864894"/>
+            <a:ext cx="3283271" cy="523220"/>
+          </a:xfrm>
+          <a:prstGeom prst="rect">
+            <a:avLst/>
+          </a:prstGeom>
+          <a:noFill/>
+        </p:spPr>
+        <p:txBody>
+          <a:bodyPr wrap="none" rtlCol="0">
+            <a:spAutoFit/>
+          </a:bodyPr>
+          <a:lstStyle/>
+          <a:p>
+            <a:pPr algn="ctr"/>
+            <a:r>
+              <a:rPr lang="en-US" altLang="zh-CN" sz="2800" dirty="0" err="1">
+                <a:solidFill>
+                  <a:schemeClr val="bg1"/>
+                </a:solidFill>
+              </a:rPr>
+              <a:t>n</a:t>
+            </a:r>
+            <a:r>
+              <a:rPr lang="en-US" altLang="zh-CN" sz="2800" baseline="-25000" dirty="0" err="1">
+                <a:solidFill>
+                  <a:schemeClr val="bg1"/>
+                </a:solidFill>
+              </a:rPr>
+              <a:t>PCA</a:t>
+            </a:r>
+            <a:r>
+              <a:rPr lang="en-US" altLang="zh-CN" sz="2800" dirty="0">
+                <a:solidFill>
+                  <a:schemeClr val="bg1"/>
+                </a:solidFill>
+              </a:rPr>
+              <a:t>=12, </a:t>
+            </a:r>
+            <a:r>
+              <a:rPr lang="en-US" altLang="zh-CN" sz="2800" dirty="0" err="1">
+                <a:solidFill>
+                  <a:schemeClr val="bg1"/>
+                </a:solidFill>
+              </a:rPr>
+              <a:t>n</a:t>
+            </a:r>
+            <a:r>
+              <a:rPr lang="en-US" altLang="zh-CN" sz="2800" baseline="-25000" dirty="0" err="1">
+                <a:solidFill>
+                  <a:schemeClr val="bg1"/>
+                </a:solidFill>
+              </a:rPr>
+              <a:t>cluster</a:t>
+            </a:r>
+            <a:r>
+              <a:rPr lang="en-US" altLang="zh-CN" sz="2800" dirty="0">
+                <a:solidFill>
+                  <a:schemeClr val="bg1"/>
+                </a:solidFill>
+              </a:rPr>
+              <a:t>=369</a:t>
+            </a:r>
+            <a:endParaRPr lang="zh-CN" altLang="en-US" sz="2800" dirty="0">
+              <a:solidFill>
+                <a:schemeClr val="bg1"/>
+              </a:solidFill>
+            </a:endParaRPr>
+          </a:p>
+        </p:txBody>
+      </p:sp>
+      <p:pic>
+        <p:nvPicPr>
+          <p:cNvPr id="14" name="图片 13">
+            <a:extLst>
+              <a:ext uri="{FF2B5EF4-FFF2-40B4-BE49-F238E27FC236}">
+                <a16:creationId xmlns:a16="http://schemas.microsoft.com/office/drawing/2014/main" id="{4DD96144-A9B0-4E26-96E2-5DCEBC752C15}"/>
+              </a:ext>
+            </a:extLst>
+          </p:cNvPr>
+          <p:cNvPicPr>
+            <a:picLocks noChangeAspect="1"/>
+          </p:cNvPicPr>
+          <p:nvPr/>
+        </p:nvPicPr>
+        <p:blipFill>
+          <a:blip r:embed="rId5">
+            <a:extLst>
+              <a:ext uri="{28A0092B-C50C-407E-A947-70E740481C1C}">
+                <a14:useLocalDpi xmlns:a14="http://schemas.microsoft.com/office/drawing/2010/main" val="0"/>
+              </a:ext>
+            </a:extLst>
+          </a:blip>
+          <a:stretch>
+            <a:fillRect/>
+          </a:stretch>
+        </p:blipFill>
+        <p:spPr>
+          <a:xfrm>
+            <a:off x="6306105" y="3864894"/>
+            <a:ext cx="4988429" cy="2453548"/>
+          </a:xfrm>
+          <a:prstGeom prst="rect">
+            <a:avLst/>
+          </a:prstGeom>
+        </p:spPr>
+      </p:pic>
+      <p:sp>
+        <p:nvSpPr>
+          <p:cNvPr id="24" name="文本框 23">
+            <a:extLst>
+              <a:ext uri="{FF2B5EF4-FFF2-40B4-BE49-F238E27FC236}">
+                <a16:creationId xmlns:a16="http://schemas.microsoft.com/office/drawing/2014/main" id="{EBCFCB20-A6CE-4B9F-AABA-11072BE29883}"/>
+              </a:ext>
+            </a:extLst>
+          </p:cNvPr>
+          <p:cNvSpPr txBox="1"/>
+          <p:nvPr/>
+        </p:nvSpPr>
+        <p:spPr>
+          <a:xfrm>
+            <a:off x="7333951" y="3864894"/>
+            <a:ext cx="3283271" cy="523220"/>
+          </a:xfrm>
+          <a:prstGeom prst="rect">
+            <a:avLst/>
+          </a:prstGeom>
+          <a:noFill/>
+        </p:spPr>
+        <p:txBody>
+          <a:bodyPr wrap="none" rtlCol="0">
+            <a:spAutoFit/>
+          </a:bodyPr>
+          <a:lstStyle/>
+          <a:p>
+            <a:pPr algn="ctr"/>
+            <a:r>
+              <a:rPr lang="en-US" altLang="zh-CN" sz="2800" dirty="0" err="1">
+                <a:solidFill>
+                  <a:schemeClr val="bg1"/>
+                </a:solidFill>
+              </a:rPr>
+              <a:t>n</a:t>
+            </a:r>
+            <a:r>
+              <a:rPr lang="en-US" altLang="zh-CN" sz="2800" baseline="-25000" dirty="0" err="1">
+                <a:solidFill>
+                  <a:schemeClr val="bg1"/>
+                </a:solidFill>
+              </a:rPr>
+              <a:t>PCA</a:t>
+            </a:r>
+            <a:r>
+              <a:rPr lang="en-US" altLang="zh-CN" sz="2800" dirty="0">
+                <a:solidFill>
+                  <a:schemeClr val="bg1"/>
+                </a:solidFill>
+              </a:rPr>
+              <a:t>=16, </a:t>
+            </a:r>
+            <a:r>
+              <a:rPr lang="en-US" altLang="zh-CN" sz="2800" dirty="0" err="1">
+                <a:solidFill>
+                  <a:schemeClr val="bg1"/>
+                </a:solidFill>
+              </a:rPr>
+              <a:t>n</a:t>
+            </a:r>
+            <a:r>
+              <a:rPr lang="en-US" altLang="zh-CN" sz="2800" baseline="-25000" dirty="0" err="1">
+                <a:solidFill>
+                  <a:schemeClr val="bg1"/>
+                </a:solidFill>
+              </a:rPr>
+              <a:t>cluster</a:t>
+            </a:r>
+            <a:r>
+              <a:rPr lang="en-US" altLang="zh-CN" sz="2800" dirty="0">
+                <a:solidFill>
+                  <a:schemeClr val="bg1"/>
+                </a:solidFill>
+              </a:rPr>
+              <a:t>=487</a:t>
+            </a:r>
+            <a:endParaRPr lang="zh-CN" altLang="en-US" sz="2800" dirty="0">
+              <a:solidFill>
+                <a:schemeClr val="bg1"/>
+              </a:solidFill>
+            </a:endParaRPr>
+          </a:p>
+        </p:txBody>
+      </p:sp>
+    </p:spTree>
+    <p:extLst>
+      <p:ext uri="{BB962C8B-B14F-4D97-AF65-F5344CB8AC3E}">
+        <p14:creationId xmlns:p14="http://schemas.microsoft.com/office/powerpoint/2010/main" val="3238181233"/>
+      </p:ext>
+    </p:extLst>
+  </p:cSld>
+  <p:clrMapOvr>
+    <a:masterClrMapping/>
+  </p:clrMapOvr>
+</p:sld>
+</file>
+
+<file path=ppt/slides/slide8.xml><?xml version="1.0" encoding="utf-8"?>
 <p:sld xmlns:a="http://schemas.openxmlformats.org/drawingml/2006/main" xmlns:r="http://schemas.openxmlformats.org/officeDocument/2006/relationships" xmlns:p="http://schemas.openxmlformats.org/presentationml/2006/main">
   <p:cSld>
     <p:spTree>
@@ -5360,656 +13514,7 @@
 </p:sld>
 </file>
 
-<file path=ppt/slides/slide5.xml><?xml version="1.0" encoding="utf-8"?>
-<p:sld xmlns:a="http://schemas.openxmlformats.org/drawingml/2006/main" xmlns:r="http://schemas.openxmlformats.org/officeDocument/2006/relationships" xmlns:p="http://schemas.openxmlformats.org/presentationml/2006/main">
-  <p:cSld>
-    <p:spTree>
-      <p:nvGrpSpPr>
-        <p:cNvPr id="1" name=""/>
-        <p:cNvGrpSpPr/>
-        <p:nvPr/>
-      </p:nvGrpSpPr>
-      <p:grpSpPr>
-        <a:xfrm>
-          <a:off x="0" y="0"/>
-          <a:ext cx="0" cy="0"/>
-          <a:chOff x="0" y="0"/>
-          <a:chExt cx="0" cy="0"/>
-        </a:xfrm>
-      </p:grpSpPr>
-      <p:sp>
-        <p:nvSpPr>
-          <p:cNvPr id="2" name="标题 1">
-            <a:extLst>
-              <a:ext uri="{FF2B5EF4-FFF2-40B4-BE49-F238E27FC236}">
-                <a16:creationId xmlns:a16="http://schemas.microsoft.com/office/drawing/2014/main" id="{3359D754-FBF8-42A0-B9A6-287ED678DBD0}"/>
-              </a:ext>
-            </a:extLst>
-          </p:cNvPr>
-          <p:cNvSpPr>
-            <a:spLocks noGrp="1"/>
-          </p:cNvSpPr>
-          <p:nvPr>
-            <p:ph type="ctrTitle"/>
-          </p:nvPr>
-        </p:nvSpPr>
-        <p:spPr>
-          <a:xfrm>
-            <a:off x="0" y="0"/>
-            <a:ext cx="4903433" cy="777458"/>
-          </a:xfrm>
-        </p:spPr>
-        <p:txBody>
-          <a:bodyPr>
-            <a:normAutofit fontScale="90000"/>
-          </a:bodyPr>
-          <a:lstStyle/>
-          <a:p>
-            <a:pPr algn="l"/>
-            <a:r>
-              <a:rPr lang="en-US" altLang="zh-CN" b="1" dirty="0">
-                <a:effectLst>
-                  <a:outerShdw blurRad="38100" dist="38100" dir="2700000" algn="tl">
-                    <a:srgbClr val="000000">
-                      <a:alpha val="43137"/>
-                    </a:srgbClr>
-                  </a:outerShdw>
-                </a:effectLst>
-              </a:rPr>
-              <a:t>Clustering</a:t>
-            </a:r>
-            <a:endParaRPr lang="zh-CN" altLang="en-US" b="1" dirty="0">
-              <a:effectLst>
-                <a:outerShdw blurRad="38100" dist="38100" dir="2700000" algn="tl">
-                  <a:srgbClr val="000000">
-                    <a:alpha val="43137"/>
-                  </a:srgbClr>
-                </a:outerShdw>
-              </a:effectLst>
-            </a:endParaRPr>
-          </a:p>
-        </p:txBody>
-      </p:sp>
-      <p:sp>
-        <p:nvSpPr>
-          <p:cNvPr id="10" name="矩形: 圆角 9">
-            <a:extLst>
-              <a:ext uri="{FF2B5EF4-FFF2-40B4-BE49-F238E27FC236}">
-                <a16:creationId xmlns:a16="http://schemas.microsoft.com/office/drawing/2014/main" id="{A9459746-A02F-4A92-8DB2-6C8604963797}"/>
-              </a:ext>
-            </a:extLst>
-          </p:cNvPr>
-          <p:cNvSpPr/>
-          <p:nvPr/>
-        </p:nvSpPr>
-        <p:spPr>
-          <a:xfrm>
-            <a:off x="4818170" y="64993"/>
-            <a:ext cx="2555659" cy="1157253"/>
-          </a:xfrm>
-          <a:prstGeom prst="roundRect">
-            <a:avLst/>
-          </a:prstGeom>
-          <a:solidFill>
-            <a:srgbClr val="FF0000"/>
-          </a:solidFill>
-          <a:ln>
-            <a:solidFill>
-              <a:srgbClr val="FF0000"/>
-            </a:solidFill>
-          </a:ln>
-        </p:spPr>
-        <p:style>
-          <a:lnRef idx="2">
-            <a:schemeClr val="accent1">
-              <a:shade val="50000"/>
-            </a:schemeClr>
-          </a:lnRef>
-          <a:fillRef idx="1">
-            <a:schemeClr val="accent1"/>
-          </a:fillRef>
-          <a:effectRef idx="0">
-            <a:schemeClr val="accent1"/>
-          </a:effectRef>
-          <a:fontRef idx="minor">
-            <a:schemeClr val="lt1"/>
-          </a:fontRef>
-        </p:style>
-        <p:txBody>
-          <a:bodyPr rtlCol="0" anchor="ctr"/>
-          <a:lstStyle/>
-          <a:p>
-            <a:pPr algn="ctr"/>
-            <a:r>
-              <a:rPr lang="en-US" altLang="zh-CN" sz="2800" b="1" dirty="0">
-                <a:effectLst>
-                  <a:outerShdw blurRad="38100" dist="38100" dir="2700000" algn="tl">
-                    <a:srgbClr val="000000">
-                      <a:alpha val="43137"/>
-                    </a:srgbClr>
-                  </a:outerShdw>
-                </a:effectLst>
-                <a:latin typeface="微软雅黑" panose="020B0503020204020204" pitchFamily="34" charset="-122"/>
-                <a:ea typeface="微软雅黑" panose="020B0503020204020204" pitchFamily="34" charset="-122"/>
-              </a:rPr>
-              <a:t>Affinity Propagation</a:t>
-            </a:r>
-          </a:p>
-          <a:p>
-            <a:pPr algn="ctr"/>
-            <a:r>
-              <a:rPr lang="zh-CN" altLang="en-US" sz="2800" b="1" dirty="0">
-                <a:effectLst>
-                  <a:outerShdw blurRad="38100" dist="38100" dir="2700000" algn="tl">
-                    <a:srgbClr val="000000">
-                      <a:alpha val="43137"/>
-                    </a:srgbClr>
-                  </a:outerShdw>
-                </a:effectLst>
-              </a:rPr>
-              <a:t>算法</a:t>
-            </a:r>
-          </a:p>
-        </p:txBody>
-      </p:sp>
-      <p:pic>
-        <p:nvPicPr>
-          <p:cNvPr id="4" name="图片 3">
-            <a:extLst>
-              <a:ext uri="{FF2B5EF4-FFF2-40B4-BE49-F238E27FC236}">
-                <a16:creationId xmlns:a16="http://schemas.microsoft.com/office/drawing/2014/main" id="{BC1A8E3E-5EBB-4DC6-95E1-38518698F212}"/>
-              </a:ext>
-            </a:extLst>
-          </p:cNvPr>
-          <p:cNvPicPr>
-            <a:picLocks noChangeAspect="1"/>
-          </p:cNvPicPr>
-          <p:nvPr/>
-        </p:nvPicPr>
-        <p:blipFill>
-          <a:blip r:embed="rId2">
-            <a:extLst>
-              <a:ext uri="{28A0092B-C50C-407E-A947-70E740481C1C}">
-                <a14:useLocalDpi xmlns:a14="http://schemas.microsoft.com/office/drawing/2010/main" val="0"/>
-              </a:ext>
-            </a:extLst>
-          </a:blip>
-          <a:stretch>
-            <a:fillRect/>
-          </a:stretch>
-        </p:blipFill>
-        <p:spPr>
-          <a:xfrm>
-            <a:off x="592770" y="1265805"/>
-            <a:ext cx="4903433" cy="2411743"/>
-          </a:xfrm>
-          <a:prstGeom prst="rect">
-            <a:avLst/>
-          </a:prstGeom>
-        </p:spPr>
-      </p:pic>
-      <p:sp>
-        <p:nvSpPr>
-          <p:cNvPr id="6" name="文本框 5">
-            <a:extLst>
-              <a:ext uri="{FF2B5EF4-FFF2-40B4-BE49-F238E27FC236}">
-                <a16:creationId xmlns:a16="http://schemas.microsoft.com/office/drawing/2014/main" id="{470FF831-3977-4236-B52D-4C3018BF9CC9}"/>
-              </a:ext>
-            </a:extLst>
-          </p:cNvPr>
-          <p:cNvSpPr txBox="1"/>
-          <p:nvPr/>
-        </p:nvSpPr>
-        <p:spPr>
-          <a:xfrm>
-            <a:off x="1539923" y="1266313"/>
-            <a:ext cx="3094117" cy="523220"/>
-          </a:xfrm>
-          <a:prstGeom prst="rect">
-            <a:avLst/>
-          </a:prstGeom>
-          <a:noFill/>
-        </p:spPr>
-        <p:txBody>
-          <a:bodyPr wrap="none" rtlCol="0">
-            <a:spAutoFit/>
-          </a:bodyPr>
-          <a:lstStyle/>
-          <a:p>
-            <a:pPr algn="ctr"/>
-            <a:r>
-              <a:rPr lang="en-US" altLang="zh-CN" sz="2800" dirty="0" err="1">
-                <a:solidFill>
-                  <a:schemeClr val="bg1"/>
-                </a:solidFill>
-              </a:rPr>
-              <a:t>n</a:t>
-            </a:r>
-            <a:r>
-              <a:rPr lang="en-US" altLang="zh-CN" sz="2800" baseline="-25000" dirty="0" err="1">
-                <a:solidFill>
-                  <a:schemeClr val="bg1"/>
-                </a:solidFill>
-              </a:rPr>
-              <a:t>PCA</a:t>
-            </a:r>
-            <a:r>
-              <a:rPr lang="en-US" altLang="zh-CN" sz="2800" dirty="0">
-                <a:solidFill>
-                  <a:schemeClr val="bg1"/>
-                </a:solidFill>
-              </a:rPr>
-              <a:t>=4, </a:t>
-            </a:r>
-            <a:r>
-              <a:rPr lang="en-US" altLang="zh-CN" sz="2800" dirty="0" err="1">
-                <a:solidFill>
-                  <a:schemeClr val="bg1"/>
-                </a:solidFill>
-              </a:rPr>
-              <a:t>n</a:t>
-            </a:r>
-            <a:r>
-              <a:rPr lang="en-US" altLang="zh-CN" sz="2800" baseline="-25000" dirty="0" err="1">
-                <a:solidFill>
-                  <a:schemeClr val="bg1"/>
-                </a:solidFill>
-              </a:rPr>
-              <a:t>cluster</a:t>
-            </a:r>
-            <a:r>
-              <a:rPr lang="en-US" altLang="zh-CN" sz="2800" dirty="0">
-                <a:solidFill>
-                  <a:schemeClr val="bg1"/>
-                </a:solidFill>
-              </a:rPr>
-              <a:t>=109</a:t>
-            </a:r>
-            <a:endParaRPr lang="zh-CN" altLang="en-US" sz="2800" dirty="0">
-              <a:solidFill>
-                <a:schemeClr val="bg1"/>
-              </a:solidFill>
-            </a:endParaRPr>
-          </a:p>
-        </p:txBody>
-      </p:sp>
-      <p:pic>
-        <p:nvPicPr>
-          <p:cNvPr id="8" name="图片 7">
-            <a:extLst>
-              <a:ext uri="{FF2B5EF4-FFF2-40B4-BE49-F238E27FC236}">
-                <a16:creationId xmlns:a16="http://schemas.microsoft.com/office/drawing/2014/main" id="{7E4EAF62-64D6-405D-BA95-109B40C79B12}"/>
-              </a:ext>
-            </a:extLst>
-          </p:cNvPr>
-          <p:cNvPicPr>
-            <a:picLocks noChangeAspect="1"/>
-          </p:cNvPicPr>
-          <p:nvPr/>
-        </p:nvPicPr>
-        <p:blipFill>
-          <a:blip r:embed="rId3">
-            <a:extLst>
-              <a:ext uri="{28A0092B-C50C-407E-A947-70E740481C1C}">
-                <a14:useLocalDpi xmlns:a14="http://schemas.microsoft.com/office/drawing/2010/main" val="0"/>
-              </a:ext>
-            </a:extLst>
-          </a:blip>
-          <a:stretch>
-            <a:fillRect/>
-          </a:stretch>
-        </p:blipFill>
-        <p:spPr>
-          <a:xfrm>
-            <a:off x="6309064" y="1265805"/>
-            <a:ext cx="4990006" cy="2454324"/>
-          </a:xfrm>
-          <a:prstGeom prst="rect">
-            <a:avLst/>
-          </a:prstGeom>
-        </p:spPr>
-      </p:pic>
-      <p:sp>
-        <p:nvSpPr>
-          <p:cNvPr id="17" name="文本框 16">
-            <a:extLst>
-              <a:ext uri="{FF2B5EF4-FFF2-40B4-BE49-F238E27FC236}">
-                <a16:creationId xmlns:a16="http://schemas.microsoft.com/office/drawing/2014/main" id="{72505A8B-4E10-4084-88C3-852426D28327}"/>
-              </a:ext>
-            </a:extLst>
-          </p:cNvPr>
-          <p:cNvSpPr txBox="1"/>
-          <p:nvPr/>
-        </p:nvSpPr>
-        <p:spPr>
-          <a:xfrm>
-            <a:off x="7428529" y="1265805"/>
-            <a:ext cx="3094117" cy="523220"/>
-          </a:xfrm>
-          <a:prstGeom prst="rect">
-            <a:avLst/>
-          </a:prstGeom>
-          <a:noFill/>
-        </p:spPr>
-        <p:txBody>
-          <a:bodyPr wrap="none" rtlCol="0">
-            <a:spAutoFit/>
-          </a:bodyPr>
-          <a:lstStyle/>
-          <a:p>
-            <a:pPr algn="ctr"/>
-            <a:r>
-              <a:rPr lang="en-US" altLang="zh-CN" sz="2800" dirty="0" err="1">
-                <a:solidFill>
-                  <a:schemeClr val="bg1"/>
-                </a:solidFill>
-              </a:rPr>
-              <a:t>n</a:t>
-            </a:r>
-            <a:r>
-              <a:rPr lang="en-US" altLang="zh-CN" sz="2800" baseline="-25000" dirty="0" err="1">
-                <a:solidFill>
-                  <a:schemeClr val="bg1"/>
-                </a:solidFill>
-              </a:rPr>
-              <a:t>PCA</a:t>
-            </a:r>
-            <a:r>
-              <a:rPr lang="en-US" altLang="zh-CN" sz="2800" dirty="0">
-                <a:solidFill>
-                  <a:schemeClr val="bg1"/>
-                </a:solidFill>
-              </a:rPr>
-              <a:t>=8, </a:t>
-            </a:r>
-            <a:r>
-              <a:rPr lang="en-US" altLang="zh-CN" sz="2800" dirty="0" err="1">
-                <a:solidFill>
-                  <a:schemeClr val="bg1"/>
-                </a:solidFill>
-              </a:rPr>
-              <a:t>n</a:t>
-            </a:r>
-            <a:r>
-              <a:rPr lang="en-US" altLang="zh-CN" sz="2800" baseline="-25000" dirty="0" err="1">
-                <a:solidFill>
-                  <a:schemeClr val="bg1"/>
-                </a:solidFill>
-              </a:rPr>
-              <a:t>cluster</a:t>
-            </a:r>
-            <a:r>
-              <a:rPr lang="en-US" altLang="zh-CN" sz="2800" dirty="0">
-                <a:solidFill>
-                  <a:schemeClr val="bg1"/>
-                </a:solidFill>
-              </a:rPr>
-              <a:t>=247</a:t>
-            </a:r>
-            <a:endParaRPr lang="zh-CN" altLang="en-US" sz="2800" dirty="0">
-              <a:solidFill>
-                <a:schemeClr val="bg1"/>
-              </a:solidFill>
-            </a:endParaRPr>
-          </a:p>
-        </p:txBody>
-      </p:sp>
-      <p:pic>
-        <p:nvPicPr>
-          <p:cNvPr id="12" name="图片 11">
-            <a:extLst>
-              <a:ext uri="{FF2B5EF4-FFF2-40B4-BE49-F238E27FC236}">
-                <a16:creationId xmlns:a16="http://schemas.microsoft.com/office/drawing/2014/main" id="{94EA86EE-7831-41E9-8A5E-BF79A52B9C06}"/>
-              </a:ext>
-            </a:extLst>
-          </p:cNvPr>
-          <p:cNvPicPr>
-            <a:picLocks noChangeAspect="1"/>
-          </p:cNvPicPr>
-          <p:nvPr/>
-        </p:nvPicPr>
-        <p:blipFill>
-          <a:blip r:embed="rId4">
-            <a:extLst>
-              <a:ext uri="{28A0092B-C50C-407E-A947-70E740481C1C}">
-                <a14:useLocalDpi xmlns:a14="http://schemas.microsoft.com/office/drawing/2010/main" val="0"/>
-              </a:ext>
-            </a:extLst>
-          </a:blip>
-          <a:stretch>
-            <a:fillRect/>
-          </a:stretch>
-        </p:blipFill>
-        <p:spPr>
-          <a:xfrm>
-            <a:off x="592769" y="3865670"/>
-            <a:ext cx="4988429" cy="2453548"/>
-          </a:xfrm>
-          <a:prstGeom prst="rect">
-            <a:avLst/>
-          </a:prstGeom>
-        </p:spPr>
-      </p:pic>
-      <p:sp>
-        <p:nvSpPr>
-          <p:cNvPr id="21" name="文本框 20">
-            <a:extLst>
-              <a:ext uri="{FF2B5EF4-FFF2-40B4-BE49-F238E27FC236}">
-                <a16:creationId xmlns:a16="http://schemas.microsoft.com/office/drawing/2014/main" id="{9FEF9CAA-A448-4365-B15A-413F35344764}"/>
-              </a:ext>
-            </a:extLst>
-          </p:cNvPr>
-          <p:cNvSpPr txBox="1"/>
-          <p:nvPr/>
-        </p:nvSpPr>
-        <p:spPr>
-          <a:xfrm>
-            <a:off x="1445347" y="3864894"/>
-            <a:ext cx="3283271" cy="523220"/>
-          </a:xfrm>
-          <a:prstGeom prst="rect">
-            <a:avLst/>
-          </a:prstGeom>
-          <a:noFill/>
-        </p:spPr>
-        <p:txBody>
-          <a:bodyPr wrap="none" rtlCol="0">
-            <a:spAutoFit/>
-          </a:bodyPr>
-          <a:lstStyle/>
-          <a:p>
-            <a:pPr algn="ctr"/>
-            <a:r>
-              <a:rPr lang="en-US" altLang="zh-CN" sz="2800" dirty="0" err="1">
-                <a:solidFill>
-                  <a:schemeClr val="bg1"/>
-                </a:solidFill>
-              </a:rPr>
-              <a:t>n</a:t>
-            </a:r>
-            <a:r>
-              <a:rPr lang="en-US" altLang="zh-CN" sz="2800" baseline="-25000" dirty="0" err="1">
-                <a:solidFill>
-                  <a:schemeClr val="bg1"/>
-                </a:solidFill>
-              </a:rPr>
-              <a:t>PCA</a:t>
-            </a:r>
-            <a:r>
-              <a:rPr lang="en-US" altLang="zh-CN" sz="2800" dirty="0">
-                <a:solidFill>
-                  <a:schemeClr val="bg1"/>
-                </a:solidFill>
-              </a:rPr>
-              <a:t>=12, </a:t>
-            </a:r>
-            <a:r>
-              <a:rPr lang="en-US" altLang="zh-CN" sz="2800" dirty="0" err="1">
-                <a:solidFill>
-                  <a:schemeClr val="bg1"/>
-                </a:solidFill>
-              </a:rPr>
-              <a:t>n</a:t>
-            </a:r>
-            <a:r>
-              <a:rPr lang="en-US" altLang="zh-CN" sz="2800" baseline="-25000" dirty="0" err="1">
-                <a:solidFill>
-                  <a:schemeClr val="bg1"/>
-                </a:solidFill>
-              </a:rPr>
-              <a:t>cluster</a:t>
-            </a:r>
-            <a:r>
-              <a:rPr lang="en-US" altLang="zh-CN" sz="2800" dirty="0">
-                <a:solidFill>
-                  <a:schemeClr val="bg1"/>
-                </a:solidFill>
-              </a:rPr>
-              <a:t>=369</a:t>
-            </a:r>
-            <a:endParaRPr lang="zh-CN" altLang="en-US" sz="2800" dirty="0">
-              <a:solidFill>
-                <a:schemeClr val="bg1"/>
-              </a:solidFill>
-            </a:endParaRPr>
-          </a:p>
-        </p:txBody>
-      </p:sp>
-      <p:pic>
-        <p:nvPicPr>
-          <p:cNvPr id="14" name="图片 13">
-            <a:extLst>
-              <a:ext uri="{FF2B5EF4-FFF2-40B4-BE49-F238E27FC236}">
-                <a16:creationId xmlns:a16="http://schemas.microsoft.com/office/drawing/2014/main" id="{4DD96144-A9B0-4E26-96E2-5DCEBC752C15}"/>
-              </a:ext>
-            </a:extLst>
-          </p:cNvPr>
-          <p:cNvPicPr>
-            <a:picLocks noChangeAspect="1"/>
-          </p:cNvPicPr>
-          <p:nvPr/>
-        </p:nvPicPr>
-        <p:blipFill>
-          <a:blip r:embed="rId5">
-            <a:extLst>
-              <a:ext uri="{28A0092B-C50C-407E-A947-70E740481C1C}">
-                <a14:useLocalDpi xmlns:a14="http://schemas.microsoft.com/office/drawing/2010/main" val="0"/>
-              </a:ext>
-            </a:extLst>
-          </a:blip>
-          <a:stretch>
-            <a:fillRect/>
-          </a:stretch>
-        </p:blipFill>
-        <p:spPr>
-          <a:xfrm>
-            <a:off x="6306105" y="3864894"/>
-            <a:ext cx="4988429" cy="2453548"/>
-          </a:xfrm>
-          <a:prstGeom prst="rect">
-            <a:avLst/>
-          </a:prstGeom>
-        </p:spPr>
-      </p:pic>
-      <p:sp>
-        <p:nvSpPr>
-          <p:cNvPr id="24" name="文本框 23">
-            <a:extLst>
-              <a:ext uri="{FF2B5EF4-FFF2-40B4-BE49-F238E27FC236}">
-                <a16:creationId xmlns:a16="http://schemas.microsoft.com/office/drawing/2014/main" id="{EBCFCB20-A6CE-4B9F-AABA-11072BE29883}"/>
-              </a:ext>
-            </a:extLst>
-          </p:cNvPr>
-          <p:cNvSpPr txBox="1"/>
-          <p:nvPr/>
-        </p:nvSpPr>
-        <p:spPr>
-          <a:xfrm>
-            <a:off x="7333951" y="3864894"/>
-            <a:ext cx="3283271" cy="523220"/>
-          </a:xfrm>
-          <a:prstGeom prst="rect">
-            <a:avLst/>
-          </a:prstGeom>
-          <a:noFill/>
-        </p:spPr>
-        <p:txBody>
-          <a:bodyPr wrap="none" rtlCol="0">
-            <a:spAutoFit/>
-          </a:bodyPr>
-          <a:lstStyle/>
-          <a:p>
-            <a:pPr algn="ctr"/>
-            <a:r>
-              <a:rPr lang="en-US" altLang="zh-CN" sz="2800" dirty="0" err="1">
-                <a:solidFill>
-                  <a:schemeClr val="bg1"/>
-                </a:solidFill>
-              </a:rPr>
-              <a:t>n</a:t>
-            </a:r>
-            <a:r>
-              <a:rPr lang="en-US" altLang="zh-CN" sz="2800" baseline="-25000" dirty="0" err="1">
-                <a:solidFill>
-                  <a:schemeClr val="bg1"/>
-                </a:solidFill>
-              </a:rPr>
-              <a:t>PCA</a:t>
-            </a:r>
-            <a:r>
-              <a:rPr lang="en-US" altLang="zh-CN" sz="2800" dirty="0">
-                <a:solidFill>
-                  <a:schemeClr val="bg1"/>
-                </a:solidFill>
-              </a:rPr>
-              <a:t>=16, </a:t>
-            </a:r>
-            <a:r>
-              <a:rPr lang="en-US" altLang="zh-CN" sz="2800" dirty="0" err="1">
-                <a:solidFill>
-                  <a:schemeClr val="bg1"/>
-                </a:solidFill>
-              </a:rPr>
-              <a:t>n</a:t>
-            </a:r>
-            <a:r>
-              <a:rPr lang="en-US" altLang="zh-CN" sz="2800" baseline="-25000" dirty="0" err="1">
-                <a:solidFill>
-                  <a:schemeClr val="bg1"/>
-                </a:solidFill>
-              </a:rPr>
-              <a:t>cluster</a:t>
-            </a:r>
-            <a:r>
-              <a:rPr lang="en-US" altLang="zh-CN" sz="2800" dirty="0">
-                <a:solidFill>
-                  <a:schemeClr val="bg1"/>
-                </a:solidFill>
-              </a:rPr>
-              <a:t>=487</a:t>
-            </a:r>
-            <a:endParaRPr lang="zh-CN" altLang="en-US" sz="2800" dirty="0">
-              <a:solidFill>
-                <a:schemeClr val="bg1"/>
-              </a:solidFill>
-            </a:endParaRPr>
-          </a:p>
-        </p:txBody>
-      </p:sp>
-    </p:spTree>
-    <p:extLst>
-      <p:ext uri="{BB962C8B-B14F-4D97-AF65-F5344CB8AC3E}">
-        <p14:creationId xmlns:p14="http://schemas.microsoft.com/office/powerpoint/2010/main" val="3238181233"/>
-      </p:ext>
-    </p:extLst>
-  </p:cSld>
-  <p:clrMapOvr>
-    <a:masterClrMapping/>
-  </p:clrMapOvr>
-</p:sld>
-</file>
-
-<file path=ppt/slides/slide6.xml><?xml version="1.0" encoding="utf-8"?>
+<file path=ppt/slides/slide9.xml><?xml version="1.0" encoding="utf-8"?>
 <p:sld xmlns:a="http://schemas.openxmlformats.org/drawingml/2006/main" xmlns:r="http://schemas.openxmlformats.org/officeDocument/2006/relationships" xmlns:p="http://schemas.openxmlformats.org/presentationml/2006/main">
   <p:cSld>
     <p:spTree>
@@ -6240,10 +13745,10 @@
       </p:sp>
       <p:pic>
         <p:nvPicPr>
-          <p:cNvPr id="5" name="图片 4">
+          <p:cNvPr id="16" name="图片 15">
             <a:extLst>
               <a:ext uri="{FF2B5EF4-FFF2-40B4-BE49-F238E27FC236}">
-                <a16:creationId xmlns:a16="http://schemas.microsoft.com/office/drawing/2014/main" id="{ACF2BB27-C7CB-4DD7-BE4E-DED0C16E47BE}"/>
+                <a16:creationId xmlns:a16="http://schemas.microsoft.com/office/drawing/2014/main" id="{D604389E-1A8C-4EB8-BFB1-12281E7FC157}"/>
               </a:ext>
             </a:extLst>
           </p:cNvPr>
@@ -6254,166 +13759,6 @@
         </p:nvPicPr>
         <p:blipFill>
           <a:blip r:embed="rId3">
-            <a:extLst>
-              <a:ext uri="{28A0092B-C50C-407E-A947-70E740481C1C}">
-                <a14:useLocalDpi xmlns:a14="http://schemas.microsoft.com/office/drawing/2010/main" val="0"/>
-              </a:ext>
-            </a:extLst>
-          </a:blip>
-          <a:stretch>
-            <a:fillRect/>
-          </a:stretch>
-        </p:blipFill>
-        <p:spPr>
-          <a:xfrm>
-            <a:off x="6309064" y="1222246"/>
-            <a:ext cx="4990006" cy="2454324"/>
-          </a:xfrm>
-          <a:prstGeom prst="rect">
-            <a:avLst/>
-          </a:prstGeom>
-        </p:spPr>
-      </p:pic>
-      <p:sp>
-        <p:nvSpPr>
-          <p:cNvPr id="15" name="文本框 14">
-            <a:extLst>
-              <a:ext uri="{FF2B5EF4-FFF2-40B4-BE49-F238E27FC236}">
-                <a16:creationId xmlns:a16="http://schemas.microsoft.com/office/drawing/2014/main" id="{D45F9C1F-D722-4C26-9E32-A3DA838F91E7}"/>
-              </a:ext>
-            </a:extLst>
-          </p:cNvPr>
-          <p:cNvSpPr txBox="1"/>
-          <p:nvPr/>
-        </p:nvSpPr>
-        <p:spPr>
-          <a:xfrm>
-            <a:off x="8340638" y="1359354"/>
-            <a:ext cx="1098378" cy="461665"/>
-          </a:xfrm>
-          <a:prstGeom prst="rect">
-            <a:avLst/>
-          </a:prstGeom>
-          <a:noFill/>
-        </p:spPr>
-        <p:txBody>
-          <a:bodyPr wrap="none" rtlCol="0">
-            <a:spAutoFit/>
-          </a:bodyPr>
-          <a:lstStyle/>
-          <a:p>
-            <a:r>
-              <a:rPr lang="en-US" altLang="zh-CN" sz="2400" b="1" dirty="0">
-                <a:solidFill>
-                  <a:schemeClr val="bg1"/>
-                </a:solidFill>
-              </a:rPr>
-              <a:t>K = 50</a:t>
-            </a:r>
-            <a:endParaRPr lang="zh-CN" altLang="en-US" sz="2400" b="1" dirty="0">
-              <a:solidFill>
-                <a:schemeClr val="bg1"/>
-              </a:solidFill>
-            </a:endParaRPr>
-          </a:p>
-        </p:txBody>
-      </p:sp>
-      <p:pic>
-        <p:nvPicPr>
-          <p:cNvPr id="9" name="图片 8">
-            <a:extLst>
-              <a:ext uri="{FF2B5EF4-FFF2-40B4-BE49-F238E27FC236}">
-                <a16:creationId xmlns:a16="http://schemas.microsoft.com/office/drawing/2014/main" id="{E696D873-B5C1-4C0C-9204-36F87F78D597}"/>
-              </a:ext>
-            </a:extLst>
-          </p:cNvPr>
-          <p:cNvPicPr>
-            <a:picLocks noChangeAspect="1"/>
-          </p:cNvPicPr>
-          <p:nvPr/>
-        </p:nvPicPr>
-        <p:blipFill>
-          <a:blip r:embed="rId4">
-            <a:extLst>
-              <a:ext uri="{28A0092B-C50C-407E-A947-70E740481C1C}">
-                <a14:useLocalDpi xmlns:a14="http://schemas.microsoft.com/office/drawing/2010/main" val="0"/>
-              </a:ext>
-            </a:extLst>
-          </a:blip>
-          <a:stretch>
-            <a:fillRect/>
-          </a:stretch>
-        </p:blipFill>
-        <p:spPr>
-          <a:xfrm>
-            <a:off x="592771" y="1222246"/>
-            <a:ext cx="4990006" cy="2454324"/>
-          </a:xfrm>
-          <a:prstGeom prst="rect">
-            <a:avLst/>
-          </a:prstGeom>
-        </p:spPr>
-      </p:pic>
-      <p:sp>
-        <p:nvSpPr>
-          <p:cNvPr id="19" name="文本框 18">
-            <a:extLst>
-              <a:ext uri="{FF2B5EF4-FFF2-40B4-BE49-F238E27FC236}">
-                <a16:creationId xmlns:a16="http://schemas.microsoft.com/office/drawing/2014/main" id="{5DB6D878-0908-4028-B834-E83DB97FE02A}"/>
-              </a:ext>
-            </a:extLst>
-          </p:cNvPr>
-          <p:cNvSpPr txBox="1"/>
-          <p:nvPr/>
-        </p:nvSpPr>
-        <p:spPr>
-          <a:xfrm>
-            <a:off x="2624345" y="1333818"/>
-            <a:ext cx="926857" cy="461665"/>
-          </a:xfrm>
-          <a:prstGeom prst="rect">
-            <a:avLst/>
-          </a:prstGeom>
-          <a:noFill/>
-        </p:spPr>
-        <p:txBody>
-          <a:bodyPr wrap="none" rtlCol="0">
-            <a:spAutoFit/>
-          </a:bodyPr>
-          <a:lstStyle/>
-          <a:p>
-            <a:r>
-              <a:rPr lang="en-US" altLang="zh-CN" sz="2400" b="1" dirty="0">
-                <a:solidFill>
-                  <a:schemeClr val="bg1"/>
-                </a:solidFill>
-              </a:rPr>
-              <a:t>K = 5</a:t>
-            </a:r>
-            <a:endParaRPr lang="zh-CN" altLang="en-US" sz="2400" b="1" dirty="0">
-              <a:solidFill>
-                <a:schemeClr val="bg1"/>
-              </a:solidFill>
-            </a:endParaRPr>
-          </a:p>
-        </p:txBody>
-      </p:sp>
-      <p:pic>
-        <p:nvPicPr>
-          <p:cNvPr id="16" name="图片 15">
-            <a:extLst>
-              <a:ext uri="{FF2B5EF4-FFF2-40B4-BE49-F238E27FC236}">
-                <a16:creationId xmlns:a16="http://schemas.microsoft.com/office/drawing/2014/main" id="{D604389E-1A8C-4EB8-BFB1-12281E7FC157}"/>
-              </a:ext>
-            </a:extLst>
-          </p:cNvPr>
-          <p:cNvPicPr>
-            <a:picLocks noChangeAspect="1"/>
-          </p:cNvPicPr>
-          <p:nvPr/>
-        </p:nvPicPr>
-        <p:blipFill>
-          <a:blip r:embed="rId5">
             <a:extLst>
               <a:ext uri="{28A0092B-C50C-407E-A947-70E740481C1C}">
                 <a14:useLocalDpi xmlns:a14="http://schemas.microsoft.com/office/drawing/2010/main" val="0"/>
@@ -6469,6 +13814,166 @@
                 </a:solidFill>
               </a:rPr>
               <a:t>K = 500</a:t>
+            </a:r>
+            <a:endParaRPr lang="zh-CN" altLang="en-US" sz="2400" b="1" dirty="0">
+              <a:solidFill>
+                <a:schemeClr val="bg1"/>
+              </a:solidFill>
+            </a:endParaRPr>
+          </a:p>
+        </p:txBody>
+      </p:sp>
+      <p:pic>
+        <p:nvPicPr>
+          <p:cNvPr id="4" name="图片 3">
+            <a:extLst>
+              <a:ext uri="{FF2B5EF4-FFF2-40B4-BE49-F238E27FC236}">
+                <a16:creationId xmlns:a16="http://schemas.microsoft.com/office/drawing/2014/main" id="{14A2689F-F6D4-4754-8E6A-CDAFC4A83962}"/>
+              </a:ext>
+            </a:extLst>
+          </p:cNvPr>
+          <p:cNvPicPr>
+            <a:picLocks noChangeAspect="1"/>
+          </p:cNvPicPr>
+          <p:nvPr/>
+        </p:nvPicPr>
+        <p:blipFill>
+          <a:blip r:embed="rId4">
+            <a:extLst>
+              <a:ext uri="{28A0092B-C50C-407E-A947-70E740481C1C}">
+                <a14:useLocalDpi xmlns:a14="http://schemas.microsoft.com/office/drawing/2010/main" val="0"/>
+              </a:ext>
+            </a:extLst>
+          </a:blip>
+          <a:stretch>
+            <a:fillRect/>
+          </a:stretch>
+        </p:blipFill>
+        <p:spPr>
+          <a:xfrm>
+            <a:off x="6309064" y="1222246"/>
+            <a:ext cx="4990006" cy="2454324"/>
+          </a:xfrm>
+          <a:prstGeom prst="rect">
+            <a:avLst/>
+          </a:prstGeom>
+        </p:spPr>
+      </p:pic>
+      <p:sp>
+        <p:nvSpPr>
+          <p:cNvPr id="14" name="文本框 13">
+            <a:extLst>
+              <a:ext uri="{FF2B5EF4-FFF2-40B4-BE49-F238E27FC236}">
+                <a16:creationId xmlns:a16="http://schemas.microsoft.com/office/drawing/2014/main" id="{ECA6388C-6E03-40B6-8473-7874C709D2F1}"/>
+              </a:ext>
+            </a:extLst>
+          </p:cNvPr>
+          <p:cNvSpPr txBox="1"/>
+          <p:nvPr/>
+        </p:nvSpPr>
+        <p:spPr>
+          <a:xfrm>
+            <a:off x="8426399" y="1333817"/>
+            <a:ext cx="1098378" cy="461665"/>
+          </a:xfrm>
+          <a:prstGeom prst="rect">
+            <a:avLst/>
+          </a:prstGeom>
+          <a:noFill/>
+        </p:spPr>
+        <p:txBody>
+          <a:bodyPr wrap="none" rtlCol="0">
+            <a:spAutoFit/>
+          </a:bodyPr>
+          <a:lstStyle/>
+          <a:p>
+            <a:r>
+              <a:rPr lang="en-US" altLang="zh-CN" sz="2400" b="1" dirty="0">
+                <a:solidFill>
+                  <a:schemeClr val="bg1"/>
+                </a:solidFill>
+              </a:rPr>
+              <a:t>K = 50</a:t>
+            </a:r>
+            <a:endParaRPr lang="zh-CN" altLang="en-US" sz="2400" b="1" dirty="0">
+              <a:solidFill>
+                <a:schemeClr val="bg1"/>
+              </a:solidFill>
+            </a:endParaRPr>
+          </a:p>
+        </p:txBody>
+      </p:sp>
+      <p:pic>
+        <p:nvPicPr>
+          <p:cNvPr id="7" name="图片 6">
+            <a:extLst>
+              <a:ext uri="{FF2B5EF4-FFF2-40B4-BE49-F238E27FC236}">
+                <a16:creationId xmlns:a16="http://schemas.microsoft.com/office/drawing/2014/main" id="{C50C658F-C02D-4EA9-AE1F-8036A254530A}"/>
+              </a:ext>
+            </a:extLst>
+          </p:cNvPr>
+          <p:cNvPicPr>
+            <a:picLocks noChangeAspect="1"/>
+          </p:cNvPicPr>
+          <p:nvPr/>
+        </p:nvPicPr>
+        <p:blipFill>
+          <a:blip r:embed="rId5">
+            <a:extLst>
+              <a:ext uri="{28A0092B-C50C-407E-A947-70E740481C1C}">
+                <a14:useLocalDpi xmlns:a14="http://schemas.microsoft.com/office/drawing/2010/main" val="0"/>
+              </a:ext>
+            </a:extLst>
+          </a:blip>
+          <a:stretch>
+            <a:fillRect/>
+          </a:stretch>
+        </p:blipFill>
+        <p:spPr>
+          <a:xfrm>
+            <a:off x="592771" y="1222246"/>
+            <a:ext cx="4990006" cy="2454324"/>
+          </a:xfrm>
+          <a:prstGeom prst="rect">
+            <a:avLst/>
+          </a:prstGeom>
+        </p:spPr>
+      </p:pic>
+      <p:sp>
+        <p:nvSpPr>
+          <p:cNvPr id="17" name="文本框 16">
+            <a:extLst>
+              <a:ext uri="{FF2B5EF4-FFF2-40B4-BE49-F238E27FC236}">
+                <a16:creationId xmlns:a16="http://schemas.microsoft.com/office/drawing/2014/main" id="{3D6872F1-D82E-4BE6-81ED-AB2520B4DA04}"/>
+              </a:ext>
+            </a:extLst>
+          </p:cNvPr>
+          <p:cNvSpPr txBox="1"/>
+          <p:nvPr/>
+        </p:nvSpPr>
+        <p:spPr>
+          <a:xfrm>
+            <a:off x="2795865" y="1333817"/>
+            <a:ext cx="926857" cy="461665"/>
+          </a:xfrm>
+          <a:prstGeom prst="rect">
+            <a:avLst/>
+          </a:prstGeom>
+          <a:noFill/>
+        </p:spPr>
+        <p:txBody>
+          <a:bodyPr wrap="none" rtlCol="0">
+            <a:spAutoFit/>
+          </a:bodyPr>
+          <a:lstStyle/>
+          <a:p>
+            <a:r>
+              <a:rPr lang="en-US" altLang="zh-CN" sz="2400" b="1" dirty="0">
+                <a:solidFill>
+                  <a:schemeClr val="bg1"/>
+                </a:solidFill>
+              </a:rPr>
+              <a:t>K = 5</a:t>
             </a:r>
             <a:endParaRPr lang="zh-CN" altLang="en-US" sz="2400" b="1" dirty="0">
               <a:solidFill>
